--- a/WebContent/resources/ppt/實時工時系統USERGUIDE.pptx
+++ b/WebContent/resources/ppt/實時工時系統USERGUIDE.pptx
@@ -8,7 +8,7 @@
     <p:notesMasterId r:id="rId17"/>
   </p:notesMasterIdLst>
   <p:handoutMasterIdLst>
-    <p:handoutMasterId r:id="rId66"/>
+    <p:handoutMasterId r:id="rId63"/>
   </p:handoutMasterIdLst>
   <p:sldIdLst>
     <p:sldId id="256" r:id="rId3"/>
@@ -42,37 +42,34 @@
     <p:sldId id="624" r:id="rId32"/>
     <p:sldId id="625" r:id="rId33"/>
     <p:sldId id="626" r:id="rId34"/>
-    <p:sldId id="700" r:id="rId35"/>
-    <p:sldId id="702" r:id="rId36"/>
-    <p:sldId id="703" r:id="rId37"/>
-    <p:sldId id="704" r:id="rId38"/>
-    <p:sldId id="701" r:id="rId39"/>
-    <p:sldId id="663" r:id="rId40"/>
-    <p:sldId id="664" r:id="rId41"/>
-    <p:sldId id="665" r:id="rId42"/>
-    <p:sldId id="666" r:id="rId43"/>
-    <p:sldId id="627" r:id="rId44"/>
-    <p:sldId id="628" r:id="rId45"/>
-    <p:sldId id="629" r:id="rId46"/>
-    <p:sldId id="630" r:id="rId47"/>
-    <p:sldId id="632" r:id="rId48"/>
-    <p:sldId id="633" r:id="rId49"/>
-    <p:sldId id="644" r:id="rId50"/>
-    <p:sldId id="645" r:id="rId51"/>
-    <p:sldId id="646" r:id="rId52"/>
-    <p:sldId id="647" r:id="rId53"/>
-    <p:sldId id="648" r:id="rId54"/>
-    <p:sldId id="705" r:id="rId55"/>
-    <p:sldId id="649" r:id="rId56"/>
-    <p:sldId id="650" r:id="rId57"/>
-    <p:sldId id="651" r:id="rId58"/>
-    <p:sldId id="652" r:id="rId59"/>
-    <p:sldId id="653" r:id="rId60"/>
-    <p:sldId id="654" r:id="rId61"/>
-    <p:sldId id="655" r:id="rId62"/>
-    <p:sldId id="656" r:id="rId63"/>
-    <p:sldId id="495" r:id="rId64"/>
-    <p:sldId id="326" r:id="rId65"/>
+    <p:sldId id="704" r:id="rId35"/>
+    <p:sldId id="701" r:id="rId36"/>
+    <p:sldId id="663" r:id="rId37"/>
+    <p:sldId id="664" r:id="rId38"/>
+    <p:sldId id="665" r:id="rId39"/>
+    <p:sldId id="666" r:id="rId40"/>
+    <p:sldId id="627" r:id="rId41"/>
+    <p:sldId id="628" r:id="rId42"/>
+    <p:sldId id="629" r:id="rId43"/>
+    <p:sldId id="630" r:id="rId44"/>
+    <p:sldId id="632" r:id="rId45"/>
+    <p:sldId id="633" r:id="rId46"/>
+    <p:sldId id="644" r:id="rId47"/>
+    <p:sldId id="645" r:id="rId48"/>
+    <p:sldId id="646" r:id="rId49"/>
+    <p:sldId id="647" r:id="rId50"/>
+    <p:sldId id="648" r:id="rId51"/>
+    <p:sldId id="705" r:id="rId52"/>
+    <p:sldId id="649" r:id="rId53"/>
+    <p:sldId id="650" r:id="rId54"/>
+    <p:sldId id="651" r:id="rId55"/>
+    <p:sldId id="652" r:id="rId56"/>
+    <p:sldId id="653" r:id="rId57"/>
+    <p:sldId id="654" r:id="rId58"/>
+    <p:sldId id="655" r:id="rId59"/>
+    <p:sldId id="656" r:id="rId60"/>
+    <p:sldId id="495" r:id="rId61"/>
+    <p:sldId id="326" r:id="rId62"/>
   </p:sldIdLst>
   <p:sldSz cx="9144000" cy="6858000" type="screen4x3"/>
   <p:notesSz cx="6858000" cy="9144000"/>
@@ -8074,7 +8071,7 @@
       </p:sp>
       <p:pic>
         <p:nvPicPr>
-          <p:cNvPr id="4" name="图片 3"/>
+          <p:cNvPr id="8" name="图片 7"/>
           <p:cNvPicPr>
             <a:picLocks noChangeAspect="1"/>
           </p:cNvPicPr>
@@ -8088,102 +8085,14 @@
         </p:blipFill>
         <p:spPr>
           <a:xfrm>
-            <a:off x="244475" y="1247775"/>
-            <a:ext cx="8170545" cy="3810000"/>
+            <a:off x="179070" y="1028065"/>
+            <a:ext cx="8791575" cy="5267325"/>
           </a:xfrm>
           <a:prstGeom prst="rect">
             <a:avLst/>
           </a:prstGeom>
         </p:spPr>
       </p:pic>
-      <p:sp>
-        <p:nvSpPr>
-          <p:cNvPr id="5" name="右箭头 4"/>
-          <p:cNvSpPr/>
-          <p:nvPr/>
-        </p:nvSpPr>
-        <p:spPr>
-          <a:xfrm rot="11760000">
-            <a:off x="4397375" y="3888105"/>
-            <a:ext cx="1069340" cy="122555"/>
-          </a:xfrm>
-          <a:prstGeom prst="rightArrow">
-            <a:avLst>
-              <a:gd name="adj1" fmla="val 17969"/>
-              <a:gd name="adj2" fmla="val 50000"/>
-            </a:avLst>
-          </a:prstGeom>
-          <a:noFill/>
-          <a:ln w="38100" cap="flat" cmpd="sng">
-            <a:solidFill>
-              <a:srgbClr val="FF00FF"/>
-            </a:solidFill>
-            <a:prstDash val="solid"/>
-            <a:round/>
-            <a:headEnd type="none" w="med" len="med"/>
-            <a:tailEnd type="none" w="med" len="med"/>
-          </a:ln>
-        </p:spPr>
-        <p:txBody>
-          <a:bodyPr anchor="t"/>
-          <a:p>
-            <a:pPr lvl="0" indent="0"/>
-            <a:endParaRPr lang="zh-TW" altLang="en-US">
-              <a:latin typeface="Arial" panose="020B0604020202020204" pitchFamily="34" charset="0"/>
-              <a:ea typeface="PMingLiU" panose="02020500000000000000" pitchFamily="18" charset="-120"/>
-            </a:endParaRPr>
-          </a:p>
-        </p:txBody>
-      </p:sp>
-      <p:sp>
-        <p:nvSpPr>
-          <p:cNvPr id="6" name="文本框 5"/>
-          <p:cNvSpPr txBox="1"/>
-          <p:nvPr/>
-        </p:nvSpPr>
-        <p:spPr>
-          <a:xfrm>
-            <a:off x="5462905" y="4062730"/>
-            <a:ext cx="1140460" cy="645160"/>
-          </a:xfrm>
-          <a:prstGeom prst="rect">
-            <a:avLst/>
-          </a:prstGeom>
-          <a:ln>
-            <a:prstDash val="sysDot"/>
-          </a:ln>
-        </p:spPr>
-        <p:style>
-          <a:lnRef idx="3">
-            <a:schemeClr val="lt1"/>
-          </a:lnRef>
-          <a:fillRef idx="1">
-            <a:schemeClr val="accent2"/>
-          </a:fillRef>
-          <a:effectRef idx="1">
-            <a:schemeClr val="accent2"/>
-          </a:effectRef>
-          <a:fontRef idx="minor">
-            <a:schemeClr val="lt1"/>
-          </a:fontRef>
-        </p:style>
-        <p:txBody>
-          <a:bodyPr wrap="square" rtlCol="0">
-            <a:spAutoFit/>
-          </a:bodyPr>
-          <a:p>
-            <a:r>
-              <a:rPr lang="zh-CN" altLang="en-US"/>
-              <a:t>點擊下載</a:t>
-            </a:r>
-            <a:r>
-              <a:rPr lang="en-US" altLang="zh-CN"/>
-              <a:t>SOP</a:t>
-            </a:r>
-            <a:endParaRPr lang="en-US" altLang="zh-CN"/>
-          </a:p>
-        </p:txBody>
-      </p:sp>
     </p:spTree>
   </p:cSld>
   <p:clrMapOvr>
@@ -11015,7 +10924,7 @@
                 <a:latin typeface="DFKai-SB" panose="03000509000000000000" charset="-122"/>
                 <a:ea typeface="DFKai-SB" panose="03000509000000000000" charset="-122"/>
               </a:rPr>
-              <a:t>加班單提交畫面</a:t>
+              <a:t>加班單提交后頂崗津貼申請單會發郵件到</a:t>
             </a:r>
             <a:r>
               <a:rPr lang="en-US" altLang="zh-CN" b="0" dirty="0">
@@ -11025,57 +10934,7 @@
                 <a:latin typeface="DFKai-SB" panose="03000509000000000000" charset="-122"/>
                 <a:ea typeface="DFKai-SB" panose="03000509000000000000" charset="-122"/>
               </a:rPr>
-              <a:t>:</a:t>
-            </a:r>
-            <a:r>
-              <a:rPr lang="zh-CN" altLang="zh-CN" b="0" dirty="0">
-                <a:solidFill>
-                  <a:srgbClr val="000066"/>
-                </a:solidFill>
-                <a:latin typeface="DFKai-SB" panose="03000509000000000000" charset="-122"/>
-                <a:ea typeface="宋体" panose="02010600030101010101" pitchFamily="2" charset="-122"/>
-              </a:rPr>
-              <a:t> </a:t>
-            </a:r>
-            <a:r>
-              <a:rPr lang="zh-CN" altLang="zh-TW" b="0" dirty="0">
-                <a:solidFill>
-                  <a:srgbClr val="000066"/>
-                </a:solidFill>
-                <a:latin typeface="DFKai-SB" panose="03000509000000000000" charset="-122"/>
-                <a:ea typeface="DFKai-SB" panose="03000509000000000000" charset="-122"/>
-              </a:rPr>
-              <a:t>在標題列上方挑選 </a:t>
-            </a:r>
-            <a:r>
-              <a:rPr lang="zh-CN" altLang="zh-TW" dirty="0">
-                <a:solidFill>
-                  <a:srgbClr val="000066"/>
-                </a:solidFill>
-                <a:latin typeface="DFKai-SB" panose="03000509000000000000" charset="-122"/>
-                <a:ea typeface="DFKai-SB" panose="03000509000000000000" charset="-122"/>
-              </a:rPr>
-              <a:t>時間 </a:t>
-            </a:r>
-            <a:r>
-              <a:rPr lang="en-US" altLang="zh-CN" b="0" dirty="0">
-                <a:solidFill>
-                  <a:srgbClr val="000066"/>
-                </a:solidFill>
-                <a:latin typeface="DFKai-SB" panose="03000509000000000000" charset="-122"/>
-                <a:ea typeface="DFKai-SB" panose="03000509000000000000" charset="-122"/>
-              </a:rPr>
-              <a:t>&amp; </a:t>
-            </a:r>
-            <a:r>
-              <a:rPr lang="zh-CN" altLang="zh-TW" dirty="0">
-                <a:solidFill>
-                  <a:srgbClr val="000066"/>
-                </a:solidFill>
-                <a:latin typeface="DFKai-SB" panose="03000509000000000000" charset="-122"/>
-                <a:ea typeface="DFKai-SB" panose="03000509000000000000" charset="-122"/>
-              </a:rPr>
-              <a:t>加班類型</a:t>
+              <a:t>notes</a:t>
             </a:r>
             <a:r>
               <a:rPr lang="zh-CN" altLang="zh-TW" b="0" dirty="0">
@@ -11091,42 +10950,6 @@
               <a:latin typeface="DFKai-SB" panose="03000509000000000000" charset="-122"/>
               <a:ea typeface="DFKai-SB" panose="03000509000000000000" charset="-122"/>
               <a:sym typeface="宋体" panose="02010600030101010101" pitchFamily="2" charset="-122"/>
-            </a:endParaRPr>
-          </a:p>
-        </p:txBody>
-      </p:sp>
-      <p:sp>
-        <p:nvSpPr>
-          <p:cNvPr id="4" name="矩形 3"/>
-          <p:cNvSpPr/>
-          <p:nvPr/>
-        </p:nvSpPr>
-        <p:spPr>
-          <a:xfrm>
-            <a:off x="7019925" y="2924810"/>
-            <a:ext cx="576580" cy="647700"/>
-          </a:xfrm>
-          <a:prstGeom prst="rect">
-            <a:avLst/>
-          </a:prstGeom>
-          <a:noFill/>
-          <a:ln w="38100" cap="flat" cmpd="sng">
-            <a:solidFill>
-              <a:srgbClr val="FF00FF"/>
-            </a:solidFill>
-            <a:prstDash val="solid"/>
-            <a:round/>
-            <a:headEnd type="none" w="med" len="med"/>
-            <a:tailEnd type="none" w="med" len="med"/>
-          </a:ln>
-        </p:spPr>
-        <p:txBody>
-          <a:bodyPr anchor="t"/>
-          <a:p>
-            <a:pPr lvl="0" indent="0"/>
-            <a:endParaRPr lang="zh-TW" altLang="en-US">
-              <a:latin typeface="Arial" panose="020B0604020202020204" pitchFamily="34" charset="0"/>
-              <a:ea typeface="PMingLiU" panose="02020500000000000000" pitchFamily="18" charset="-120"/>
             </a:endParaRPr>
           </a:p>
         </p:txBody>
@@ -11167,56 +10990,30 @@
           </a:p>
         </p:txBody>
       </p:sp>
-      <p:sp>
-        <p:nvSpPr>
-          <p:cNvPr id="6" name="文本框 5"/>
-          <p:cNvSpPr txBox="1"/>
+      <p:pic>
+        <p:nvPicPr>
+          <p:cNvPr id="2" name="图片 1" descr="image_2019_07_10T01_14_44_297Z"/>
+          <p:cNvPicPr>
+            <a:picLocks noChangeAspect="1"/>
+          </p:cNvPicPr>
           <p:nvPr/>
-        </p:nvSpPr>
+        </p:nvPicPr>
+        <p:blipFill>
+          <a:blip r:embed="rId1"/>
+          <a:stretch>
+            <a:fillRect/>
+          </a:stretch>
+        </p:blipFill>
         <p:spPr>
           <a:xfrm>
-            <a:off x="6047740" y="4608195"/>
-            <a:ext cx="2021840" cy="645160"/>
+            <a:off x="513080" y="1395730"/>
+            <a:ext cx="7096760" cy="5114925"/>
           </a:xfrm>
           <a:prstGeom prst="rect">
             <a:avLst/>
           </a:prstGeom>
-          <a:noFill/>
-          <a:ln w="3175">
-            <a:solidFill>
-              <a:srgbClr val="FFC000"/>
-            </a:solidFill>
-            <a:prstDash val="lgDash"/>
-          </a:ln>
         </p:spPr>
-        <p:txBody>
-          <a:bodyPr wrap="none" rtlCol="0">
-            <a:spAutoFit/>
-          </a:bodyPr>
-          <a:p>
-            <a:r>
-              <a:rPr lang="zh-CN" altLang="en-US">
-                <a:ea typeface="宋体" panose="02010600030101010101" pitchFamily="2" charset="-122"/>
-              </a:rPr>
-              <a:t>有下拉提示框可以</a:t>
-            </a:r>
-            <a:endParaRPr lang="zh-CN" altLang="en-US">
-              <a:ea typeface="宋体" panose="02010600030101010101" pitchFamily="2" charset="-122"/>
-            </a:endParaRPr>
-          </a:p>
-          <a:p>
-            <a:r>
-              <a:rPr lang="zh-CN" altLang="en-US">
-                <a:ea typeface="宋体" panose="02010600030101010101" pitchFamily="2" charset="-122"/>
-              </a:rPr>
-              <a:t>修改頂崗津貼實數</a:t>
-            </a:r>
-            <a:endParaRPr lang="zh-CN" altLang="en-US">
-              <a:ea typeface="宋体" panose="02010600030101010101" pitchFamily="2" charset="-122"/>
-            </a:endParaRPr>
-          </a:p>
-        </p:txBody>
-      </p:sp>
+      </p:pic>
     </p:spTree>
   </p:cSld>
   <p:clrMapOvr>
@@ -11437,128 +11234,30 @@
           </a:p>
         </p:txBody>
       </p:sp>
-      <p:sp>
-        <p:nvSpPr>
-          <p:cNvPr id="4" name="矩形 3"/>
-          <p:cNvSpPr/>
+      <p:pic>
+        <p:nvPicPr>
+          <p:cNvPr id="2" name="图片 1" descr="image_2019_07_10T01_15_09_795Z"/>
+          <p:cNvPicPr>
+            <a:picLocks noChangeAspect="1"/>
+          </p:cNvPicPr>
           <p:nvPr/>
-        </p:nvSpPr>
+        </p:nvPicPr>
+        <p:blipFill>
+          <a:blip r:embed="rId1"/>
+          <a:stretch>
+            <a:fillRect/>
+          </a:stretch>
+        </p:blipFill>
         <p:spPr>
           <a:xfrm>
-            <a:off x="7019925" y="2924810"/>
-            <a:ext cx="576580" cy="647700"/>
+            <a:off x="512445" y="836930"/>
+            <a:ext cx="8250555" cy="5701030"/>
           </a:xfrm>
           <a:prstGeom prst="rect">
             <a:avLst/>
           </a:prstGeom>
-          <a:noFill/>
-          <a:ln w="38100" cap="flat" cmpd="sng">
-            <a:solidFill>
-              <a:srgbClr val="FF00FF"/>
-            </a:solidFill>
-            <a:prstDash val="solid"/>
-            <a:round/>
-            <a:headEnd type="none" w="med" len="med"/>
-            <a:tailEnd type="none" w="med" len="med"/>
-          </a:ln>
         </p:spPr>
-        <p:txBody>
-          <a:bodyPr anchor="t"/>
-          <a:p>
-            <a:pPr lvl="0" indent="0"/>
-            <a:endParaRPr lang="zh-TW" altLang="en-US">
-              <a:latin typeface="Arial" panose="020B0604020202020204" pitchFamily="34" charset="0"/>
-              <a:ea typeface="PMingLiU" panose="02020500000000000000" pitchFamily="18" charset="-120"/>
-            </a:endParaRPr>
-          </a:p>
-        </p:txBody>
-      </p:sp>
-      <p:sp>
-        <p:nvSpPr>
-          <p:cNvPr id="5" name="右箭头 4"/>
-          <p:cNvSpPr/>
-          <p:nvPr/>
-        </p:nvSpPr>
-        <p:spPr>
-          <a:xfrm rot="18300000">
-            <a:off x="6264275" y="4027805"/>
-            <a:ext cx="1151890" cy="76200"/>
-          </a:xfrm>
-          <a:prstGeom prst="rightArrow">
-            <a:avLst/>
-          </a:prstGeom>
-          <a:noFill/>
-          <a:ln w="38100" cap="flat" cmpd="sng">
-            <a:solidFill>
-              <a:srgbClr val="FF00FF"/>
-            </a:solidFill>
-            <a:prstDash val="solid"/>
-            <a:round/>
-            <a:headEnd type="none" w="med" len="med"/>
-            <a:tailEnd type="none" w="med" len="med"/>
-          </a:ln>
-        </p:spPr>
-        <p:txBody>
-          <a:bodyPr anchor="t"/>
-          <a:p>
-            <a:pPr lvl="0" indent="0"/>
-            <a:endParaRPr lang="zh-TW" altLang="en-US">
-              <a:latin typeface="Arial" panose="020B0604020202020204" pitchFamily="34" charset="0"/>
-              <a:ea typeface="PMingLiU" panose="02020500000000000000" pitchFamily="18" charset="-120"/>
-            </a:endParaRPr>
-          </a:p>
-        </p:txBody>
-      </p:sp>
-      <p:sp>
-        <p:nvSpPr>
-          <p:cNvPr id="6" name="文本框 5"/>
-          <p:cNvSpPr txBox="1"/>
-          <p:nvPr/>
-        </p:nvSpPr>
-        <p:spPr>
-          <a:xfrm>
-            <a:off x="6047740" y="4608195"/>
-            <a:ext cx="2021840" cy="645160"/>
-          </a:xfrm>
-          <a:prstGeom prst="rect">
-            <a:avLst/>
-          </a:prstGeom>
-          <a:noFill/>
-          <a:ln w="3175">
-            <a:solidFill>
-              <a:srgbClr val="FFC000"/>
-            </a:solidFill>
-            <a:prstDash val="lgDash"/>
-          </a:ln>
-        </p:spPr>
-        <p:txBody>
-          <a:bodyPr wrap="none" rtlCol="0">
-            <a:spAutoFit/>
-          </a:bodyPr>
-          <a:p>
-            <a:r>
-              <a:rPr lang="zh-CN" altLang="en-US">
-                <a:ea typeface="宋体" panose="02010600030101010101" pitchFamily="2" charset="-122"/>
-              </a:rPr>
-              <a:t>有下拉提示框可以</a:t>
-            </a:r>
-            <a:endParaRPr lang="zh-CN" altLang="en-US">
-              <a:ea typeface="宋体" panose="02010600030101010101" pitchFamily="2" charset="-122"/>
-            </a:endParaRPr>
-          </a:p>
-          <a:p>
-            <a:r>
-              <a:rPr lang="zh-CN" altLang="en-US">
-                <a:ea typeface="宋体" panose="02010600030101010101" pitchFamily="2" charset="-122"/>
-              </a:rPr>
-              <a:t>修改頂崗津貼實數</a:t>
-            </a:r>
-            <a:endParaRPr lang="zh-CN" altLang="en-US">
-              <a:ea typeface="宋体" panose="02010600030101010101" pitchFamily="2" charset="-122"/>
-            </a:endParaRPr>
-          </a:p>
-        </p:txBody>
-      </p:sp>
+      </p:pic>
     </p:spTree>
   </p:cSld>
   <p:clrMapOvr>
@@ -11779,128 +11478,30 @@
           </a:p>
         </p:txBody>
       </p:sp>
-      <p:sp>
-        <p:nvSpPr>
-          <p:cNvPr id="4" name="矩形 3"/>
-          <p:cNvSpPr/>
+      <p:pic>
+        <p:nvPicPr>
+          <p:cNvPr id="3" name="图片 2"/>
+          <p:cNvPicPr>
+            <a:picLocks noChangeAspect="1"/>
+          </p:cNvPicPr>
           <p:nvPr/>
-        </p:nvSpPr>
+        </p:nvPicPr>
+        <p:blipFill>
+          <a:blip r:embed="rId1"/>
+          <a:stretch>
+            <a:fillRect/>
+          </a:stretch>
+        </p:blipFill>
         <p:spPr>
           <a:xfrm>
-            <a:off x="7019925" y="2924810"/>
-            <a:ext cx="576580" cy="647700"/>
+            <a:off x="304165" y="1678940"/>
+            <a:ext cx="8251825" cy="4222750"/>
           </a:xfrm>
           <a:prstGeom prst="rect">
             <a:avLst/>
           </a:prstGeom>
-          <a:noFill/>
-          <a:ln w="38100" cap="flat" cmpd="sng">
-            <a:solidFill>
-              <a:srgbClr val="FF00FF"/>
-            </a:solidFill>
-            <a:prstDash val="solid"/>
-            <a:round/>
-            <a:headEnd type="none" w="med" len="med"/>
-            <a:tailEnd type="none" w="med" len="med"/>
-          </a:ln>
         </p:spPr>
-        <p:txBody>
-          <a:bodyPr anchor="t"/>
-          <a:p>
-            <a:pPr lvl="0" indent="0"/>
-            <a:endParaRPr lang="zh-TW" altLang="en-US">
-              <a:latin typeface="Arial" panose="020B0604020202020204" pitchFamily="34" charset="0"/>
-              <a:ea typeface="PMingLiU" panose="02020500000000000000" pitchFamily="18" charset="-120"/>
-            </a:endParaRPr>
-          </a:p>
-        </p:txBody>
-      </p:sp>
-      <p:sp>
-        <p:nvSpPr>
-          <p:cNvPr id="5" name="右箭头 4"/>
-          <p:cNvSpPr/>
-          <p:nvPr/>
-        </p:nvSpPr>
-        <p:spPr>
-          <a:xfrm rot="18300000">
-            <a:off x="6264275" y="4027805"/>
-            <a:ext cx="1151890" cy="76200"/>
-          </a:xfrm>
-          <a:prstGeom prst="rightArrow">
-            <a:avLst/>
-          </a:prstGeom>
-          <a:noFill/>
-          <a:ln w="38100" cap="flat" cmpd="sng">
-            <a:solidFill>
-              <a:srgbClr val="FF00FF"/>
-            </a:solidFill>
-            <a:prstDash val="solid"/>
-            <a:round/>
-            <a:headEnd type="none" w="med" len="med"/>
-            <a:tailEnd type="none" w="med" len="med"/>
-          </a:ln>
-        </p:spPr>
-        <p:txBody>
-          <a:bodyPr anchor="t"/>
-          <a:p>
-            <a:pPr lvl="0" indent="0"/>
-            <a:endParaRPr lang="zh-TW" altLang="en-US">
-              <a:latin typeface="Arial" panose="020B0604020202020204" pitchFamily="34" charset="0"/>
-              <a:ea typeface="PMingLiU" panose="02020500000000000000" pitchFamily="18" charset="-120"/>
-            </a:endParaRPr>
-          </a:p>
-        </p:txBody>
-      </p:sp>
-      <p:sp>
-        <p:nvSpPr>
-          <p:cNvPr id="6" name="文本框 5"/>
-          <p:cNvSpPr txBox="1"/>
-          <p:nvPr/>
-        </p:nvSpPr>
-        <p:spPr>
-          <a:xfrm>
-            <a:off x="6047740" y="4608195"/>
-            <a:ext cx="2021840" cy="645160"/>
-          </a:xfrm>
-          <a:prstGeom prst="rect">
-            <a:avLst/>
-          </a:prstGeom>
-          <a:noFill/>
-          <a:ln w="3175">
-            <a:solidFill>
-              <a:srgbClr val="FFC000"/>
-            </a:solidFill>
-            <a:prstDash val="lgDash"/>
-          </a:ln>
-        </p:spPr>
-        <p:txBody>
-          <a:bodyPr wrap="none" rtlCol="0">
-            <a:spAutoFit/>
-          </a:bodyPr>
-          <a:p>
-            <a:r>
-              <a:rPr lang="zh-CN" altLang="en-US">
-                <a:ea typeface="宋体" panose="02010600030101010101" pitchFamily="2" charset="-122"/>
-              </a:rPr>
-              <a:t>有下拉提示框可以</a:t>
-            </a:r>
-            <a:endParaRPr lang="zh-CN" altLang="en-US">
-              <a:ea typeface="宋体" panose="02010600030101010101" pitchFamily="2" charset="-122"/>
-            </a:endParaRPr>
-          </a:p>
-          <a:p>
-            <a:r>
-              <a:rPr lang="zh-CN" altLang="en-US">
-                <a:ea typeface="宋体" panose="02010600030101010101" pitchFamily="2" charset="-122"/>
-              </a:rPr>
-              <a:t>修改頂崗津貼實數</a:t>
-            </a:r>
-            <a:endParaRPr lang="zh-CN" altLang="en-US">
-              <a:ea typeface="宋体" panose="02010600030101010101" pitchFamily="2" charset="-122"/>
-            </a:endParaRPr>
-          </a:p>
-        </p:txBody>
-      </p:sp>
+      </p:pic>
     </p:spTree>
   </p:cSld>
   <p:clrMapOvr>
@@ -12041,7 +11642,7 @@
                 <a:latin typeface="DFKai-SB" panose="03000509000000000000" charset="-122"/>
                 <a:ea typeface="DFKai-SB" panose="03000509000000000000" charset="-122"/>
               </a:rPr>
-              <a:t>加班單提交后頂崗津貼申請單會發郵件到</a:t>
+              <a:t>加班單提交畫面</a:t>
             </a:r>
             <a:r>
               <a:rPr lang="en-US" altLang="zh-CN" b="0" dirty="0">
@@ -12051,7 +11652,57 @@
                 <a:latin typeface="DFKai-SB" panose="03000509000000000000" charset="-122"/>
                 <a:ea typeface="DFKai-SB" panose="03000509000000000000" charset="-122"/>
               </a:rPr>
-              <a:t>notes</a:t>
+              <a:t>:</a:t>
+            </a:r>
+            <a:r>
+              <a:rPr lang="zh-CN" altLang="zh-CN" b="0" dirty="0">
+                <a:solidFill>
+                  <a:srgbClr val="000066"/>
+                </a:solidFill>
+                <a:latin typeface="DFKai-SB" panose="03000509000000000000" charset="-122"/>
+                <a:ea typeface="宋体" panose="02010600030101010101" pitchFamily="2" charset="-122"/>
+              </a:rPr>
+              <a:t> </a:t>
+            </a:r>
+            <a:r>
+              <a:rPr lang="zh-CN" altLang="zh-TW" b="0" dirty="0">
+                <a:solidFill>
+                  <a:srgbClr val="000066"/>
+                </a:solidFill>
+                <a:latin typeface="DFKai-SB" panose="03000509000000000000" charset="-122"/>
+                <a:ea typeface="DFKai-SB" panose="03000509000000000000" charset="-122"/>
+              </a:rPr>
+              <a:t>在標題列上方挑選 </a:t>
+            </a:r>
+            <a:r>
+              <a:rPr lang="zh-CN" altLang="zh-TW" dirty="0">
+                <a:solidFill>
+                  <a:srgbClr val="000066"/>
+                </a:solidFill>
+                <a:latin typeface="DFKai-SB" panose="03000509000000000000" charset="-122"/>
+                <a:ea typeface="DFKai-SB" panose="03000509000000000000" charset="-122"/>
+              </a:rPr>
+              <a:t>時間 </a:t>
+            </a:r>
+            <a:r>
+              <a:rPr lang="en-US" altLang="zh-CN" b="0" dirty="0">
+                <a:solidFill>
+                  <a:srgbClr val="000066"/>
+                </a:solidFill>
+                <a:latin typeface="DFKai-SB" panose="03000509000000000000" charset="-122"/>
+                <a:ea typeface="DFKai-SB" panose="03000509000000000000" charset="-122"/>
+              </a:rPr>
+              <a:t>&amp; </a:t>
+            </a:r>
+            <a:r>
+              <a:rPr lang="zh-CN" altLang="zh-TW" dirty="0">
+                <a:solidFill>
+                  <a:srgbClr val="000066"/>
+                </a:solidFill>
+                <a:latin typeface="DFKai-SB" panose="03000509000000000000" charset="-122"/>
+                <a:ea typeface="DFKai-SB" panose="03000509000000000000" charset="-122"/>
+              </a:rPr>
+              <a:t>加班類型</a:t>
             </a:r>
             <a:r>
               <a:rPr lang="zh-CN" altLang="zh-TW" b="0" dirty="0">
@@ -12071,45 +11722,9 @@
           </a:p>
         </p:txBody>
       </p:sp>
-      <p:sp>
-        <p:nvSpPr>
-          <p:cNvPr id="5" name="右箭头 4"/>
-          <p:cNvSpPr/>
-          <p:nvPr/>
-        </p:nvSpPr>
-        <p:spPr>
-          <a:xfrm rot="18300000">
-            <a:off x="6264275" y="4027805"/>
-            <a:ext cx="1151890" cy="76200"/>
-          </a:xfrm>
-          <a:prstGeom prst="rightArrow">
-            <a:avLst/>
-          </a:prstGeom>
-          <a:noFill/>
-          <a:ln w="38100" cap="flat" cmpd="sng">
-            <a:solidFill>
-              <a:srgbClr val="FF00FF"/>
-            </a:solidFill>
-            <a:prstDash val="solid"/>
-            <a:round/>
-            <a:headEnd type="none" w="med" len="med"/>
-            <a:tailEnd type="none" w="med" len="med"/>
-          </a:ln>
-        </p:spPr>
-        <p:txBody>
-          <a:bodyPr anchor="t"/>
-          <a:p>
-            <a:pPr lvl="0" indent="0"/>
-            <a:endParaRPr lang="zh-TW" altLang="en-US">
-              <a:latin typeface="Arial" panose="020B0604020202020204" pitchFamily="34" charset="0"/>
-              <a:ea typeface="PMingLiU" panose="02020500000000000000" pitchFamily="18" charset="-120"/>
-            </a:endParaRPr>
-          </a:p>
-        </p:txBody>
-      </p:sp>
       <p:pic>
         <p:nvPicPr>
-          <p:cNvPr id="2" name="图片 1" descr="image_2019_07_10T01_14_44_297Z"/>
+          <p:cNvPr id="3" name="图片 2"/>
           <p:cNvPicPr>
             <a:picLocks noChangeAspect="1"/>
           </p:cNvPicPr>
@@ -12123,8 +11738,8 @@
         </p:blipFill>
         <p:spPr>
           <a:xfrm>
-            <a:off x="513080" y="1395730"/>
-            <a:ext cx="7096760" cy="5114925"/>
+            <a:off x="238125" y="1722755"/>
+            <a:ext cx="8504555" cy="4269740"/>
           </a:xfrm>
           <a:prstGeom prst="rect">
             <a:avLst/>
@@ -12353,7 +11968,7 @@
       </p:sp>
       <p:pic>
         <p:nvPicPr>
-          <p:cNvPr id="2" name="图片 1" descr="image_2019_07_10T01_15_09_795Z"/>
+          <p:cNvPr id="3" name="图片 2"/>
           <p:cNvPicPr>
             <a:picLocks noChangeAspect="1"/>
           </p:cNvPicPr>
@@ -12367,8 +11982,8 @@
         </p:blipFill>
         <p:spPr>
           <a:xfrm>
-            <a:off x="512445" y="836930"/>
-            <a:ext cx="8250555" cy="5701030"/>
+            <a:off x="318770" y="1904365"/>
+            <a:ext cx="8368030" cy="4385310"/>
           </a:xfrm>
           <a:prstGeom prst="rect">
             <a:avLst/>
@@ -12597,7 +12212,7 @@
       </p:sp>
       <p:pic>
         <p:nvPicPr>
-          <p:cNvPr id="3" name="图片 2"/>
+          <p:cNvPr id="4" name="图片 3"/>
           <p:cNvPicPr>
             <a:picLocks noChangeAspect="1"/>
           </p:cNvPicPr>
@@ -12611,8 +12226,8 @@
         </p:blipFill>
         <p:spPr>
           <a:xfrm>
-            <a:off x="304165" y="1678940"/>
-            <a:ext cx="8251825" cy="4222750"/>
+            <a:off x="299720" y="1936115"/>
+            <a:ext cx="8545195" cy="4085590"/>
           </a:xfrm>
           <a:prstGeom prst="rect">
             <a:avLst/>
@@ -12644,6 +12259,36 @@
           <a:chExt cx="0" cy="0"/>
         </a:xfrm>
       </p:grpSpPr>
+      <p:pic>
+        <p:nvPicPr>
+          <p:cNvPr id="3" name="图片 2"/>
+          <p:cNvPicPr>
+            <a:picLocks noChangeAspect="1"/>
+          </p:cNvPicPr>
+          <p:nvPr/>
+        </p:nvPicPr>
+        <p:blipFill>
+          <a:blip r:embed="rId1">
+            <a:extLst>
+              <a:ext uri="{28A0092B-C50C-407E-A947-70E740481C1C}">
+                <a14:useLocalDpi xmlns:a14="http://schemas.microsoft.com/office/drawing/2010/main" val="0"/>
+              </a:ext>
+            </a:extLst>
+          </a:blip>
+          <a:stretch>
+            <a:fillRect/>
+          </a:stretch>
+        </p:blipFill>
+        <p:spPr>
+          <a:xfrm>
+            <a:off x="17463" y="1340168"/>
+            <a:ext cx="9144000" cy="5013960"/>
+          </a:xfrm>
+          <a:prstGeom prst="rect">
+            <a:avLst/>
+          </a:prstGeom>
+        </p:spPr>
+      </p:pic>
       <p:sp>
         <p:nvSpPr>
           <p:cNvPr id="229378" name="標題 229377"/>
@@ -12725,7 +12370,7 @@
       </p:sp>
       <p:sp>
         <p:nvSpPr>
-          <p:cNvPr id="36866" name="標題 238593"/>
+          <p:cNvPr id="37890" name="標題 238593"/>
           <p:cNvSpPr>
             <a:spLocks noGrp="1"/>
           </p:cNvSpPr>
@@ -12733,7 +12378,7 @@
         </p:nvSpPr>
         <p:spPr>
           <a:xfrm>
-            <a:off x="512763" y="892175"/>
+            <a:off x="474663" y="836930"/>
             <a:ext cx="8229600" cy="503238"/>
           </a:xfrm>
           <a:prstGeom prst="rect">
@@ -12752,24 +12397,26 @@
               <a:buClrTx/>
             </a:pPr>
             <a:r>
-              <a:rPr lang="zh-CN" altLang="zh-TW" b="0" dirty="0">
-                <a:solidFill>
-                  <a:srgbClr val="000066"/>
-                </a:solidFill>
-                <a:latin typeface="DFKai-SB" panose="03000509000000000000" charset="-122"/>
-                <a:ea typeface="DFKai-SB" panose="03000509000000000000" charset="-122"/>
-              </a:rPr>
-              <a:t>加班單提交畫面</a:t>
-            </a:r>
-            <a:r>
-              <a:rPr lang="en-US" altLang="zh-CN" b="0" dirty="0">
-                <a:solidFill>
-                  <a:srgbClr val="000066"/>
-                </a:solidFill>
-                <a:latin typeface="DFKai-SB" panose="03000509000000000000" charset="-122"/>
-                <a:ea typeface="DFKai-SB" panose="03000509000000000000" charset="-122"/>
-              </a:rPr>
-              <a:t>:</a:t>
+              <a:rPr lang="zh-CN" altLang="en-US" b="0" dirty="0">
+                <a:solidFill>
+                  <a:srgbClr val="000066"/>
+                </a:solidFill>
+                <a:latin typeface="DFKai-SB" panose="03000509000000000000" charset="-122"/>
+                <a:ea typeface="DFKai-SB" panose="03000509000000000000" charset="-122"/>
+                <a:sym typeface="宋体" panose="02010600030101010101" pitchFamily="2" charset="-122"/>
+              </a:rPr>
+              <a:t>系統依</a:t>
+            </a:r>
+            <a:r>
+              <a:rPr lang="zh-CN" altLang="en-US" dirty="0">
+                <a:solidFill>
+                  <a:srgbClr val="000066"/>
+                </a:solidFill>
+                <a:latin typeface="DFKai-SB" panose="03000509000000000000" charset="-122"/>
+                <a:ea typeface="DFKai-SB" panose="03000509000000000000" charset="-122"/>
+                <a:sym typeface="宋体" panose="02010600030101010101" pitchFamily="2" charset="-122"/>
+              </a:rPr>
+              <a:t>時間</a:t>
             </a:r>
             <a:r>
               <a:rPr lang="zh-CN" altLang="zh-CN" b="0" dirty="0">
@@ -12777,61 +12424,15 @@
                   <a:srgbClr val="000066"/>
                 </a:solidFill>
                 <a:latin typeface="DFKai-SB" panose="03000509000000000000" charset="-122"/>
-                <a:ea typeface="宋体" panose="02010600030101010101" pitchFamily="2" charset="-122"/>
-              </a:rPr>
-              <a:t> </a:t>
-            </a:r>
-            <a:r>
-              <a:rPr lang="zh-CN" altLang="zh-TW" b="0" dirty="0">
-                <a:solidFill>
-                  <a:srgbClr val="000066"/>
-                </a:solidFill>
-                <a:latin typeface="DFKai-SB" panose="03000509000000000000" charset="-122"/>
-                <a:ea typeface="DFKai-SB" panose="03000509000000000000" charset="-122"/>
-              </a:rPr>
-              <a:t>在標題列上方挑選 </a:t>
-            </a:r>
-            <a:r>
-              <a:rPr lang="zh-CN" altLang="zh-TW" dirty="0">
-                <a:solidFill>
-                  <a:srgbClr val="000066"/>
-                </a:solidFill>
-                <a:latin typeface="DFKai-SB" panose="03000509000000000000" charset="-122"/>
-                <a:ea typeface="DFKai-SB" panose="03000509000000000000" charset="-122"/>
-              </a:rPr>
-              <a:t>時間 </a:t>
-            </a:r>
-            <a:r>
-              <a:rPr lang="en-US" altLang="zh-CN" b="0" dirty="0">
-                <a:solidFill>
-                  <a:srgbClr val="000066"/>
-                </a:solidFill>
-                <a:latin typeface="DFKai-SB" panose="03000509000000000000" charset="-122"/>
-                <a:ea typeface="DFKai-SB" panose="03000509000000000000" charset="-122"/>
-              </a:rPr>
-              <a:t>&amp; </a:t>
-            </a:r>
-            <a:r>
-              <a:rPr lang="zh-CN" altLang="zh-TW" dirty="0">
-                <a:solidFill>
-                  <a:srgbClr val="000066"/>
-                </a:solidFill>
-                <a:latin typeface="DFKai-SB" panose="03000509000000000000" charset="-122"/>
-                <a:ea typeface="DFKai-SB" panose="03000509000000000000" charset="-122"/>
-              </a:rPr>
-              <a:t>加班類型</a:t>
-            </a:r>
-            <a:r>
-              <a:rPr lang="zh-CN" altLang="zh-TW" b="0" dirty="0">
-                <a:solidFill>
-                  <a:srgbClr val="000066"/>
-                </a:solidFill>
-                <a:latin typeface="DFKai-SB" panose="03000509000000000000" charset="-122"/>
-                <a:ea typeface="DFKai-SB" panose="03000509000000000000" charset="-122"/>
-              </a:rPr>
-              <a:t> </a:t>
-            </a:r>
-            <a:endParaRPr lang="zh-CN" altLang="zh-TW" sz="1600" b="0" dirty="0">
+                <a:ea typeface="DFKai-SB" panose="03000509000000000000" charset="-122"/>
+                <a:sym typeface="宋体" panose="02010600030101010101" pitchFamily="2" charset="-122"/>
+              </a:rPr>
+              <a:t>顯示加班時段，并計算出員工加班小時數，請檢核確認</a:t>
+            </a:r>
+            <a:endParaRPr lang="zh-CN" altLang="zh-CN" b="0" dirty="0">
+              <a:solidFill>
+                <a:srgbClr val="000066"/>
+              </a:solidFill>
               <a:latin typeface="DFKai-SB" panose="03000509000000000000" charset="-122"/>
               <a:ea typeface="DFKai-SB" panose="03000509000000000000" charset="-122"/>
               <a:sym typeface="宋体" panose="02010600030101010101" pitchFamily="2" charset="-122"/>
@@ -12839,30 +12440,294 @@
           </a:p>
         </p:txBody>
       </p:sp>
-      <p:pic>
-        <p:nvPicPr>
-          <p:cNvPr id="3" name="图片 2"/>
-          <p:cNvPicPr>
-            <a:picLocks noChangeAspect="1"/>
-          </p:cNvPicPr>
+      <p:sp>
+        <p:nvSpPr>
+          <p:cNvPr id="37893" name="矩形圖說文字 226308"/>
+          <p:cNvSpPr/>
           <p:nvPr/>
-        </p:nvPicPr>
-        <p:blipFill>
-          <a:blip r:embed="rId1"/>
-          <a:stretch>
-            <a:fillRect/>
-          </a:stretch>
-        </p:blipFill>
+        </p:nvSpPr>
         <p:spPr>
           <a:xfrm>
-            <a:off x="238125" y="1722755"/>
-            <a:ext cx="8504555" cy="4269740"/>
+            <a:off x="6948264" y="5157192"/>
+            <a:ext cx="1900555" cy="1597025"/>
           </a:xfrm>
-          <a:prstGeom prst="rect">
-            <a:avLst/>
+          <a:prstGeom prst="wedgeRectCallout">
+            <a:avLst>
+              <a:gd name="adj1" fmla="val -20037"/>
+              <a:gd name="adj2" fmla="val -45116"/>
+            </a:avLst>
           </a:prstGeom>
+          <a:gradFill rotWithShape="1">
+            <a:gsLst>
+              <a:gs pos="0">
+                <a:srgbClr val="FCFDFE">
+                  <a:alpha val="100000"/>
+                </a:srgbClr>
+              </a:gs>
+              <a:gs pos="74001">
+                <a:srgbClr val="E0F1F2">
+                  <a:alpha val="100000"/>
+                </a:srgbClr>
+              </a:gs>
+              <a:gs pos="83000">
+                <a:srgbClr val="E0F1F2">
+                  <a:alpha val="100000"/>
+                </a:srgbClr>
+              </a:gs>
+              <a:gs pos="100000">
+                <a:srgbClr val="EBF6F7">
+                  <a:alpha val="100000"/>
+                </a:srgbClr>
+              </a:gs>
+            </a:gsLst>
+            <a:lin ang="5400000"/>
+            <a:tileRect/>
+          </a:gradFill>
+          <a:ln w="6350" cap="flat" cmpd="sng">
+            <a:solidFill>
+              <a:srgbClr val="800080"/>
+            </a:solidFill>
+            <a:prstDash val="solid"/>
+            <a:miter/>
+            <a:headEnd type="none" w="med" len="med"/>
+            <a:tailEnd type="none" w="med" len="med"/>
+          </a:ln>
         </p:spPr>
-      </p:pic>
+        <p:txBody>
+          <a:bodyPr anchor="t"/>
+          <a:lstStyle/>
+          <a:p>
+            <a:pPr lvl="0" indent="0"/>
+            <a:r>
+              <a:rPr lang="zh-CN" altLang="en-US" sz="1400" dirty="0">
+                <a:solidFill>
+                  <a:srgbClr val="333399"/>
+                </a:solidFill>
+                <a:latin typeface="DFKai-SB" panose="03000509000000000000" charset="-122"/>
+                <a:ea typeface="DFKai-SB" panose="03000509000000000000" charset="-122"/>
+              </a:rPr>
+              <a:t>時間</a:t>
+            </a:r>
+            <a:r>
+              <a:rPr lang="en-US" altLang="zh-CN" sz="1400" dirty="0">
+                <a:solidFill>
+                  <a:srgbClr val="333399"/>
+                </a:solidFill>
+                <a:latin typeface="DFKai-SB" panose="03000509000000000000" charset="-122"/>
+                <a:ea typeface="DFKai-SB" panose="03000509000000000000" charset="-122"/>
+              </a:rPr>
+              <a:t>: </a:t>
+            </a:r>
+            <a:endParaRPr lang="en-US" altLang="zh-CN" sz="1400" dirty="0">
+              <a:solidFill>
+                <a:srgbClr val="333399"/>
+              </a:solidFill>
+              <a:latin typeface="DFKai-SB" panose="03000509000000000000" charset="-122"/>
+              <a:ea typeface="DFKai-SB" panose="03000509000000000000" charset="-122"/>
+            </a:endParaRPr>
+          </a:p>
+          <a:p>
+            <a:pPr lvl="0" indent="0"/>
+            <a:r>
+              <a:rPr lang="zh-CN" altLang="zh-CN" sz="1400" dirty="0">
+                <a:solidFill>
+                  <a:srgbClr val="6600CC"/>
+                </a:solidFill>
+                <a:latin typeface="DFKai-SB" panose="03000509000000000000" charset="-122"/>
+                <a:ea typeface="DFKai-SB" panose="03000509000000000000" charset="-122"/>
+              </a:rPr>
+              <a:t>正常班</a:t>
+            </a:r>
+            <a:r>
+              <a:rPr lang="en-US" altLang="zh-CN" sz="1400" dirty="0">
+                <a:solidFill>
+                  <a:srgbClr val="6600CC"/>
+                </a:solidFill>
+                <a:latin typeface="DFKai-SB" panose="03000509000000000000" charset="-122"/>
+                <a:ea typeface="DFKai-SB" panose="03000509000000000000" charset="-122"/>
+              </a:rPr>
+              <a:t>/</a:t>
+            </a:r>
+            <a:r>
+              <a:rPr lang="zh-CN" altLang="en-US" sz="1400" dirty="0">
+                <a:solidFill>
+                  <a:srgbClr val="6600CC"/>
+                </a:solidFill>
+                <a:latin typeface="DFKai-SB" panose="03000509000000000000" charset="-122"/>
+                <a:ea typeface="DFKai-SB" panose="03000509000000000000" charset="-122"/>
+              </a:rPr>
+              <a:t>假日班</a:t>
+            </a:r>
+            <a:endParaRPr lang="zh-CN" altLang="en-US" sz="1400" dirty="0">
+              <a:solidFill>
+                <a:srgbClr val="6600CC"/>
+              </a:solidFill>
+              <a:latin typeface="DFKai-SB" panose="03000509000000000000" charset="-122"/>
+              <a:ea typeface="DFKai-SB" panose="03000509000000000000" charset="-122"/>
+            </a:endParaRPr>
+          </a:p>
+          <a:p>
+            <a:pPr lvl="0" indent="0"/>
+            <a:endParaRPr lang="zh-CN" altLang="en-US" sz="1400" dirty="0">
+              <a:solidFill>
+                <a:srgbClr val="6600CC"/>
+              </a:solidFill>
+              <a:latin typeface="DFKai-SB" panose="03000509000000000000" charset="-122"/>
+              <a:ea typeface="DFKai-SB" panose="03000509000000000000" charset="-122"/>
+            </a:endParaRPr>
+          </a:p>
+          <a:p>
+            <a:pPr lvl="0" indent="0"/>
+            <a:r>
+              <a:rPr lang="zh-CN" altLang="en-US" sz="1400" dirty="0">
+                <a:solidFill>
+                  <a:srgbClr val="333399"/>
+                </a:solidFill>
+                <a:latin typeface="DFKai-SB" panose="03000509000000000000" charset="-122"/>
+                <a:ea typeface="DFKai-SB" panose="03000509000000000000" charset="-122"/>
+              </a:rPr>
+              <a:t>加班類型</a:t>
+            </a:r>
+            <a:r>
+              <a:rPr lang="en-US" altLang="zh-CN" sz="1400" dirty="0">
+                <a:solidFill>
+                  <a:srgbClr val="333399"/>
+                </a:solidFill>
+                <a:latin typeface="DFKai-SB" panose="03000509000000000000" charset="-122"/>
+                <a:ea typeface="DFKai-SB" panose="03000509000000000000" charset="-122"/>
+              </a:rPr>
+              <a:t>:</a:t>
+            </a:r>
+            <a:endParaRPr lang="en-US" altLang="zh-CN" sz="1400" dirty="0">
+              <a:solidFill>
+                <a:srgbClr val="333399"/>
+              </a:solidFill>
+              <a:latin typeface="DFKai-SB" panose="03000509000000000000" charset="-122"/>
+              <a:ea typeface="DFKai-SB" panose="03000509000000000000" charset="-122"/>
+            </a:endParaRPr>
+          </a:p>
+          <a:p>
+            <a:pPr lvl="0" indent="0"/>
+            <a:r>
+              <a:rPr lang="zh-CN" altLang="zh-CN" sz="1400" dirty="0">
+                <a:solidFill>
+                  <a:srgbClr val="6600CC"/>
+                </a:solidFill>
+                <a:latin typeface="DFKai-SB" panose="03000509000000000000" charset="-122"/>
+                <a:ea typeface="DFKai-SB" panose="03000509000000000000" charset="-122"/>
+              </a:rPr>
+              <a:t>加班</a:t>
+            </a:r>
+            <a:r>
+              <a:rPr lang="en-US" altLang="zh-CN" sz="1400" dirty="0">
+                <a:solidFill>
+                  <a:srgbClr val="6600CC"/>
+                </a:solidFill>
+                <a:latin typeface="DFKai-SB" panose="03000509000000000000" charset="-122"/>
+                <a:ea typeface="DFKai-SB" panose="03000509000000000000" charset="-122"/>
+              </a:rPr>
+              <a:t>1-&gt; </a:t>
+            </a:r>
+            <a:r>
+              <a:rPr lang="zh-CN" altLang="zh-CN" sz="1400" dirty="0">
+                <a:solidFill>
+                  <a:srgbClr val="6600CC"/>
+                </a:solidFill>
+                <a:latin typeface="DFKai-SB" panose="03000509000000000000" charset="-122"/>
+                <a:ea typeface="DFKai-SB" panose="03000509000000000000" charset="-122"/>
+              </a:rPr>
+              <a:t>延時加班</a:t>
+            </a:r>
+            <a:endParaRPr lang="zh-CN" altLang="zh-CN" sz="1400" dirty="0">
+              <a:solidFill>
+                <a:srgbClr val="6600CC"/>
+              </a:solidFill>
+              <a:latin typeface="DFKai-SB" panose="03000509000000000000" charset="-122"/>
+              <a:ea typeface="DFKai-SB" panose="03000509000000000000" charset="-122"/>
+            </a:endParaRPr>
+          </a:p>
+          <a:p>
+            <a:pPr lvl="0" indent="0"/>
+            <a:r>
+              <a:rPr lang="zh-CN" altLang="zh-CN" sz="1400" dirty="0">
+                <a:solidFill>
+                  <a:srgbClr val="6600CC"/>
+                </a:solidFill>
+                <a:latin typeface="DFKai-SB" panose="03000509000000000000" charset="-122"/>
+                <a:ea typeface="DFKai-SB" panose="03000509000000000000" charset="-122"/>
+              </a:rPr>
+              <a:t>加班</a:t>
+            </a:r>
+            <a:r>
+              <a:rPr lang="en-US" altLang="zh-CN" sz="1400" dirty="0">
+                <a:solidFill>
+                  <a:srgbClr val="6600CC"/>
+                </a:solidFill>
+                <a:latin typeface="DFKai-SB" panose="03000509000000000000" charset="-122"/>
+                <a:ea typeface="DFKai-SB" panose="03000509000000000000" charset="-122"/>
+              </a:rPr>
+              <a:t>2-&gt; </a:t>
+            </a:r>
+            <a:r>
+              <a:rPr lang="zh-CN" altLang="zh-CN" sz="1400" dirty="0">
+                <a:solidFill>
+                  <a:srgbClr val="6600CC"/>
+                </a:solidFill>
+                <a:latin typeface="DFKai-SB" panose="03000509000000000000" charset="-122"/>
+                <a:ea typeface="DFKai-SB" panose="03000509000000000000" charset="-122"/>
+              </a:rPr>
+              <a:t>例假日加班</a:t>
+            </a:r>
+            <a:endParaRPr lang="zh-CN" altLang="zh-CN" sz="1400" dirty="0">
+              <a:solidFill>
+                <a:srgbClr val="6600CC"/>
+              </a:solidFill>
+              <a:latin typeface="DFKai-SB" panose="03000509000000000000" charset="-122"/>
+              <a:ea typeface="DFKai-SB" panose="03000509000000000000" charset="-122"/>
+            </a:endParaRPr>
+          </a:p>
+          <a:p>
+            <a:pPr lvl="0" indent="0"/>
+            <a:r>
+              <a:rPr lang="zh-CN" altLang="zh-CN" sz="1400" dirty="0">
+                <a:solidFill>
+                  <a:srgbClr val="6600CC"/>
+                </a:solidFill>
+                <a:latin typeface="DFKai-SB" panose="03000509000000000000" charset="-122"/>
+                <a:ea typeface="DFKai-SB" panose="03000509000000000000" charset="-122"/>
+              </a:rPr>
+              <a:t>加班</a:t>
+            </a:r>
+            <a:r>
+              <a:rPr lang="en-US" altLang="zh-CN" sz="1400" dirty="0">
+                <a:solidFill>
+                  <a:srgbClr val="6600CC"/>
+                </a:solidFill>
+                <a:latin typeface="DFKai-SB" panose="03000509000000000000" charset="-122"/>
+                <a:ea typeface="DFKai-SB" panose="03000509000000000000" charset="-122"/>
+              </a:rPr>
+              <a:t>3-&gt; </a:t>
+            </a:r>
+            <a:r>
+              <a:rPr lang="zh-CN" altLang="en-US" sz="1400" dirty="0">
+                <a:solidFill>
+                  <a:srgbClr val="6600CC"/>
+                </a:solidFill>
+                <a:latin typeface="DFKai-SB" panose="03000509000000000000" charset="-122"/>
+                <a:ea typeface="DFKai-SB" panose="03000509000000000000" charset="-122"/>
+              </a:rPr>
+              <a:t>節假日加班</a:t>
+            </a:r>
+            <a:endParaRPr lang="zh-CN" altLang="en-US" sz="1400" dirty="0">
+              <a:solidFill>
+                <a:srgbClr val="6600CC"/>
+              </a:solidFill>
+              <a:latin typeface="DFKai-SB" panose="03000509000000000000" charset="-122"/>
+              <a:ea typeface="DFKai-SB" panose="03000509000000000000" charset="-122"/>
+            </a:endParaRPr>
+          </a:p>
+        </p:txBody>
+      </p:sp>
     </p:spTree>
   </p:cSld>
   <p:clrMapOvr>
@@ -12969,7 +12834,7 @@
       </p:sp>
       <p:sp>
         <p:nvSpPr>
-          <p:cNvPr id="36866" name="標題 238593"/>
+          <p:cNvPr id="41986" name="標題 238593"/>
           <p:cNvSpPr>
             <a:spLocks noGrp="1"/>
           </p:cNvSpPr>
@@ -12996,16 +12861,6 @@
               <a:buClrTx/>
             </a:pPr>
             <a:r>
-              <a:rPr lang="zh-CN" altLang="zh-TW" b="0" dirty="0">
-                <a:solidFill>
-                  <a:srgbClr val="000066"/>
-                </a:solidFill>
-                <a:latin typeface="DFKai-SB" panose="03000509000000000000" charset="-122"/>
-                <a:ea typeface="DFKai-SB" panose="03000509000000000000" charset="-122"/>
-              </a:rPr>
-              <a:t>加班單提交畫面</a:t>
-            </a:r>
-            <a:r>
               <a:rPr lang="en-US" altLang="zh-CN" b="0" dirty="0">
                 <a:solidFill>
                   <a:srgbClr val="000066"/>
@@ -13013,7 +12868,7 @@
                 <a:latin typeface="DFKai-SB" panose="03000509000000000000" charset="-122"/>
                 <a:ea typeface="DFKai-SB" panose="03000509000000000000" charset="-122"/>
               </a:rPr>
-              <a:t>:</a:t>
+              <a:t>(1)</a:t>
             </a:r>
             <a:r>
               <a:rPr lang="zh-CN" altLang="zh-CN" b="0" dirty="0">
@@ -13021,29 +12876,9 @@
                   <a:srgbClr val="000066"/>
                 </a:solidFill>
                 <a:latin typeface="DFKai-SB" panose="03000509000000000000" charset="-122"/>
-                <a:ea typeface="宋体" panose="02010600030101010101" pitchFamily="2" charset="-122"/>
-              </a:rPr>
-              <a:t> </a:t>
-            </a:r>
-            <a:r>
-              <a:rPr lang="zh-CN" altLang="zh-TW" b="0" dirty="0">
-                <a:solidFill>
-                  <a:srgbClr val="000066"/>
-                </a:solidFill>
-                <a:latin typeface="DFKai-SB" panose="03000509000000000000" charset="-122"/>
-                <a:ea typeface="DFKai-SB" panose="03000509000000000000" charset="-122"/>
-              </a:rPr>
-              <a:t>在標題列上方挑選 </a:t>
-            </a:r>
-            <a:r>
-              <a:rPr lang="zh-CN" altLang="zh-TW" dirty="0">
-                <a:solidFill>
-                  <a:srgbClr val="000066"/>
-                </a:solidFill>
-                <a:latin typeface="DFKai-SB" panose="03000509000000000000" charset="-122"/>
-                <a:ea typeface="DFKai-SB" panose="03000509000000000000" charset="-122"/>
-              </a:rPr>
-              <a:t>時間 </a:t>
+                <a:ea typeface="DFKai-SB" panose="03000509000000000000" charset="-122"/>
+              </a:rPr>
+              <a:t>提交員工加班資料 </a:t>
             </a:r>
             <a:r>
               <a:rPr lang="en-US" altLang="zh-CN" b="0" dirty="0">
@@ -13053,29 +12888,22 @@
                 <a:latin typeface="DFKai-SB" panose="03000509000000000000" charset="-122"/>
                 <a:ea typeface="DFKai-SB" panose="03000509000000000000" charset="-122"/>
               </a:rPr>
-              <a:t>&amp; </a:t>
-            </a:r>
-            <a:r>
-              <a:rPr lang="zh-CN" altLang="zh-TW" dirty="0">
-                <a:solidFill>
-                  <a:srgbClr val="000066"/>
-                </a:solidFill>
-                <a:latin typeface="DFKai-SB" panose="03000509000000000000" charset="-122"/>
-                <a:ea typeface="DFKai-SB" panose="03000509000000000000" charset="-122"/>
-              </a:rPr>
-              <a:t>加班類型</a:t>
-            </a:r>
-            <a:r>
-              <a:rPr lang="zh-CN" altLang="zh-TW" b="0" dirty="0">
-                <a:solidFill>
-                  <a:srgbClr val="000066"/>
-                </a:solidFill>
-                <a:latin typeface="DFKai-SB" panose="03000509000000000000" charset="-122"/>
-                <a:ea typeface="DFKai-SB" panose="03000509000000000000" charset="-122"/>
-              </a:rPr>
-              <a:t> </a:t>
-            </a:r>
-            <a:endParaRPr lang="zh-CN" altLang="zh-TW" sz="1600" b="0" dirty="0">
+              <a:t>-&gt; (2)</a:t>
+            </a:r>
+            <a:r>
+              <a:rPr lang="zh-CN" altLang="en-US" b="0" dirty="0">
+                <a:solidFill>
+                  <a:srgbClr val="000066"/>
+                </a:solidFill>
+                <a:latin typeface="DFKai-SB" panose="03000509000000000000" charset="-122"/>
+                <a:ea typeface="DFKai-SB" panose="03000509000000000000" charset="-122"/>
+              </a:rPr>
+              <a:t>確定提交當前人員資料</a:t>
+            </a:r>
+            <a:endParaRPr lang="en-US" altLang="zh-CN" b="0" dirty="0">
+              <a:solidFill>
+                <a:srgbClr val="000066"/>
+              </a:solidFill>
               <a:latin typeface="DFKai-SB" panose="03000509000000000000" charset="-122"/>
               <a:ea typeface="DFKai-SB" panose="03000509000000000000" charset="-122"/>
               <a:sym typeface="宋体" panose="02010600030101010101" pitchFamily="2" charset="-122"/>
@@ -13092,15 +12920,21 @@
           <p:nvPr/>
         </p:nvPicPr>
         <p:blipFill>
-          <a:blip r:embed="rId1"/>
+          <a:blip r:embed="rId1">
+            <a:extLst>
+              <a:ext uri="{28A0092B-C50C-407E-A947-70E740481C1C}">
+                <a14:useLocalDpi xmlns:a14="http://schemas.microsoft.com/office/drawing/2010/main" val="0"/>
+              </a:ext>
+            </a:extLst>
+          </a:blip>
           <a:stretch>
             <a:fillRect/>
           </a:stretch>
         </p:blipFill>
         <p:spPr>
           <a:xfrm>
-            <a:off x="318770" y="1904365"/>
-            <a:ext cx="8368030" cy="4385310"/>
+            <a:off x="55563" y="1387541"/>
+            <a:ext cx="9144000" cy="4765504"/>
           </a:xfrm>
           <a:prstGeom prst="rect">
             <a:avLst/>
@@ -13993,957 +13827,6 @@
       </p:sp>
       <p:sp>
         <p:nvSpPr>
-          <p:cNvPr id="36866" name="標題 238593"/>
-          <p:cNvSpPr>
-            <a:spLocks noGrp="1"/>
-          </p:cNvSpPr>
-          <p:nvPr/>
-        </p:nvSpPr>
-        <p:spPr>
-          <a:xfrm>
-            <a:off x="512763" y="892175"/>
-            <a:ext cx="8229600" cy="503238"/>
-          </a:xfrm>
-          <a:prstGeom prst="rect">
-            <a:avLst/>
-          </a:prstGeom>
-          <a:noFill/>
-          <a:ln w="9525">
-            <a:noFill/>
-          </a:ln>
-        </p:spPr>
-        <p:txBody>
-          <a:bodyPr anchor="ctr"/>
-          <a:lstStyle/>
-          <a:p>
-            <a:pPr lvl="0" indent="0">
-              <a:buClrTx/>
-            </a:pPr>
-            <a:r>
-              <a:rPr lang="zh-CN" altLang="zh-TW" b="0" dirty="0">
-                <a:solidFill>
-                  <a:srgbClr val="000066"/>
-                </a:solidFill>
-                <a:latin typeface="DFKai-SB" panose="03000509000000000000" charset="-122"/>
-                <a:ea typeface="DFKai-SB" panose="03000509000000000000" charset="-122"/>
-              </a:rPr>
-              <a:t>加班單提交畫面</a:t>
-            </a:r>
-            <a:r>
-              <a:rPr lang="en-US" altLang="zh-CN" b="0" dirty="0">
-                <a:solidFill>
-                  <a:srgbClr val="000066"/>
-                </a:solidFill>
-                <a:latin typeface="DFKai-SB" panose="03000509000000000000" charset="-122"/>
-                <a:ea typeface="DFKai-SB" panose="03000509000000000000" charset="-122"/>
-              </a:rPr>
-              <a:t>:</a:t>
-            </a:r>
-            <a:r>
-              <a:rPr lang="zh-CN" altLang="zh-CN" b="0" dirty="0">
-                <a:solidFill>
-                  <a:srgbClr val="000066"/>
-                </a:solidFill>
-                <a:latin typeface="DFKai-SB" panose="03000509000000000000" charset="-122"/>
-                <a:ea typeface="宋体" panose="02010600030101010101" pitchFamily="2" charset="-122"/>
-              </a:rPr>
-              <a:t> </a:t>
-            </a:r>
-            <a:r>
-              <a:rPr lang="zh-CN" altLang="zh-TW" b="0" dirty="0">
-                <a:solidFill>
-                  <a:srgbClr val="000066"/>
-                </a:solidFill>
-                <a:latin typeface="DFKai-SB" panose="03000509000000000000" charset="-122"/>
-                <a:ea typeface="DFKai-SB" panose="03000509000000000000" charset="-122"/>
-              </a:rPr>
-              <a:t>在標題列上方挑選 </a:t>
-            </a:r>
-            <a:r>
-              <a:rPr lang="zh-CN" altLang="zh-TW" dirty="0">
-                <a:solidFill>
-                  <a:srgbClr val="000066"/>
-                </a:solidFill>
-                <a:latin typeface="DFKai-SB" panose="03000509000000000000" charset="-122"/>
-                <a:ea typeface="DFKai-SB" panose="03000509000000000000" charset="-122"/>
-              </a:rPr>
-              <a:t>時間 </a:t>
-            </a:r>
-            <a:r>
-              <a:rPr lang="en-US" altLang="zh-CN" b="0" dirty="0">
-                <a:solidFill>
-                  <a:srgbClr val="000066"/>
-                </a:solidFill>
-                <a:latin typeface="DFKai-SB" panose="03000509000000000000" charset="-122"/>
-                <a:ea typeface="DFKai-SB" panose="03000509000000000000" charset="-122"/>
-              </a:rPr>
-              <a:t>&amp; </a:t>
-            </a:r>
-            <a:r>
-              <a:rPr lang="zh-CN" altLang="zh-TW" dirty="0">
-                <a:solidFill>
-                  <a:srgbClr val="000066"/>
-                </a:solidFill>
-                <a:latin typeface="DFKai-SB" panose="03000509000000000000" charset="-122"/>
-                <a:ea typeface="DFKai-SB" panose="03000509000000000000" charset="-122"/>
-              </a:rPr>
-              <a:t>加班類型</a:t>
-            </a:r>
-            <a:r>
-              <a:rPr lang="zh-CN" altLang="zh-TW" b="0" dirty="0">
-                <a:solidFill>
-                  <a:srgbClr val="000066"/>
-                </a:solidFill>
-                <a:latin typeface="DFKai-SB" panose="03000509000000000000" charset="-122"/>
-                <a:ea typeface="DFKai-SB" panose="03000509000000000000" charset="-122"/>
-              </a:rPr>
-              <a:t> </a:t>
-            </a:r>
-            <a:endParaRPr lang="zh-CN" altLang="zh-TW" sz="1600" b="0" dirty="0">
-              <a:latin typeface="DFKai-SB" panose="03000509000000000000" charset="-122"/>
-              <a:ea typeface="DFKai-SB" panose="03000509000000000000" charset="-122"/>
-              <a:sym typeface="宋体" panose="02010600030101010101" pitchFamily="2" charset="-122"/>
-            </a:endParaRPr>
-          </a:p>
-        </p:txBody>
-      </p:sp>
-      <p:pic>
-        <p:nvPicPr>
-          <p:cNvPr id="4" name="图片 3"/>
-          <p:cNvPicPr>
-            <a:picLocks noChangeAspect="1"/>
-          </p:cNvPicPr>
-          <p:nvPr/>
-        </p:nvPicPr>
-        <p:blipFill>
-          <a:blip r:embed="rId1"/>
-          <a:stretch>
-            <a:fillRect/>
-          </a:stretch>
-        </p:blipFill>
-        <p:spPr>
-          <a:xfrm>
-            <a:off x="299720" y="1936115"/>
-            <a:ext cx="8545195" cy="4085590"/>
-          </a:xfrm>
-          <a:prstGeom prst="rect">
-            <a:avLst/>
-          </a:prstGeom>
-        </p:spPr>
-      </p:pic>
-    </p:spTree>
-  </p:cSld>
-  <p:clrMapOvr>
-    <a:masterClrMapping/>
-  </p:clrMapOvr>
-</p:sld>
-</file>
-
-<file path=ppt/slides/slide41.xml><?xml version="1.0" encoding="utf-8"?>
-<p:sld xmlns:a="http://schemas.openxmlformats.org/drawingml/2006/main" xmlns:r="http://schemas.openxmlformats.org/officeDocument/2006/relationships" xmlns:p="http://schemas.openxmlformats.org/presentationml/2006/main">
-  <p:cSld>
-    <p:spTree>
-      <p:nvGrpSpPr>
-        <p:cNvPr id="1" name=""/>
-        <p:cNvGrpSpPr/>
-        <p:nvPr/>
-      </p:nvGrpSpPr>
-      <p:grpSpPr>
-        <a:xfrm>
-          <a:off x="0" y="0"/>
-          <a:ext cx="0" cy="0"/>
-          <a:chOff x="0" y="0"/>
-          <a:chExt cx="0" cy="0"/>
-        </a:xfrm>
-      </p:grpSpPr>
-      <p:pic>
-        <p:nvPicPr>
-          <p:cNvPr id="3" name="图片 2"/>
-          <p:cNvPicPr>
-            <a:picLocks noChangeAspect="1"/>
-          </p:cNvPicPr>
-          <p:nvPr/>
-        </p:nvPicPr>
-        <p:blipFill>
-          <a:blip r:embed="rId1">
-            <a:extLst>
-              <a:ext uri="{28A0092B-C50C-407E-A947-70E740481C1C}">
-                <a14:useLocalDpi xmlns:a14="http://schemas.microsoft.com/office/drawing/2010/main" val="0"/>
-              </a:ext>
-            </a:extLst>
-          </a:blip>
-          <a:stretch>
-            <a:fillRect/>
-          </a:stretch>
-        </p:blipFill>
-        <p:spPr>
-          <a:xfrm>
-            <a:off x="17463" y="1340168"/>
-            <a:ext cx="9144000" cy="5013960"/>
-          </a:xfrm>
-          <a:prstGeom prst="rect">
-            <a:avLst/>
-          </a:prstGeom>
-        </p:spPr>
-      </p:pic>
-      <p:sp>
-        <p:nvSpPr>
-          <p:cNvPr id="229378" name="標題 229377"/>
-          <p:cNvSpPr>
-            <a:spLocks noGrp="1"/>
-          </p:cNvSpPr>
-          <p:nvPr>
-            <p:ph type="title"/>
-          </p:nvPr>
-        </p:nvSpPr>
-        <p:spPr/>
-        <p:txBody>
-          <a:bodyPr anchor="ctr"/>
-          <a:lstStyle/>
-          <a:p>
-            <a:pPr fontAlgn="base"/>
-            <a:r>
-              <a:rPr lang="en-US" altLang="zh-TW" strike="noStrike" noProof="1">
-                <a:solidFill>
-                  <a:srgbClr val="0000CC"/>
-                </a:solidFill>
-                <a:latin typeface="+mn-ea"/>
-                <a:ea typeface="+mn-ea"/>
-                <a:sym typeface="+mn-ea"/>
-              </a:rPr>
-              <a:t>5.</a:t>
-            </a:r>
-            <a:r>
-              <a:rPr lang="zh-CN" altLang="zh-TW" strike="noStrike" noProof="1">
-                <a:solidFill>
-                  <a:srgbClr val="0000CC"/>
-                </a:solidFill>
-                <a:latin typeface="+mn-ea"/>
-                <a:ea typeface="+mn-ea"/>
-                <a:sym typeface="+mn-ea"/>
-              </a:rPr>
-              <a:t>加班單審核</a:t>
-            </a:r>
-            <a:r>
-              <a:rPr lang="en-US" altLang="zh-CN" strike="noStrike" noProof="1">
-                <a:solidFill>
-                  <a:srgbClr val="0000CC"/>
-                </a:solidFill>
-                <a:latin typeface="+mn-ea"/>
-                <a:ea typeface="+mn-ea"/>
-                <a:sym typeface="+mn-ea"/>
-              </a:rPr>
-              <a:t>(</a:t>
-            </a:r>
-            <a:r>
-              <a:rPr lang="zh-CN" altLang="zh-CN" strike="noStrike" noProof="1">
-                <a:solidFill>
-                  <a:srgbClr val="0000CC"/>
-                </a:solidFill>
-                <a:latin typeface="+mn-ea"/>
-                <a:ea typeface="+mn-ea"/>
-                <a:sym typeface="+mn-ea"/>
-              </a:rPr>
-              <a:t>加班提報</a:t>
-            </a:r>
-            <a:r>
-              <a:rPr lang="en-US" altLang="zh-CN" strike="noStrike" noProof="1">
-                <a:solidFill>
-                  <a:srgbClr val="0000CC"/>
-                </a:solidFill>
-                <a:latin typeface="+mn-ea"/>
-                <a:ea typeface="+mn-ea"/>
-                <a:sym typeface="+mn-ea"/>
-              </a:rPr>
-              <a:t>)</a:t>
-            </a:r>
-            <a:endParaRPr lang="zh-TW" altLang="en-US" strike="noStrike" noProof="1">
-              <a:solidFill>
-                <a:srgbClr val="0000CC"/>
-              </a:solidFill>
-            </a:endParaRPr>
-          </a:p>
-        </p:txBody>
-      </p:sp>
-      <p:sp>
-        <p:nvSpPr>
-          <p:cNvPr id="37890" name="標題 238593"/>
-          <p:cNvSpPr>
-            <a:spLocks noGrp="1"/>
-          </p:cNvSpPr>
-          <p:nvPr/>
-        </p:nvSpPr>
-        <p:spPr>
-          <a:xfrm>
-            <a:off x="474663" y="836930"/>
-            <a:ext cx="8229600" cy="503238"/>
-          </a:xfrm>
-          <a:prstGeom prst="rect">
-            <a:avLst/>
-          </a:prstGeom>
-          <a:noFill/>
-          <a:ln w="9525">
-            <a:noFill/>
-          </a:ln>
-        </p:spPr>
-        <p:txBody>
-          <a:bodyPr anchor="ctr"/>
-          <a:lstStyle/>
-          <a:p>
-            <a:pPr lvl="0" indent="0">
-              <a:buClrTx/>
-            </a:pPr>
-            <a:r>
-              <a:rPr lang="zh-CN" altLang="en-US" b="0" dirty="0">
-                <a:solidFill>
-                  <a:srgbClr val="000066"/>
-                </a:solidFill>
-                <a:latin typeface="DFKai-SB" panose="03000509000000000000" charset="-122"/>
-                <a:ea typeface="DFKai-SB" panose="03000509000000000000" charset="-122"/>
-                <a:sym typeface="宋体" panose="02010600030101010101" pitchFamily="2" charset="-122"/>
-              </a:rPr>
-              <a:t>系統依</a:t>
-            </a:r>
-            <a:r>
-              <a:rPr lang="zh-CN" altLang="en-US" dirty="0">
-                <a:solidFill>
-                  <a:srgbClr val="000066"/>
-                </a:solidFill>
-                <a:latin typeface="DFKai-SB" panose="03000509000000000000" charset="-122"/>
-                <a:ea typeface="DFKai-SB" panose="03000509000000000000" charset="-122"/>
-                <a:sym typeface="宋体" panose="02010600030101010101" pitchFamily="2" charset="-122"/>
-              </a:rPr>
-              <a:t>時間</a:t>
-            </a:r>
-            <a:r>
-              <a:rPr lang="zh-CN" altLang="zh-CN" b="0" dirty="0">
-                <a:solidFill>
-                  <a:srgbClr val="000066"/>
-                </a:solidFill>
-                <a:latin typeface="DFKai-SB" panose="03000509000000000000" charset="-122"/>
-                <a:ea typeface="DFKai-SB" panose="03000509000000000000" charset="-122"/>
-                <a:sym typeface="宋体" panose="02010600030101010101" pitchFamily="2" charset="-122"/>
-              </a:rPr>
-              <a:t>顯示加班時段，并計算出員工加班小時數，請檢核確認</a:t>
-            </a:r>
-            <a:endParaRPr lang="zh-CN" altLang="zh-CN" b="0" dirty="0">
-              <a:solidFill>
-                <a:srgbClr val="000066"/>
-              </a:solidFill>
-              <a:latin typeface="DFKai-SB" panose="03000509000000000000" charset="-122"/>
-              <a:ea typeface="DFKai-SB" panose="03000509000000000000" charset="-122"/>
-              <a:sym typeface="宋体" panose="02010600030101010101" pitchFamily="2" charset="-122"/>
-            </a:endParaRPr>
-          </a:p>
-        </p:txBody>
-      </p:sp>
-      <p:sp>
-        <p:nvSpPr>
-          <p:cNvPr id="37893" name="矩形圖說文字 226308"/>
-          <p:cNvSpPr/>
-          <p:nvPr/>
-        </p:nvSpPr>
-        <p:spPr>
-          <a:xfrm>
-            <a:off x="6948264" y="5157192"/>
-            <a:ext cx="1900555" cy="1597025"/>
-          </a:xfrm>
-          <a:prstGeom prst="wedgeRectCallout">
-            <a:avLst>
-              <a:gd name="adj1" fmla="val -20037"/>
-              <a:gd name="adj2" fmla="val -45116"/>
-            </a:avLst>
-          </a:prstGeom>
-          <a:gradFill rotWithShape="1">
-            <a:gsLst>
-              <a:gs pos="0">
-                <a:srgbClr val="FCFDFE">
-                  <a:alpha val="100000"/>
-                </a:srgbClr>
-              </a:gs>
-              <a:gs pos="74001">
-                <a:srgbClr val="E0F1F2">
-                  <a:alpha val="100000"/>
-                </a:srgbClr>
-              </a:gs>
-              <a:gs pos="83000">
-                <a:srgbClr val="E0F1F2">
-                  <a:alpha val="100000"/>
-                </a:srgbClr>
-              </a:gs>
-              <a:gs pos="100000">
-                <a:srgbClr val="EBF6F7">
-                  <a:alpha val="100000"/>
-                </a:srgbClr>
-              </a:gs>
-            </a:gsLst>
-            <a:lin ang="5400000"/>
-            <a:tileRect/>
-          </a:gradFill>
-          <a:ln w="6350" cap="flat" cmpd="sng">
-            <a:solidFill>
-              <a:srgbClr val="800080"/>
-            </a:solidFill>
-            <a:prstDash val="solid"/>
-            <a:miter/>
-            <a:headEnd type="none" w="med" len="med"/>
-            <a:tailEnd type="none" w="med" len="med"/>
-          </a:ln>
-        </p:spPr>
-        <p:txBody>
-          <a:bodyPr anchor="t"/>
-          <a:lstStyle/>
-          <a:p>
-            <a:pPr lvl="0" indent="0"/>
-            <a:r>
-              <a:rPr lang="zh-CN" altLang="en-US" sz="1400" dirty="0">
-                <a:solidFill>
-                  <a:srgbClr val="333399"/>
-                </a:solidFill>
-                <a:latin typeface="DFKai-SB" panose="03000509000000000000" charset="-122"/>
-                <a:ea typeface="DFKai-SB" panose="03000509000000000000" charset="-122"/>
-              </a:rPr>
-              <a:t>時間</a:t>
-            </a:r>
-            <a:r>
-              <a:rPr lang="en-US" altLang="zh-CN" sz="1400" dirty="0">
-                <a:solidFill>
-                  <a:srgbClr val="333399"/>
-                </a:solidFill>
-                <a:latin typeface="DFKai-SB" panose="03000509000000000000" charset="-122"/>
-                <a:ea typeface="DFKai-SB" panose="03000509000000000000" charset="-122"/>
-              </a:rPr>
-              <a:t>: </a:t>
-            </a:r>
-            <a:endParaRPr lang="en-US" altLang="zh-CN" sz="1400" dirty="0">
-              <a:solidFill>
-                <a:srgbClr val="333399"/>
-              </a:solidFill>
-              <a:latin typeface="DFKai-SB" panose="03000509000000000000" charset="-122"/>
-              <a:ea typeface="DFKai-SB" panose="03000509000000000000" charset="-122"/>
-            </a:endParaRPr>
-          </a:p>
-          <a:p>
-            <a:pPr lvl="0" indent="0"/>
-            <a:r>
-              <a:rPr lang="zh-CN" altLang="zh-CN" sz="1400" dirty="0">
-                <a:solidFill>
-                  <a:srgbClr val="6600CC"/>
-                </a:solidFill>
-                <a:latin typeface="DFKai-SB" panose="03000509000000000000" charset="-122"/>
-                <a:ea typeface="DFKai-SB" panose="03000509000000000000" charset="-122"/>
-              </a:rPr>
-              <a:t>正常班</a:t>
-            </a:r>
-            <a:r>
-              <a:rPr lang="en-US" altLang="zh-CN" sz="1400" dirty="0">
-                <a:solidFill>
-                  <a:srgbClr val="6600CC"/>
-                </a:solidFill>
-                <a:latin typeface="DFKai-SB" panose="03000509000000000000" charset="-122"/>
-                <a:ea typeface="DFKai-SB" panose="03000509000000000000" charset="-122"/>
-              </a:rPr>
-              <a:t>/</a:t>
-            </a:r>
-            <a:r>
-              <a:rPr lang="zh-CN" altLang="en-US" sz="1400" dirty="0">
-                <a:solidFill>
-                  <a:srgbClr val="6600CC"/>
-                </a:solidFill>
-                <a:latin typeface="DFKai-SB" panose="03000509000000000000" charset="-122"/>
-                <a:ea typeface="DFKai-SB" panose="03000509000000000000" charset="-122"/>
-              </a:rPr>
-              <a:t>假日班</a:t>
-            </a:r>
-            <a:endParaRPr lang="zh-CN" altLang="en-US" sz="1400" dirty="0">
-              <a:solidFill>
-                <a:srgbClr val="6600CC"/>
-              </a:solidFill>
-              <a:latin typeface="DFKai-SB" panose="03000509000000000000" charset="-122"/>
-              <a:ea typeface="DFKai-SB" panose="03000509000000000000" charset="-122"/>
-            </a:endParaRPr>
-          </a:p>
-          <a:p>
-            <a:pPr lvl="0" indent="0"/>
-            <a:endParaRPr lang="zh-CN" altLang="en-US" sz="1400" dirty="0">
-              <a:solidFill>
-                <a:srgbClr val="6600CC"/>
-              </a:solidFill>
-              <a:latin typeface="DFKai-SB" panose="03000509000000000000" charset="-122"/>
-              <a:ea typeface="DFKai-SB" panose="03000509000000000000" charset="-122"/>
-            </a:endParaRPr>
-          </a:p>
-          <a:p>
-            <a:pPr lvl="0" indent="0"/>
-            <a:r>
-              <a:rPr lang="zh-CN" altLang="en-US" sz="1400" dirty="0">
-                <a:solidFill>
-                  <a:srgbClr val="333399"/>
-                </a:solidFill>
-                <a:latin typeface="DFKai-SB" panose="03000509000000000000" charset="-122"/>
-                <a:ea typeface="DFKai-SB" panose="03000509000000000000" charset="-122"/>
-              </a:rPr>
-              <a:t>加班類型</a:t>
-            </a:r>
-            <a:r>
-              <a:rPr lang="en-US" altLang="zh-CN" sz="1400" dirty="0">
-                <a:solidFill>
-                  <a:srgbClr val="333399"/>
-                </a:solidFill>
-                <a:latin typeface="DFKai-SB" panose="03000509000000000000" charset="-122"/>
-                <a:ea typeface="DFKai-SB" panose="03000509000000000000" charset="-122"/>
-              </a:rPr>
-              <a:t>:</a:t>
-            </a:r>
-            <a:endParaRPr lang="en-US" altLang="zh-CN" sz="1400" dirty="0">
-              <a:solidFill>
-                <a:srgbClr val="333399"/>
-              </a:solidFill>
-              <a:latin typeface="DFKai-SB" panose="03000509000000000000" charset="-122"/>
-              <a:ea typeface="DFKai-SB" panose="03000509000000000000" charset="-122"/>
-            </a:endParaRPr>
-          </a:p>
-          <a:p>
-            <a:pPr lvl="0" indent="0"/>
-            <a:r>
-              <a:rPr lang="zh-CN" altLang="zh-CN" sz="1400" dirty="0">
-                <a:solidFill>
-                  <a:srgbClr val="6600CC"/>
-                </a:solidFill>
-                <a:latin typeface="DFKai-SB" panose="03000509000000000000" charset="-122"/>
-                <a:ea typeface="DFKai-SB" panose="03000509000000000000" charset="-122"/>
-              </a:rPr>
-              <a:t>加班</a:t>
-            </a:r>
-            <a:r>
-              <a:rPr lang="en-US" altLang="zh-CN" sz="1400" dirty="0">
-                <a:solidFill>
-                  <a:srgbClr val="6600CC"/>
-                </a:solidFill>
-                <a:latin typeface="DFKai-SB" panose="03000509000000000000" charset="-122"/>
-                <a:ea typeface="DFKai-SB" panose="03000509000000000000" charset="-122"/>
-              </a:rPr>
-              <a:t>1-&gt; </a:t>
-            </a:r>
-            <a:r>
-              <a:rPr lang="zh-CN" altLang="zh-CN" sz="1400" dirty="0">
-                <a:solidFill>
-                  <a:srgbClr val="6600CC"/>
-                </a:solidFill>
-                <a:latin typeface="DFKai-SB" panose="03000509000000000000" charset="-122"/>
-                <a:ea typeface="DFKai-SB" panose="03000509000000000000" charset="-122"/>
-              </a:rPr>
-              <a:t>延時加班</a:t>
-            </a:r>
-            <a:endParaRPr lang="zh-CN" altLang="zh-CN" sz="1400" dirty="0">
-              <a:solidFill>
-                <a:srgbClr val="6600CC"/>
-              </a:solidFill>
-              <a:latin typeface="DFKai-SB" panose="03000509000000000000" charset="-122"/>
-              <a:ea typeface="DFKai-SB" panose="03000509000000000000" charset="-122"/>
-            </a:endParaRPr>
-          </a:p>
-          <a:p>
-            <a:pPr lvl="0" indent="0"/>
-            <a:r>
-              <a:rPr lang="zh-CN" altLang="zh-CN" sz="1400" dirty="0">
-                <a:solidFill>
-                  <a:srgbClr val="6600CC"/>
-                </a:solidFill>
-                <a:latin typeface="DFKai-SB" panose="03000509000000000000" charset="-122"/>
-                <a:ea typeface="DFKai-SB" panose="03000509000000000000" charset="-122"/>
-              </a:rPr>
-              <a:t>加班</a:t>
-            </a:r>
-            <a:r>
-              <a:rPr lang="en-US" altLang="zh-CN" sz="1400" dirty="0">
-                <a:solidFill>
-                  <a:srgbClr val="6600CC"/>
-                </a:solidFill>
-                <a:latin typeface="DFKai-SB" panose="03000509000000000000" charset="-122"/>
-                <a:ea typeface="DFKai-SB" panose="03000509000000000000" charset="-122"/>
-              </a:rPr>
-              <a:t>2-&gt; </a:t>
-            </a:r>
-            <a:r>
-              <a:rPr lang="zh-CN" altLang="zh-CN" sz="1400" dirty="0">
-                <a:solidFill>
-                  <a:srgbClr val="6600CC"/>
-                </a:solidFill>
-                <a:latin typeface="DFKai-SB" panose="03000509000000000000" charset="-122"/>
-                <a:ea typeface="DFKai-SB" panose="03000509000000000000" charset="-122"/>
-              </a:rPr>
-              <a:t>例假日加班</a:t>
-            </a:r>
-            <a:endParaRPr lang="zh-CN" altLang="zh-CN" sz="1400" dirty="0">
-              <a:solidFill>
-                <a:srgbClr val="6600CC"/>
-              </a:solidFill>
-              <a:latin typeface="DFKai-SB" panose="03000509000000000000" charset="-122"/>
-              <a:ea typeface="DFKai-SB" panose="03000509000000000000" charset="-122"/>
-            </a:endParaRPr>
-          </a:p>
-          <a:p>
-            <a:pPr lvl="0" indent="0"/>
-            <a:r>
-              <a:rPr lang="zh-CN" altLang="zh-CN" sz="1400" dirty="0">
-                <a:solidFill>
-                  <a:srgbClr val="6600CC"/>
-                </a:solidFill>
-                <a:latin typeface="DFKai-SB" panose="03000509000000000000" charset="-122"/>
-                <a:ea typeface="DFKai-SB" panose="03000509000000000000" charset="-122"/>
-              </a:rPr>
-              <a:t>加班</a:t>
-            </a:r>
-            <a:r>
-              <a:rPr lang="en-US" altLang="zh-CN" sz="1400" dirty="0">
-                <a:solidFill>
-                  <a:srgbClr val="6600CC"/>
-                </a:solidFill>
-                <a:latin typeface="DFKai-SB" panose="03000509000000000000" charset="-122"/>
-                <a:ea typeface="DFKai-SB" panose="03000509000000000000" charset="-122"/>
-              </a:rPr>
-              <a:t>3-&gt; </a:t>
-            </a:r>
-            <a:r>
-              <a:rPr lang="zh-CN" altLang="en-US" sz="1400" dirty="0">
-                <a:solidFill>
-                  <a:srgbClr val="6600CC"/>
-                </a:solidFill>
-                <a:latin typeface="DFKai-SB" panose="03000509000000000000" charset="-122"/>
-                <a:ea typeface="DFKai-SB" panose="03000509000000000000" charset="-122"/>
-              </a:rPr>
-              <a:t>節假日加班</a:t>
-            </a:r>
-            <a:endParaRPr lang="zh-CN" altLang="en-US" sz="1400" dirty="0">
-              <a:solidFill>
-                <a:srgbClr val="6600CC"/>
-              </a:solidFill>
-              <a:latin typeface="DFKai-SB" panose="03000509000000000000" charset="-122"/>
-              <a:ea typeface="DFKai-SB" panose="03000509000000000000" charset="-122"/>
-            </a:endParaRPr>
-          </a:p>
-        </p:txBody>
-      </p:sp>
-    </p:spTree>
-  </p:cSld>
-  <p:clrMapOvr>
-    <a:masterClrMapping/>
-  </p:clrMapOvr>
-</p:sld>
-</file>
-
-<file path=ppt/slides/slide42.xml><?xml version="1.0" encoding="utf-8"?>
-<p:sld xmlns:a="http://schemas.openxmlformats.org/drawingml/2006/main" xmlns:r="http://schemas.openxmlformats.org/officeDocument/2006/relationships" xmlns:p="http://schemas.openxmlformats.org/presentationml/2006/main">
-  <p:cSld>
-    <p:spTree>
-      <p:nvGrpSpPr>
-        <p:cNvPr id="1" name=""/>
-        <p:cNvGrpSpPr/>
-        <p:nvPr/>
-      </p:nvGrpSpPr>
-      <p:grpSpPr>
-        <a:xfrm>
-          <a:off x="0" y="0"/>
-          <a:ext cx="0" cy="0"/>
-          <a:chOff x="0" y="0"/>
-          <a:chExt cx="0" cy="0"/>
-        </a:xfrm>
-      </p:grpSpPr>
-      <p:sp>
-        <p:nvSpPr>
-          <p:cNvPr id="229378" name="標題 229377"/>
-          <p:cNvSpPr>
-            <a:spLocks noGrp="1"/>
-          </p:cNvSpPr>
-          <p:nvPr>
-            <p:ph type="title"/>
-          </p:nvPr>
-        </p:nvSpPr>
-        <p:spPr/>
-        <p:txBody>
-          <a:bodyPr anchor="ctr"/>
-          <a:lstStyle/>
-          <a:p>
-            <a:pPr fontAlgn="base"/>
-            <a:r>
-              <a:rPr lang="en-US" altLang="zh-TW" strike="noStrike" noProof="1">
-                <a:solidFill>
-                  <a:srgbClr val="0000CC"/>
-                </a:solidFill>
-                <a:latin typeface="+mn-ea"/>
-                <a:ea typeface="+mn-ea"/>
-                <a:sym typeface="+mn-ea"/>
-              </a:rPr>
-              <a:t>5.</a:t>
-            </a:r>
-            <a:r>
-              <a:rPr lang="zh-CN" altLang="zh-TW" strike="noStrike" noProof="1">
-                <a:solidFill>
-                  <a:srgbClr val="0000CC"/>
-                </a:solidFill>
-                <a:latin typeface="+mn-ea"/>
-                <a:ea typeface="+mn-ea"/>
-                <a:sym typeface="+mn-ea"/>
-              </a:rPr>
-              <a:t>加班單審核</a:t>
-            </a:r>
-            <a:r>
-              <a:rPr lang="en-US" altLang="zh-CN" strike="noStrike" noProof="1">
-                <a:solidFill>
-                  <a:srgbClr val="0000CC"/>
-                </a:solidFill>
-                <a:latin typeface="+mn-ea"/>
-                <a:ea typeface="+mn-ea"/>
-                <a:sym typeface="+mn-ea"/>
-              </a:rPr>
-              <a:t>(</a:t>
-            </a:r>
-            <a:r>
-              <a:rPr lang="zh-CN" altLang="zh-CN" strike="noStrike" noProof="1">
-                <a:solidFill>
-                  <a:srgbClr val="0000CC"/>
-                </a:solidFill>
-                <a:latin typeface="+mn-ea"/>
-                <a:ea typeface="+mn-ea"/>
-                <a:sym typeface="+mn-ea"/>
-              </a:rPr>
-              <a:t>加班提報</a:t>
-            </a:r>
-            <a:r>
-              <a:rPr lang="en-US" altLang="zh-CN" strike="noStrike" noProof="1">
-                <a:solidFill>
-                  <a:srgbClr val="0000CC"/>
-                </a:solidFill>
-                <a:latin typeface="+mn-ea"/>
-                <a:ea typeface="+mn-ea"/>
-                <a:sym typeface="+mn-ea"/>
-              </a:rPr>
-              <a:t>)</a:t>
-            </a:r>
-            <a:endParaRPr lang="zh-TW" altLang="en-US" strike="noStrike" noProof="1">
-              <a:solidFill>
-                <a:srgbClr val="0000CC"/>
-              </a:solidFill>
-            </a:endParaRPr>
-          </a:p>
-        </p:txBody>
-      </p:sp>
-      <p:sp>
-        <p:nvSpPr>
-          <p:cNvPr id="41986" name="標題 238593"/>
-          <p:cNvSpPr>
-            <a:spLocks noGrp="1"/>
-          </p:cNvSpPr>
-          <p:nvPr/>
-        </p:nvSpPr>
-        <p:spPr>
-          <a:xfrm>
-            <a:off x="512763" y="892175"/>
-            <a:ext cx="8229600" cy="503238"/>
-          </a:xfrm>
-          <a:prstGeom prst="rect">
-            <a:avLst/>
-          </a:prstGeom>
-          <a:noFill/>
-          <a:ln w="9525">
-            <a:noFill/>
-          </a:ln>
-        </p:spPr>
-        <p:txBody>
-          <a:bodyPr anchor="ctr"/>
-          <a:lstStyle/>
-          <a:p>
-            <a:pPr lvl="0" indent="0">
-              <a:buClrTx/>
-            </a:pPr>
-            <a:r>
-              <a:rPr lang="en-US" altLang="zh-CN" b="0" dirty="0">
-                <a:solidFill>
-                  <a:srgbClr val="000066"/>
-                </a:solidFill>
-                <a:latin typeface="DFKai-SB" panose="03000509000000000000" charset="-122"/>
-                <a:ea typeface="DFKai-SB" panose="03000509000000000000" charset="-122"/>
-              </a:rPr>
-              <a:t>(1)</a:t>
-            </a:r>
-            <a:r>
-              <a:rPr lang="zh-CN" altLang="zh-CN" b="0" dirty="0">
-                <a:solidFill>
-                  <a:srgbClr val="000066"/>
-                </a:solidFill>
-                <a:latin typeface="DFKai-SB" panose="03000509000000000000" charset="-122"/>
-                <a:ea typeface="DFKai-SB" panose="03000509000000000000" charset="-122"/>
-              </a:rPr>
-              <a:t>提交員工加班資料 </a:t>
-            </a:r>
-            <a:r>
-              <a:rPr lang="en-US" altLang="zh-CN" b="0" dirty="0">
-                <a:solidFill>
-                  <a:srgbClr val="000066"/>
-                </a:solidFill>
-                <a:latin typeface="DFKai-SB" panose="03000509000000000000" charset="-122"/>
-                <a:ea typeface="DFKai-SB" panose="03000509000000000000" charset="-122"/>
-              </a:rPr>
-              <a:t>-&gt; (2)</a:t>
-            </a:r>
-            <a:r>
-              <a:rPr lang="zh-CN" altLang="en-US" b="0" dirty="0">
-                <a:solidFill>
-                  <a:srgbClr val="000066"/>
-                </a:solidFill>
-                <a:latin typeface="DFKai-SB" panose="03000509000000000000" charset="-122"/>
-                <a:ea typeface="DFKai-SB" panose="03000509000000000000" charset="-122"/>
-              </a:rPr>
-              <a:t>確定提交當前人員資料</a:t>
-            </a:r>
-            <a:endParaRPr lang="en-US" altLang="zh-CN" b="0" dirty="0">
-              <a:solidFill>
-                <a:srgbClr val="000066"/>
-              </a:solidFill>
-              <a:latin typeface="DFKai-SB" panose="03000509000000000000" charset="-122"/>
-              <a:ea typeface="DFKai-SB" panose="03000509000000000000" charset="-122"/>
-              <a:sym typeface="宋体" panose="02010600030101010101" pitchFamily="2" charset="-122"/>
-            </a:endParaRPr>
-          </a:p>
-        </p:txBody>
-      </p:sp>
-      <p:pic>
-        <p:nvPicPr>
-          <p:cNvPr id="3" name="图片 2"/>
-          <p:cNvPicPr>
-            <a:picLocks noChangeAspect="1"/>
-          </p:cNvPicPr>
-          <p:nvPr/>
-        </p:nvPicPr>
-        <p:blipFill>
-          <a:blip r:embed="rId1">
-            <a:extLst>
-              <a:ext uri="{28A0092B-C50C-407E-A947-70E740481C1C}">
-                <a14:useLocalDpi xmlns:a14="http://schemas.microsoft.com/office/drawing/2010/main" val="0"/>
-              </a:ext>
-            </a:extLst>
-          </a:blip>
-          <a:stretch>
-            <a:fillRect/>
-          </a:stretch>
-        </p:blipFill>
-        <p:spPr>
-          <a:xfrm>
-            <a:off x="55563" y="1387541"/>
-            <a:ext cx="9144000" cy="4765504"/>
-          </a:xfrm>
-          <a:prstGeom prst="rect">
-            <a:avLst/>
-          </a:prstGeom>
-        </p:spPr>
-      </p:pic>
-    </p:spTree>
-  </p:cSld>
-  <p:clrMapOvr>
-    <a:masterClrMapping/>
-  </p:clrMapOvr>
-</p:sld>
-</file>
-
-<file path=ppt/slides/slide43.xml><?xml version="1.0" encoding="utf-8"?>
-<p:sld xmlns:a="http://schemas.openxmlformats.org/drawingml/2006/main" xmlns:r="http://schemas.openxmlformats.org/officeDocument/2006/relationships" xmlns:p="http://schemas.openxmlformats.org/presentationml/2006/main">
-  <p:cSld>
-    <p:spTree>
-      <p:nvGrpSpPr>
-        <p:cNvPr id="1" name=""/>
-        <p:cNvGrpSpPr/>
-        <p:nvPr/>
-      </p:nvGrpSpPr>
-      <p:grpSpPr>
-        <a:xfrm>
-          <a:off x="0" y="0"/>
-          <a:ext cx="0" cy="0"/>
-          <a:chOff x="0" y="0"/>
-          <a:chExt cx="0" cy="0"/>
-        </a:xfrm>
-      </p:grpSpPr>
-      <p:sp>
-        <p:nvSpPr>
-          <p:cNvPr id="229378" name="標題 229377"/>
-          <p:cNvSpPr>
-            <a:spLocks noGrp="1"/>
-          </p:cNvSpPr>
-          <p:nvPr>
-            <p:ph type="title"/>
-          </p:nvPr>
-        </p:nvSpPr>
-        <p:spPr/>
-        <p:txBody>
-          <a:bodyPr anchor="ctr"/>
-          <a:lstStyle/>
-          <a:p>
-            <a:pPr fontAlgn="base"/>
-            <a:r>
-              <a:rPr lang="en-US" altLang="zh-TW" strike="noStrike" noProof="1">
-                <a:solidFill>
-                  <a:srgbClr val="0000CC"/>
-                </a:solidFill>
-                <a:latin typeface="+mn-ea"/>
-                <a:ea typeface="+mn-ea"/>
-                <a:sym typeface="+mn-ea"/>
-              </a:rPr>
-              <a:t>5.</a:t>
-            </a:r>
-            <a:r>
-              <a:rPr lang="zh-CN" altLang="zh-TW" strike="noStrike" noProof="1">
-                <a:solidFill>
-                  <a:srgbClr val="0000CC"/>
-                </a:solidFill>
-                <a:latin typeface="+mn-ea"/>
-                <a:ea typeface="+mn-ea"/>
-                <a:sym typeface="+mn-ea"/>
-              </a:rPr>
-              <a:t>加班單審核</a:t>
-            </a:r>
-            <a:r>
-              <a:rPr lang="en-US" altLang="zh-CN" strike="noStrike" noProof="1">
-                <a:solidFill>
-                  <a:srgbClr val="0000CC"/>
-                </a:solidFill>
-                <a:latin typeface="+mn-ea"/>
-                <a:ea typeface="+mn-ea"/>
-                <a:sym typeface="+mn-ea"/>
-              </a:rPr>
-              <a:t>(</a:t>
-            </a:r>
-            <a:r>
-              <a:rPr lang="zh-CN" altLang="zh-CN" strike="noStrike" noProof="1">
-                <a:solidFill>
-                  <a:srgbClr val="0000CC"/>
-                </a:solidFill>
-                <a:latin typeface="+mn-ea"/>
-                <a:ea typeface="+mn-ea"/>
-                <a:sym typeface="+mn-ea"/>
-              </a:rPr>
-              <a:t>加班提報</a:t>
-            </a:r>
-            <a:r>
-              <a:rPr lang="en-US" altLang="zh-CN" strike="noStrike" noProof="1">
-                <a:solidFill>
-                  <a:srgbClr val="0000CC"/>
-                </a:solidFill>
-                <a:latin typeface="+mn-ea"/>
-                <a:ea typeface="+mn-ea"/>
-                <a:sym typeface="+mn-ea"/>
-              </a:rPr>
-              <a:t>)</a:t>
-            </a:r>
-            <a:endParaRPr lang="zh-TW" altLang="en-US" strike="noStrike" noProof="1">
-              <a:solidFill>
-                <a:srgbClr val="0000CC"/>
-              </a:solidFill>
-            </a:endParaRPr>
-          </a:p>
-        </p:txBody>
-      </p:sp>
-      <p:sp>
-        <p:nvSpPr>
           <p:cNvPr id="43010" name="標題 238593"/>
           <p:cNvSpPr>
             <a:spLocks noGrp="1"/>
@@ -15172,7 +14055,7 @@
 </p:sld>
 </file>
 
-<file path=ppt/slides/slide44.xml><?xml version="1.0" encoding="utf-8"?>
+<file path=ppt/slides/slide41.xml><?xml version="1.0" encoding="utf-8"?>
 <p:sld xmlns:a="http://schemas.openxmlformats.org/drawingml/2006/main" xmlns:r="http://schemas.openxmlformats.org/officeDocument/2006/relationships" xmlns:p="http://schemas.openxmlformats.org/presentationml/2006/main">
   <p:cSld>
     <p:spTree>
@@ -15395,7 +14278,7 @@
 </p:sld>
 </file>
 
-<file path=ppt/slides/slide45.xml><?xml version="1.0" encoding="utf-8"?>
+<file path=ppt/slides/slide42.xml><?xml version="1.0" encoding="utf-8"?>
 <p:sld xmlns:a="http://schemas.openxmlformats.org/drawingml/2006/main" xmlns:r="http://schemas.openxmlformats.org/officeDocument/2006/relationships" xmlns:p="http://schemas.openxmlformats.org/presentationml/2006/main">
   <p:cSld>
     <p:spTree>
@@ -15688,7 +14571,7 @@
 </p:sld>
 </file>
 
-<file path=ppt/slides/slide46.xml><?xml version="1.0" encoding="utf-8"?>
+<file path=ppt/slides/slide43.xml><?xml version="1.0" encoding="utf-8"?>
 <p:sld xmlns:a="http://schemas.openxmlformats.org/drawingml/2006/main" xmlns:r="http://schemas.openxmlformats.org/officeDocument/2006/relationships" xmlns:p="http://schemas.openxmlformats.org/presentationml/2006/main">
   <p:cSld>
     <p:spTree>
@@ -15911,7 +14794,7 @@
 </p:sld>
 </file>
 
-<file path=ppt/slides/slide47.xml><?xml version="1.0" encoding="utf-8"?>
+<file path=ppt/slides/slide44.xml><?xml version="1.0" encoding="utf-8"?>
 <p:sld xmlns:a="http://schemas.openxmlformats.org/drawingml/2006/main" xmlns:r="http://schemas.openxmlformats.org/officeDocument/2006/relationships" xmlns:p="http://schemas.openxmlformats.org/presentationml/2006/main">
   <p:cSld>
     <p:spTree>
@@ -16186,7 +15069,7 @@
 </p:sld>
 </file>
 
-<file path=ppt/slides/slide48.xml><?xml version="1.0" encoding="utf-8"?>
+<file path=ppt/slides/slide45.xml><?xml version="1.0" encoding="utf-8"?>
 <p:sld xmlns:a="http://schemas.openxmlformats.org/drawingml/2006/main" xmlns:r="http://schemas.openxmlformats.org/officeDocument/2006/relationships" xmlns:p="http://schemas.openxmlformats.org/presentationml/2006/main">
   <p:cSld>
     <p:spTree>
@@ -16457,7 +15340,7 @@
 </p:sld>
 </file>
 
-<file path=ppt/slides/slide49.xml><?xml version="1.0" encoding="utf-8"?>
+<file path=ppt/slides/slide46.xml><?xml version="1.0" encoding="utf-8"?>
 <p:sld xmlns:a="http://schemas.openxmlformats.org/drawingml/2006/main" xmlns:r="http://schemas.openxmlformats.org/officeDocument/2006/relationships" xmlns:p="http://schemas.openxmlformats.org/presentationml/2006/main">
   <p:cSld>
     <p:spTree>
@@ -16728,368 +15611,7 @@
 </p:sld>
 </file>
 
-<file path=ppt/slides/slide5.xml><?xml version="1.0" encoding="utf-8"?>
-<p:sld xmlns:a="http://schemas.openxmlformats.org/drawingml/2006/main" xmlns:r="http://schemas.openxmlformats.org/officeDocument/2006/relationships" xmlns:p="http://schemas.openxmlformats.org/presentationml/2006/main">
-  <p:cSld>
-    <p:spTree>
-      <p:nvGrpSpPr>
-        <p:cNvPr id="1" name=""/>
-        <p:cNvGrpSpPr/>
-        <p:nvPr/>
-      </p:nvGrpSpPr>
-      <p:grpSpPr>
-        <a:xfrm>
-          <a:off x="0" y="0"/>
-          <a:ext cx="0" cy="0"/>
-          <a:chOff x="0" y="0"/>
-          <a:chExt cx="0" cy="0"/>
-        </a:xfrm>
-      </p:grpSpPr>
-      <p:pic>
-        <p:nvPicPr>
-          <p:cNvPr id="4" name="图片 3" descr="QW2RIBJ$GX2G_YNZ]Z%@94Q"/>
-          <p:cNvPicPr>
-            <a:picLocks noChangeAspect="1"/>
-          </p:cNvPicPr>
-          <p:nvPr/>
-        </p:nvPicPr>
-        <p:blipFill>
-          <a:blip r:embed="rId1"/>
-          <a:stretch>
-            <a:fillRect/>
-          </a:stretch>
-        </p:blipFill>
-        <p:spPr>
-          <a:xfrm>
-            <a:off x="-6985" y="-10160"/>
-            <a:ext cx="9203055" cy="6878955"/>
-          </a:xfrm>
-          <a:prstGeom prst="rect">
-            <a:avLst/>
-          </a:prstGeom>
-        </p:spPr>
-      </p:pic>
-      <p:sp>
-        <p:nvSpPr>
-          <p:cNvPr id="203778" name="標題 203777"/>
-          <p:cNvSpPr>
-            <a:spLocks noGrp="1"/>
-          </p:cNvSpPr>
-          <p:nvPr>
-            <p:ph type="title"/>
-          </p:nvPr>
-        </p:nvSpPr>
-        <p:spPr/>
-        <p:txBody>
-          <a:bodyPr anchor="ctr"/>
-          <a:lstStyle/>
-          <a:p>
-            <a:pPr fontAlgn="base"/>
-            <a:r>
-              <a:rPr lang="en-US" altLang="zh-TW" strike="noStrike" noProof="1">
-                <a:solidFill>
-                  <a:srgbClr val="0000CC"/>
-                </a:solidFill>
-              </a:rPr>
-              <a:t>2. </a:t>
-            </a:r>
-            <a:r>
-              <a:rPr lang="zh-CN" altLang="en-US" strike="noStrike" noProof="1">
-                <a:solidFill>
-                  <a:srgbClr val="0000CC"/>
-                </a:solidFill>
-                <a:latin typeface="+mn-ea"/>
-                <a:ea typeface="+mn-ea"/>
-              </a:rPr>
-              <a:t>刷卡規則及注意事項</a:t>
-            </a:r>
-            <a:endParaRPr lang="zh-CN" altLang="en-US" strike="noStrike" noProof="1">
-              <a:solidFill>
-                <a:srgbClr val="0000CC"/>
-              </a:solidFill>
-              <a:latin typeface="+mn-ea"/>
-              <a:ea typeface="+mn-ea"/>
-            </a:endParaRPr>
-          </a:p>
-        </p:txBody>
-      </p:sp>
-      <p:sp>
-        <p:nvSpPr>
-          <p:cNvPr id="203787" name="文字版面配置區 203786"/>
-          <p:cNvSpPr>
-            <a:spLocks noGrp="1"/>
-          </p:cNvSpPr>
-          <p:nvPr>
-            <p:ph idx="1"/>
-          </p:nvPr>
-        </p:nvSpPr>
-        <p:spPr>
-          <a:xfrm>
-            <a:off x="457200" y="1052513"/>
-            <a:ext cx="8229600" cy="4681538"/>
-          </a:xfrm>
-        </p:spPr>
-        <p:txBody>
-          <a:bodyPr/>
-          <a:lstStyle/>
-          <a:p>
-            <a:pPr fontAlgn="base"/>
-            <a:r>
-              <a:rPr lang="zh-CN" altLang="en-US" sz="2400" b="1" strike="noStrike" noProof="1">
-                <a:latin typeface="+mn-ea"/>
-              </a:rPr>
-              <a:t>注意事項</a:t>
-            </a:r>
-            <a:endParaRPr lang="zh-CN" altLang="en-US" sz="2400" b="1" strike="noStrike" noProof="1">
-              <a:latin typeface="+mn-ea"/>
-            </a:endParaRPr>
-          </a:p>
-          <a:p>
-            <a:pPr lvl="1" fontAlgn="base">
-              <a:lnSpc>
-                <a:spcPct val="100000"/>
-              </a:lnSpc>
-            </a:pPr>
-            <a:r>
-              <a:rPr lang="zh-CN" altLang="en-US" sz="1700" b="1" strike="noStrike" noProof="1">
-                <a:solidFill>
-                  <a:srgbClr val="000066"/>
-                </a:solidFill>
-                <a:uFillTx/>
-                <a:latin typeface="+mn-ea"/>
-                <a:sym typeface="+mn-ea"/>
-              </a:rPr>
-              <a:t>刷卡異常處理</a:t>
-            </a:r>
-            <a:endParaRPr lang="zh-CN" altLang="en-US" sz="1700" b="1" strike="noStrike" noProof="1">
-              <a:solidFill>
-                <a:srgbClr val="000066"/>
-              </a:solidFill>
-              <a:uFillTx/>
-              <a:latin typeface="+mn-ea"/>
-              <a:sym typeface="+mn-ea"/>
-            </a:endParaRPr>
-          </a:p>
-          <a:p>
-            <a:pPr marL="914400" lvl="2" indent="0" algn="l" fontAlgn="base">
-              <a:lnSpc>
-                <a:spcPct val="100000"/>
-              </a:lnSpc>
-            </a:pPr>
-            <a:r>
-              <a:rPr lang="zh-CN" altLang="en-US" sz="1600" b="1" strike="noStrike" noProof="1">
-                <a:solidFill>
-                  <a:srgbClr val="C00000"/>
-                </a:solidFill>
-                <a:latin typeface="+mn-ea"/>
-                <a:sym typeface="微软雅黑" panose="020B0503020204020204" charset="-122"/>
-              </a:rPr>
-              <a:t>1、請重新感應</a:t>
-            </a:r>
-            <a:endParaRPr lang="zh-CN" altLang="en-US" sz="1600" b="1" strike="noStrike" noProof="1">
-              <a:solidFill>
-                <a:srgbClr val="C00000"/>
-              </a:solidFill>
-              <a:latin typeface="+mn-ea"/>
-              <a:sym typeface="微软雅黑" panose="020B0503020204020204" charset="-122"/>
-            </a:endParaRPr>
-          </a:p>
-          <a:p>
-            <a:pPr marL="914400" lvl="2" indent="0" algn="l" fontAlgn="base">
-              <a:lnSpc>
-                <a:spcPct val="100000"/>
-              </a:lnSpc>
-            </a:pPr>
-            <a:r>
-              <a:rPr lang="en-US" altLang="x-none" sz="1600" b="1" strike="noStrike" noProof="1">
-                <a:solidFill>
-                  <a:srgbClr val="C00000"/>
-                </a:solidFill>
-                <a:latin typeface="+mn-ea"/>
-                <a:sym typeface="微软雅黑" panose="020B0503020204020204" charset="-122"/>
-              </a:rPr>
-              <a:t>2</a:t>
-            </a:r>
-            <a:r>
-              <a:rPr lang="zh-CN" altLang="en-US" sz="1600" b="1" strike="noStrike" noProof="1">
-                <a:solidFill>
-                  <a:srgbClr val="C00000"/>
-                </a:solidFill>
-                <a:latin typeface="+mn-ea"/>
-                <a:sym typeface="微软雅黑" panose="020B0503020204020204" charset="-122"/>
-              </a:rPr>
-              <a:t>、確認此人是否為新進員工或補辦廠牌（刷卡時系統有提示）</a:t>
-            </a:r>
-            <a:endParaRPr lang="zh-CN" altLang="en-US" sz="1600" b="1" strike="noStrike" noProof="1">
-              <a:solidFill>
-                <a:srgbClr val="C00000"/>
-              </a:solidFill>
-              <a:latin typeface="+mn-ea"/>
-              <a:sym typeface="微软雅黑" panose="020B0503020204020204" charset="-122"/>
-            </a:endParaRPr>
-          </a:p>
-          <a:p>
-            <a:pPr marL="914400" lvl="2" indent="0" algn="l" fontAlgn="base">
-              <a:lnSpc>
-                <a:spcPct val="100000"/>
-              </a:lnSpc>
-            </a:pPr>
-            <a:r>
-              <a:rPr lang="en-US" altLang="x-none" sz="1600" b="1" strike="noStrike" noProof="1">
-                <a:solidFill>
-                  <a:srgbClr val="C00000"/>
-                </a:solidFill>
-                <a:latin typeface="+mn-ea"/>
-                <a:sym typeface="微软雅黑" panose="020B0503020204020204" charset="-122"/>
-              </a:rPr>
-              <a:t>3</a:t>
-            </a:r>
-            <a:r>
-              <a:rPr lang="zh-CN" altLang="en-US" sz="1600" b="1" strike="noStrike" noProof="1">
-                <a:solidFill>
-                  <a:srgbClr val="C00000"/>
-                </a:solidFill>
-                <a:latin typeface="+mn-ea"/>
-                <a:sym typeface="微软雅黑" panose="020B0503020204020204" charset="-122"/>
-              </a:rPr>
-              <a:t>、如未有記錄請檢查刷卡機 USB插口是否插好</a:t>
-            </a:r>
-            <a:r>
-              <a:rPr lang="en-US" altLang="x-none" sz="1600" b="1" strike="noStrike" noProof="1">
-                <a:solidFill>
-                  <a:srgbClr val="C00000"/>
-                </a:solidFill>
-                <a:latin typeface="+mn-ea"/>
-                <a:sym typeface="微软雅黑" panose="020B0503020204020204" charset="-122"/>
-              </a:rPr>
-              <a:t>,</a:t>
-            </a:r>
-            <a:r>
-              <a:rPr lang="zh-CN" altLang="en-US" sz="1600" b="1" strike="noStrike" noProof="1">
-                <a:solidFill>
-                  <a:srgbClr val="C00000"/>
-                </a:solidFill>
-                <a:latin typeface="+mn-ea"/>
-                <a:sym typeface="微软雅黑" panose="020B0503020204020204" charset="-122"/>
-              </a:rPr>
-              <a:t>或是網絡是否正常運行</a:t>
-            </a:r>
-            <a:endParaRPr lang="zh-CN" altLang="en-US" sz="1600" b="1" strike="noStrike" noProof="1">
-              <a:solidFill>
-                <a:srgbClr val="C00000"/>
-              </a:solidFill>
-              <a:latin typeface="+mn-ea"/>
-              <a:sym typeface="微软雅黑" panose="020B0503020204020204" charset="-122"/>
-            </a:endParaRPr>
-          </a:p>
-          <a:p>
-            <a:pPr marL="914400" lvl="2" indent="0" algn="l" fontAlgn="base">
-              <a:lnSpc>
-                <a:spcPct val="100000"/>
-              </a:lnSpc>
-            </a:pPr>
-            <a:r>
-              <a:rPr lang="en-US" altLang="x-none" sz="1600" b="1" strike="noStrike" noProof="1">
-                <a:solidFill>
-                  <a:srgbClr val="C00000"/>
-                </a:solidFill>
-                <a:latin typeface="+mn-ea"/>
-                <a:sym typeface="微软雅黑" panose="020B0503020204020204" charset="-122"/>
-              </a:rPr>
-              <a:t>4</a:t>
-            </a:r>
-            <a:r>
-              <a:rPr lang="zh-CN" altLang="en-US" sz="1600" b="1" strike="noStrike" noProof="1">
-                <a:solidFill>
-                  <a:srgbClr val="C00000"/>
-                </a:solidFill>
-                <a:latin typeface="+mn-ea"/>
-                <a:sym typeface="微软雅黑" panose="020B0503020204020204" charset="-122"/>
-              </a:rPr>
-              <a:t>、如端口及網絡均正常，請更換其他讀卡機試用</a:t>
-            </a:r>
-            <a:endParaRPr lang="en-US" altLang="zh-CN" sz="1600" b="1" strike="noStrike" noProof="1">
-              <a:solidFill>
-                <a:srgbClr val="C00000"/>
-              </a:solidFill>
-              <a:latin typeface="+mn-ea"/>
-              <a:sym typeface="微软雅黑" panose="020B0503020204020204" charset="-122"/>
-            </a:endParaRPr>
-          </a:p>
-          <a:p>
-            <a:pPr marL="914400" lvl="2" indent="0" algn="l" fontAlgn="base">
-              <a:lnSpc>
-                <a:spcPct val="100000"/>
-              </a:lnSpc>
-            </a:pPr>
-            <a:r>
-              <a:rPr lang="en-US" altLang="x-none" sz="1600" b="1" strike="noStrike" noProof="1">
-                <a:solidFill>
-                  <a:srgbClr val="C00000"/>
-                </a:solidFill>
-                <a:latin typeface="+mn-ea"/>
-                <a:sym typeface="微软雅黑" panose="020B0503020204020204" charset="-122"/>
-              </a:rPr>
-              <a:t>5</a:t>
-            </a:r>
-            <a:r>
-              <a:rPr lang="zh-CN" altLang="en-US" sz="1600" b="1" strike="noStrike" noProof="1">
-                <a:solidFill>
-                  <a:srgbClr val="C00000"/>
-                </a:solidFill>
-                <a:latin typeface="+mn-ea"/>
-                <a:sym typeface="微软雅黑" panose="020B0503020204020204" charset="-122"/>
-              </a:rPr>
-              <a:t>、如其他讀卡機可正常試用，請把沒有反應的讀卡機更換</a:t>
-            </a:r>
-            <a:endParaRPr lang="en-US" altLang="zh-CN" sz="1600" b="1" strike="noStrike" noProof="1">
-              <a:solidFill>
-                <a:srgbClr val="C00000"/>
-              </a:solidFill>
-              <a:latin typeface="+mn-ea"/>
-              <a:sym typeface="微软雅黑" panose="020B0503020204020204" charset="-122"/>
-            </a:endParaRPr>
-          </a:p>
-          <a:p>
-            <a:pPr marL="914400" lvl="2" indent="0" algn="l" fontAlgn="base">
-              <a:lnSpc>
-                <a:spcPct val="100000"/>
-              </a:lnSpc>
-            </a:pPr>
-            <a:endParaRPr lang="zh-CN" altLang="en-US" sz="1600" b="1" strike="noStrike" noProof="1">
-              <a:solidFill>
-                <a:srgbClr val="C00000"/>
-              </a:solidFill>
-              <a:latin typeface="+mn-ea"/>
-              <a:sym typeface="微软雅黑" panose="020B0503020204020204" charset="-122"/>
-            </a:endParaRPr>
-          </a:p>
-          <a:p>
-            <a:pPr lvl="1" fontAlgn="base">
-              <a:lnSpc>
-                <a:spcPct val="100000"/>
-              </a:lnSpc>
-            </a:pPr>
-            <a:endParaRPr lang="en-US" altLang="zh-CN" sz="1700" b="1" strike="noStrike" noProof="1">
-              <a:solidFill>
-                <a:srgbClr val="000066"/>
-              </a:solidFill>
-              <a:uFillTx/>
-              <a:latin typeface="+mn-ea"/>
-              <a:sym typeface="+mn-ea"/>
-            </a:endParaRPr>
-          </a:p>
-        </p:txBody>
-      </p:sp>
-    </p:spTree>
-  </p:cSld>
-  <p:clrMapOvr>
-    <a:masterClrMapping/>
-  </p:clrMapOvr>
-</p:sld>
-</file>
-
-<file path=ppt/slides/slide50.xml><?xml version="1.0" encoding="utf-8"?>
+<file path=ppt/slides/slide47.xml><?xml version="1.0" encoding="utf-8"?>
 <p:sld xmlns:a="http://schemas.openxmlformats.org/drawingml/2006/main" xmlns:r="http://schemas.openxmlformats.org/officeDocument/2006/relationships" xmlns:p="http://schemas.openxmlformats.org/presentationml/2006/main">
   <p:cSld>
     <p:spTree>
@@ -17434,7 +15956,7 @@
 </p:sld>
 </file>
 
-<file path=ppt/slides/slide51.xml><?xml version="1.0" encoding="utf-8"?>
+<file path=ppt/slides/slide48.xml><?xml version="1.0" encoding="utf-8"?>
 <p:sld xmlns:a="http://schemas.openxmlformats.org/drawingml/2006/main" xmlns:r="http://schemas.openxmlformats.org/officeDocument/2006/relationships" xmlns:p="http://schemas.openxmlformats.org/presentationml/2006/main">
   <p:cSld>
     <p:spTree>
@@ -17783,7 +16305,7 @@
 </p:sld>
 </file>
 
-<file path=ppt/slides/slide52.xml><?xml version="1.0" encoding="utf-8"?>
+<file path=ppt/slides/slide49.xml><?xml version="1.0" encoding="utf-8"?>
 <p:sld xmlns:a="http://schemas.openxmlformats.org/drawingml/2006/main" xmlns:r="http://schemas.openxmlformats.org/officeDocument/2006/relationships" xmlns:p="http://schemas.openxmlformats.org/presentationml/2006/main">
   <p:cSld>
     <p:spTree>
@@ -18135,7 +16657,368 @@
 </p:sld>
 </file>
 
-<file path=ppt/slides/slide53.xml><?xml version="1.0" encoding="utf-8"?>
+<file path=ppt/slides/slide5.xml><?xml version="1.0" encoding="utf-8"?>
+<p:sld xmlns:a="http://schemas.openxmlformats.org/drawingml/2006/main" xmlns:r="http://schemas.openxmlformats.org/officeDocument/2006/relationships" xmlns:p="http://schemas.openxmlformats.org/presentationml/2006/main">
+  <p:cSld>
+    <p:spTree>
+      <p:nvGrpSpPr>
+        <p:cNvPr id="1" name=""/>
+        <p:cNvGrpSpPr/>
+        <p:nvPr/>
+      </p:nvGrpSpPr>
+      <p:grpSpPr>
+        <a:xfrm>
+          <a:off x="0" y="0"/>
+          <a:ext cx="0" cy="0"/>
+          <a:chOff x="0" y="0"/>
+          <a:chExt cx="0" cy="0"/>
+        </a:xfrm>
+      </p:grpSpPr>
+      <p:pic>
+        <p:nvPicPr>
+          <p:cNvPr id="4" name="图片 3" descr="QW2RIBJ$GX2G_YNZ]Z%@94Q"/>
+          <p:cNvPicPr>
+            <a:picLocks noChangeAspect="1"/>
+          </p:cNvPicPr>
+          <p:nvPr/>
+        </p:nvPicPr>
+        <p:blipFill>
+          <a:blip r:embed="rId1"/>
+          <a:stretch>
+            <a:fillRect/>
+          </a:stretch>
+        </p:blipFill>
+        <p:spPr>
+          <a:xfrm>
+            <a:off x="-6985" y="-10160"/>
+            <a:ext cx="9203055" cy="6878955"/>
+          </a:xfrm>
+          <a:prstGeom prst="rect">
+            <a:avLst/>
+          </a:prstGeom>
+        </p:spPr>
+      </p:pic>
+      <p:sp>
+        <p:nvSpPr>
+          <p:cNvPr id="203778" name="標題 203777"/>
+          <p:cNvSpPr>
+            <a:spLocks noGrp="1"/>
+          </p:cNvSpPr>
+          <p:nvPr>
+            <p:ph type="title"/>
+          </p:nvPr>
+        </p:nvSpPr>
+        <p:spPr/>
+        <p:txBody>
+          <a:bodyPr anchor="ctr"/>
+          <a:lstStyle/>
+          <a:p>
+            <a:pPr fontAlgn="base"/>
+            <a:r>
+              <a:rPr lang="en-US" altLang="zh-TW" strike="noStrike" noProof="1">
+                <a:solidFill>
+                  <a:srgbClr val="0000CC"/>
+                </a:solidFill>
+              </a:rPr>
+              <a:t>2. </a:t>
+            </a:r>
+            <a:r>
+              <a:rPr lang="zh-CN" altLang="en-US" strike="noStrike" noProof="1">
+                <a:solidFill>
+                  <a:srgbClr val="0000CC"/>
+                </a:solidFill>
+                <a:latin typeface="+mn-ea"/>
+                <a:ea typeface="+mn-ea"/>
+              </a:rPr>
+              <a:t>刷卡規則及注意事項</a:t>
+            </a:r>
+            <a:endParaRPr lang="zh-CN" altLang="en-US" strike="noStrike" noProof="1">
+              <a:solidFill>
+                <a:srgbClr val="0000CC"/>
+              </a:solidFill>
+              <a:latin typeface="+mn-ea"/>
+              <a:ea typeface="+mn-ea"/>
+            </a:endParaRPr>
+          </a:p>
+        </p:txBody>
+      </p:sp>
+      <p:sp>
+        <p:nvSpPr>
+          <p:cNvPr id="203787" name="文字版面配置區 203786"/>
+          <p:cNvSpPr>
+            <a:spLocks noGrp="1"/>
+          </p:cNvSpPr>
+          <p:nvPr>
+            <p:ph idx="1"/>
+          </p:nvPr>
+        </p:nvSpPr>
+        <p:spPr>
+          <a:xfrm>
+            <a:off x="457200" y="1052513"/>
+            <a:ext cx="8229600" cy="4681538"/>
+          </a:xfrm>
+        </p:spPr>
+        <p:txBody>
+          <a:bodyPr/>
+          <a:lstStyle/>
+          <a:p>
+            <a:pPr fontAlgn="base"/>
+            <a:r>
+              <a:rPr lang="zh-CN" altLang="en-US" sz="2400" b="1" strike="noStrike" noProof="1">
+                <a:latin typeface="+mn-ea"/>
+              </a:rPr>
+              <a:t>注意事項</a:t>
+            </a:r>
+            <a:endParaRPr lang="zh-CN" altLang="en-US" sz="2400" b="1" strike="noStrike" noProof="1">
+              <a:latin typeface="+mn-ea"/>
+            </a:endParaRPr>
+          </a:p>
+          <a:p>
+            <a:pPr lvl="1" fontAlgn="base">
+              <a:lnSpc>
+                <a:spcPct val="100000"/>
+              </a:lnSpc>
+            </a:pPr>
+            <a:r>
+              <a:rPr lang="zh-CN" altLang="en-US" sz="1700" b="1" strike="noStrike" noProof="1">
+                <a:solidFill>
+                  <a:srgbClr val="000066"/>
+                </a:solidFill>
+                <a:uFillTx/>
+                <a:latin typeface="+mn-ea"/>
+                <a:sym typeface="+mn-ea"/>
+              </a:rPr>
+              <a:t>刷卡異常處理</a:t>
+            </a:r>
+            <a:endParaRPr lang="zh-CN" altLang="en-US" sz="1700" b="1" strike="noStrike" noProof="1">
+              <a:solidFill>
+                <a:srgbClr val="000066"/>
+              </a:solidFill>
+              <a:uFillTx/>
+              <a:latin typeface="+mn-ea"/>
+              <a:sym typeface="+mn-ea"/>
+            </a:endParaRPr>
+          </a:p>
+          <a:p>
+            <a:pPr marL="914400" lvl="2" indent="0" algn="l" fontAlgn="base">
+              <a:lnSpc>
+                <a:spcPct val="100000"/>
+              </a:lnSpc>
+            </a:pPr>
+            <a:r>
+              <a:rPr lang="zh-CN" altLang="en-US" sz="1600" b="1" strike="noStrike" noProof="1">
+                <a:solidFill>
+                  <a:srgbClr val="C00000"/>
+                </a:solidFill>
+                <a:latin typeface="+mn-ea"/>
+                <a:sym typeface="微软雅黑" panose="020B0503020204020204" charset="-122"/>
+              </a:rPr>
+              <a:t>1、請重新感應</a:t>
+            </a:r>
+            <a:endParaRPr lang="zh-CN" altLang="en-US" sz="1600" b="1" strike="noStrike" noProof="1">
+              <a:solidFill>
+                <a:srgbClr val="C00000"/>
+              </a:solidFill>
+              <a:latin typeface="+mn-ea"/>
+              <a:sym typeface="微软雅黑" panose="020B0503020204020204" charset="-122"/>
+            </a:endParaRPr>
+          </a:p>
+          <a:p>
+            <a:pPr marL="914400" lvl="2" indent="0" algn="l" fontAlgn="base">
+              <a:lnSpc>
+                <a:spcPct val="100000"/>
+              </a:lnSpc>
+            </a:pPr>
+            <a:r>
+              <a:rPr lang="en-US" altLang="x-none" sz="1600" b="1" strike="noStrike" noProof="1">
+                <a:solidFill>
+                  <a:srgbClr val="C00000"/>
+                </a:solidFill>
+                <a:latin typeface="+mn-ea"/>
+                <a:sym typeface="微软雅黑" panose="020B0503020204020204" charset="-122"/>
+              </a:rPr>
+              <a:t>2</a:t>
+            </a:r>
+            <a:r>
+              <a:rPr lang="zh-CN" altLang="en-US" sz="1600" b="1" strike="noStrike" noProof="1">
+                <a:solidFill>
+                  <a:srgbClr val="C00000"/>
+                </a:solidFill>
+                <a:latin typeface="+mn-ea"/>
+                <a:sym typeface="微软雅黑" panose="020B0503020204020204" charset="-122"/>
+              </a:rPr>
+              <a:t>、確認此人是否為新進員工或補辦廠牌（刷卡時系統有提示）</a:t>
+            </a:r>
+            <a:endParaRPr lang="zh-CN" altLang="en-US" sz="1600" b="1" strike="noStrike" noProof="1">
+              <a:solidFill>
+                <a:srgbClr val="C00000"/>
+              </a:solidFill>
+              <a:latin typeface="+mn-ea"/>
+              <a:sym typeface="微软雅黑" panose="020B0503020204020204" charset="-122"/>
+            </a:endParaRPr>
+          </a:p>
+          <a:p>
+            <a:pPr marL="914400" lvl="2" indent="0" algn="l" fontAlgn="base">
+              <a:lnSpc>
+                <a:spcPct val="100000"/>
+              </a:lnSpc>
+            </a:pPr>
+            <a:r>
+              <a:rPr lang="en-US" altLang="x-none" sz="1600" b="1" strike="noStrike" noProof="1">
+                <a:solidFill>
+                  <a:srgbClr val="C00000"/>
+                </a:solidFill>
+                <a:latin typeface="+mn-ea"/>
+                <a:sym typeface="微软雅黑" panose="020B0503020204020204" charset="-122"/>
+              </a:rPr>
+              <a:t>3</a:t>
+            </a:r>
+            <a:r>
+              <a:rPr lang="zh-CN" altLang="en-US" sz="1600" b="1" strike="noStrike" noProof="1">
+                <a:solidFill>
+                  <a:srgbClr val="C00000"/>
+                </a:solidFill>
+                <a:latin typeface="+mn-ea"/>
+                <a:sym typeface="微软雅黑" panose="020B0503020204020204" charset="-122"/>
+              </a:rPr>
+              <a:t>、如未有記錄請檢查刷卡機 USB插口是否插好</a:t>
+            </a:r>
+            <a:r>
+              <a:rPr lang="en-US" altLang="x-none" sz="1600" b="1" strike="noStrike" noProof="1">
+                <a:solidFill>
+                  <a:srgbClr val="C00000"/>
+                </a:solidFill>
+                <a:latin typeface="+mn-ea"/>
+                <a:sym typeface="微软雅黑" panose="020B0503020204020204" charset="-122"/>
+              </a:rPr>
+              <a:t>,</a:t>
+            </a:r>
+            <a:r>
+              <a:rPr lang="zh-CN" altLang="en-US" sz="1600" b="1" strike="noStrike" noProof="1">
+                <a:solidFill>
+                  <a:srgbClr val="C00000"/>
+                </a:solidFill>
+                <a:latin typeface="+mn-ea"/>
+                <a:sym typeface="微软雅黑" panose="020B0503020204020204" charset="-122"/>
+              </a:rPr>
+              <a:t>或是網絡是否正常運行</a:t>
+            </a:r>
+            <a:endParaRPr lang="zh-CN" altLang="en-US" sz="1600" b="1" strike="noStrike" noProof="1">
+              <a:solidFill>
+                <a:srgbClr val="C00000"/>
+              </a:solidFill>
+              <a:latin typeface="+mn-ea"/>
+              <a:sym typeface="微软雅黑" panose="020B0503020204020204" charset="-122"/>
+            </a:endParaRPr>
+          </a:p>
+          <a:p>
+            <a:pPr marL="914400" lvl="2" indent="0" algn="l" fontAlgn="base">
+              <a:lnSpc>
+                <a:spcPct val="100000"/>
+              </a:lnSpc>
+            </a:pPr>
+            <a:r>
+              <a:rPr lang="en-US" altLang="x-none" sz="1600" b="1" strike="noStrike" noProof="1">
+                <a:solidFill>
+                  <a:srgbClr val="C00000"/>
+                </a:solidFill>
+                <a:latin typeface="+mn-ea"/>
+                <a:sym typeface="微软雅黑" panose="020B0503020204020204" charset="-122"/>
+              </a:rPr>
+              <a:t>4</a:t>
+            </a:r>
+            <a:r>
+              <a:rPr lang="zh-CN" altLang="en-US" sz="1600" b="1" strike="noStrike" noProof="1">
+                <a:solidFill>
+                  <a:srgbClr val="C00000"/>
+                </a:solidFill>
+                <a:latin typeface="+mn-ea"/>
+                <a:sym typeface="微软雅黑" panose="020B0503020204020204" charset="-122"/>
+              </a:rPr>
+              <a:t>、如端口及網絡均正常，請更換其他讀卡機試用</a:t>
+            </a:r>
+            <a:endParaRPr lang="en-US" altLang="zh-CN" sz="1600" b="1" strike="noStrike" noProof="1">
+              <a:solidFill>
+                <a:srgbClr val="C00000"/>
+              </a:solidFill>
+              <a:latin typeface="+mn-ea"/>
+              <a:sym typeface="微软雅黑" panose="020B0503020204020204" charset="-122"/>
+            </a:endParaRPr>
+          </a:p>
+          <a:p>
+            <a:pPr marL="914400" lvl="2" indent="0" algn="l" fontAlgn="base">
+              <a:lnSpc>
+                <a:spcPct val="100000"/>
+              </a:lnSpc>
+            </a:pPr>
+            <a:r>
+              <a:rPr lang="en-US" altLang="x-none" sz="1600" b="1" strike="noStrike" noProof="1">
+                <a:solidFill>
+                  <a:srgbClr val="C00000"/>
+                </a:solidFill>
+                <a:latin typeface="+mn-ea"/>
+                <a:sym typeface="微软雅黑" panose="020B0503020204020204" charset="-122"/>
+              </a:rPr>
+              <a:t>5</a:t>
+            </a:r>
+            <a:r>
+              <a:rPr lang="zh-CN" altLang="en-US" sz="1600" b="1" strike="noStrike" noProof="1">
+                <a:solidFill>
+                  <a:srgbClr val="C00000"/>
+                </a:solidFill>
+                <a:latin typeface="+mn-ea"/>
+                <a:sym typeface="微软雅黑" panose="020B0503020204020204" charset="-122"/>
+              </a:rPr>
+              <a:t>、如其他讀卡機可正常試用，請把沒有反應的讀卡機更換</a:t>
+            </a:r>
+            <a:endParaRPr lang="en-US" altLang="zh-CN" sz="1600" b="1" strike="noStrike" noProof="1">
+              <a:solidFill>
+                <a:srgbClr val="C00000"/>
+              </a:solidFill>
+              <a:latin typeface="+mn-ea"/>
+              <a:sym typeface="微软雅黑" panose="020B0503020204020204" charset="-122"/>
+            </a:endParaRPr>
+          </a:p>
+          <a:p>
+            <a:pPr marL="914400" lvl="2" indent="0" algn="l" fontAlgn="base">
+              <a:lnSpc>
+                <a:spcPct val="100000"/>
+              </a:lnSpc>
+            </a:pPr>
+            <a:endParaRPr lang="zh-CN" altLang="en-US" sz="1600" b="1" strike="noStrike" noProof="1">
+              <a:solidFill>
+                <a:srgbClr val="C00000"/>
+              </a:solidFill>
+              <a:latin typeface="+mn-ea"/>
+              <a:sym typeface="微软雅黑" panose="020B0503020204020204" charset="-122"/>
+            </a:endParaRPr>
+          </a:p>
+          <a:p>
+            <a:pPr lvl="1" fontAlgn="base">
+              <a:lnSpc>
+                <a:spcPct val="100000"/>
+              </a:lnSpc>
+            </a:pPr>
+            <a:endParaRPr lang="en-US" altLang="zh-CN" sz="1700" b="1" strike="noStrike" noProof="1">
+              <a:solidFill>
+                <a:srgbClr val="000066"/>
+              </a:solidFill>
+              <a:uFillTx/>
+              <a:latin typeface="+mn-ea"/>
+              <a:sym typeface="+mn-ea"/>
+            </a:endParaRPr>
+          </a:p>
+        </p:txBody>
+      </p:sp>
+    </p:spTree>
+  </p:cSld>
+  <p:clrMapOvr>
+    <a:masterClrMapping/>
+  </p:clrMapOvr>
+</p:sld>
+</file>
+
+<file path=ppt/slides/slide50.xml><?xml version="1.0" encoding="utf-8"?>
 <p:sld xmlns:a="http://schemas.openxmlformats.org/drawingml/2006/main" xmlns:r="http://schemas.openxmlformats.org/officeDocument/2006/relationships" xmlns:p="http://schemas.openxmlformats.org/presentationml/2006/main">
   <p:cSld>
     <p:spTree>
@@ -18263,7 +17146,7 @@
 </p:sld>
 </file>
 
-<file path=ppt/slides/slide54.xml><?xml version="1.0" encoding="utf-8"?>
+<file path=ppt/slides/slide51.xml><?xml version="1.0" encoding="utf-8"?>
 <p:sld xmlns:a="http://schemas.openxmlformats.org/drawingml/2006/main" xmlns:r="http://schemas.openxmlformats.org/officeDocument/2006/relationships" xmlns:p="http://schemas.openxmlformats.org/presentationml/2006/main">
   <p:cSld>
     <p:spTree>
@@ -18391,7 +17274,7 @@
 </p:sld>
 </file>
 
-<file path=ppt/slides/slide55.xml><?xml version="1.0" encoding="utf-8"?>
+<file path=ppt/slides/slide52.xml><?xml version="1.0" encoding="utf-8"?>
 <p:sld xmlns:a="http://schemas.openxmlformats.org/drawingml/2006/main" xmlns:r="http://schemas.openxmlformats.org/officeDocument/2006/relationships" xmlns:p="http://schemas.openxmlformats.org/presentationml/2006/main">
   <p:cSld>
     <p:spTree>
@@ -18738,7 +17621,7 @@
 </p:sld>
 </file>
 
-<file path=ppt/slides/slide56.xml><?xml version="1.0" encoding="utf-8"?>
+<file path=ppt/slides/slide53.xml><?xml version="1.0" encoding="utf-8"?>
 <p:sld xmlns:a="http://schemas.openxmlformats.org/drawingml/2006/main" xmlns:r="http://schemas.openxmlformats.org/officeDocument/2006/relationships" xmlns:p="http://schemas.openxmlformats.org/presentationml/2006/main">
   <p:cSld>
     <p:spTree>
@@ -19085,7 +17968,7 @@
 </p:sld>
 </file>
 
-<file path=ppt/slides/slide57.xml><?xml version="1.0" encoding="utf-8"?>
+<file path=ppt/slides/slide54.xml><?xml version="1.0" encoding="utf-8"?>
 <p:sld xmlns:a="http://schemas.openxmlformats.org/drawingml/2006/main" xmlns:r="http://schemas.openxmlformats.org/officeDocument/2006/relationships" xmlns:p="http://schemas.openxmlformats.org/presentationml/2006/main">
   <p:cSld>
     <p:spTree>
@@ -19295,7 +18178,7 @@
 </p:sld>
 </file>
 
-<file path=ppt/slides/slide58.xml><?xml version="1.0" encoding="utf-8"?>
+<file path=ppt/slides/slide55.xml><?xml version="1.0" encoding="utf-8"?>
 <p:sld xmlns:a="http://schemas.openxmlformats.org/drawingml/2006/main" xmlns:r="http://schemas.openxmlformats.org/officeDocument/2006/relationships" xmlns:p="http://schemas.openxmlformats.org/presentationml/2006/main">
   <p:cSld>
     <p:spTree>
@@ -19457,7 +18340,7 @@
 </p:sld>
 </file>
 
-<file path=ppt/slides/slide59.xml><?xml version="1.0" encoding="utf-8"?>
+<file path=ppt/slides/slide56.xml><?xml version="1.0" encoding="utf-8"?>
 <p:sld xmlns:a="http://schemas.openxmlformats.org/drawingml/2006/main" xmlns:r="http://schemas.openxmlformats.org/officeDocument/2006/relationships" xmlns:p="http://schemas.openxmlformats.org/presentationml/2006/main">
   <p:cSld>
     <p:spTree>
@@ -19623,358 +18506,7 @@
 </p:sld>
 </file>
 
-<file path=ppt/slides/slide6.xml><?xml version="1.0" encoding="utf-8"?>
-<p:sld xmlns:a="http://schemas.openxmlformats.org/drawingml/2006/main" xmlns:r="http://schemas.openxmlformats.org/officeDocument/2006/relationships" xmlns:p="http://schemas.openxmlformats.org/presentationml/2006/main">
-  <p:cSld>
-    <p:spTree>
-      <p:nvGrpSpPr>
-        <p:cNvPr id="1" name=""/>
-        <p:cNvGrpSpPr/>
-        <p:nvPr/>
-      </p:nvGrpSpPr>
-      <p:grpSpPr>
-        <a:xfrm>
-          <a:off x="0" y="0"/>
-          <a:ext cx="0" cy="0"/>
-          <a:chOff x="0" y="0"/>
-          <a:chExt cx="0" cy="0"/>
-        </a:xfrm>
-      </p:grpSpPr>
-      <p:pic>
-        <p:nvPicPr>
-          <p:cNvPr id="3" name="图片 2" descr="1111"/>
-          <p:cNvPicPr>
-            <a:picLocks noChangeAspect="1"/>
-          </p:cNvPicPr>
-          <p:nvPr/>
-        </p:nvPicPr>
-        <p:blipFill>
-          <a:blip r:embed="rId1"/>
-          <a:stretch>
-            <a:fillRect/>
-          </a:stretch>
-        </p:blipFill>
-        <p:spPr>
-          <a:xfrm>
-            <a:off x="-59690" y="-57150"/>
-            <a:ext cx="9201150" cy="6918325"/>
-          </a:xfrm>
-          <a:prstGeom prst="rect">
-            <a:avLst/>
-          </a:prstGeom>
-        </p:spPr>
-      </p:pic>
-      <p:sp>
-        <p:nvSpPr>
-          <p:cNvPr id="238594" name="標題 238593"/>
-          <p:cNvSpPr>
-            <a:spLocks noGrp="1"/>
-          </p:cNvSpPr>
-          <p:nvPr>
-            <p:ph type="title"/>
-          </p:nvPr>
-        </p:nvSpPr>
-        <p:spPr/>
-        <p:txBody>
-          <a:bodyPr anchor="ctr"/>
-          <a:lstStyle/>
-          <a:p>
-            <a:pPr fontAlgn="base"/>
-            <a:r>
-              <a:rPr lang="en-US" altLang="zh-TW" strike="noStrike" noProof="1">
-                <a:solidFill>
-                  <a:srgbClr val="0000CC"/>
-                </a:solidFill>
-              </a:rPr>
-              <a:t>3. </a:t>
-            </a:r>
-            <a:r>
-              <a:rPr lang="zh-CN" altLang="zh-TW" strike="noStrike" noProof="1">
-                <a:solidFill>
-                  <a:srgbClr val="0000CC"/>
-                </a:solidFill>
-                <a:latin typeface="+mn-ea"/>
-                <a:ea typeface="+mn-ea"/>
-              </a:rPr>
-              <a:t>刷卡模式設定</a:t>
-            </a:r>
-            <a:endParaRPr lang="zh-CN" altLang="zh-TW" strike="noStrike" noProof="1">
-              <a:solidFill>
-                <a:srgbClr val="0000CC"/>
-              </a:solidFill>
-              <a:latin typeface="+mn-ea"/>
-              <a:ea typeface="+mn-ea"/>
-            </a:endParaRPr>
-          </a:p>
-        </p:txBody>
-      </p:sp>
-      <p:sp>
-        <p:nvSpPr>
-          <p:cNvPr id="10242" name="標題 238593"/>
-          <p:cNvSpPr>
-            <a:spLocks noGrp="1"/>
-          </p:cNvSpPr>
-          <p:nvPr/>
-        </p:nvSpPr>
-        <p:spPr>
-          <a:xfrm>
-            <a:off x="441325" y="892175"/>
-            <a:ext cx="8229600" cy="523875"/>
-          </a:xfrm>
-          <a:prstGeom prst="rect">
-            <a:avLst/>
-          </a:prstGeom>
-          <a:noFill/>
-          <a:ln w="9525">
-            <a:noFill/>
-          </a:ln>
-        </p:spPr>
-        <p:txBody>
-          <a:bodyPr anchor="ctr"/>
-          <a:lstStyle/>
-          <a:p>
-            <a:pPr lvl="0" indent="0">
-              <a:buClrTx/>
-            </a:pPr>
-            <a:r>
-              <a:rPr lang="zh-CN" altLang="zh-CN" b="0" dirty="0">
-                <a:solidFill>
-                  <a:srgbClr val="000066"/>
-                </a:solidFill>
-                <a:latin typeface="DFKai-SB" panose="03000509000000000000" charset="-122"/>
-                <a:ea typeface="DFKai-SB" panose="03000509000000000000" charset="-122"/>
-                <a:sym typeface="宋体" panose="02010600030101010101" pitchFamily="2" charset="-122"/>
-              </a:rPr>
-              <a:t>車間門口電腦： 桌面 </a:t>
-            </a:r>
-            <a:r>
-              <a:rPr lang="en-US" altLang="zh-CN" b="0" dirty="0">
-                <a:solidFill>
-                  <a:srgbClr val="000066"/>
-                </a:solidFill>
-                <a:latin typeface="DFKai-SB" panose="03000509000000000000" charset="-122"/>
-                <a:ea typeface="DFKai-SB" panose="03000509000000000000" charset="-122"/>
-                <a:sym typeface="宋体" panose="02010600030101010101" pitchFamily="2" charset="-122"/>
-              </a:rPr>
-              <a:t>-&gt; </a:t>
-            </a:r>
-            <a:r>
-              <a:rPr lang="zh-CN" altLang="zh-CN" b="0" dirty="0">
-                <a:solidFill>
-                  <a:srgbClr val="000066"/>
-                </a:solidFill>
-                <a:latin typeface="DFKai-SB" panose="03000509000000000000" charset="-122"/>
-                <a:ea typeface="DFKai-SB" panose="03000509000000000000" charset="-122"/>
-                <a:sym typeface="宋体" panose="02010600030101010101" pitchFamily="2" charset="-122"/>
-              </a:rPr>
-              <a:t>鼠標雙擊</a:t>
-            </a:r>
-            <a:r>
-              <a:rPr lang="en-US" altLang="zh-CN" dirty="0">
-                <a:solidFill>
-                  <a:srgbClr val="FF0000"/>
-                </a:solidFill>
-                <a:latin typeface="DFKai-SB" panose="03000509000000000000" charset="-122"/>
-                <a:ea typeface="DFKai-SB" panose="03000509000000000000" charset="-122"/>
-                <a:sym typeface="宋体" panose="02010600030101010101" pitchFamily="2" charset="-122"/>
-              </a:rPr>
-              <a:t>SYSTEM</a:t>
-            </a:r>
-            <a:r>
-              <a:rPr lang="zh-CN" altLang="zh-CN" b="0" dirty="0">
-                <a:solidFill>
-                  <a:srgbClr val="000066"/>
-                </a:solidFill>
-                <a:latin typeface="DFKai-SB" panose="03000509000000000000" charset="-122"/>
-                <a:ea typeface="DFKai-SB" panose="03000509000000000000" charset="-122"/>
-                <a:sym typeface="宋体" panose="02010600030101010101" pitchFamily="2" charset="-122"/>
-              </a:rPr>
-              <a:t>圖標 </a:t>
-            </a:r>
-            <a:r>
-              <a:rPr lang="en-US" altLang="zh-CN" b="0" dirty="0">
-                <a:solidFill>
-                  <a:srgbClr val="000066"/>
-                </a:solidFill>
-                <a:latin typeface="DFKai-SB" panose="03000509000000000000" charset="-122"/>
-                <a:ea typeface="DFKai-SB" panose="03000509000000000000" charset="-122"/>
-                <a:sym typeface="宋体" panose="02010600030101010101" pitchFamily="2" charset="-122"/>
-              </a:rPr>
-              <a:t>-&gt; </a:t>
-            </a:r>
-            <a:r>
-              <a:rPr lang="zh-CN" altLang="en-US" b="0" dirty="0">
-                <a:solidFill>
-                  <a:srgbClr val="000066"/>
-                </a:solidFill>
-                <a:latin typeface="DFKai-SB" panose="03000509000000000000" charset="-122"/>
-                <a:ea typeface="DFKai-SB" panose="03000509000000000000" charset="-122"/>
-                <a:sym typeface="宋体" panose="02010600030101010101" pitchFamily="2" charset="-122"/>
-              </a:rPr>
-              <a:t>啟用程式</a:t>
-            </a:r>
-            <a:endParaRPr lang="en-US" altLang="zh-CN" b="0" dirty="0">
-              <a:solidFill>
-                <a:srgbClr val="000066"/>
-              </a:solidFill>
-              <a:latin typeface="DFKai-SB" panose="03000509000000000000" charset="-122"/>
-              <a:ea typeface="DFKai-SB" panose="03000509000000000000" charset="-122"/>
-              <a:sym typeface="宋体" panose="02010600030101010101" pitchFamily="2" charset="-122"/>
-            </a:endParaRPr>
-          </a:p>
-        </p:txBody>
-      </p:sp>
-      <p:sp>
-        <p:nvSpPr>
-          <p:cNvPr id="10245" name="矩形圖說文字 226308"/>
-          <p:cNvSpPr/>
-          <p:nvPr/>
-        </p:nvSpPr>
-        <p:spPr>
-          <a:xfrm>
-            <a:off x="5414963" y="115888"/>
-            <a:ext cx="3028950" cy="649287"/>
-          </a:xfrm>
-          <a:prstGeom prst="wedgeRectCallout">
-            <a:avLst>
-              <a:gd name="adj1" fmla="val -20037"/>
-              <a:gd name="adj2" fmla="val -45116"/>
-            </a:avLst>
-          </a:prstGeom>
-          <a:gradFill rotWithShape="1">
-            <a:gsLst>
-              <a:gs pos="0">
-                <a:srgbClr val="FCFDFE">
-                  <a:alpha val="100000"/>
-                </a:srgbClr>
-              </a:gs>
-              <a:gs pos="74001">
-                <a:srgbClr val="E0F1F2">
-                  <a:alpha val="100000"/>
-                </a:srgbClr>
-              </a:gs>
-              <a:gs pos="83000">
-                <a:srgbClr val="E0F1F2">
-                  <a:alpha val="100000"/>
-                </a:srgbClr>
-              </a:gs>
-              <a:gs pos="100000">
-                <a:srgbClr val="EBF6F7">
-                  <a:alpha val="100000"/>
-                </a:srgbClr>
-              </a:gs>
-            </a:gsLst>
-            <a:lin ang="5400000"/>
-            <a:tileRect/>
-          </a:gradFill>
-          <a:ln w="6350" cap="flat" cmpd="sng">
-            <a:solidFill>
-              <a:srgbClr val="800080"/>
-            </a:solidFill>
-            <a:prstDash val="solid"/>
-            <a:miter/>
-            <a:headEnd type="none" w="med" len="med"/>
-            <a:tailEnd type="none" w="med" len="med"/>
-          </a:ln>
-        </p:spPr>
-        <p:txBody>
-          <a:bodyPr anchor="t"/>
-          <a:lstStyle/>
-          <a:p>
-            <a:pPr lvl="0" indent="0"/>
-            <a:r>
-              <a:rPr lang="zh-CN" altLang="en-US" sz="2000" err="1">
-                <a:solidFill>
-                  <a:srgbClr val="6600CC"/>
-                </a:solidFill>
-                <a:latin typeface="DFKai-SB" panose="03000509000000000000" charset="-122"/>
-                <a:ea typeface="DFKai-SB" panose="03000509000000000000" charset="-122"/>
-              </a:rPr>
-              <a:t>對象</a:t>
-            </a:r>
-            <a:r>
-              <a:rPr lang="en-US" altLang="zh-CN" sz="2000" err="1">
-                <a:solidFill>
-                  <a:srgbClr val="6600CC"/>
-                </a:solidFill>
-                <a:latin typeface="DFKai-SB" panose="03000509000000000000" charset="-122"/>
-                <a:ea typeface="DFKai-SB" panose="03000509000000000000" charset="-122"/>
-              </a:rPr>
-              <a:t>:</a:t>
-            </a:r>
-            <a:endParaRPr lang="en-US" altLang="zh-CN" sz="2000" err="1">
-              <a:solidFill>
-                <a:srgbClr val="6600CC"/>
-              </a:solidFill>
-              <a:latin typeface="DFKai-SB" panose="03000509000000000000" charset="-122"/>
-              <a:ea typeface="DFKai-SB" panose="03000509000000000000" charset="-122"/>
-            </a:endParaRPr>
-          </a:p>
-          <a:p>
-            <a:pPr lvl="0" indent="0"/>
-            <a:r>
-              <a:rPr lang="zh-CN" altLang="zh-CN" sz="2000" err="1">
-                <a:solidFill>
-                  <a:srgbClr val="FF0000"/>
-                </a:solidFill>
-                <a:latin typeface="DFKai-SB" panose="03000509000000000000" charset="-122"/>
-                <a:ea typeface="DFKai-SB" panose="03000509000000000000" charset="-122"/>
-              </a:rPr>
-              <a:t>車間管理人員或責任窗口</a:t>
-            </a:r>
-            <a:r>
-              <a:rPr lang="zh-CN" altLang="zh-CN" sz="1400" err="1">
-                <a:solidFill>
-                  <a:srgbClr val="6600CC"/>
-                </a:solidFill>
-                <a:latin typeface="DFKai-SB" panose="03000509000000000000" charset="-122"/>
-                <a:ea typeface="DFKai-SB" panose="03000509000000000000" charset="-122"/>
-              </a:rPr>
-              <a:t> </a:t>
-            </a:r>
-            <a:endParaRPr lang="zh-CN" altLang="zh-CN" sz="1400" err="1">
-              <a:solidFill>
-                <a:srgbClr val="6600CC"/>
-              </a:solidFill>
-              <a:latin typeface="DFKai-SB" panose="03000509000000000000" charset="-122"/>
-              <a:ea typeface="DFKai-SB" panose="03000509000000000000" charset="-122"/>
-            </a:endParaRPr>
-          </a:p>
-        </p:txBody>
-      </p:sp>
-      <p:pic>
-        <p:nvPicPr>
-          <p:cNvPr id="2" name="图片 1"/>
-          <p:cNvPicPr>
-            <a:picLocks noChangeAspect="1"/>
-          </p:cNvPicPr>
-          <p:nvPr/>
-        </p:nvPicPr>
-        <p:blipFill>
-          <a:blip r:embed="rId2"/>
-          <a:stretch>
-            <a:fillRect/>
-          </a:stretch>
-        </p:blipFill>
-        <p:spPr>
-          <a:xfrm>
-            <a:off x="685800" y="1416050"/>
-            <a:ext cx="7020560" cy="4618990"/>
-          </a:xfrm>
-          <a:prstGeom prst="rect">
-            <a:avLst/>
-          </a:prstGeom>
-        </p:spPr>
-      </p:pic>
-    </p:spTree>
-  </p:cSld>
-  <p:clrMapOvr>
-    <a:masterClrMapping/>
-  </p:clrMapOvr>
-</p:sld>
-</file>
-
-<file path=ppt/slides/slide60.xml><?xml version="1.0" encoding="utf-8"?>
+<file path=ppt/slides/slide57.xml><?xml version="1.0" encoding="utf-8"?>
 <p:sld xmlns:a="http://schemas.openxmlformats.org/drawingml/2006/main" xmlns:r="http://schemas.openxmlformats.org/officeDocument/2006/relationships" xmlns:p="http://schemas.openxmlformats.org/presentationml/2006/main">
   <p:cSld>
     <p:spTree>
@@ -20188,7 +18720,7 @@
 </p:sld>
 </file>
 
-<file path=ppt/slides/slide61.xml><?xml version="1.0" encoding="utf-8"?>
+<file path=ppt/slides/slide58.xml><?xml version="1.0" encoding="utf-8"?>
 <p:sld xmlns:a="http://schemas.openxmlformats.org/drawingml/2006/main" xmlns:r="http://schemas.openxmlformats.org/officeDocument/2006/relationships" xmlns:p="http://schemas.openxmlformats.org/presentationml/2006/main">
   <p:cSld>
     <p:spTree>
@@ -20914,7 +19446,7 @@
 </p:sld>
 </file>
 
-<file path=ppt/slides/slide62.xml><?xml version="1.0" encoding="utf-8"?>
+<file path=ppt/slides/slide59.xml><?xml version="1.0" encoding="utf-8"?>
 <p:sld xmlns:a="http://schemas.openxmlformats.org/drawingml/2006/main" xmlns:r="http://schemas.openxmlformats.org/officeDocument/2006/relationships" xmlns:p="http://schemas.openxmlformats.org/presentationml/2006/main">
   <p:cSld>
     <p:spTree>
@@ -21288,6 +19820,357 @@
     <a:masterClrMapping/>
   </p:clrMapOvr>
   <p:transition/>
+</p:sld>
+</file>
+
+<file path=ppt/slides/slide6.xml><?xml version="1.0" encoding="utf-8"?>
+<p:sld xmlns:a="http://schemas.openxmlformats.org/drawingml/2006/main" xmlns:r="http://schemas.openxmlformats.org/officeDocument/2006/relationships" xmlns:p="http://schemas.openxmlformats.org/presentationml/2006/main">
+  <p:cSld>
+    <p:spTree>
+      <p:nvGrpSpPr>
+        <p:cNvPr id="1" name=""/>
+        <p:cNvGrpSpPr/>
+        <p:nvPr/>
+      </p:nvGrpSpPr>
+      <p:grpSpPr>
+        <a:xfrm>
+          <a:off x="0" y="0"/>
+          <a:ext cx="0" cy="0"/>
+          <a:chOff x="0" y="0"/>
+          <a:chExt cx="0" cy="0"/>
+        </a:xfrm>
+      </p:grpSpPr>
+      <p:pic>
+        <p:nvPicPr>
+          <p:cNvPr id="3" name="图片 2" descr="1111"/>
+          <p:cNvPicPr>
+            <a:picLocks noChangeAspect="1"/>
+          </p:cNvPicPr>
+          <p:nvPr/>
+        </p:nvPicPr>
+        <p:blipFill>
+          <a:blip r:embed="rId1"/>
+          <a:stretch>
+            <a:fillRect/>
+          </a:stretch>
+        </p:blipFill>
+        <p:spPr>
+          <a:xfrm>
+            <a:off x="-59690" y="-57150"/>
+            <a:ext cx="9201150" cy="6918325"/>
+          </a:xfrm>
+          <a:prstGeom prst="rect">
+            <a:avLst/>
+          </a:prstGeom>
+        </p:spPr>
+      </p:pic>
+      <p:sp>
+        <p:nvSpPr>
+          <p:cNvPr id="238594" name="標題 238593"/>
+          <p:cNvSpPr>
+            <a:spLocks noGrp="1"/>
+          </p:cNvSpPr>
+          <p:nvPr>
+            <p:ph type="title"/>
+          </p:nvPr>
+        </p:nvSpPr>
+        <p:spPr/>
+        <p:txBody>
+          <a:bodyPr anchor="ctr"/>
+          <a:lstStyle/>
+          <a:p>
+            <a:pPr fontAlgn="base"/>
+            <a:r>
+              <a:rPr lang="en-US" altLang="zh-TW" strike="noStrike" noProof="1">
+                <a:solidFill>
+                  <a:srgbClr val="0000CC"/>
+                </a:solidFill>
+              </a:rPr>
+              <a:t>3. </a:t>
+            </a:r>
+            <a:r>
+              <a:rPr lang="zh-CN" altLang="zh-TW" strike="noStrike" noProof="1">
+                <a:solidFill>
+                  <a:srgbClr val="0000CC"/>
+                </a:solidFill>
+                <a:latin typeface="+mn-ea"/>
+                <a:ea typeface="+mn-ea"/>
+              </a:rPr>
+              <a:t>刷卡模式設定</a:t>
+            </a:r>
+            <a:endParaRPr lang="zh-CN" altLang="zh-TW" strike="noStrike" noProof="1">
+              <a:solidFill>
+                <a:srgbClr val="0000CC"/>
+              </a:solidFill>
+              <a:latin typeface="+mn-ea"/>
+              <a:ea typeface="+mn-ea"/>
+            </a:endParaRPr>
+          </a:p>
+        </p:txBody>
+      </p:sp>
+      <p:sp>
+        <p:nvSpPr>
+          <p:cNvPr id="10242" name="標題 238593"/>
+          <p:cNvSpPr>
+            <a:spLocks noGrp="1"/>
+          </p:cNvSpPr>
+          <p:nvPr/>
+        </p:nvSpPr>
+        <p:spPr>
+          <a:xfrm>
+            <a:off x="441325" y="892175"/>
+            <a:ext cx="8229600" cy="523875"/>
+          </a:xfrm>
+          <a:prstGeom prst="rect">
+            <a:avLst/>
+          </a:prstGeom>
+          <a:noFill/>
+          <a:ln w="9525">
+            <a:noFill/>
+          </a:ln>
+        </p:spPr>
+        <p:txBody>
+          <a:bodyPr anchor="ctr"/>
+          <a:lstStyle/>
+          <a:p>
+            <a:pPr lvl="0" indent="0">
+              <a:buClrTx/>
+            </a:pPr>
+            <a:r>
+              <a:rPr lang="zh-CN" altLang="zh-CN" b="0" dirty="0">
+                <a:solidFill>
+                  <a:srgbClr val="000066"/>
+                </a:solidFill>
+                <a:latin typeface="DFKai-SB" panose="03000509000000000000" charset="-122"/>
+                <a:ea typeface="DFKai-SB" panose="03000509000000000000" charset="-122"/>
+                <a:sym typeface="宋体" panose="02010600030101010101" pitchFamily="2" charset="-122"/>
+              </a:rPr>
+              <a:t>車間門口電腦： 桌面 </a:t>
+            </a:r>
+            <a:r>
+              <a:rPr lang="en-US" altLang="zh-CN" b="0" dirty="0">
+                <a:solidFill>
+                  <a:srgbClr val="000066"/>
+                </a:solidFill>
+                <a:latin typeface="DFKai-SB" panose="03000509000000000000" charset="-122"/>
+                <a:ea typeface="DFKai-SB" panose="03000509000000000000" charset="-122"/>
+                <a:sym typeface="宋体" panose="02010600030101010101" pitchFamily="2" charset="-122"/>
+              </a:rPr>
+              <a:t>-&gt; </a:t>
+            </a:r>
+            <a:r>
+              <a:rPr lang="zh-CN" altLang="zh-CN" b="0" dirty="0">
+                <a:solidFill>
+                  <a:srgbClr val="000066"/>
+                </a:solidFill>
+                <a:latin typeface="DFKai-SB" panose="03000509000000000000" charset="-122"/>
+                <a:ea typeface="DFKai-SB" panose="03000509000000000000" charset="-122"/>
+                <a:sym typeface="宋体" panose="02010600030101010101" pitchFamily="2" charset="-122"/>
+              </a:rPr>
+              <a:t>鼠標雙擊</a:t>
+            </a:r>
+            <a:r>
+              <a:rPr lang="en-US" altLang="zh-CN" dirty="0">
+                <a:solidFill>
+                  <a:srgbClr val="FF0000"/>
+                </a:solidFill>
+                <a:latin typeface="DFKai-SB" panose="03000509000000000000" charset="-122"/>
+                <a:ea typeface="DFKai-SB" panose="03000509000000000000" charset="-122"/>
+                <a:sym typeface="宋体" panose="02010600030101010101" pitchFamily="2" charset="-122"/>
+              </a:rPr>
+              <a:t>SYSTEM</a:t>
+            </a:r>
+            <a:r>
+              <a:rPr lang="zh-CN" altLang="zh-CN" b="0" dirty="0">
+                <a:solidFill>
+                  <a:srgbClr val="000066"/>
+                </a:solidFill>
+                <a:latin typeface="DFKai-SB" panose="03000509000000000000" charset="-122"/>
+                <a:ea typeface="DFKai-SB" panose="03000509000000000000" charset="-122"/>
+                <a:sym typeface="宋体" panose="02010600030101010101" pitchFamily="2" charset="-122"/>
+              </a:rPr>
+              <a:t>圖標 </a:t>
+            </a:r>
+            <a:r>
+              <a:rPr lang="en-US" altLang="zh-CN" b="0" dirty="0">
+                <a:solidFill>
+                  <a:srgbClr val="000066"/>
+                </a:solidFill>
+                <a:latin typeface="DFKai-SB" panose="03000509000000000000" charset="-122"/>
+                <a:ea typeface="DFKai-SB" panose="03000509000000000000" charset="-122"/>
+                <a:sym typeface="宋体" panose="02010600030101010101" pitchFamily="2" charset="-122"/>
+              </a:rPr>
+              <a:t>-&gt; </a:t>
+            </a:r>
+            <a:r>
+              <a:rPr lang="zh-CN" altLang="en-US" b="0" dirty="0">
+                <a:solidFill>
+                  <a:srgbClr val="000066"/>
+                </a:solidFill>
+                <a:latin typeface="DFKai-SB" panose="03000509000000000000" charset="-122"/>
+                <a:ea typeface="DFKai-SB" panose="03000509000000000000" charset="-122"/>
+                <a:sym typeface="宋体" panose="02010600030101010101" pitchFamily="2" charset="-122"/>
+              </a:rPr>
+              <a:t>啟用程式</a:t>
+            </a:r>
+            <a:endParaRPr lang="en-US" altLang="zh-CN" b="0" dirty="0">
+              <a:solidFill>
+                <a:srgbClr val="000066"/>
+              </a:solidFill>
+              <a:latin typeface="DFKai-SB" panose="03000509000000000000" charset="-122"/>
+              <a:ea typeface="DFKai-SB" panose="03000509000000000000" charset="-122"/>
+              <a:sym typeface="宋体" panose="02010600030101010101" pitchFamily="2" charset="-122"/>
+            </a:endParaRPr>
+          </a:p>
+        </p:txBody>
+      </p:sp>
+      <p:sp>
+        <p:nvSpPr>
+          <p:cNvPr id="10245" name="矩形圖說文字 226308"/>
+          <p:cNvSpPr/>
+          <p:nvPr/>
+        </p:nvSpPr>
+        <p:spPr>
+          <a:xfrm>
+            <a:off x="5414963" y="115888"/>
+            <a:ext cx="3028950" cy="649287"/>
+          </a:xfrm>
+          <a:prstGeom prst="wedgeRectCallout">
+            <a:avLst>
+              <a:gd name="adj1" fmla="val -20037"/>
+              <a:gd name="adj2" fmla="val -45116"/>
+            </a:avLst>
+          </a:prstGeom>
+          <a:gradFill rotWithShape="1">
+            <a:gsLst>
+              <a:gs pos="0">
+                <a:srgbClr val="FCFDFE">
+                  <a:alpha val="100000"/>
+                </a:srgbClr>
+              </a:gs>
+              <a:gs pos="74001">
+                <a:srgbClr val="E0F1F2">
+                  <a:alpha val="100000"/>
+                </a:srgbClr>
+              </a:gs>
+              <a:gs pos="83000">
+                <a:srgbClr val="E0F1F2">
+                  <a:alpha val="100000"/>
+                </a:srgbClr>
+              </a:gs>
+              <a:gs pos="100000">
+                <a:srgbClr val="EBF6F7">
+                  <a:alpha val="100000"/>
+                </a:srgbClr>
+              </a:gs>
+            </a:gsLst>
+            <a:lin ang="5400000"/>
+            <a:tileRect/>
+          </a:gradFill>
+          <a:ln w="6350" cap="flat" cmpd="sng">
+            <a:solidFill>
+              <a:srgbClr val="800080"/>
+            </a:solidFill>
+            <a:prstDash val="solid"/>
+            <a:miter/>
+            <a:headEnd type="none" w="med" len="med"/>
+            <a:tailEnd type="none" w="med" len="med"/>
+          </a:ln>
+        </p:spPr>
+        <p:txBody>
+          <a:bodyPr anchor="t"/>
+          <a:lstStyle/>
+          <a:p>
+            <a:pPr lvl="0" indent="0"/>
+            <a:r>
+              <a:rPr lang="zh-CN" altLang="en-US" sz="2000" err="1">
+                <a:solidFill>
+                  <a:srgbClr val="6600CC"/>
+                </a:solidFill>
+                <a:latin typeface="DFKai-SB" panose="03000509000000000000" charset="-122"/>
+                <a:ea typeface="DFKai-SB" panose="03000509000000000000" charset="-122"/>
+              </a:rPr>
+              <a:t>對象</a:t>
+            </a:r>
+            <a:r>
+              <a:rPr lang="en-US" altLang="zh-CN" sz="2000" err="1">
+                <a:solidFill>
+                  <a:srgbClr val="6600CC"/>
+                </a:solidFill>
+                <a:latin typeface="DFKai-SB" panose="03000509000000000000" charset="-122"/>
+                <a:ea typeface="DFKai-SB" panose="03000509000000000000" charset="-122"/>
+              </a:rPr>
+              <a:t>:</a:t>
+            </a:r>
+            <a:endParaRPr lang="en-US" altLang="zh-CN" sz="2000" err="1">
+              <a:solidFill>
+                <a:srgbClr val="6600CC"/>
+              </a:solidFill>
+              <a:latin typeface="DFKai-SB" panose="03000509000000000000" charset="-122"/>
+              <a:ea typeface="DFKai-SB" panose="03000509000000000000" charset="-122"/>
+            </a:endParaRPr>
+          </a:p>
+          <a:p>
+            <a:pPr lvl="0" indent="0"/>
+            <a:r>
+              <a:rPr lang="zh-CN" altLang="zh-CN" sz="2000" err="1">
+                <a:solidFill>
+                  <a:srgbClr val="FF0000"/>
+                </a:solidFill>
+                <a:latin typeface="DFKai-SB" panose="03000509000000000000" charset="-122"/>
+                <a:ea typeface="DFKai-SB" panose="03000509000000000000" charset="-122"/>
+              </a:rPr>
+              <a:t>車間管理人員或責任窗口</a:t>
+            </a:r>
+            <a:r>
+              <a:rPr lang="zh-CN" altLang="zh-CN" sz="1400" err="1">
+                <a:solidFill>
+                  <a:srgbClr val="6600CC"/>
+                </a:solidFill>
+                <a:latin typeface="DFKai-SB" panose="03000509000000000000" charset="-122"/>
+                <a:ea typeface="DFKai-SB" panose="03000509000000000000" charset="-122"/>
+              </a:rPr>
+              <a:t> </a:t>
+            </a:r>
+            <a:endParaRPr lang="zh-CN" altLang="zh-CN" sz="1400" err="1">
+              <a:solidFill>
+                <a:srgbClr val="6600CC"/>
+              </a:solidFill>
+              <a:latin typeface="DFKai-SB" panose="03000509000000000000" charset="-122"/>
+              <a:ea typeface="DFKai-SB" panose="03000509000000000000" charset="-122"/>
+            </a:endParaRPr>
+          </a:p>
+        </p:txBody>
+      </p:sp>
+      <p:pic>
+        <p:nvPicPr>
+          <p:cNvPr id="2" name="图片 1"/>
+          <p:cNvPicPr>
+            <a:picLocks noChangeAspect="1"/>
+          </p:cNvPicPr>
+          <p:nvPr/>
+        </p:nvPicPr>
+        <p:blipFill>
+          <a:blip r:embed="rId2"/>
+          <a:stretch>
+            <a:fillRect/>
+          </a:stretch>
+        </p:blipFill>
+        <p:spPr>
+          <a:xfrm>
+            <a:off x="685800" y="1416050"/>
+            <a:ext cx="7020560" cy="4618990"/>
+          </a:xfrm>
+          <a:prstGeom prst="rect">
+            <a:avLst/>
+          </a:prstGeom>
+        </p:spPr>
+      </p:pic>
+    </p:spTree>
+  </p:cSld>
+  <p:clrMapOvr>
+    <a:masterClrMapping/>
+  </p:clrMapOvr>
 </p:sld>
 </file>
 

--- a/WebContent/resources/ppt/實時工時系統USERGUIDE.pptx
+++ b/WebContent/resources/ppt/實時工時系統USERGUIDE.pptx
@@ -5,10 +5,10 @@
     <p:sldMasterId id="2147483648" r:id="rId1"/>
   </p:sldMasterIdLst>
   <p:notesMasterIdLst>
-    <p:notesMasterId r:id="rId17"/>
+    <p:notesMasterId r:id="rId23"/>
   </p:notesMasterIdLst>
   <p:handoutMasterIdLst>
-    <p:handoutMasterId r:id="rId63"/>
+    <p:handoutMasterId r:id="rId69"/>
   </p:handoutMasterIdLst>
   <p:sldIdLst>
     <p:sldId id="256" r:id="rId3"/>
@@ -24,52 +24,58 @@
     <p:sldId id="451" r:id="rId13"/>
     <p:sldId id="453" r:id="rId14"/>
     <p:sldId id="475" r:id="rId15"/>
-    <p:sldId id="476" r:id="rId16"/>
-    <p:sldId id="477" r:id="rId18"/>
-    <p:sldId id="563" r:id="rId19"/>
-    <p:sldId id="570" r:id="rId20"/>
-    <p:sldId id="479" r:id="rId21"/>
-    <p:sldId id="480" r:id="rId22"/>
-    <p:sldId id="481" r:id="rId23"/>
-    <p:sldId id="482" r:id="rId24"/>
-    <p:sldId id="483" r:id="rId25"/>
-    <p:sldId id="485" r:id="rId26"/>
-    <p:sldId id="699" r:id="rId27"/>
-    <p:sldId id="620" r:id="rId28"/>
-    <p:sldId id="621" r:id="rId29"/>
-    <p:sldId id="622" r:id="rId30"/>
-    <p:sldId id="623" r:id="rId31"/>
-    <p:sldId id="624" r:id="rId32"/>
-    <p:sldId id="625" r:id="rId33"/>
-    <p:sldId id="626" r:id="rId34"/>
-    <p:sldId id="704" r:id="rId35"/>
-    <p:sldId id="701" r:id="rId36"/>
-    <p:sldId id="663" r:id="rId37"/>
-    <p:sldId id="664" r:id="rId38"/>
-    <p:sldId id="665" r:id="rId39"/>
-    <p:sldId id="666" r:id="rId40"/>
-    <p:sldId id="627" r:id="rId41"/>
-    <p:sldId id="628" r:id="rId42"/>
-    <p:sldId id="629" r:id="rId43"/>
-    <p:sldId id="630" r:id="rId44"/>
-    <p:sldId id="632" r:id="rId45"/>
-    <p:sldId id="633" r:id="rId46"/>
-    <p:sldId id="644" r:id="rId47"/>
-    <p:sldId id="645" r:id="rId48"/>
-    <p:sldId id="646" r:id="rId49"/>
-    <p:sldId id="647" r:id="rId50"/>
-    <p:sldId id="648" r:id="rId51"/>
-    <p:sldId id="705" r:id="rId52"/>
-    <p:sldId id="649" r:id="rId53"/>
-    <p:sldId id="650" r:id="rId54"/>
-    <p:sldId id="651" r:id="rId55"/>
-    <p:sldId id="652" r:id="rId56"/>
-    <p:sldId id="653" r:id="rId57"/>
-    <p:sldId id="654" r:id="rId58"/>
-    <p:sldId id="655" r:id="rId59"/>
-    <p:sldId id="656" r:id="rId60"/>
-    <p:sldId id="495" r:id="rId61"/>
-    <p:sldId id="326" r:id="rId62"/>
+    <p:sldId id="735" r:id="rId16"/>
+    <p:sldId id="736" r:id="rId17"/>
+    <p:sldId id="738" r:id="rId18"/>
+    <p:sldId id="742" r:id="rId19"/>
+    <p:sldId id="743" r:id="rId20"/>
+    <p:sldId id="737" r:id="rId21"/>
+    <p:sldId id="476" r:id="rId22"/>
+    <p:sldId id="477" r:id="rId24"/>
+    <p:sldId id="563" r:id="rId25"/>
+    <p:sldId id="570" r:id="rId26"/>
+    <p:sldId id="479" r:id="rId27"/>
+    <p:sldId id="480" r:id="rId28"/>
+    <p:sldId id="481" r:id="rId29"/>
+    <p:sldId id="482" r:id="rId30"/>
+    <p:sldId id="483" r:id="rId31"/>
+    <p:sldId id="485" r:id="rId32"/>
+    <p:sldId id="699" r:id="rId33"/>
+    <p:sldId id="620" r:id="rId34"/>
+    <p:sldId id="621" r:id="rId35"/>
+    <p:sldId id="622" r:id="rId36"/>
+    <p:sldId id="623" r:id="rId37"/>
+    <p:sldId id="624" r:id="rId38"/>
+    <p:sldId id="625" r:id="rId39"/>
+    <p:sldId id="626" r:id="rId40"/>
+    <p:sldId id="704" r:id="rId41"/>
+    <p:sldId id="701" r:id="rId42"/>
+    <p:sldId id="663" r:id="rId43"/>
+    <p:sldId id="664" r:id="rId44"/>
+    <p:sldId id="665" r:id="rId45"/>
+    <p:sldId id="666" r:id="rId46"/>
+    <p:sldId id="627" r:id="rId47"/>
+    <p:sldId id="628" r:id="rId48"/>
+    <p:sldId id="629" r:id="rId49"/>
+    <p:sldId id="630" r:id="rId50"/>
+    <p:sldId id="632" r:id="rId51"/>
+    <p:sldId id="633" r:id="rId52"/>
+    <p:sldId id="644" r:id="rId53"/>
+    <p:sldId id="645" r:id="rId54"/>
+    <p:sldId id="646" r:id="rId55"/>
+    <p:sldId id="647" r:id="rId56"/>
+    <p:sldId id="648" r:id="rId57"/>
+    <p:sldId id="705" r:id="rId58"/>
+    <p:sldId id="649" r:id="rId59"/>
+    <p:sldId id="650" r:id="rId60"/>
+    <p:sldId id="651" r:id="rId61"/>
+    <p:sldId id="652" r:id="rId62"/>
+    <p:sldId id="653" r:id="rId63"/>
+    <p:sldId id="654" r:id="rId64"/>
+    <p:sldId id="655" r:id="rId65"/>
+    <p:sldId id="656" r:id="rId66"/>
+    <p:sldId id="495" r:id="rId67"/>
+    <p:sldId id="326" r:id="rId68"/>
   </p:sldIdLst>
   <p:sldSz cx="9144000" cy="6858000" type="screen4x3"/>
   <p:notesSz cx="6858000" cy="9144000"/>
@@ -3620,7 +3626,7 @@
                 <a:latin typeface="宋体" panose="02010600030101010101" pitchFamily="2" charset="-122"/>
                 <a:ea typeface="宋体" panose="02010600030101010101" pitchFamily="2" charset="-122"/>
               </a:rPr>
-              <a:t>2019/7/10</a:t>
+              <a:t>2019/7/24</a:t>
             </a:r>
             <a:endParaRPr lang="en-US" altLang="zh-CN" dirty="0">
               <a:solidFill>
@@ -4553,6 +4559,1387 @@
       </p:grpSpPr>
       <p:pic>
         <p:nvPicPr>
+          <p:cNvPr id="3" name="图片 2" descr="1111"/>
+          <p:cNvPicPr>
+            <a:picLocks noChangeAspect="1"/>
+          </p:cNvPicPr>
+          <p:nvPr/>
+        </p:nvPicPr>
+        <p:blipFill>
+          <a:blip r:embed="rId1"/>
+          <a:stretch>
+            <a:fillRect/>
+          </a:stretch>
+        </p:blipFill>
+        <p:spPr>
+          <a:xfrm>
+            <a:off x="-13970" y="-10160"/>
+            <a:ext cx="9160510" cy="6864350"/>
+          </a:xfrm>
+          <a:prstGeom prst="rect">
+            <a:avLst/>
+          </a:prstGeom>
+        </p:spPr>
+      </p:pic>
+      <p:sp>
+        <p:nvSpPr>
+          <p:cNvPr id="238594" name="標題 238593"/>
+          <p:cNvSpPr>
+            <a:spLocks noGrp="1"/>
+          </p:cNvSpPr>
+          <p:nvPr>
+            <p:ph type="title"/>
+          </p:nvPr>
+        </p:nvSpPr>
+        <p:spPr/>
+        <p:txBody>
+          <a:bodyPr anchor="ctr"/>
+          <a:lstStyle/>
+          <a:p>
+            <a:pPr fontAlgn="base"/>
+            <a:r>
+              <a:rPr lang="en-US" altLang="zh-TW" strike="noStrike" noProof="1">
+                <a:solidFill>
+                  <a:srgbClr val="0000CC"/>
+                </a:solidFill>
+              </a:rPr>
+              <a:t>3. </a:t>
+            </a:r>
+            <a:r>
+              <a:rPr lang="zh-CN" altLang="zh-TW" strike="noStrike" noProof="1">
+                <a:solidFill>
+                  <a:srgbClr val="0000CC"/>
+                </a:solidFill>
+                <a:latin typeface="+mn-ea"/>
+                <a:ea typeface="+mn-ea"/>
+              </a:rPr>
+              <a:t>刷卡模式設定</a:t>
+            </a:r>
+            <a:endParaRPr lang="zh-CN" altLang="zh-TW" strike="noStrike" noProof="1">
+              <a:solidFill>
+                <a:srgbClr val="0000CC"/>
+              </a:solidFill>
+              <a:latin typeface="+mn-ea"/>
+              <a:ea typeface="+mn-ea"/>
+            </a:endParaRPr>
+          </a:p>
+        </p:txBody>
+      </p:sp>
+      <p:sp>
+        <p:nvSpPr>
+          <p:cNvPr id="16386" name="標題 238593"/>
+          <p:cNvSpPr>
+            <a:spLocks noGrp="1"/>
+          </p:cNvSpPr>
+          <p:nvPr/>
+        </p:nvSpPr>
+        <p:spPr>
+          <a:xfrm>
+            <a:off x="512763" y="892175"/>
+            <a:ext cx="8229600" cy="503238"/>
+          </a:xfrm>
+          <a:prstGeom prst="rect">
+            <a:avLst/>
+          </a:prstGeom>
+          <a:noFill/>
+          <a:ln w="9525">
+            <a:noFill/>
+          </a:ln>
+        </p:spPr>
+        <p:txBody>
+          <a:bodyPr anchor="ctr"/>
+          <a:lstStyle/>
+          <a:p>
+            <a:pPr lvl="0" indent="0">
+              <a:buClrTx/>
+            </a:pPr>
+            <a:r>
+              <a:rPr lang="zh-CN" altLang="en-US" b="0" dirty="0">
+                <a:solidFill>
+                  <a:srgbClr val="000066"/>
+                </a:solidFill>
+                <a:latin typeface="DFKai-SB" panose="03000509000000000000" charset="-122"/>
+                <a:ea typeface="DFKai-SB" panose="03000509000000000000" charset="-122"/>
+                <a:sym typeface="宋体" panose="02010600030101010101" pitchFamily="2" charset="-122"/>
+              </a:rPr>
+              <a:t>員工刷卡后，顯示屏上顯示刷卡相關訊息</a:t>
+            </a:r>
+            <a:endParaRPr lang="zh-CN" altLang="en-US" b="0" dirty="0">
+              <a:solidFill>
+                <a:srgbClr val="000066"/>
+              </a:solidFill>
+              <a:latin typeface="DFKai-SB" panose="03000509000000000000" charset="-122"/>
+              <a:ea typeface="DFKai-SB" panose="03000509000000000000" charset="-122"/>
+              <a:sym typeface="宋体" panose="02010600030101010101" pitchFamily="2" charset="-122"/>
+            </a:endParaRPr>
+          </a:p>
+        </p:txBody>
+      </p:sp>
+      <p:pic>
+        <p:nvPicPr>
+          <p:cNvPr id="4" name="图片 3"/>
+          <p:cNvPicPr>
+            <a:picLocks noChangeAspect="1"/>
+          </p:cNvPicPr>
+          <p:nvPr/>
+        </p:nvPicPr>
+        <p:blipFill>
+          <a:blip r:embed="rId2"/>
+          <a:stretch>
+            <a:fillRect/>
+          </a:stretch>
+        </p:blipFill>
+        <p:spPr>
+          <a:xfrm>
+            <a:off x="109855" y="1318260"/>
+            <a:ext cx="8718550" cy="5038725"/>
+          </a:xfrm>
+          <a:prstGeom prst="rect">
+            <a:avLst/>
+          </a:prstGeom>
+        </p:spPr>
+      </p:pic>
+    </p:spTree>
+  </p:cSld>
+  <p:clrMapOvr>
+    <a:masterClrMapping/>
+  </p:clrMapOvr>
+</p:sld>
+</file>
+
+<file path=ppt/slides/slide15.xml><?xml version="1.0" encoding="utf-8"?>
+<p:sld xmlns:a="http://schemas.openxmlformats.org/drawingml/2006/main" xmlns:r="http://schemas.openxmlformats.org/officeDocument/2006/relationships" xmlns:p="http://schemas.openxmlformats.org/presentationml/2006/main">
+  <p:cSld>
+    <p:spTree>
+      <p:nvGrpSpPr>
+        <p:cNvPr id="1" name=""/>
+        <p:cNvGrpSpPr/>
+        <p:nvPr/>
+      </p:nvGrpSpPr>
+      <p:grpSpPr>
+        <a:xfrm>
+          <a:off x="0" y="0"/>
+          <a:ext cx="0" cy="0"/>
+          <a:chOff x="0" y="0"/>
+          <a:chExt cx="0" cy="0"/>
+        </a:xfrm>
+      </p:grpSpPr>
+      <p:pic>
+        <p:nvPicPr>
+          <p:cNvPr id="3" name="图片 2" descr="1111"/>
+          <p:cNvPicPr>
+            <a:picLocks noChangeAspect="1"/>
+          </p:cNvPicPr>
+          <p:nvPr/>
+        </p:nvPicPr>
+        <p:blipFill>
+          <a:blip r:embed="rId1"/>
+          <a:stretch>
+            <a:fillRect/>
+          </a:stretch>
+        </p:blipFill>
+        <p:spPr>
+          <a:xfrm>
+            <a:off x="-13970" y="-10160"/>
+            <a:ext cx="9160510" cy="6864350"/>
+          </a:xfrm>
+          <a:prstGeom prst="rect">
+            <a:avLst/>
+          </a:prstGeom>
+        </p:spPr>
+      </p:pic>
+      <p:sp>
+        <p:nvSpPr>
+          <p:cNvPr id="238594" name="標題 238593"/>
+          <p:cNvSpPr>
+            <a:spLocks noGrp="1"/>
+          </p:cNvSpPr>
+          <p:nvPr>
+            <p:ph type="title"/>
+          </p:nvPr>
+        </p:nvSpPr>
+        <p:spPr/>
+        <p:txBody>
+          <a:bodyPr anchor="ctr"/>
+          <a:lstStyle/>
+          <a:p>
+            <a:pPr fontAlgn="base"/>
+            <a:r>
+              <a:rPr lang="en-US" altLang="zh-TW" strike="noStrike" noProof="1">
+                <a:solidFill>
+                  <a:srgbClr val="0000CC"/>
+                </a:solidFill>
+              </a:rPr>
+              <a:t>3. </a:t>
+            </a:r>
+            <a:r>
+              <a:rPr lang="zh-CN" altLang="zh-TW" strike="noStrike" noProof="1">
+                <a:solidFill>
+                  <a:srgbClr val="0000CC"/>
+                </a:solidFill>
+                <a:latin typeface="+mn-ea"/>
+                <a:ea typeface="+mn-ea"/>
+              </a:rPr>
+              <a:t>刷卡模式設定</a:t>
+            </a:r>
+            <a:endParaRPr lang="zh-CN" altLang="zh-TW" strike="noStrike" noProof="1">
+              <a:solidFill>
+                <a:srgbClr val="0000CC"/>
+              </a:solidFill>
+              <a:latin typeface="+mn-ea"/>
+              <a:ea typeface="+mn-ea"/>
+            </a:endParaRPr>
+          </a:p>
+        </p:txBody>
+      </p:sp>
+      <p:sp>
+        <p:nvSpPr>
+          <p:cNvPr id="16386" name="標題 238593"/>
+          <p:cNvSpPr>
+            <a:spLocks noGrp="1"/>
+          </p:cNvSpPr>
+          <p:nvPr/>
+        </p:nvSpPr>
+        <p:spPr>
+          <a:xfrm>
+            <a:off x="512763" y="892175"/>
+            <a:ext cx="8229600" cy="503238"/>
+          </a:xfrm>
+          <a:prstGeom prst="rect">
+            <a:avLst/>
+          </a:prstGeom>
+          <a:noFill/>
+          <a:ln w="9525">
+            <a:noFill/>
+          </a:ln>
+        </p:spPr>
+        <p:txBody>
+          <a:bodyPr anchor="ctr"/>
+          <a:lstStyle/>
+          <a:p>
+            <a:pPr lvl="0" indent="0">
+              <a:buClrTx/>
+            </a:pPr>
+            <a:r>
+              <a:rPr lang="zh-CN" altLang="en-US" b="0" dirty="0">
+                <a:solidFill>
+                  <a:srgbClr val="000066"/>
+                </a:solidFill>
+                <a:latin typeface="DFKai-SB" panose="03000509000000000000" charset="-122"/>
+                <a:ea typeface="DFKai-SB" panose="03000509000000000000" charset="-122"/>
+                <a:sym typeface="宋体" panose="02010600030101010101" pitchFamily="2" charset="-122"/>
+              </a:rPr>
+              <a:t>員工刷卡后，顯示屏上顯示刷卡相關訊息</a:t>
+            </a:r>
+            <a:endParaRPr lang="zh-CN" altLang="en-US" b="0" dirty="0">
+              <a:solidFill>
+                <a:srgbClr val="000066"/>
+              </a:solidFill>
+              <a:latin typeface="DFKai-SB" panose="03000509000000000000" charset="-122"/>
+              <a:ea typeface="DFKai-SB" panose="03000509000000000000" charset="-122"/>
+              <a:sym typeface="宋体" panose="02010600030101010101" pitchFamily="2" charset="-122"/>
+            </a:endParaRPr>
+          </a:p>
+        </p:txBody>
+      </p:sp>
+      <p:pic>
+        <p:nvPicPr>
+          <p:cNvPr id="2" name="图片 1"/>
+          <p:cNvPicPr>
+            <a:picLocks noChangeAspect="1"/>
+          </p:cNvPicPr>
+          <p:nvPr/>
+        </p:nvPicPr>
+        <p:blipFill>
+          <a:blip r:embed="rId2"/>
+          <a:stretch>
+            <a:fillRect/>
+          </a:stretch>
+        </p:blipFill>
+        <p:spPr>
+          <a:xfrm>
+            <a:off x="25400" y="1395730"/>
+            <a:ext cx="9081770" cy="5128895"/>
+          </a:xfrm>
+          <a:prstGeom prst="rect">
+            <a:avLst/>
+          </a:prstGeom>
+        </p:spPr>
+      </p:pic>
+    </p:spTree>
+  </p:cSld>
+  <p:clrMapOvr>
+    <a:masterClrMapping/>
+  </p:clrMapOvr>
+</p:sld>
+</file>
+
+<file path=ppt/slides/slide16.xml><?xml version="1.0" encoding="utf-8"?>
+<p:sld xmlns:a="http://schemas.openxmlformats.org/drawingml/2006/main" xmlns:r="http://schemas.openxmlformats.org/officeDocument/2006/relationships" xmlns:p="http://schemas.openxmlformats.org/presentationml/2006/main">
+  <p:cSld>
+    <p:spTree>
+      <p:nvGrpSpPr>
+        <p:cNvPr id="1" name=""/>
+        <p:cNvGrpSpPr/>
+        <p:nvPr/>
+      </p:nvGrpSpPr>
+      <p:grpSpPr>
+        <a:xfrm>
+          <a:off x="0" y="0"/>
+          <a:ext cx="0" cy="0"/>
+          <a:chOff x="0" y="0"/>
+          <a:chExt cx="0" cy="0"/>
+        </a:xfrm>
+      </p:grpSpPr>
+      <p:pic>
+        <p:nvPicPr>
+          <p:cNvPr id="3" name="图片 2" descr="1111"/>
+          <p:cNvPicPr>
+            <a:picLocks noChangeAspect="1"/>
+          </p:cNvPicPr>
+          <p:nvPr/>
+        </p:nvPicPr>
+        <p:blipFill>
+          <a:blip r:embed="rId1"/>
+          <a:stretch>
+            <a:fillRect/>
+          </a:stretch>
+        </p:blipFill>
+        <p:spPr>
+          <a:xfrm>
+            <a:off x="-13970" y="-10160"/>
+            <a:ext cx="9160510" cy="6864350"/>
+          </a:xfrm>
+          <a:prstGeom prst="rect">
+            <a:avLst/>
+          </a:prstGeom>
+        </p:spPr>
+      </p:pic>
+      <p:sp>
+        <p:nvSpPr>
+          <p:cNvPr id="238594" name="標題 238593"/>
+          <p:cNvSpPr>
+            <a:spLocks noGrp="1"/>
+          </p:cNvSpPr>
+          <p:nvPr>
+            <p:ph type="title"/>
+          </p:nvPr>
+        </p:nvSpPr>
+        <p:spPr/>
+        <p:txBody>
+          <a:bodyPr anchor="ctr"/>
+          <a:lstStyle/>
+          <a:p>
+            <a:pPr fontAlgn="base"/>
+            <a:r>
+              <a:rPr lang="en-US" altLang="zh-TW" strike="noStrike" noProof="1">
+                <a:solidFill>
+                  <a:srgbClr val="0000CC"/>
+                </a:solidFill>
+              </a:rPr>
+              <a:t>3. </a:t>
+            </a:r>
+            <a:r>
+              <a:rPr lang="zh-CN" altLang="zh-TW" strike="noStrike" noProof="1">
+                <a:solidFill>
+                  <a:srgbClr val="0000CC"/>
+                </a:solidFill>
+                <a:latin typeface="+mn-ea"/>
+                <a:ea typeface="+mn-ea"/>
+              </a:rPr>
+              <a:t>刷卡模式設定</a:t>
+            </a:r>
+            <a:endParaRPr lang="zh-CN" altLang="zh-TW" strike="noStrike" noProof="1">
+              <a:solidFill>
+                <a:srgbClr val="0000CC"/>
+              </a:solidFill>
+              <a:latin typeface="+mn-ea"/>
+              <a:ea typeface="+mn-ea"/>
+            </a:endParaRPr>
+          </a:p>
+        </p:txBody>
+      </p:sp>
+      <p:sp>
+        <p:nvSpPr>
+          <p:cNvPr id="16386" name="標題 238593"/>
+          <p:cNvSpPr>
+            <a:spLocks noGrp="1"/>
+          </p:cNvSpPr>
+          <p:nvPr/>
+        </p:nvSpPr>
+        <p:spPr>
+          <a:xfrm>
+            <a:off x="512763" y="892175"/>
+            <a:ext cx="8229600" cy="503238"/>
+          </a:xfrm>
+          <a:prstGeom prst="rect">
+            <a:avLst/>
+          </a:prstGeom>
+          <a:noFill/>
+          <a:ln w="9525">
+            <a:noFill/>
+          </a:ln>
+        </p:spPr>
+        <p:txBody>
+          <a:bodyPr anchor="ctr"/>
+          <a:lstStyle/>
+          <a:p>
+            <a:pPr lvl="0" indent="0">
+              <a:buClrTx/>
+            </a:pPr>
+            <a:r>
+              <a:rPr lang="zh-CN" altLang="en-US" b="0" dirty="0">
+                <a:solidFill>
+                  <a:srgbClr val="000066"/>
+                </a:solidFill>
+                <a:latin typeface="DFKai-SB" panose="03000509000000000000" charset="-122"/>
+                <a:ea typeface="DFKai-SB" panose="03000509000000000000" charset="-122"/>
+                <a:sym typeface="宋体" panose="02010600030101010101" pitchFamily="2" charset="-122"/>
+              </a:rPr>
+              <a:t>員工刷卡后，顯示屏上顯示刷卡相關訊息</a:t>
+            </a:r>
+            <a:endParaRPr lang="zh-CN" altLang="en-US" b="0" dirty="0">
+              <a:solidFill>
+                <a:srgbClr val="000066"/>
+              </a:solidFill>
+              <a:latin typeface="DFKai-SB" panose="03000509000000000000" charset="-122"/>
+              <a:ea typeface="DFKai-SB" panose="03000509000000000000" charset="-122"/>
+              <a:sym typeface="宋体" panose="02010600030101010101" pitchFamily="2" charset="-122"/>
+            </a:endParaRPr>
+          </a:p>
+        </p:txBody>
+      </p:sp>
+      <p:pic>
+        <p:nvPicPr>
+          <p:cNvPr id="5" name="图片 4"/>
+          <p:cNvPicPr>
+            <a:picLocks noChangeAspect="1"/>
+          </p:cNvPicPr>
+          <p:nvPr/>
+        </p:nvPicPr>
+        <p:blipFill>
+          <a:blip r:embed="rId2"/>
+          <a:stretch>
+            <a:fillRect/>
+          </a:stretch>
+        </p:blipFill>
+        <p:spPr>
+          <a:xfrm>
+            <a:off x="121920" y="1395730"/>
+            <a:ext cx="9024620" cy="5019675"/>
+          </a:xfrm>
+          <a:prstGeom prst="rect">
+            <a:avLst/>
+          </a:prstGeom>
+        </p:spPr>
+      </p:pic>
+    </p:spTree>
+  </p:cSld>
+  <p:clrMapOvr>
+    <a:masterClrMapping/>
+  </p:clrMapOvr>
+</p:sld>
+</file>
+
+<file path=ppt/slides/slide17.xml><?xml version="1.0" encoding="utf-8"?>
+<p:sld xmlns:a="http://schemas.openxmlformats.org/drawingml/2006/main" xmlns:r="http://schemas.openxmlformats.org/officeDocument/2006/relationships" xmlns:p="http://schemas.openxmlformats.org/presentationml/2006/main">
+  <p:cSld>
+    <p:spTree>
+      <p:nvGrpSpPr>
+        <p:cNvPr id="1" name=""/>
+        <p:cNvGrpSpPr/>
+        <p:nvPr/>
+      </p:nvGrpSpPr>
+      <p:grpSpPr>
+        <a:xfrm>
+          <a:off x="0" y="0"/>
+          <a:ext cx="0" cy="0"/>
+          <a:chOff x="0" y="0"/>
+          <a:chExt cx="0" cy="0"/>
+        </a:xfrm>
+      </p:grpSpPr>
+      <p:pic>
+        <p:nvPicPr>
+          <p:cNvPr id="3" name="图片 2" descr="1111"/>
+          <p:cNvPicPr>
+            <a:picLocks noChangeAspect="1"/>
+          </p:cNvPicPr>
+          <p:nvPr/>
+        </p:nvPicPr>
+        <p:blipFill>
+          <a:blip r:embed="rId1"/>
+          <a:stretch>
+            <a:fillRect/>
+          </a:stretch>
+        </p:blipFill>
+        <p:spPr>
+          <a:xfrm>
+            <a:off x="-13970" y="-10160"/>
+            <a:ext cx="9160510" cy="6864350"/>
+          </a:xfrm>
+          <a:prstGeom prst="rect">
+            <a:avLst/>
+          </a:prstGeom>
+        </p:spPr>
+      </p:pic>
+      <p:sp>
+        <p:nvSpPr>
+          <p:cNvPr id="238594" name="標題 238593"/>
+          <p:cNvSpPr>
+            <a:spLocks noGrp="1"/>
+          </p:cNvSpPr>
+          <p:nvPr>
+            <p:ph type="title"/>
+          </p:nvPr>
+        </p:nvSpPr>
+        <p:spPr/>
+        <p:txBody>
+          <a:bodyPr anchor="ctr"/>
+          <a:lstStyle/>
+          <a:p>
+            <a:pPr fontAlgn="base"/>
+            <a:r>
+              <a:rPr lang="en-US" altLang="zh-TW" strike="noStrike" noProof="1">
+                <a:solidFill>
+                  <a:srgbClr val="0000CC"/>
+                </a:solidFill>
+              </a:rPr>
+              <a:t>3. </a:t>
+            </a:r>
+            <a:r>
+              <a:rPr lang="zh-CN" altLang="zh-TW" strike="noStrike" noProof="1">
+                <a:solidFill>
+                  <a:srgbClr val="0000CC"/>
+                </a:solidFill>
+                <a:latin typeface="+mn-ea"/>
+                <a:ea typeface="+mn-ea"/>
+              </a:rPr>
+              <a:t>刷卡模式設定</a:t>
+            </a:r>
+            <a:endParaRPr lang="zh-CN" altLang="zh-TW" strike="noStrike" noProof="1">
+              <a:solidFill>
+                <a:srgbClr val="0000CC"/>
+              </a:solidFill>
+              <a:latin typeface="+mn-ea"/>
+              <a:ea typeface="+mn-ea"/>
+            </a:endParaRPr>
+          </a:p>
+        </p:txBody>
+      </p:sp>
+      <p:sp>
+        <p:nvSpPr>
+          <p:cNvPr id="16386" name="標題 238593"/>
+          <p:cNvSpPr>
+            <a:spLocks noGrp="1"/>
+          </p:cNvSpPr>
+          <p:nvPr/>
+        </p:nvSpPr>
+        <p:spPr>
+          <a:xfrm>
+            <a:off x="512763" y="892175"/>
+            <a:ext cx="8229600" cy="503238"/>
+          </a:xfrm>
+          <a:prstGeom prst="rect">
+            <a:avLst/>
+          </a:prstGeom>
+          <a:noFill/>
+          <a:ln w="9525">
+            <a:noFill/>
+          </a:ln>
+        </p:spPr>
+        <p:txBody>
+          <a:bodyPr anchor="ctr"/>
+          <a:lstStyle/>
+          <a:p>
+            <a:pPr lvl="0" indent="0">
+              <a:buClrTx/>
+            </a:pPr>
+            <a:r>
+              <a:rPr lang="zh-CN" altLang="en-US" b="0" dirty="0">
+                <a:solidFill>
+                  <a:srgbClr val="000066"/>
+                </a:solidFill>
+                <a:latin typeface="DFKai-SB" panose="03000509000000000000" charset="-122"/>
+                <a:ea typeface="DFKai-SB" panose="03000509000000000000" charset="-122"/>
+                <a:sym typeface="宋体" panose="02010600030101010101" pitchFamily="2" charset="-122"/>
+              </a:rPr>
+              <a:t>員工刷卡后，顯示屏上顯示刷卡相關訊息</a:t>
+            </a:r>
+            <a:endParaRPr lang="zh-CN" altLang="en-US" b="0" dirty="0">
+              <a:solidFill>
+                <a:srgbClr val="000066"/>
+              </a:solidFill>
+              <a:latin typeface="DFKai-SB" panose="03000509000000000000" charset="-122"/>
+              <a:ea typeface="DFKai-SB" panose="03000509000000000000" charset="-122"/>
+              <a:sym typeface="宋体" panose="02010600030101010101" pitchFamily="2" charset="-122"/>
+            </a:endParaRPr>
+          </a:p>
+        </p:txBody>
+      </p:sp>
+      <p:pic>
+        <p:nvPicPr>
+          <p:cNvPr id="4" name="图片 3"/>
+          <p:cNvPicPr>
+            <a:picLocks noChangeAspect="1"/>
+          </p:cNvPicPr>
+          <p:nvPr/>
+        </p:nvPicPr>
+        <p:blipFill>
+          <a:blip r:embed="rId2"/>
+          <a:stretch>
+            <a:fillRect/>
+          </a:stretch>
+        </p:blipFill>
+        <p:spPr>
+          <a:xfrm>
+            <a:off x="47625" y="1320165"/>
+            <a:ext cx="9048750" cy="5000625"/>
+          </a:xfrm>
+          <a:prstGeom prst="rect">
+            <a:avLst/>
+          </a:prstGeom>
+        </p:spPr>
+      </p:pic>
+    </p:spTree>
+  </p:cSld>
+  <p:clrMapOvr>
+    <a:masterClrMapping/>
+  </p:clrMapOvr>
+</p:sld>
+</file>
+
+<file path=ppt/slides/slide18.xml><?xml version="1.0" encoding="utf-8"?>
+<p:sld xmlns:a="http://schemas.openxmlformats.org/drawingml/2006/main" xmlns:r="http://schemas.openxmlformats.org/officeDocument/2006/relationships" xmlns:p="http://schemas.openxmlformats.org/presentationml/2006/main">
+  <p:cSld>
+    <p:spTree>
+      <p:nvGrpSpPr>
+        <p:cNvPr id="1" name=""/>
+        <p:cNvGrpSpPr/>
+        <p:nvPr/>
+      </p:nvGrpSpPr>
+      <p:grpSpPr>
+        <a:xfrm>
+          <a:off x="0" y="0"/>
+          <a:ext cx="0" cy="0"/>
+          <a:chOff x="0" y="0"/>
+          <a:chExt cx="0" cy="0"/>
+        </a:xfrm>
+      </p:grpSpPr>
+      <p:pic>
+        <p:nvPicPr>
+          <p:cNvPr id="3" name="图片 2" descr="1111"/>
+          <p:cNvPicPr>
+            <a:picLocks noChangeAspect="1"/>
+          </p:cNvPicPr>
+          <p:nvPr/>
+        </p:nvPicPr>
+        <p:blipFill>
+          <a:blip r:embed="rId1"/>
+          <a:stretch>
+            <a:fillRect/>
+          </a:stretch>
+        </p:blipFill>
+        <p:spPr>
+          <a:xfrm>
+            <a:off x="-13970" y="-10160"/>
+            <a:ext cx="9160510" cy="6864350"/>
+          </a:xfrm>
+          <a:prstGeom prst="rect">
+            <a:avLst/>
+          </a:prstGeom>
+        </p:spPr>
+      </p:pic>
+      <p:sp>
+        <p:nvSpPr>
+          <p:cNvPr id="238594" name="標題 238593"/>
+          <p:cNvSpPr>
+            <a:spLocks noGrp="1"/>
+          </p:cNvSpPr>
+          <p:nvPr>
+            <p:ph type="title"/>
+          </p:nvPr>
+        </p:nvSpPr>
+        <p:spPr/>
+        <p:txBody>
+          <a:bodyPr anchor="ctr"/>
+          <a:lstStyle/>
+          <a:p>
+            <a:pPr fontAlgn="base"/>
+            <a:r>
+              <a:rPr lang="en-US" altLang="zh-TW" strike="noStrike" noProof="1">
+                <a:solidFill>
+                  <a:srgbClr val="0000CC"/>
+                </a:solidFill>
+              </a:rPr>
+              <a:t>3. </a:t>
+            </a:r>
+            <a:r>
+              <a:rPr lang="zh-CN" altLang="zh-TW" strike="noStrike" noProof="1">
+                <a:solidFill>
+                  <a:srgbClr val="0000CC"/>
+                </a:solidFill>
+                <a:latin typeface="+mn-ea"/>
+                <a:ea typeface="+mn-ea"/>
+              </a:rPr>
+              <a:t>刷卡模式設定</a:t>
+            </a:r>
+            <a:endParaRPr lang="zh-CN" altLang="zh-TW" strike="noStrike" noProof="1">
+              <a:solidFill>
+                <a:srgbClr val="0000CC"/>
+              </a:solidFill>
+              <a:latin typeface="+mn-ea"/>
+              <a:ea typeface="+mn-ea"/>
+            </a:endParaRPr>
+          </a:p>
+        </p:txBody>
+      </p:sp>
+      <p:sp>
+        <p:nvSpPr>
+          <p:cNvPr id="16386" name="標題 238593"/>
+          <p:cNvSpPr>
+            <a:spLocks noGrp="1"/>
+          </p:cNvSpPr>
+          <p:nvPr/>
+        </p:nvSpPr>
+        <p:spPr>
+          <a:xfrm>
+            <a:off x="512763" y="892175"/>
+            <a:ext cx="8229600" cy="503238"/>
+          </a:xfrm>
+          <a:prstGeom prst="rect">
+            <a:avLst/>
+          </a:prstGeom>
+          <a:noFill/>
+          <a:ln w="9525">
+            <a:noFill/>
+          </a:ln>
+        </p:spPr>
+        <p:txBody>
+          <a:bodyPr anchor="ctr"/>
+          <a:lstStyle/>
+          <a:p>
+            <a:pPr lvl="0" indent="0">
+              <a:buClrTx/>
+            </a:pPr>
+            <a:r>
+              <a:rPr lang="zh-CN" altLang="en-US" b="0" dirty="0">
+                <a:solidFill>
+                  <a:srgbClr val="000066"/>
+                </a:solidFill>
+                <a:latin typeface="DFKai-SB" panose="03000509000000000000" charset="-122"/>
+                <a:ea typeface="DFKai-SB" panose="03000509000000000000" charset="-122"/>
+                <a:sym typeface="宋体" panose="02010600030101010101" pitchFamily="2" charset="-122"/>
+              </a:rPr>
+              <a:t>員工刷卡后，顯示屏上顯示刷卡相關訊息</a:t>
+            </a:r>
+            <a:endParaRPr lang="zh-CN" altLang="en-US" b="0" dirty="0">
+              <a:solidFill>
+                <a:srgbClr val="000066"/>
+              </a:solidFill>
+              <a:latin typeface="DFKai-SB" panose="03000509000000000000" charset="-122"/>
+              <a:ea typeface="DFKai-SB" panose="03000509000000000000" charset="-122"/>
+              <a:sym typeface="宋体" panose="02010600030101010101" pitchFamily="2" charset="-122"/>
+            </a:endParaRPr>
+          </a:p>
+        </p:txBody>
+      </p:sp>
+      <p:pic>
+        <p:nvPicPr>
+          <p:cNvPr id="4" name="图片 3"/>
+          <p:cNvPicPr>
+            <a:picLocks noChangeAspect="1"/>
+          </p:cNvPicPr>
+          <p:nvPr/>
+        </p:nvPicPr>
+        <p:blipFill>
+          <a:blip r:embed="rId2"/>
+          <a:stretch>
+            <a:fillRect/>
+          </a:stretch>
+        </p:blipFill>
+        <p:spPr>
+          <a:xfrm>
+            <a:off x="93980" y="1395730"/>
+            <a:ext cx="9053195" cy="4714875"/>
+          </a:xfrm>
+          <a:prstGeom prst="rect">
+            <a:avLst/>
+          </a:prstGeom>
+        </p:spPr>
+      </p:pic>
+    </p:spTree>
+  </p:cSld>
+  <p:clrMapOvr>
+    <a:masterClrMapping/>
+  </p:clrMapOvr>
+</p:sld>
+</file>
+
+<file path=ppt/slides/slide19.xml><?xml version="1.0" encoding="utf-8"?>
+<p:sld xmlns:a="http://schemas.openxmlformats.org/drawingml/2006/main" xmlns:r="http://schemas.openxmlformats.org/officeDocument/2006/relationships" xmlns:p="http://schemas.openxmlformats.org/presentationml/2006/main">
+  <p:cSld>
+    <p:spTree>
+      <p:nvGrpSpPr>
+        <p:cNvPr id="1" name=""/>
+        <p:cNvGrpSpPr/>
+        <p:nvPr/>
+      </p:nvGrpSpPr>
+      <p:grpSpPr>
+        <a:xfrm>
+          <a:off x="0" y="0"/>
+          <a:ext cx="0" cy="0"/>
+          <a:chOff x="0" y="0"/>
+          <a:chExt cx="0" cy="0"/>
+        </a:xfrm>
+      </p:grpSpPr>
+      <p:pic>
+        <p:nvPicPr>
+          <p:cNvPr id="3" name="图片 2" descr="1111"/>
+          <p:cNvPicPr>
+            <a:picLocks noChangeAspect="1"/>
+          </p:cNvPicPr>
+          <p:nvPr/>
+        </p:nvPicPr>
+        <p:blipFill>
+          <a:blip r:embed="rId1"/>
+          <a:stretch>
+            <a:fillRect/>
+          </a:stretch>
+        </p:blipFill>
+        <p:spPr>
+          <a:xfrm>
+            <a:off x="-13970" y="-10160"/>
+            <a:ext cx="9160510" cy="6864350"/>
+          </a:xfrm>
+          <a:prstGeom prst="rect">
+            <a:avLst/>
+          </a:prstGeom>
+        </p:spPr>
+      </p:pic>
+      <p:sp>
+        <p:nvSpPr>
+          <p:cNvPr id="238594" name="標題 238593"/>
+          <p:cNvSpPr>
+            <a:spLocks noGrp="1"/>
+          </p:cNvSpPr>
+          <p:nvPr>
+            <p:ph type="title"/>
+          </p:nvPr>
+        </p:nvSpPr>
+        <p:spPr/>
+        <p:txBody>
+          <a:bodyPr anchor="ctr"/>
+          <a:lstStyle/>
+          <a:p>
+            <a:pPr fontAlgn="base"/>
+            <a:r>
+              <a:rPr lang="en-US" altLang="zh-TW" strike="noStrike" noProof="1">
+                <a:solidFill>
+                  <a:srgbClr val="0000CC"/>
+                </a:solidFill>
+              </a:rPr>
+              <a:t>3. </a:t>
+            </a:r>
+            <a:r>
+              <a:rPr lang="zh-CN" altLang="zh-TW" strike="noStrike" noProof="1">
+                <a:solidFill>
+                  <a:srgbClr val="0000CC"/>
+                </a:solidFill>
+                <a:latin typeface="+mn-ea"/>
+                <a:ea typeface="+mn-ea"/>
+              </a:rPr>
+              <a:t>刷卡模式設定</a:t>
+            </a:r>
+            <a:endParaRPr lang="zh-CN" altLang="zh-TW" strike="noStrike" noProof="1">
+              <a:solidFill>
+                <a:srgbClr val="0000CC"/>
+              </a:solidFill>
+              <a:latin typeface="+mn-ea"/>
+              <a:ea typeface="+mn-ea"/>
+            </a:endParaRPr>
+          </a:p>
+        </p:txBody>
+      </p:sp>
+      <p:sp>
+        <p:nvSpPr>
+          <p:cNvPr id="16386" name="標題 238593"/>
+          <p:cNvSpPr>
+            <a:spLocks noGrp="1"/>
+          </p:cNvSpPr>
+          <p:nvPr/>
+        </p:nvSpPr>
+        <p:spPr>
+          <a:xfrm>
+            <a:off x="512763" y="892175"/>
+            <a:ext cx="8229600" cy="503238"/>
+          </a:xfrm>
+          <a:prstGeom prst="rect">
+            <a:avLst/>
+          </a:prstGeom>
+          <a:noFill/>
+          <a:ln w="9525">
+            <a:noFill/>
+          </a:ln>
+        </p:spPr>
+        <p:txBody>
+          <a:bodyPr anchor="ctr"/>
+          <a:lstStyle/>
+          <a:p>
+            <a:pPr lvl="0" indent="0">
+              <a:buClrTx/>
+            </a:pPr>
+            <a:r>
+              <a:rPr lang="zh-CN" altLang="en-US" b="0" dirty="0">
+                <a:solidFill>
+                  <a:srgbClr val="000066"/>
+                </a:solidFill>
+                <a:latin typeface="DFKai-SB" panose="03000509000000000000" charset="-122"/>
+                <a:ea typeface="DFKai-SB" panose="03000509000000000000" charset="-122"/>
+                <a:sym typeface="宋体" panose="02010600030101010101" pitchFamily="2" charset="-122"/>
+              </a:rPr>
+              <a:t>員工刷卡后，顯示屏上顯示刷卡相關訊息</a:t>
+            </a:r>
+            <a:endParaRPr lang="zh-CN" altLang="en-US" b="0" dirty="0">
+              <a:solidFill>
+                <a:srgbClr val="000066"/>
+              </a:solidFill>
+              <a:latin typeface="DFKai-SB" panose="03000509000000000000" charset="-122"/>
+              <a:ea typeface="DFKai-SB" panose="03000509000000000000" charset="-122"/>
+              <a:sym typeface="宋体" panose="02010600030101010101" pitchFamily="2" charset="-122"/>
+            </a:endParaRPr>
+          </a:p>
+        </p:txBody>
+      </p:sp>
+      <p:pic>
+        <p:nvPicPr>
+          <p:cNvPr id="2" name="图片 1"/>
+          <p:cNvPicPr>
+            <a:picLocks noChangeAspect="1"/>
+          </p:cNvPicPr>
+          <p:nvPr/>
+        </p:nvPicPr>
+        <p:blipFill>
+          <a:blip r:embed="rId2"/>
+          <a:stretch>
+            <a:fillRect/>
+          </a:stretch>
+        </p:blipFill>
+        <p:spPr>
+          <a:xfrm>
+            <a:off x="150495" y="1395730"/>
+            <a:ext cx="8954770" cy="5086350"/>
+          </a:xfrm>
+          <a:prstGeom prst="rect">
+            <a:avLst/>
+          </a:prstGeom>
+        </p:spPr>
+      </p:pic>
+    </p:spTree>
+  </p:cSld>
+  <p:clrMapOvr>
+    <a:masterClrMapping/>
+  </p:clrMapOvr>
+</p:sld>
+</file>
+
+<file path=ppt/slides/slide2.xml><?xml version="1.0" encoding="utf-8"?>
+<p:sld xmlns:a="http://schemas.openxmlformats.org/drawingml/2006/main" xmlns:r="http://schemas.openxmlformats.org/officeDocument/2006/relationships" xmlns:p="http://schemas.openxmlformats.org/presentationml/2006/main">
+  <p:cSld>
+    <p:spTree>
+      <p:nvGrpSpPr>
+        <p:cNvPr id="1" name=""/>
+        <p:cNvGrpSpPr/>
+        <p:nvPr/>
+      </p:nvGrpSpPr>
+      <p:grpSpPr>
+        <a:xfrm>
+          <a:off x="0" y="0"/>
+          <a:ext cx="0" cy="0"/>
+          <a:chOff x="0" y="0"/>
+          <a:chExt cx="0" cy="0"/>
+        </a:xfrm>
+      </p:grpSpPr>
+      <p:pic>
+        <p:nvPicPr>
+          <p:cNvPr id="3" name="图片 2" descr="QW2RIBJ$GX2G_YNZ]Z%@94Q"/>
+          <p:cNvPicPr>
+            <a:picLocks noChangeAspect="1"/>
+          </p:cNvPicPr>
+          <p:nvPr/>
+        </p:nvPicPr>
+        <p:blipFill>
+          <a:blip r:embed="rId1"/>
+          <a:stretch>
+            <a:fillRect/>
+          </a:stretch>
+        </p:blipFill>
+        <p:spPr>
+          <a:xfrm>
+            <a:off x="-56515" y="-31115"/>
+            <a:ext cx="9224010" cy="6920865"/>
+          </a:xfrm>
+          <a:prstGeom prst="rect">
+            <a:avLst/>
+          </a:prstGeom>
+        </p:spPr>
+      </p:pic>
+      <p:sp>
+        <p:nvSpPr>
+          <p:cNvPr id="84994" name="標題 84993"/>
+          <p:cNvSpPr>
+            <a:spLocks noGrp="1"/>
+          </p:cNvSpPr>
+          <p:nvPr>
+            <p:ph type="title"/>
+          </p:nvPr>
+        </p:nvSpPr>
+        <p:spPr/>
+        <p:txBody>
+          <a:bodyPr anchor="ctr"/>
+          <a:lstStyle/>
+          <a:p>
+            <a:pPr fontAlgn="base"/>
+            <a:r>
+              <a:rPr lang="en-US" altLang="zh-TW" strike="noStrike" noProof="1">
+                <a:solidFill>
+                  <a:srgbClr val="0000CC"/>
+                </a:solidFill>
+              </a:rPr>
+              <a:t>Agenda(</a:t>
+            </a:r>
+            <a:r>
+              <a:rPr lang="zh-TW" altLang="en-US" strike="noStrike" noProof="1">
+                <a:solidFill>
+                  <a:srgbClr val="0000CC"/>
+                </a:solidFill>
+              </a:rPr>
+              <a:t>提綱</a:t>
+            </a:r>
+            <a:r>
+              <a:rPr lang="en-US" altLang="zh-TW" strike="noStrike" noProof="1">
+                <a:solidFill>
+                  <a:srgbClr val="0000CC"/>
+                </a:solidFill>
+              </a:rPr>
+              <a:t>)</a:t>
+            </a:r>
+            <a:endParaRPr lang="en-US" altLang="zh-TW" strike="noStrike" noProof="1">
+              <a:solidFill>
+                <a:srgbClr val="0000CC"/>
+              </a:solidFill>
+            </a:endParaRPr>
+          </a:p>
+        </p:txBody>
+      </p:sp>
+      <p:sp>
+        <p:nvSpPr>
+          <p:cNvPr id="6146" name="文字版面配置區 85005"/>
+          <p:cNvSpPr>
+            <a:spLocks noGrp="1"/>
+          </p:cNvSpPr>
+          <p:nvPr>
+            <p:ph idx="1"/>
+          </p:nvPr>
+        </p:nvSpPr>
+        <p:spPr>
+          <a:xfrm>
+            <a:off x="457200" y="1052830"/>
+            <a:ext cx="8229600" cy="5207000"/>
+          </a:xfrm>
+        </p:spPr>
+        <p:txBody>
+          <a:bodyPr anchor="t"/>
+          <a:lstStyle/>
+          <a:p>
+            <a:r>
+              <a:rPr lang="en-US" altLang="zh-TW" b="1" dirty="0"/>
+              <a:t>1. </a:t>
+            </a:r>
+            <a:r>
+              <a:rPr lang="zh-CN" altLang="zh-TW" b="1" dirty="0">
+                <a:latin typeface="DFKai-SB" panose="03000509000000000000" charset="-122"/>
+              </a:rPr>
+              <a:t>流程圖</a:t>
+            </a:r>
+            <a:endParaRPr lang="zh-CN" altLang="zh-TW" b="1" dirty="0">
+              <a:latin typeface="DFKai-SB" panose="03000509000000000000" charset="-122"/>
+            </a:endParaRPr>
+          </a:p>
+          <a:p>
+            <a:r>
+              <a:rPr lang="en-US" altLang="zh-TW" b="1" dirty="0"/>
+              <a:t>2. </a:t>
+            </a:r>
+            <a:r>
+              <a:rPr lang="zh-CN" altLang="en-US" b="1" dirty="0">
+                <a:latin typeface="DFKai-SB" panose="03000509000000000000" charset="-122"/>
+              </a:rPr>
+              <a:t>刷卡規則與注意事項</a:t>
+            </a:r>
+            <a:endParaRPr lang="zh-CN" altLang="en-US" b="1" dirty="0">
+              <a:latin typeface="DFKai-SB" panose="03000509000000000000" charset="-122"/>
+            </a:endParaRPr>
+          </a:p>
+          <a:p>
+            <a:r>
+              <a:rPr lang="en-US" altLang="zh-TW" b="1" dirty="0"/>
+              <a:t>3. </a:t>
+            </a:r>
+            <a:r>
+              <a:rPr lang="zh-CN" altLang="zh-TW" b="1" dirty="0">
+                <a:latin typeface="DFKai-SB" panose="03000509000000000000" charset="-122"/>
+                <a:sym typeface="DFKai-SB" panose="03000509000000000000" charset="-122"/>
+              </a:rPr>
+              <a:t>刷卡模式設定</a:t>
+            </a:r>
+            <a:r>
+              <a:rPr lang="en-US" altLang="zh-TW" b="1" dirty="0"/>
+              <a:t> </a:t>
+            </a:r>
+            <a:endParaRPr lang="zh-CN" altLang="zh-TW" b="1" dirty="0">
+              <a:latin typeface="DFKai-SB" panose="03000509000000000000" charset="-122"/>
+            </a:endParaRPr>
+          </a:p>
+          <a:p>
+            <a:r>
+              <a:rPr lang="en-US" altLang="zh-TW" b="1" dirty="0">
+                <a:latin typeface="DFKai-SB" panose="03000509000000000000" pitchFamily="65" charset="-120"/>
+              </a:rPr>
+              <a:t>4.</a:t>
+            </a:r>
+            <a:r>
+              <a:rPr lang="zh-CN" altLang="zh-TW" b="1" dirty="0">
+                <a:latin typeface="DFKai-SB" panose="03000509000000000000" charset="-122"/>
+              </a:rPr>
+              <a:t>補充指示單號</a:t>
+            </a:r>
+            <a:endParaRPr lang="zh-CN" altLang="zh-TW" b="1" dirty="0">
+              <a:latin typeface="DFKai-SB" panose="03000509000000000000" charset="-122"/>
+            </a:endParaRPr>
+          </a:p>
+          <a:p>
+            <a:r>
+              <a:rPr lang="en-US" altLang="zh-CN" b="1" dirty="0">
+                <a:latin typeface="DFKai-SB" panose="03000509000000000000" charset="-122"/>
+              </a:rPr>
+              <a:t>5.</a:t>
+            </a:r>
+            <a:r>
+              <a:rPr lang="zh-CN" altLang="zh-TW" b="1" dirty="0">
+                <a:latin typeface="DFKai-SB" panose="03000509000000000000" charset="-122"/>
+              </a:rPr>
+              <a:t>加班單</a:t>
+            </a:r>
+            <a:r>
+              <a:rPr lang="zh-CN" altLang="zh-TW" b="1" dirty="0">
+                <a:latin typeface="DFKai-SB" panose="03000509000000000000" charset="-122"/>
+                <a:sym typeface="DFKai-SB" panose="03000509000000000000" charset="-122"/>
+              </a:rPr>
+              <a:t>審核</a:t>
+            </a:r>
+            <a:r>
+              <a:rPr lang="en-US" altLang="zh-CN" b="1" dirty="0">
+                <a:latin typeface="DFKai-SB" panose="03000509000000000000" charset="-122"/>
+                <a:sym typeface="DFKai-SB" panose="03000509000000000000" charset="-122"/>
+              </a:rPr>
+              <a:t>(</a:t>
+            </a:r>
+            <a:r>
+              <a:rPr lang="zh-CN" altLang="zh-CN" b="1" dirty="0">
+                <a:latin typeface="DFKai-SB" panose="03000509000000000000" charset="-122"/>
+                <a:sym typeface="DFKai-SB" panose="03000509000000000000" charset="-122"/>
+              </a:rPr>
+              <a:t>加班提報</a:t>
+            </a:r>
+            <a:r>
+              <a:rPr lang="en-US" altLang="zh-CN" b="1" dirty="0">
+                <a:latin typeface="DFKai-SB" panose="03000509000000000000" charset="-122"/>
+                <a:sym typeface="DFKai-SB" panose="03000509000000000000" charset="-122"/>
+              </a:rPr>
+              <a:t>)</a:t>
+            </a:r>
+            <a:endParaRPr lang="en-US" altLang="zh-CN" b="1" dirty="0">
+              <a:latin typeface="DFKai-SB" panose="03000509000000000000" charset="-122"/>
+              <a:sym typeface="DFKai-SB" panose="03000509000000000000" charset="-122"/>
+            </a:endParaRPr>
+          </a:p>
+          <a:p>
+            <a:r>
+              <a:rPr lang="en-US" altLang="zh-TW" b="1" dirty="0">
+                <a:latin typeface="+mn-ea"/>
+                <a:sym typeface="+mn-ea"/>
+              </a:rPr>
+              <a:t>6.</a:t>
+            </a:r>
+            <a:r>
+              <a:rPr lang="zh-CN" altLang="zh-TW" b="1" dirty="0">
+                <a:latin typeface="+mn-ea"/>
+                <a:sym typeface="+mn-ea"/>
+              </a:rPr>
+              <a:t>加班單異常處理</a:t>
+            </a:r>
+            <a:r>
+              <a:rPr lang="en-US" altLang="zh-CN" b="1" dirty="0">
+                <a:latin typeface="+mn-ea"/>
+                <a:sym typeface="+mn-ea"/>
+              </a:rPr>
+              <a:t>(</a:t>
+            </a:r>
+            <a:r>
+              <a:rPr lang="zh-CN" altLang="zh-CN" b="1" dirty="0">
+                <a:latin typeface="+mn-ea"/>
+                <a:sym typeface="+mn-ea"/>
+              </a:rPr>
+              <a:t>加班提報</a:t>
+            </a:r>
+            <a:r>
+              <a:rPr lang="en-US" altLang="zh-CN" b="1" dirty="0">
+                <a:latin typeface="+mn-ea"/>
+                <a:sym typeface="+mn-ea"/>
+              </a:rPr>
+              <a:t>)</a:t>
+            </a:r>
+            <a:endParaRPr lang="en-US" altLang="zh-CN" b="1" dirty="0">
+              <a:latin typeface="+mn-ea"/>
+              <a:sym typeface="+mn-ea"/>
+            </a:endParaRPr>
+          </a:p>
+          <a:p>
+            <a:r>
+              <a:rPr lang="en-US" altLang="zh-TW" b="1" dirty="0">
+                <a:latin typeface="+mn-ea"/>
+                <a:sym typeface="+mn-ea"/>
+              </a:rPr>
+              <a:t>7</a:t>
+            </a:r>
+            <a:r>
+              <a:rPr lang="en-US" altLang="zh-TW" b="1" dirty="0" smtClean="0">
+                <a:latin typeface="+mn-ea"/>
+                <a:sym typeface="+mn-ea"/>
+              </a:rPr>
+              <a:t>.</a:t>
+            </a:r>
+            <a:r>
+              <a:rPr lang="zh-CN" altLang="en-US" b="1" dirty="0">
+                <a:latin typeface="+mn-ea"/>
+                <a:sym typeface="+mn-ea"/>
+              </a:rPr>
+              <a:t>網頁</a:t>
+            </a:r>
+            <a:r>
+              <a:rPr lang="zh-CN" b="1" dirty="0" smtClean="0">
+                <a:latin typeface="DFKai-SB" panose="03000509000000000000" pitchFamily="65" charset="-120"/>
+                <a:ea typeface="DFKai-SB" panose="03000509000000000000" pitchFamily="65" charset="-120"/>
+                <a:sym typeface="+mn-ea"/>
+              </a:rPr>
+              <a:t>實</a:t>
+            </a:r>
+            <a:r>
+              <a:rPr lang="zh-CN" b="1" dirty="0">
+                <a:latin typeface="DFKai-SB" panose="03000509000000000000" pitchFamily="65" charset="-120"/>
+                <a:ea typeface="DFKai-SB" panose="03000509000000000000" pitchFamily="65" charset="-120"/>
+                <a:sym typeface="+mn-ea"/>
+              </a:rPr>
+              <a:t>時工時查</a:t>
+            </a:r>
+            <a:r>
+              <a:rPr lang="zh-CN" b="1" dirty="0" smtClean="0">
+                <a:latin typeface="DFKai-SB" panose="03000509000000000000" pitchFamily="65" charset="-120"/>
+                <a:ea typeface="DFKai-SB" panose="03000509000000000000" pitchFamily="65" charset="-120"/>
+                <a:sym typeface="+mn-ea"/>
+              </a:rPr>
+              <a:t>詢使用</a:t>
+            </a:r>
+            <a:endParaRPr lang="zh-TW" altLang="en-US" b="1" strike="noStrike" noProof="1">
+              <a:solidFill>
+                <a:srgbClr val="0000CC"/>
+              </a:solidFill>
+            </a:endParaRPr>
+          </a:p>
+          <a:p>
+            <a:r>
+              <a:rPr lang="en-US" altLang="zh-CN" b="1" dirty="0" smtClean="0">
+                <a:latin typeface="DFKai-SB" panose="03000509000000000000" charset="-122"/>
+                <a:sym typeface="DFKai-SB" panose="03000509000000000000" charset="-122"/>
+              </a:rPr>
+              <a:t>8.</a:t>
+            </a:r>
+            <a:r>
+              <a:rPr lang="zh-CN" altLang="en-US" b="1" dirty="0">
+                <a:latin typeface="DFKai-SB" panose="03000509000000000000" charset="-122"/>
+                <a:sym typeface="DFKai-SB" panose="03000509000000000000" charset="-122"/>
+              </a:rPr>
+              <a:t>聯絡方式</a:t>
+            </a:r>
+            <a:endParaRPr lang="zh-CN" altLang="en-US" b="1" dirty="0">
+              <a:latin typeface="DFKai-SB" panose="03000509000000000000" charset="-122"/>
+              <a:sym typeface="DFKai-SB" panose="03000509000000000000" charset="-122"/>
+            </a:endParaRPr>
+          </a:p>
+          <a:p>
+            <a:r>
+              <a:rPr lang="en-US" altLang="zh-CN" b="1" dirty="0">
+                <a:latin typeface="DFKai-SB" panose="03000509000000000000" charset="-122"/>
+                <a:sym typeface="DFKai-SB" panose="03000509000000000000" charset="-122"/>
+              </a:rPr>
+              <a:t>9.</a:t>
+            </a:r>
+            <a:r>
+              <a:rPr lang="zh-CN" altLang="en-US" b="1" dirty="0">
+                <a:latin typeface="+mn-ea"/>
+                <a:sym typeface="DFKai-SB" panose="03000509000000000000" charset="-122"/>
+              </a:rPr>
+              <a:t>工時系統維護</a:t>
+            </a:r>
+            <a:endParaRPr lang="en-US" altLang="zh-CN" b="1" dirty="0">
+              <a:latin typeface="DFKai-SB" panose="03000509000000000000" charset="-122"/>
+              <a:sym typeface="DFKai-SB" panose="03000509000000000000" charset="-122"/>
+            </a:endParaRPr>
+          </a:p>
+          <a:p>
+            <a:endParaRPr lang="zh-CN" altLang="en-US" b="1" dirty="0">
+              <a:latin typeface="DFKai-SB" panose="03000509000000000000" charset="-122"/>
+              <a:sym typeface="DFKai-SB" panose="03000509000000000000" charset="-122"/>
+            </a:endParaRPr>
+          </a:p>
+          <a:p>
+            <a:endParaRPr lang="zh-CN" altLang="en-US" b="1" dirty="0">
+              <a:latin typeface="DFKai-SB" panose="03000509000000000000" charset="-122"/>
+              <a:sym typeface="DFKai-SB" panose="03000509000000000000" charset="-122"/>
+            </a:endParaRPr>
+          </a:p>
+          <a:p>
+            <a:endParaRPr lang="zh-TW" altLang="en-US" b="1" dirty="0"/>
+          </a:p>
+        </p:txBody>
+      </p:sp>
+    </p:spTree>
+  </p:cSld>
+  <p:clrMapOvr>
+    <a:masterClrMapping/>
+  </p:clrMapOvr>
+</p:sld>
+</file>
+
+<file path=ppt/slides/slide20.xml><?xml version="1.0" encoding="utf-8"?>
+<p:sld xmlns:a="http://schemas.openxmlformats.org/drawingml/2006/main" xmlns:r="http://schemas.openxmlformats.org/officeDocument/2006/relationships" xmlns:p="http://schemas.openxmlformats.org/presentationml/2006/main">
+  <p:cSld>
+    <p:spTree>
+      <p:nvGrpSpPr>
+        <p:cNvPr id="1" name=""/>
+        <p:cNvGrpSpPr/>
+        <p:nvPr/>
+      </p:nvGrpSpPr>
+      <p:grpSpPr>
+        <a:xfrm>
+          <a:off x="0" y="0"/>
+          <a:ext cx="0" cy="0"/>
+          <a:chOff x="0" y="0"/>
+          <a:chExt cx="0" cy="0"/>
+        </a:xfrm>
+      </p:grpSpPr>
+      <p:pic>
+        <p:nvPicPr>
           <p:cNvPr id="3" name="图片 2" descr="VYKW%7[V8MBBS6OKCT$[)6X"/>
           <p:cNvPicPr>
             <a:picLocks noChangeAspect="1"/>
@@ -4701,7 +6088,7 @@
 </p:sld>
 </file>
 
-<file path=ppt/slides/slide15.xml><?xml version="1.0" encoding="utf-8"?>
+<file path=ppt/slides/slide21.xml><?xml version="1.0" encoding="utf-8"?>
 <p:sld xmlns:a="http://schemas.openxmlformats.org/drawingml/2006/main" xmlns:r="http://schemas.openxmlformats.org/officeDocument/2006/relationships" xmlns:p="http://schemas.openxmlformats.org/presentationml/2006/main">
   <p:cSld>
     <p:spTree>
@@ -4877,7 +6264,7 @@
 </p:sld>
 </file>
 
-<file path=ppt/slides/slide16.xml><?xml version="1.0" encoding="utf-8"?>
+<file path=ppt/slides/slide22.xml><?xml version="1.0" encoding="utf-8"?>
 <p:sld xmlns:a="http://schemas.openxmlformats.org/drawingml/2006/main" xmlns:r="http://schemas.openxmlformats.org/officeDocument/2006/relationships" xmlns:p="http://schemas.openxmlformats.org/presentationml/2006/main">
   <p:cSld>
     <p:spTree>
@@ -5158,7 +6545,7 @@
 </p:sld>
 </file>
 
-<file path=ppt/slides/slide17.xml><?xml version="1.0" encoding="utf-8"?>
+<file path=ppt/slides/slide23.xml><?xml version="1.0" encoding="utf-8"?>
 <p:sld xmlns:a="http://schemas.openxmlformats.org/drawingml/2006/main" xmlns:r="http://schemas.openxmlformats.org/officeDocument/2006/relationships" xmlns:p="http://schemas.openxmlformats.org/presentationml/2006/main">
   <p:cSld>
     <p:spTree>
@@ -5329,7 +6716,7 @@
 </p:sld>
 </file>
 
-<file path=ppt/slides/slide18.xml><?xml version="1.0" encoding="utf-8"?>
+<file path=ppt/slides/slide24.xml><?xml version="1.0" encoding="utf-8"?>
 <p:sld xmlns:a="http://schemas.openxmlformats.org/drawingml/2006/main" xmlns:r="http://schemas.openxmlformats.org/officeDocument/2006/relationships" xmlns:p="http://schemas.openxmlformats.org/presentationml/2006/main">
   <p:cSld>
     <p:spTree>
@@ -5542,7 +6929,7 @@
 </p:sld>
 </file>
 
-<file path=ppt/slides/slide19.xml><?xml version="1.0" encoding="utf-8"?>
+<file path=ppt/slides/slide25.xml><?xml version="1.0" encoding="utf-8"?>
 <p:sld xmlns:a="http://schemas.openxmlformats.org/drawingml/2006/main" xmlns:r="http://schemas.openxmlformats.org/officeDocument/2006/relationships" xmlns:p="http://schemas.openxmlformats.org/presentationml/2006/main">
   <p:cSld>
     <p:spTree>
@@ -5957,386 +7344,7 @@
 </p:sld>
 </file>
 
-<file path=ppt/slides/slide2.xml><?xml version="1.0" encoding="utf-8"?>
-<p:sld xmlns:a="http://schemas.openxmlformats.org/drawingml/2006/main" xmlns:r="http://schemas.openxmlformats.org/officeDocument/2006/relationships" xmlns:p="http://schemas.openxmlformats.org/presentationml/2006/main">
-  <p:cSld>
-    <p:spTree>
-      <p:nvGrpSpPr>
-        <p:cNvPr id="1" name=""/>
-        <p:cNvGrpSpPr/>
-        <p:nvPr/>
-      </p:nvGrpSpPr>
-      <p:grpSpPr>
-        <a:xfrm>
-          <a:off x="0" y="0"/>
-          <a:ext cx="0" cy="0"/>
-          <a:chOff x="0" y="0"/>
-          <a:chExt cx="0" cy="0"/>
-        </a:xfrm>
-      </p:grpSpPr>
-      <p:pic>
-        <p:nvPicPr>
-          <p:cNvPr id="3" name="图片 2" descr="QW2RIBJ$GX2G_YNZ]Z%@94Q"/>
-          <p:cNvPicPr>
-            <a:picLocks noChangeAspect="1"/>
-          </p:cNvPicPr>
-          <p:nvPr/>
-        </p:nvPicPr>
-        <p:blipFill>
-          <a:blip r:embed="rId1"/>
-          <a:stretch>
-            <a:fillRect/>
-          </a:stretch>
-        </p:blipFill>
-        <p:spPr>
-          <a:xfrm>
-            <a:off x="-56515" y="-31115"/>
-            <a:ext cx="9224010" cy="6920865"/>
-          </a:xfrm>
-          <a:prstGeom prst="rect">
-            <a:avLst/>
-          </a:prstGeom>
-        </p:spPr>
-      </p:pic>
-      <p:sp>
-        <p:nvSpPr>
-          <p:cNvPr id="84994" name="標題 84993"/>
-          <p:cNvSpPr>
-            <a:spLocks noGrp="1"/>
-          </p:cNvSpPr>
-          <p:nvPr>
-            <p:ph type="title"/>
-          </p:nvPr>
-        </p:nvSpPr>
-        <p:spPr/>
-        <p:txBody>
-          <a:bodyPr anchor="ctr"/>
-          <a:lstStyle/>
-          <a:p>
-            <a:pPr fontAlgn="base"/>
-            <a:r>
-              <a:rPr lang="en-US" altLang="zh-TW" strike="noStrike" noProof="1">
-                <a:solidFill>
-                  <a:srgbClr val="0000CC"/>
-                </a:solidFill>
-              </a:rPr>
-              <a:t>Agenda(</a:t>
-            </a:r>
-            <a:r>
-              <a:rPr lang="zh-TW" altLang="en-US" strike="noStrike" noProof="1">
-                <a:solidFill>
-                  <a:srgbClr val="0000CC"/>
-                </a:solidFill>
-              </a:rPr>
-              <a:t>提綱</a:t>
-            </a:r>
-            <a:r>
-              <a:rPr lang="en-US" altLang="zh-TW" strike="noStrike" noProof="1">
-                <a:solidFill>
-                  <a:srgbClr val="0000CC"/>
-                </a:solidFill>
-              </a:rPr>
-              <a:t>)</a:t>
-            </a:r>
-            <a:endParaRPr lang="en-US" altLang="zh-TW" strike="noStrike" noProof="1">
-              <a:solidFill>
-                <a:srgbClr val="0000CC"/>
-              </a:solidFill>
-            </a:endParaRPr>
-          </a:p>
-        </p:txBody>
-      </p:sp>
-      <p:sp>
-        <p:nvSpPr>
-          <p:cNvPr id="6146" name="文字版面配置區 85005"/>
-          <p:cNvSpPr>
-            <a:spLocks noGrp="1"/>
-          </p:cNvSpPr>
-          <p:nvPr>
-            <p:ph idx="1"/>
-          </p:nvPr>
-        </p:nvSpPr>
-        <p:spPr>
-          <a:xfrm>
-            <a:off x="457200" y="1052830"/>
-            <a:ext cx="8229600" cy="5207000"/>
-          </a:xfrm>
-        </p:spPr>
-        <p:txBody>
-          <a:bodyPr anchor="t"/>
-          <a:lstStyle/>
-          <a:p>
-            <a:r>
-              <a:rPr lang="en-US" altLang="zh-TW" b="1" dirty="0"/>
-              <a:t>1. </a:t>
-            </a:r>
-            <a:r>
-              <a:rPr lang="zh-CN" altLang="zh-TW" b="1" dirty="0">
-                <a:latin typeface="DFKai-SB" panose="03000509000000000000" charset="-122"/>
-              </a:rPr>
-              <a:t>流程圖</a:t>
-            </a:r>
-            <a:endParaRPr lang="zh-CN" altLang="zh-TW" b="1" dirty="0">
-              <a:latin typeface="DFKai-SB" panose="03000509000000000000" charset="-122"/>
-            </a:endParaRPr>
-          </a:p>
-          <a:p>
-            <a:r>
-              <a:rPr lang="en-US" altLang="zh-TW" b="1" dirty="0"/>
-              <a:t>2. </a:t>
-            </a:r>
-            <a:r>
-              <a:rPr lang="zh-CN" altLang="en-US" b="1" dirty="0">
-                <a:latin typeface="DFKai-SB" panose="03000509000000000000" charset="-122"/>
-              </a:rPr>
-              <a:t>刷卡規則與注意事項</a:t>
-            </a:r>
-            <a:endParaRPr lang="zh-CN" altLang="en-US" b="1" dirty="0">
-              <a:latin typeface="DFKai-SB" panose="03000509000000000000" charset="-122"/>
-            </a:endParaRPr>
-          </a:p>
-          <a:p>
-            <a:r>
-              <a:rPr lang="en-US" altLang="zh-TW" b="1" dirty="0"/>
-              <a:t>3. </a:t>
-            </a:r>
-            <a:r>
-              <a:rPr lang="zh-CN" altLang="zh-TW" b="1" dirty="0">
-                <a:latin typeface="DFKai-SB" panose="03000509000000000000" charset="-122"/>
-                <a:sym typeface="DFKai-SB" panose="03000509000000000000" charset="-122"/>
-              </a:rPr>
-              <a:t>刷卡模式設定</a:t>
-            </a:r>
-            <a:r>
-              <a:rPr lang="en-US" altLang="zh-TW" b="1" dirty="0"/>
-              <a:t> </a:t>
-            </a:r>
-            <a:endParaRPr lang="zh-CN" altLang="zh-TW" b="1" dirty="0">
-              <a:latin typeface="DFKai-SB" panose="03000509000000000000" charset="-122"/>
-            </a:endParaRPr>
-          </a:p>
-          <a:p>
-            <a:r>
-              <a:rPr lang="en-US" altLang="zh-TW" b="1" dirty="0">
-                <a:latin typeface="DFKai-SB" panose="03000509000000000000" pitchFamily="65" charset="-120"/>
-              </a:rPr>
-              <a:t>4.</a:t>
-            </a:r>
-            <a:r>
-              <a:rPr lang="zh-CN" altLang="zh-TW" b="1" dirty="0">
-                <a:latin typeface="DFKai-SB" panose="03000509000000000000" charset="-122"/>
-              </a:rPr>
-              <a:t>補充指示單號</a:t>
-            </a:r>
-            <a:endParaRPr lang="zh-CN" altLang="zh-TW" b="1" dirty="0">
-              <a:latin typeface="DFKai-SB" panose="03000509000000000000" charset="-122"/>
-            </a:endParaRPr>
-          </a:p>
-          <a:p>
-            <a:r>
-              <a:rPr lang="en-US" altLang="zh-CN" b="1" dirty="0">
-                <a:latin typeface="DFKai-SB" panose="03000509000000000000" charset="-122"/>
-              </a:rPr>
-              <a:t>5.</a:t>
-            </a:r>
-            <a:r>
-              <a:rPr lang="zh-CN" altLang="zh-TW" b="1" dirty="0">
-                <a:latin typeface="DFKai-SB" panose="03000509000000000000" charset="-122"/>
-              </a:rPr>
-              <a:t>加班單</a:t>
-            </a:r>
-            <a:r>
-              <a:rPr lang="zh-CN" altLang="zh-TW" b="1" dirty="0">
-                <a:latin typeface="DFKai-SB" panose="03000509000000000000" charset="-122"/>
-                <a:sym typeface="DFKai-SB" panose="03000509000000000000" charset="-122"/>
-              </a:rPr>
-              <a:t>審核</a:t>
-            </a:r>
-            <a:r>
-              <a:rPr lang="en-US" altLang="zh-CN" b="1" dirty="0">
-                <a:latin typeface="DFKai-SB" panose="03000509000000000000" charset="-122"/>
-                <a:sym typeface="DFKai-SB" panose="03000509000000000000" charset="-122"/>
-              </a:rPr>
-              <a:t>(</a:t>
-            </a:r>
-            <a:r>
-              <a:rPr lang="zh-CN" altLang="zh-CN" b="1" dirty="0">
-                <a:latin typeface="DFKai-SB" panose="03000509000000000000" charset="-122"/>
-                <a:sym typeface="DFKai-SB" panose="03000509000000000000" charset="-122"/>
-              </a:rPr>
-              <a:t>加班提報</a:t>
-            </a:r>
-            <a:r>
-              <a:rPr lang="en-US" altLang="zh-CN" b="1" dirty="0">
-                <a:latin typeface="DFKai-SB" panose="03000509000000000000" charset="-122"/>
-                <a:sym typeface="DFKai-SB" panose="03000509000000000000" charset="-122"/>
-              </a:rPr>
-              <a:t>)</a:t>
-            </a:r>
-            <a:endParaRPr lang="en-US" altLang="zh-CN" b="1" dirty="0">
-              <a:latin typeface="DFKai-SB" panose="03000509000000000000" charset="-122"/>
-              <a:sym typeface="DFKai-SB" panose="03000509000000000000" charset="-122"/>
-            </a:endParaRPr>
-          </a:p>
-          <a:p>
-            <a:r>
-              <a:rPr lang="en-US" altLang="zh-TW" b="1" dirty="0">
-                <a:latin typeface="+mn-ea"/>
-                <a:sym typeface="+mn-ea"/>
-              </a:rPr>
-              <a:t>6.</a:t>
-            </a:r>
-            <a:r>
-              <a:rPr lang="zh-CN" altLang="zh-TW" b="1" dirty="0">
-                <a:latin typeface="+mn-ea"/>
-                <a:sym typeface="+mn-ea"/>
-              </a:rPr>
-              <a:t>加班單異常處理</a:t>
-            </a:r>
-            <a:r>
-              <a:rPr lang="en-US" altLang="zh-CN" b="1" dirty="0">
-                <a:latin typeface="+mn-ea"/>
-                <a:sym typeface="+mn-ea"/>
-              </a:rPr>
-              <a:t>(</a:t>
-            </a:r>
-            <a:r>
-              <a:rPr lang="zh-CN" altLang="zh-CN" b="1" dirty="0">
-                <a:latin typeface="+mn-ea"/>
-                <a:sym typeface="+mn-ea"/>
-              </a:rPr>
-              <a:t>加班提報</a:t>
-            </a:r>
-            <a:r>
-              <a:rPr lang="en-US" altLang="zh-CN" b="1" dirty="0">
-                <a:latin typeface="+mn-ea"/>
-                <a:sym typeface="+mn-ea"/>
-              </a:rPr>
-              <a:t>)</a:t>
-            </a:r>
-            <a:endParaRPr lang="en-US" altLang="zh-CN" b="1" dirty="0">
-              <a:latin typeface="+mn-ea"/>
-              <a:sym typeface="+mn-ea"/>
-            </a:endParaRPr>
-          </a:p>
-          <a:p>
-            <a:r>
-              <a:rPr lang="en-US" altLang="zh-TW" b="1" dirty="0">
-                <a:latin typeface="+mn-ea"/>
-                <a:sym typeface="+mn-ea"/>
-              </a:rPr>
-              <a:t>7</a:t>
-            </a:r>
-            <a:r>
-              <a:rPr lang="en-US" altLang="zh-TW" b="1" dirty="0" smtClean="0">
-                <a:latin typeface="+mn-ea"/>
-                <a:sym typeface="+mn-ea"/>
-              </a:rPr>
-              <a:t>.</a:t>
-            </a:r>
-            <a:r>
-              <a:rPr lang="zh-CN" altLang="en-US" b="1" dirty="0">
-                <a:latin typeface="+mn-ea"/>
-                <a:sym typeface="+mn-ea"/>
-              </a:rPr>
-              <a:t>網頁</a:t>
-            </a:r>
-            <a:r>
-              <a:rPr lang="zh-CN" b="1" dirty="0" smtClean="0">
-                <a:latin typeface="DFKai-SB" panose="03000509000000000000" pitchFamily="65" charset="-120"/>
-                <a:ea typeface="DFKai-SB" panose="03000509000000000000" pitchFamily="65" charset="-120"/>
-                <a:sym typeface="+mn-ea"/>
-              </a:rPr>
-              <a:t>實</a:t>
-            </a:r>
-            <a:r>
-              <a:rPr lang="zh-CN" b="1" dirty="0">
-                <a:latin typeface="DFKai-SB" panose="03000509000000000000" pitchFamily="65" charset="-120"/>
-                <a:ea typeface="DFKai-SB" panose="03000509000000000000" pitchFamily="65" charset="-120"/>
-                <a:sym typeface="+mn-ea"/>
-              </a:rPr>
-              <a:t>時工時查</a:t>
-            </a:r>
-            <a:r>
-              <a:rPr lang="zh-CN" b="1" dirty="0" smtClean="0">
-                <a:latin typeface="DFKai-SB" panose="03000509000000000000" pitchFamily="65" charset="-120"/>
-                <a:ea typeface="DFKai-SB" panose="03000509000000000000" pitchFamily="65" charset="-120"/>
-                <a:sym typeface="+mn-ea"/>
-              </a:rPr>
-              <a:t>詢使用</a:t>
-            </a:r>
-            <a:endParaRPr lang="zh-TW" altLang="en-US" b="1" strike="noStrike" noProof="1">
-              <a:solidFill>
-                <a:srgbClr val="0000CC"/>
-              </a:solidFill>
-            </a:endParaRPr>
-          </a:p>
-          <a:p>
-            <a:r>
-              <a:rPr lang="en-US" altLang="zh-CN" b="1" dirty="0" smtClean="0">
-                <a:latin typeface="DFKai-SB" panose="03000509000000000000" charset="-122"/>
-                <a:sym typeface="DFKai-SB" panose="03000509000000000000" charset="-122"/>
-              </a:rPr>
-              <a:t>8.</a:t>
-            </a:r>
-            <a:r>
-              <a:rPr lang="zh-CN" altLang="en-US" b="1" dirty="0">
-                <a:latin typeface="DFKai-SB" panose="03000509000000000000" charset="-122"/>
-                <a:sym typeface="DFKai-SB" panose="03000509000000000000" charset="-122"/>
-              </a:rPr>
-              <a:t>聯絡方式</a:t>
-            </a:r>
-            <a:endParaRPr lang="zh-CN" altLang="en-US" b="1" dirty="0">
-              <a:latin typeface="DFKai-SB" panose="03000509000000000000" charset="-122"/>
-              <a:sym typeface="DFKai-SB" panose="03000509000000000000" charset="-122"/>
-            </a:endParaRPr>
-          </a:p>
-          <a:p>
-            <a:r>
-              <a:rPr lang="en-US" altLang="zh-CN" b="1" dirty="0">
-                <a:latin typeface="DFKai-SB" panose="03000509000000000000" charset="-122"/>
-                <a:sym typeface="DFKai-SB" panose="03000509000000000000" charset="-122"/>
-              </a:rPr>
-              <a:t>9.</a:t>
-            </a:r>
-            <a:r>
-              <a:rPr lang="zh-CN" altLang="en-US" b="1" dirty="0">
-                <a:latin typeface="+mn-ea"/>
-                <a:sym typeface="DFKai-SB" panose="03000509000000000000" charset="-122"/>
-              </a:rPr>
-              <a:t>工時系統維護</a:t>
-            </a:r>
-            <a:endParaRPr lang="en-US" altLang="zh-CN" b="1" dirty="0">
-              <a:latin typeface="DFKai-SB" panose="03000509000000000000" charset="-122"/>
-              <a:sym typeface="DFKai-SB" panose="03000509000000000000" charset="-122"/>
-            </a:endParaRPr>
-          </a:p>
-          <a:p>
-            <a:endParaRPr lang="zh-CN" altLang="en-US" b="1" dirty="0">
-              <a:latin typeface="DFKai-SB" panose="03000509000000000000" charset="-122"/>
-              <a:sym typeface="DFKai-SB" panose="03000509000000000000" charset="-122"/>
-            </a:endParaRPr>
-          </a:p>
-          <a:p>
-            <a:endParaRPr lang="zh-CN" altLang="en-US" b="1" dirty="0">
-              <a:latin typeface="DFKai-SB" panose="03000509000000000000" charset="-122"/>
-              <a:sym typeface="DFKai-SB" panose="03000509000000000000" charset="-122"/>
-            </a:endParaRPr>
-          </a:p>
-          <a:p>
-            <a:endParaRPr lang="zh-TW" altLang="en-US" b="1" dirty="0"/>
-          </a:p>
-        </p:txBody>
-      </p:sp>
-    </p:spTree>
-  </p:cSld>
-  <p:clrMapOvr>
-    <a:masterClrMapping/>
-  </p:clrMapOvr>
-</p:sld>
-</file>
-
-<file path=ppt/slides/slide20.xml><?xml version="1.0" encoding="utf-8"?>
+<file path=ppt/slides/slide26.xml><?xml version="1.0" encoding="utf-8"?>
 <p:sld xmlns:a="http://schemas.openxmlformats.org/drawingml/2006/main" xmlns:r="http://schemas.openxmlformats.org/officeDocument/2006/relationships" xmlns:p="http://schemas.openxmlformats.org/presentationml/2006/main">
   <p:cSld>
     <p:spTree>
@@ -6863,7 +7871,7 @@
 </p:sld>
 </file>
 
-<file path=ppt/slides/slide21.xml><?xml version="1.0" encoding="utf-8"?>
+<file path=ppt/slides/slide27.xml><?xml version="1.0" encoding="utf-8"?>
 <p:sld xmlns:a="http://schemas.openxmlformats.org/drawingml/2006/main" xmlns:r="http://schemas.openxmlformats.org/officeDocument/2006/relationships" xmlns:p="http://schemas.openxmlformats.org/presentationml/2006/main">
   <p:cSld>
     <p:spTree>
@@ -7122,7 +8130,7 @@
 </p:sld>
 </file>
 
-<file path=ppt/slides/slide22.xml><?xml version="1.0" encoding="utf-8"?>
+<file path=ppt/slides/slide28.xml><?xml version="1.0" encoding="utf-8"?>
 <p:sld xmlns:a="http://schemas.openxmlformats.org/drawingml/2006/main" xmlns:r="http://schemas.openxmlformats.org/officeDocument/2006/relationships" xmlns:p="http://schemas.openxmlformats.org/presentationml/2006/main">
   <p:cSld>
     <p:spTree>
@@ -7510,7 +8518,7 @@
 </p:sld>
 </file>
 
-<file path=ppt/slides/slide23.xml><?xml version="1.0" encoding="utf-8"?>
+<file path=ppt/slides/slide29.xml><?xml version="1.0" encoding="utf-8"?>
 <p:sld xmlns:a="http://schemas.openxmlformats.org/drawingml/2006/main" xmlns:r="http://schemas.openxmlformats.org/officeDocument/2006/relationships" xmlns:p="http://schemas.openxmlformats.org/presentationml/2006/main">
   <p:cSld>
     <p:spTree>
@@ -7992,7 +9000,773 @@
 </p:sld>
 </file>
 
-<file path=ppt/slides/slide24.xml><?xml version="1.0" encoding="utf-8"?>
+<file path=ppt/slides/slide3.xml><?xml version="1.0" encoding="utf-8"?>
+<p:sld xmlns:a="http://schemas.openxmlformats.org/drawingml/2006/main" xmlns:r="http://schemas.openxmlformats.org/officeDocument/2006/relationships" xmlns:p="http://schemas.openxmlformats.org/presentationml/2006/main">
+  <p:cSld>
+    <p:spTree>
+      <p:nvGrpSpPr>
+        <p:cNvPr id="1" name=""/>
+        <p:cNvGrpSpPr/>
+        <p:nvPr/>
+      </p:nvGrpSpPr>
+      <p:grpSpPr>
+        <a:xfrm>
+          <a:off x="0" y="0"/>
+          <a:ext cx="0" cy="0"/>
+          <a:chOff x="0" y="0"/>
+          <a:chExt cx="0" cy="0"/>
+        </a:xfrm>
+      </p:grpSpPr>
+      <p:pic>
+        <p:nvPicPr>
+          <p:cNvPr id="2" name="图片 1" descr="QW2RIBJ$GX2G_YNZ]Z%@94Q"/>
+          <p:cNvPicPr>
+            <a:picLocks noChangeAspect="1"/>
+          </p:cNvPicPr>
+          <p:nvPr/>
+        </p:nvPicPr>
+        <p:blipFill>
+          <a:blip r:embed="rId1"/>
+          <a:stretch>
+            <a:fillRect/>
+          </a:stretch>
+        </p:blipFill>
+        <p:spPr>
+          <a:xfrm>
+            <a:off x="-18415" y="4445"/>
+            <a:ext cx="9201785" cy="6854825"/>
+          </a:xfrm>
+          <a:prstGeom prst="rect">
+            <a:avLst/>
+          </a:prstGeom>
+        </p:spPr>
+      </p:pic>
+      <p:sp>
+        <p:nvSpPr>
+          <p:cNvPr id="175106" name="標題 175105"/>
+          <p:cNvSpPr>
+            <a:spLocks noGrp="1"/>
+          </p:cNvSpPr>
+          <p:nvPr>
+            <p:ph type="title"/>
+          </p:nvPr>
+        </p:nvSpPr>
+        <p:spPr/>
+        <p:txBody>
+          <a:bodyPr anchor="ctr"/>
+          <a:lstStyle/>
+          <a:p>
+            <a:pPr fontAlgn="base"/>
+            <a:r>
+              <a:rPr lang="en-US" altLang="zh-TW" strike="noStrike" noProof="1">
+                <a:solidFill>
+                  <a:srgbClr val="0000CC"/>
+                </a:solidFill>
+              </a:rPr>
+              <a:t>1. </a:t>
+            </a:r>
+            <a:r>
+              <a:rPr lang="zh-CN" altLang="en-US" strike="noStrike" noProof="1">
+                <a:solidFill>
+                  <a:srgbClr val="0000CC"/>
+                </a:solidFill>
+                <a:latin typeface="+mn-ea"/>
+                <a:ea typeface="+mn-ea"/>
+              </a:rPr>
+              <a:t>流程圖</a:t>
+            </a:r>
+            <a:endParaRPr lang="zh-CN" altLang="en-US" strike="noStrike" noProof="1">
+              <a:solidFill>
+                <a:srgbClr val="0000CC"/>
+              </a:solidFill>
+              <a:latin typeface="+mn-ea"/>
+              <a:ea typeface="+mn-ea"/>
+            </a:endParaRPr>
+          </a:p>
+        </p:txBody>
+      </p:sp>
+      <p:sp>
+        <p:nvSpPr>
+          <p:cNvPr id="7171" name="矩形 1"/>
+          <p:cNvSpPr/>
+          <p:nvPr/>
+        </p:nvSpPr>
+        <p:spPr>
+          <a:xfrm>
+            <a:off x="2997200" y="3101975"/>
+            <a:ext cx="1631950" cy="277813"/>
+          </a:xfrm>
+          <a:prstGeom prst="rect">
+            <a:avLst/>
+          </a:prstGeom>
+          <a:solidFill>
+            <a:srgbClr val="8CB3E3"/>
+          </a:solidFill>
+          <a:ln w="9525" cap="flat" cmpd="sng">
+            <a:solidFill>
+              <a:schemeClr val="tx1"/>
+            </a:solidFill>
+            <a:prstDash val="solid"/>
+            <a:miter/>
+            <a:headEnd type="none" w="med" len="med"/>
+            <a:tailEnd type="none" w="med" len="med"/>
+          </a:ln>
+        </p:spPr>
+        <p:txBody>
+          <a:bodyPr anchor="t"/>
+          <a:lstStyle/>
+          <a:p>
+            <a:pPr lvl="0" indent="0" algn="ctr"/>
+            <a:r>
+              <a:rPr lang="zh-CN" altLang="en-US" sz="1400" i="1" dirty="0">
+                <a:latin typeface="宋体" panose="02010600030101010101" pitchFamily="2" charset="-122"/>
+                <a:ea typeface="宋体" panose="02010600030101010101" pitchFamily="2" charset="-122"/>
+                <a:sym typeface="宋体" panose="02010600030101010101" pitchFamily="2" charset="-122"/>
+              </a:rPr>
+              <a:t>員工刷上班卡</a:t>
+            </a:r>
+            <a:endParaRPr lang="zh-CN" altLang="en-US" sz="1400" i="1" dirty="0">
+              <a:latin typeface="宋体" panose="02010600030101010101" pitchFamily="2" charset="-122"/>
+              <a:ea typeface="宋体" panose="02010600030101010101" pitchFamily="2" charset="-122"/>
+              <a:sym typeface="宋体" panose="02010600030101010101" pitchFamily="2" charset="-122"/>
+            </a:endParaRPr>
+          </a:p>
+        </p:txBody>
+      </p:sp>
+      <p:sp>
+        <p:nvSpPr>
+          <p:cNvPr id="7172" name="矩形 11"/>
+          <p:cNvSpPr/>
+          <p:nvPr/>
+        </p:nvSpPr>
+        <p:spPr>
+          <a:xfrm>
+            <a:off x="3007360" y="5305425"/>
+            <a:ext cx="1631950" cy="365125"/>
+          </a:xfrm>
+          <a:prstGeom prst="rect">
+            <a:avLst/>
+          </a:prstGeom>
+          <a:solidFill>
+            <a:srgbClr val="8CB3E3"/>
+          </a:solidFill>
+          <a:ln w="9525" cap="flat" cmpd="sng">
+            <a:solidFill>
+              <a:schemeClr val="tx1"/>
+            </a:solidFill>
+            <a:prstDash val="solid"/>
+            <a:miter/>
+            <a:headEnd type="none" w="med" len="med"/>
+            <a:tailEnd type="none" w="med" len="med"/>
+          </a:ln>
+        </p:spPr>
+        <p:txBody>
+          <a:bodyPr anchor="t"/>
+          <a:lstStyle/>
+          <a:p>
+            <a:pPr lvl="0" indent="0" algn="ctr"/>
+            <a:r>
+              <a:rPr lang="zh-CN" altLang="en-US" sz="1400" i="1" dirty="0">
+                <a:latin typeface="宋体" panose="02010600030101010101" pitchFamily="2" charset="-122"/>
+                <a:ea typeface="宋体" panose="02010600030101010101" pitchFamily="2" charset="-122"/>
+                <a:sym typeface="宋体" panose="02010600030101010101" pitchFamily="2" charset="-122"/>
+              </a:rPr>
+              <a:t>加班提報</a:t>
+            </a:r>
+            <a:endParaRPr lang="zh-CN" altLang="en-US" sz="1400" i="1" dirty="0">
+              <a:latin typeface="宋体" panose="02010600030101010101" pitchFamily="2" charset="-122"/>
+              <a:ea typeface="宋体" panose="02010600030101010101" pitchFamily="2" charset="-122"/>
+              <a:sym typeface="宋体" panose="02010600030101010101" pitchFamily="2" charset="-122"/>
+            </a:endParaRPr>
+          </a:p>
+        </p:txBody>
+      </p:sp>
+      <p:sp>
+        <p:nvSpPr>
+          <p:cNvPr id="7173" name="矩形 12"/>
+          <p:cNvSpPr/>
+          <p:nvPr/>
+        </p:nvSpPr>
+        <p:spPr>
+          <a:xfrm>
+            <a:off x="2997200" y="3717925"/>
+            <a:ext cx="1631950" cy="277813"/>
+          </a:xfrm>
+          <a:prstGeom prst="rect">
+            <a:avLst/>
+          </a:prstGeom>
+          <a:solidFill>
+            <a:srgbClr val="8CB3E3"/>
+          </a:solidFill>
+          <a:ln w="9525" cap="flat" cmpd="sng">
+            <a:solidFill>
+              <a:schemeClr val="tx1"/>
+            </a:solidFill>
+            <a:prstDash val="solid"/>
+            <a:miter/>
+            <a:headEnd type="none" w="med" len="med"/>
+            <a:tailEnd type="none" w="med" len="med"/>
+          </a:ln>
+        </p:spPr>
+        <p:txBody>
+          <a:bodyPr anchor="t"/>
+          <a:lstStyle/>
+          <a:p>
+            <a:pPr lvl="0" indent="0" algn="ctr"/>
+            <a:r>
+              <a:rPr lang="zh-CN" altLang="en-US" sz="1400" i="1" dirty="0">
+                <a:latin typeface="宋体" panose="02010600030101010101" pitchFamily="2" charset="-122"/>
+                <a:ea typeface="宋体" panose="02010600030101010101" pitchFamily="2" charset="-122"/>
+                <a:sym typeface="宋体" panose="02010600030101010101" pitchFamily="2" charset="-122"/>
+              </a:rPr>
+              <a:t>補充指示單號</a:t>
+            </a:r>
+            <a:endParaRPr lang="zh-CN" altLang="en-US" sz="1400" i="1" dirty="0">
+              <a:latin typeface="宋体" panose="02010600030101010101" pitchFamily="2" charset="-122"/>
+              <a:ea typeface="宋体" panose="02010600030101010101" pitchFamily="2" charset="-122"/>
+              <a:sym typeface="宋体" panose="02010600030101010101" pitchFamily="2" charset="-122"/>
+            </a:endParaRPr>
+          </a:p>
+        </p:txBody>
+      </p:sp>
+      <p:sp>
+        <p:nvSpPr>
+          <p:cNvPr id="7175" name="直線單箭頭接點 16"/>
+          <p:cNvSpPr/>
+          <p:nvPr/>
+        </p:nvSpPr>
+        <p:spPr>
+          <a:xfrm flipH="1">
+            <a:off x="3813175" y="3389313"/>
+            <a:ext cx="4763" cy="319087"/>
+          </a:xfrm>
+          <a:prstGeom prst="straightConnector1">
+            <a:avLst/>
+          </a:prstGeom>
+          <a:ln w="9525" cap="flat" cmpd="sng">
+            <a:solidFill>
+              <a:schemeClr val="tx1"/>
+            </a:solidFill>
+            <a:prstDash val="solid"/>
+            <a:round/>
+            <a:headEnd type="none" w="med" len="med"/>
+            <a:tailEnd type="arrow" w="med" len="med"/>
+          </a:ln>
+        </p:spPr>
+        <p:txBody>
+          <a:bodyPr anchor="t"/>
+          <a:lstStyle/>
+          <a:p>
+            <a:pPr lvl="0" indent="0"/>
+            <a:endParaRPr lang="zh-TW" altLang="en-US" dirty="0">
+              <a:latin typeface="Arial" panose="020B0604020202020204" pitchFamily="34" charset="0"/>
+              <a:ea typeface="宋体" panose="02010600030101010101" pitchFamily="2" charset="-122"/>
+            </a:endParaRPr>
+          </a:p>
+        </p:txBody>
+      </p:sp>
+      <p:sp>
+        <p:nvSpPr>
+          <p:cNvPr id="7176" name="直線單箭頭接點 17"/>
+          <p:cNvSpPr/>
+          <p:nvPr/>
+        </p:nvSpPr>
+        <p:spPr>
+          <a:xfrm>
+            <a:off x="3821430" y="4744085"/>
+            <a:ext cx="3175" cy="422275"/>
+          </a:xfrm>
+          <a:prstGeom prst="straightConnector1">
+            <a:avLst/>
+          </a:prstGeom>
+          <a:ln w="9525" cap="flat" cmpd="sng">
+            <a:solidFill>
+              <a:schemeClr val="tx1"/>
+            </a:solidFill>
+            <a:prstDash val="solid"/>
+            <a:round/>
+            <a:headEnd type="none" w="med" len="med"/>
+            <a:tailEnd type="arrow" w="med" len="med"/>
+          </a:ln>
+        </p:spPr>
+        <p:txBody>
+          <a:bodyPr anchor="t"/>
+          <a:lstStyle/>
+          <a:p>
+            <a:pPr lvl="0" indent="0"/>
+            <a:endParaRPr lang="zh-TW" altLang="en-US" dirty="0">
+              <a:latin typeface="Arial" panose="020B0604020202020204" pitchFamily="34" charset="0"/>
+              <a:ea typeface="宋体" panose="02010600030101010101" pitchFamily="2" charset="-122"/>
+            </a:endParaRPr>
+          </a:p>
+        </p:txBody>
+      </p:sp>
+      <p:sp>
+        <p:nvSpPr>
+          <p:cNvPr id="7177" name="矩形 19"/>
+          <p:cNvSpPr/>
+          <p:nvPr/>
+        </p:nvSpPr>
+        <p:spPr>
+          <a:xfrm>
+            <a:off x="2599055" y="2925445"/>
+            <a:ext cx="2397125" cy="1818640"/>
+          </a:xfrm>
+          <a:prstGeom prst="rect">
+            <a:avLst/>
+          </a:prstGeom>
+          <a:noFill/>
+          <a:ln w="28575" cap="flat" cmpd="sng">
+            <a:solidFill>
+              <a:srgbClr val="66C160"/>
+            </a:solidFill>
+            <a:prstDash val="solid"/>
+            <a:miter/>
+            <a:headEnd type="none" w="med" len="med"/>
+            <a:tailEnd type="none" w="med" len="med"/>
+          </a:ln>
+        </p:spPr>
+        <p:txBody>
+          <a:bodyPr anchor="t"/>
+          <a:lstStyle/>
+          <a:p>
+            <a:pPr lvl="0" indent="0"/>
+            <a:endParaRPr lang="zh-TW" altLang="zh-TW" i="1" dirty="0">
+              <a:latin typeface="Arial" panose="020B0604020202020204" pitchFamily="34" charset="0"/>
+              <a:ea typeface="宋体" panose="02010600030101010101" pitchFamily="2" charset="-122"/>
+              <a:sym typeface="Arial" panose="020B0604020202020204" pitchFamily="34" charset="0"/>
+            </a:endParaRPr>
+          </a:p>
+        </p:txBody>
+      </p:sp>
+      <p:sp>
+        <p:nvSpPr>
+          <p:cNvPr id="7178" name="直線單箭頭接點 20"/>
+          <p:cNvSpPr/>
+          <p:nvPr/>
+        </p:nvSpPr>
+        <p:spPr>
+          <a:xfrm>
+            <a:off x="5008563" y="3832225"/>
+            <a:ext cx="579437" cy="1588"/>
+          </a:xfrm>
+          <a:prstGeom prst="straightConnector1">
+            <a:avLst/>
+          </a:prstGeom>
+          <a:ln w="28575" cap="flat" cmpd="sng">
+            <a:solidFill>
+              <a:srgbClr val="66C160"/>
+            </a:solidFill>
+            <a:prstDash val="solid"/>
+            <a:round/>
+            <a:headEnd type="none" w="med" len="med"/>
+            <a:tailEnd type="arrow" w="med" len="med"/>
+          </a:ln>
+        </p:spPr>
+        <p:txBody>
+          <a:bodyPr anchor="t"/>
+          <a:lstStyle/>
+          <a:p>
+            <a:pPr lvl="0" indent="0"/>
+            <a:endParaRPr lang="zh-TW" altLang="en-US" dirty="0">
+              <a:latin typeface="Arial" panose="020B0604020202020204" pitchFamily="34" charset="0"/>
+              <a:ea typeface="宋体" panose="02010600030101010101" pitchFamily="2" charset="-122"/>
+            </a:endParaRPr>
+          </a:p>
+        </p:txBody>
+      </p:sp>
+      <p:sp>
+        <p:nvSpPr>
+          <p:cNvPr id="7179" name="文字方塊 21"/>
+          <p:cNvSpPr/>
+          <p:nvPr/>
+        </p:nvSpPr>
+        <p:spPr>
+          <a:xfrm>
+            <a:off x="5595938" y="3649663"/>
+            <a:ext cx="1924050" cy="365125"/>
+          </a:xfrm>
+          <a:prstGeom prst="rect">
+            <a:avLst/>
+          </a:prstGeom>
+          <a:noFill/>
+          <a:ln w="9525">
+            <a:noFill/>
+          </a:ln>
+        </p:spPr>
+        <p:txBody>
+          <a:bodyPr anchor="t">
+            <a:spAutoFit/>
+          </a:bodyPr>
+          <a:lstStyle/>
+          <a:p>
+            <a:pPr lvl="0" indent="0"/>
+            <a:r>
+              <a:rPr lang="en-US" altLang="zh-TW" dirty="0">
+                <a:solidFill>
+                  <a:srgbClr val="000000"/>
+                </a:solidFill>
+                <a:latin typeface="Arial" panose="020B0604020202020204" pitchFamily="34" charset="0"/>
+                <a:ea typeface="宋体" panose="02010600030101010101" pitchFamily="2" charset="-122"/>
+                <a:sym typeface="Arial" panose="020B0604020202020204" pitchFamily="34" charset="0"/>
+              </a:rPr>
+              <a:t>user</a:t>
+            </a:r>
+            <a:r>
+              <a:rPr lang="zh-CN" altLang="en-US" dirty="0">
+                <a:solidFill>
+                  <a:srgbClr val="000000"/>
+                </a:solidFill>
+                <a:latin typeface="Arial" panose="020B0604020202020204" pitchFamily="34" charset="0"/>
+                <a:ea typeface="宋体" panose="02010600030101010101" pitchFamily="2" charset="-122"/>
+                <a:sym typeface="Arial" panose="020B0604020202020204" pitchFamily="34" charset="0"/>
+              </a:rPr>
+              <a:t>端</a:t>
+            </a:r>
+            <a:endParaRPr lang="zh-CN" altLang="en-US" dirty="0">
+              <a:solidFill>
+                <a:srgbClr val="000000"/>
+              </a:solidFill>
+              <a:latin typeface="Arial" panose="020B0604020202020204" pitchFamily="34" charset="0"/>
+              <a:ea typeface="宋体" panose="02010600030101010101" pitchFamily="2" charset="-122"/>
+              <a:sym typeface="Arial" panose="020B0604020202020204" pitchFamily="34" charset="0"/>
+            </a:endParaRPr>
+          </a:p>
+        </p:txBody>
+      </p:sp>
+      <p:sp>
+        <p:nvSpPr>
+          <p:cNvPr id="7180" name="矩形 22"/>
+          <p:cNvSpPr/>
+          <p:nvPr/>
+        </p:nvSpPr>
+        <p:spPr>
+          <a:xfrm>
+            <a:off x="2807970" y="5166360"/>
+            <a:ext cx="2030413" cy="623888"/>
+          </a:xfrm>
+          <a:prstGeom prst="rect">
+            <a:avLst/>
+          </a:prstGeom>
+          <a:noFill/>
+          <a:ln w="28575" cap="flat" cmpd="sng">
+            <a:solidFill>
+              <a:srgbClr val="FFC000"/>
+            </a:solidFill>
+            <a:prstDash val="solid"/>
+            <a:miter/>
+            <a:headEnd type="none" w="med" len="med"/>
+            <a:tailEnd type="none" w="med" len="med"/>
+          </a:ln>
+        </p:spPr>
+        <p:txBody>
+          <a:bodyPr anchor="t"/>
+          <a:lstStyle/>
+          <a:p>
+            <a:pPr lvl="0" indent="0"/>
+            <a:endParaRPr lang="zh-TW" altLang="zh-TW" i="1" dirty="0">
+              <a:latin typeface="Arial" panose="020B0604020202020204" pitchFamily="34" charset="0"/>
+              <a:ea typeface="宋体" panose="02010600030101010101" pitchFamily="2" charset="-122"/>
+              <a:sym typeface="Arial" panose="020B0604020202020204" pitchFamily="34" charset="0"/>
+            </a:endParaRPr>
+          </a:p>
+        </p:txBody>
+      </p:sp>
+      <p:sp>
+        <p:nvSpPr>
+          <p:cNvPr id="7181" name="直線單箭頭接點 23"/>
+          <p:cNvSpPr/>
+          <p:nvPr/>
+        </p:nvSpPr>
+        <p:spPr>
+          <a:xfrm flipV="1">
+            <a:off x="4786630" y="5485130"/>
+            <a:ext cx="1123950" cy="6350"/>
+          </a:xfrm>
+          <a:prstGeom prst="straightConnector1">
+            <a:avLst/>
+          </a:prstGeom>
+          <a:ln w="28575" cap="flat" cmpd="sng">
+            <a:solidFill>
+              <a:srgbClr val="FFC000"/>
+            </a:solidFill>
+            <a:prstDash val="solid"/>
+            <a:round/>
+            <a:headEnd type="none" w="med" len="med"/>
+            <a:tailEnd type="arrow" w="med" len="med"/>
+          </a:ln>
+        </p:spPr>
+        <p:txBody>
+          <a:bodyPr anchor="t"/>
+          <a:lstStyle/>
+          <a:p>
+            <a:pPr lvl="0" indent="0"/>
+            <a:endParaRPr lang="zh-TW" altLang="en-US" dirty="0">
+              <a:latin typeface="Arial" panose="020B0604020202020204" pitchFamily="34" charset="0"/>
+              <a:ea typeface="宋体" panose="02010600030101010101" pitchFamily="2" charset="-122"/>
+            </a:endParaRPr>
+          </a:p>
+        </p:txBody>
+      </p:sp>
+      <p:sp>
+        <p:nvSpPr>
+          <p:cNvPr id="7182" name="文字方塊 24"/>
+          <p:cNvSpPr/>
+          <p:nvPr/>
+        </p:nvSpPr>
+        <p:spPr>
+          <a:xfrm>
+            <a:off x="5882958" y="5295900"/>
+            <a:ext cx="1854200" cy="365125"/>
+          </a:xfrm>
+          <a:prstGeom prst="rect">
+            <a:avLst/>
+          </a:prstGeom>
+          <a:noFill/>
+          <a:ln w="9525">
+            <a:noFill/>
+          </a:ln>
+        </p:spPr>
+        <p:txBody>
+          <a:bodyPr wrap="square" anchor="t">
+            <a:spAutoFit/>
+          </a:bodyPr>
+          <a:lstStyle/>
+          <a:p>
+            <a:pPr lvl="0" indent="0"/>
+            <a:r>
+              <a:rPr lang="zh-CN" altLang="en-US" dirty="0">
+                <a:solidFill>
+                  <a:srgbClr val="000000"/>
+                </a:solidFill>
+                <a:latin typeface="Arial" panose="020B0604020202020204" pitchFamily="34" charset="0"/>
+                <a:ea typeface="宋体" panose="02010600030101010101" pitchFamily="2" charset="-122"/>
+                <a:sym typeface="Arial" panose="020B0604020202020204" pitchFamily="34" charset="0"/>
+              </a:rPr>
+              <a:t>管理介面</a:t>
+            </a:r>
+            <a:r>
+              <a:rPr lang="en-US" altLang="zh-CN" dirty="0">
+                <a:solidFill>
+                  <a:srgbClr val="000000"/>
+                </a:solidFill>
+                <a:latin typeface="Arial" panose="020B0604020202020204" pitchFamily="34" charset="0"/>
+                <a:ea typeface="宋体" panose="02010600030101010101" pitchFamily="2" charset="-122"/>
+                <a:sym typeface="Arial" panose="020B0604020202020204" pitchFamily="34" charset="0"/>
+              </a:rPr>
+              <a:t>(Web)</a:t>
+            </a:r>
+            <a:endParaRPr lang="en-US" altLang="zh-CN" dirty="0">
+              <a:solidFill>
+                <a:srgbClr val="000000"/>
+              </a:solidFill>
+              <a:latin typeface="Arial" panose="020B0604020202020204" pitchFamily="34" charset="0"/>
+              <a:ea typeface="宋体" panose="02010600030101010101" pitchFamily="2" charset="-122"/>
+              <a:sym typeface="Arial" panose="020B0604020202020204" pitchFamily="34" charset="0"/>
+            </a:endParaRPr>
+          </a:p>
+        </p:txBody>
+      </p:sp>
+      <p:sp>
+        <p:nvSpPr>
+          <p:cNvPr id="7183" name="直線單箭頭接點 16"/>
+          <p:cNvSpPr/>
+          <p:nvPr/>
+        </p:nvSpPr>
+        <p:spPr>
+          <a:xfrm flipH="1">
+            <a:off x="3816350" y="4003675"/>
+            <a:ext cx="4763" cy="319088"/>
+          </a:xfrm>
+          <a:prstGeom prst="straightConnector1">
+            <a:avLst/>
+          </a:prstGeom>
+          <a:ln w="9525" cap="flat" cmpd="sng">
+            <a:solidFill>
+              <a:schemeClr val="tx1"/>
+            </a:solidFill>
+            <a:prstDash val="solid"/>
+            <a:round/>
+            <a:headEnd type="none" w="med" len="med"/>
+            <a:tailEnd type="arrow" w="med" len="med"/>
+          </a:ln>
+        </p:spPr>
+        <p:txBody>
+          <a:bodyPr anchor="t"/>
+          <a:lstStyle/>
+          <a:p>
+            <a:pPr lvl="0" indent="0"/>
+            <a:endParaRPr lang="zh-TW" altLang="en-US" dirty="0">
+              <a:latin typeface="Arial" panose="020B0604020202020204" pitchFamily="34" charset="0"/>
+              <a:ea typeface="宋体" panose="02010600030101010101" pitchFamily="2" charset="-122"/>
+            </a:endParaRPr>
+          </a:p>
+        </p:txBody>
+      </p:sp>
+      <p:sp>
+        <p:nvSpPr>
+          <p:cNvPr id="7184" name="矩形 1"/>
+          <p:cNvSpPr/>
+          <p:nvPr/>
+        </p:nvSpPr>
+        <p:spPr>
+          <a:xfrm>
+            <a:off x="3003233" y="4322763"/>
+            <a:ext cx="1631950" cy="295275"/>
+          </a:xfrm>
+          <a:prstGeom prst="rect">
+            <a:avLst/>
+          </a:prstGeom>
+          <a:solidFill>
+            <a:srgbClr val="8CB3E3"/>
+          </a:solidFill>
+          <a:ln w="9525" cap="flat" cmpd="sng">
+            <a:solidFill>
+              <a:schemeClr val="tx1"/>
+            </a:solidFill>
+            <a:prstDash val="solid"/>
+            <a:miter/>
+            <a:headEnd type="none" w="med" len="med"/>
+            <a:tailEnd type="none" w="med" len="med"/>
+          </a:ln>
+        </p:spPr>
+        <p:txBody>
+          <a:bodyPr anchor="t"/>
+          <a:lstStyle/>
+          <a:p>
+            <a:pPr lvl="0" indent="0" algn="ctr"/>
+            <a:r>
+              <a:rPr lang="zh-CN" altLang="en-US" sz="1400" i="1" dirty="0">
+                <a:latin typeface="宋体" panose="02010600030101010101" pitchFamily="2" charset="-122"/>
+                <a:ea typeface="宋体" panose="02010600030101010101" pitchFamily="2" charset="-122"/>
+                <a:sym typeface="宋体" panose="02010600030101010101" pitchFamily="2" charset="-122"/>
+              </a:rPr>
+              <a:t>員工刷下班卡</a:t>
+            </a:r>
+            <a:endParaRPr lang="zh-CN" altLang="en-US" sz="1400" i="1" dirty="0">
+              <a:latin typeface="宋体" panose="02010600030101010101" pitchFamily="2" charset="-122"/>
+              <a:ea typeface="宋体" panose="02010600030101010101" pitchFamily="2" charset="-122"/>
+              <a:sym typeface="宋体" panose="02010600030101010101" pitchFamily="2" charset="-122"/>
+            </a:endParaRPr>
+          </a:p>
+        </p:txBody>
+      </p:sp>
+      <p:pic>
+        <p:nvPicPr>
+          <p:cNvPr id="7187" name="圖片 2"/>
+          <p:cNvPicPr>
+            <a:picLocks noChangeAspect="1"/>
+          </p:cNvPicPr>
+          <p:nvPr/>
+        </p:nvPicPr>
+        <p:blipFill>
+          <a:blip r:embed="rId2"/>
+          <a:stretch>
+            <a:fillRect/>
+          </a:stretch>
+        </p:blipFill>
+        <p:spPr>
+          <a:xfrm>
+            <a:off x="1119188" y="1049338"/>
+            <a:ext cx="6618287" cy="1028700"/>
+          </a:xfrm>
+          <a:prstGeom prst="rect">
+            <a:avLst/>
+          </a:prstGeom>
+          <a:noFill/>
+          <a:ln w="9525">
+            <a:noFill/>
+          </a:ln>
+        </p:spPr>
+      </p:pic>
+      <p:sp>
+        <p:nvSpPr>
+          <p:cNvPr id="7188" name="圓角矩形 225286"/>
+          <p:cNvSpPr/>
+          <p:nvPr/>
+        </p:nvSpPr>
+        <p:spPr>
+          <a:xfrm flipH="1" flipV="1">
+            <a:off x="2994025" y="1344613"/>
+            <a:ext cx="1468438" cy="331787"/>
+          </a:xfrm>
+          <a:prstGeom prst="roundRect">
+            <a:avLst>
+              <a:gd name="adj" fmla="val 16667"/>
+            </a:avLst>
+          </a:prstGeom>
+          <a:noFill/>
+          <a:ln w="38100" cap="flat" cmpd="sng">
+            <a:solidFill>
+              <a:srgbClr val="FF00FF"/>
+            </a:solidFill>
+            <a:prstDash val="solid"/>
+            <a:round/>
+            <a:headEnd type="none" w="med" len="med"/>
+            <a:tailEnd type="none" w="med" len="med"/>
+          </a:ln>
+        </p:spPr>
+        <p:txBody>
+          <a:bodyPr anchor="t"/>
+          <a:lstStyle/>
+          <a:p>
+            <a:pPr lvl="0" indent="0"/>
+            <a:endParaRPr lang="zh-TW" altLang="en-US">
+              <a:latin typeface="Arial" panose="020B0604020202020204" pitchFamily="34" charset="0"/>
+              <a:ea typeface="PMingLiU" panose="02020500000000000000" pitchFamily="18" charset="-120"/>
+            </a:endParaRPr>
+          </a:p>
+        </p:txBody>
+      </p:sp>
+      <p:sp>
+        <p:nvSpPr>
+          <p:cNvPr id="7189" name="圓角矩形 225286"/>
+          <p:cNvSpPr/>
+          <p:nvPr/>
+        </p:nvSpPr>
+        <p:spPr>
+          <a:xfrm flipH="1" flipV="1">
+            <a:off x="3765550" y="1687513"/>
+            <a:ext cx="1470025" cy="390525"/>
+          </a:xfrm>
+          <a:prstGeom prst="roundRect">
+            <a:avLst>
+              <a:gd name="adj" fmla="val 16667"/>
+            </a:avLst>
+          </a:prstGeom>
+          <a:noFill/>
+          <a:ln w="38100" cap="flat" cmpd="sng">
+            <a:solidFill>
+              <a:srgbClr val="FF00FF"/>
+            </a:solidFill>
+            <a:prstDash val="solid"/>
+            <a:round/>
+            <a:headEnd type="none" w="med" len="med"/>
+            <a:tailEnd type="none" w="med" len="med"/>
+          </a:ln>
+        </p:spPr>
+        <p:txBody>
+          <a:bodyPr anchor="t"/>
+          <a:lstStyle/>
+          <a:p>
+            <a:pPr lvl="0" indent="0"/>
+            <a:endParaRPr lang="zh-TW" altLang="en-US">
+              <a:latin typeface="Arial" panose="020B0604020202020204" pitchFamily="34" charset="0"/>
+              <a:ea typeface="PMingLiU" panose="02020500000000000000" pitchFamily="18" charset="-120"/>
+            </a:endParaRPr>
+          </a:p>
+        </p:txBody>
+      </p:sp>
+    </p:spTree>
+  </p:cSld>
+  <p:clrMapOvr>
+    <a:masterClrMapping/>
+  </p:clrMapOvr>
+  <p:transition/>
+</p:sld>
+</file>
+
+<file path=ppt/slides/slide30.xml><?xml version="1.0" encoding="utf-8"?>
 <p:sld xmlns:a="http://schemas.openxmlformats.org/drawingml/2006/main" xmlns:r="http://schemas.openxmlformats.org/officeDocument/2006/relationships" xmlns:p="http://schemas.openxmlformats.org/presentationml/2006/main">
   <p:cSld>
     <p:spTree>
@@ -8101,7 +9875,7 @@
 </p:sld>
 </file>
 
-<file path=ppt/slides/slide25.xml><?xml version="1.0" encoding="utf-8"?>
+<file path=ppt/slides/slide31.xml><?xml version="1.0" encoding="utf-8"?>
 <p:sld xmlns:a="http://schemas.openxmlformats.org/drawingml/2006/main" xmlns:r="http://schemas.openxmlformats.org/officeDocument/2006/relationships" xmlns:p="http://schemas.openxmlformats.org/presentationml/2006/main">
   <p:cSld>
     <p:spTree>
@@ -8397,7 +10171,7 @@
 </p:sld>
 </file>
 
-<file path=ppt/slides/slide26.xml><?xml version="1.0" encoding="utf-8"?>
+<file path=ppt/slides/slide32.xml><?xml version="1.0" encoding="utf-8"?>
 <p:sld xmlns:a="http://schemas.openxmlformats.org/drawingml/2006/main" xmlns:r="http://schemas.openxmlformats.org/officeDocument/2006/relationships" xmlns:p="http://schemas.openxmlformats.org/presentationml/2006/main">
   <p:cSld>
     <p:spTree>
@@ -8563,7 +10337,7 @@
 </p:sld>
 </file>
 
-<file path=ppt/slides/slide27.xml><?xml version="1.0" encoding="utf-8"?>
+<file path=ppt/slides/slide33.xml><?xml version="1.0" encoding="utf-8"?>
 <p:sld xmlns:a="http://schemas.openxmlformats.org/drawingml/2006/main" xmlns:r="http://schemas.openxmlformats.org/officeDocument/2006/relationships" xmlns:p="http://schemas.openxmlformats.org/presentationml/2006/main">
   <p:cSld>
     <p:spTree>
@@ -8800,7 +10574,7 @@
 </p:sld>
 </file>
 
-<file path=ppt/slides/slide28.xml><?xml version="1.0" encoding="utf-8"?>
+<file path=ppt/slides/slide34.xml><?xml version="1.0" encoding="utf-8"?>
 <p:sld xmlns:a="http://schemas.openxmlformats.org/drawingml/2006/main" xmlns:r="http://schemas.openxmlformats.org/officeDocument/2006/relationships" xmlns:p="http://schemas.openxmlformats.org/presentationml/2006/main">
   <p:cSld>
     <p:spTree>
@@ -9204,7 +10978,7 @@
 </p:sld>
 </file>
 
-<file path=ppt/slides/slide29.xml><?xml version="1.0" encoding="utf-8"?>
+<file path=ppt/slides/slide35.xml><?xml version="1.0" encoding="utf-8"?>
 <p:sld xmlns:a="http://schemas.openxmlformats.org/drawingml/2006/main" xmlns:r="http://schemas.openxmlformats.org/officeDocument/2006/relationships" xmlns:p="http://schemas.openxmlformats.org/presentationml/2006/main">
   <p:cSld>
     <p:spTree>
@@ -9421,773 +11195,7 @@
 </p:sld>
 </file>
 
-<file path=ppt/slides/slide3.xml><?xml version="1.0" encoding="utf-8"?>
-<p:sld xmlns:a="http://schemas.openxmlformats.org/drawingml/2006/main" xmlns:r="http://schemas.openxmlformats.org/officeDocument/2006/relationships" xmlns:p="http://schemas.openxmlformats.org/presentationml/2006/main">
-  <p:cSld>
-    <p:spTree>
-      <p:nvGrpSpPr>
-        <p:cNvPr id="1" name=""/>
-        <p:cNvGrpSpPr/>
-        <p:nvPr/>
-      </p:nvGrpSpPr>
-      <p:grpSpPr>
-        <a:xfrm>
-          <a:off x="0" y="0"/>
-          <a:ext cx="0" cy="0"/>
-          <a:chOff x="0" y="0"/>
-          <a:chExt cx="0" cy="0"/>
-        </a:xfrm>
-      </p:grpSpPr>
-      <p:pic>
-        <p:nvPicPr>
-          <p:cNvPr id="2" name="图片 1" descr="QW2RIBJ$GX2G_YNZ]Z%@94Q"/>
-          <p:cNvPicPr>
-            <a:picLocks noChangeAspect="1"/>
-          </p:cNvPicPr>
-          <p:nvPr/>
-        </p:nvPicPr>
-        <p:blipFill>
-          <a:blip r:embed="rId1"/>
-          <a:stretch>
-            <a:fillRect/>
-          </a:stretch>
-        </p:blipFill>
-        <p:spPr>
-          <a:xfrm>
-            <a:off x="-18415" y="4445"/>
-            <a:ext cx="9201785" cy="6854825"/>
-          </a:xfrm>
-          <a:prstGeom prst="rect">
-            <a:avLst/>
-          </a:prstGeom>
-        </p:spPr>
-      </p:pic>
-      <p:sp>
-        <p:nvSpPr>
-          <p:cNvPr id="175106" name="標題 175105"/>
-          <p:cNvSpPr>
-            <a:spLocks noGrp="1"/>
-          </p:cNvSpPr>
-          <p:nvPr>
-            <p:ph type="title"/>
-          </p:nvPr>
-        </p:nvSpPr>
-        <p:spPr/>
-        <p:txBody>
-          <a:bodyPr anchor="ctr"/>
-          <a:lstStyle/>
-          <a:p>
-            <a:pPr fontAlgn="base"/>
-            <a:r>
-              <a:rPr lang="en-US" altLang="zh-TW" strike="noStrike" noProof="1">
-                <a:solidFill>
-                  <a:srgbClr val="0000CC"/>
-                </a:solidFill>
-              </a:rPr>
-              <a:t>1. </a:t>
-            </a:r>
-            <a:r>
-              <a:rPr lang="zh-CN" altLang="en-US" strike="noStrike" noProof="1">
-                <a:solidFill>
-                  <a:srgbClr val="0000CC"/>
-                </a:solidFill>
-                <a:latin typeface="+mn-ea"/>
-                <a:ea typeface="+mn-ea"/>
-              </a:rPr>
-              <a:t>流程圖</a:t>
-            </a:r>
-            <a:endParaRPr lang="zh-CN" altLang="en-US" strike="noStrike" noProof="1">
-              <a:solidFill>
-                <a:srgbClr val="0000CC"/>
-              </a:solidFill>
-              <a:latin typeface="+mn-ea"/>
-              <a:ea typeface="+mn-ea"/>
-            </a:endParaRPr>
-          </a:p>
-        </p:txBody>
-      </p:sp>
-      <p:sp>
-        <p:nvSpPr>
-          <p:cNvPr id="7171" name="矩形 1"/>
-          <p:cNvSpPr/>
-          <p:nvPr/>
-        </p:nvSpPr>
-        <p:spPr>
-          <a:xfrm>
-            <a:off x="2997200" y="3101975"/>
-            <a:ext cx="1631950" cy="277813"/>
-          </a:xfrm>
-          <a:prstGeom prst="rect">
-            <a:avLst/>
-          </a:prstGeom>
-          <a:solidFill>
-            <a:srgbClr val="8CB3E3"/>
-          </a:solidFill>
-          <a:ln w="9525" cap="flat" cmpd="sng">
-            <a:solidFill>
-              <a:schemeClr val="tx1"/>
-            </a:solidFill>
-            <a:prstDash val="solid"/>
-            <a:miter/>
-            <a:headEnd type="none" w="med" len="med"/>
-            <a:tailEnd type="none" w="med" len="med"/>
-          </a:ln>
-        </p:spPr>
-        <p:txBody>
-          <a:bodyPr anchor="t"/>
-          <a:lstStyle/>
-          <a:p>
-            <a:pPr lvl="0" indent="0" algn="ctr"/>
-            <a:r>
-              <a:rPr lang="zh-CN" altLang="en-US" sz="1400" i="1" dirty="0">
-                <a:latin typeface="宋体" panose="02010600030101010101" pitchFamily="2" charset="-122"/>
-                <a:ea typeface="宋体" panose="02010600030101010101" pitchFamily="2" charset="-122"/>
-                <a:sym typeface="宋体" panose="02010600030101010101" pitchFamily="2" charset="-122"/>
-              </a:rPr>
-              <a:t>員工刷上班卡</a:t>
-            </a:r>
-            <a:endParaRPr lang="zh-CN" altLang="en-US" sz="1400" i="1" dirty="0">
-              <a:latin typeface="宋体" panose="02010600030101010101" pitchFamily="2" charset="-122"/>
-              <a:ea typeface="宋体" panose="02010600030101010101" pitchFamily="2" charset="-122"/>
-              <a:sym typeface="宋体" panose="02010600030101010101" pitchFamily="2" charset="-122"/>
-            </a:endParaRPr>
-          </a:p>
-        </p:txBody>
-      </p:sp>
-      <p:sp>
-        <p:nvSpPr>
-          <p:cNvPr id="7172" name="矩形 11"/>
-          <p:cNvSpPr/>
-          <p:nvPr/>
-        </p:nvSpPr>
-        <p:spPr>
-          <a:xfrm>
-            <a:off x="3007360" y="5305425"/>
-            <a:ext cx="1631950" cy="365125"/>
-          </a:xfrm>
-          <a:prstGeom prst="rect">
-            <a:avLst/>
-          </a:prstGeom>
-          <a:solidFill>
-            <a:srgbClr val="8CB3E3"/>
-          </a:solidFill>
-          <a:ln w="9525" cap="flat" cmpd="sng">
-            <a:solidFill>
-              <a:schemeClr val="tx1"/>
-            </a:solidFill>
-            <a:prstDash val="solid"/>
-            <a:miter/>
-            <a:headEnd type="none" w="med" len="med"/>
-            <a:tailEnd type="none" w="med" len="med"/>
-          </a:ln>
-        </p:spPr>
-        <p:txBody>
-          <a:bodyPr anchor="t"/>
-          <a:lstStyle/>
-          <a:p>
-            <a:pPr lvl="0" indent="0" algn="ctr"/>
-            <a:r>
-              <a:rPr lang="zh-CN" altLang="en-US" sz="1400" i="1" dirty="0">
-                <a:latin typeface="宋体" panose="02010600030101010101" pitchFamily="2" charset="-122"/>
-                <a:ea typeface="宋体" panose="02010600030101010101" pitchFamily="2" charset="-122"/>
-                <a:sym typeface="宋体" panose="02010600030101010101" pitchFamily="2" charset="-122"/>
-              </a:rPr>
-              <a:t>加班提報</a:t>
-            </a:r>
-            <a:endParaRPr lang="zh-CN" altLang="en-US" sz="1400" i="1" dirty="0">
-              <a:latin typeface="宋体" panose="02010600030101010101" pitchFamily="2" charset="-122"/>
-              <a:ea typeface="宋体" panose="02010600030101010101" pitchFamily="2" charset="-122"/>
-              <a:sym typeface="宋体" panose="02010600030101010101" pitchFamily="2" charset="-122"/>
-            </a:endParaRPr>
-          </a:p>
-        </p:txBody>
-      </p:sp>
-      <p:sp>
-        <p:nvSpPr>
-          <p:cNvPr id="7173" name="矩形 12"/>
-          <p:cNvSpPr/>
-          <p:nvPr/>
-        </p:nvSpPr>
-        <p:spPr>
-          <a:xfrm>
-            <a:off x="2997200" y="3717925"/>
-            <a:ext cx="1631950" cy="277813"/>
-          </a:xfrm>
-          <a:prstGeom prst="rect">
-            <a:avLst/>
-          </a:prstGeom>
-          <a:solidFill>
-            <a:srgbClr val="8CB3E3"/>
-          </a:solidFill>
-          <a:ln w="9525" cap="flat" cmpd="sng">
-            <a:solidFill>
-              <a:schemeClr val="tx1"/>
-            </a:solidFill>
-            <a:prstDash val="solid"/>
-            <a:miter/>
-            <a:headEnd type="none" w="med" len="med"/>
-            <a:tailEnd type="none" w="med" len="med"/>
-          </a:ln>
-        </p:spPr>
-        <p:txBody>
-          <a:bodyPr anchor="t"/>
-          <a:lstStyle/>
-          <a:p>
-            <a:pPr lvl="0" indent="0" algn="ctr"/>
-            <a:r>
-              <a:rPr lang="zh-CN" altLang="en-US" sz="1400" i="1" dirty="0">
-                <a:latin typeface="宋体" panose="02010600030101010101" pitchFamily="2" charset="-122"/>
-                <a:ea typeface="宋体" panose="02010600030101010101" pitchFamily="2" charset="-122"/>
-                <a:sym typeface="宋体" panose="02010600030101010101" pitchFamily="2" charset="-122"/>
-              </a:rPr>
-              <a:t>補充指示單號</a:t>
-            </a:r>
-            <a:endParaRPr lang="zh-CN" altLang="en-US" sz="1400" i="1" dirty="0">
-              <a:latin typeface="宋体" panose="02010600030101010101" pitchFamily="2" charset="-122"/>
-              <a:ea typeface="宋体" panose="02010600030101010101" pitchFamily="2" charset="-122"/>
-              <a:sym typeface="宋体" panose="02010600030101010101" pitchFamily="2" charset="-122"/>
-            </a:endParaRPr>
-          </a:p>
-        </p:txBody>
-      </p:sp>
-      <p:sp>
-        <p:nvSpPr>
-          <p:cNvPr id="7175" name="直線單箭頭接點 16"/>
-          <p:cNvSpPr/>
-          <p:nvPr/>
-        </p:nvSpPr>
-        <p:spPr>
-          <a:xfrm flipH="1">
-            <a:off x="3813175" y="3389313"/>
-            <a:ext cx="4763" cy="319087"/>
-          </a:xfrm>
-          <a:prstGeom prst="straightConnector1">
-            <a:avLst/>
-          </a:prstGeom>
-          <a:ln w="9525" cap="flat" cmpd="sng">
-            <a:solidFill>
-              <a:schemeClr val="tx1"/>
-            </a:solidFill>
-            <a:prstDash val="solid"/>
-            <a:round/>
-            <a:headEnd type="none" w="med" len="med"/>
-            <a:tailEnd type="arrow" w="med" len="med"/>
-          </a:ln>
-        </p:spPr>
-        <p:txBody>
-          <a:bodyPr anchor="t"/>
-          <a:lstStyle/>
-          <a:p>
-            <a:pPr lvl="0" indent="0"/>
-            <a:endParaRPr lang="zh-TW" altLang="en-US" dirty="0">
-              <a:latin typeface="Arial" panose="020B0604020202020204" pitchFamily="34" charset="0"/>
-              <a:ea typeface="宋体" panose="02010600030101010101" pitchFamily="2" charset="-122"/>
-            </a:endParaRPr>
-          </a:p>
-        </p:txBody>
-      </p:sp>
-      <p:sp>
-        <p:nvSpPr>
-          <p:cNvPr id="7176" name="直線單箭頭接點 17"/>
-          <p:cNvSpPr/>
-          <p:nvPr/>
-        </p:nvSpPr>
-        <p:spPr>
-          <a:xfrm>
-            <a:off x="3821430" y="4744085"/>
-            <a:ext cx="3175" cy="422275"/>
-          </a:xfrm>
-          <a:prstGeom prst="straightConnector1">
-            <a:avLst/>
-          </a:prstGeom>
-          <a:ln w="9525" cap="flat" cmpd="sng">
-            <a:solidFill>
-              <a:schemeClr val="tx1"/>
-            </a:solidFill>
-            <a:prstDash val="solid"/>
-            <a:round/>
-            <a:headEnd type="none" w="med" len="med"/>
-            <a:tailEnd type="arrow" w="med" len="med"/>
-          </a:ln>
-        </p:spPr>
-        <p:txBody>
-          <a:bodyPr anchor="t"/>
-          <a:lstStyle/>
-          <a:p>
-            <a:pPr lvl="0" indent="0"/>
-            <a:endParaRPr lang="zh-TW" altLang="en-US" dirty="0">
-              <a:latin typeface="Arial" panose="020B0604020202020204" pitchFamily="34" charset="0"/>
-              <a:ea typeface="宋体" panose="02010600030101010101" pitchFamily="2" charset="-122"/>
-            </a:endParaRPr>
-          </a:p>
-        </p:txBody>
-      </p:sp>
-      <p:sp>
-        <p:nvSpPr>
-          <p:cNvPr id="7177" name="矩形 19"/>
-          <p:cNvSpPr/>
-          <p:nvPr/>
-        </p:nvSpPr>
-        <p:spPr>
-          <a:xfrm>
-            <a:off x="2599055" y="2925445"/>
-            <a:ext cx="2397125" cy="1818640"/>
-          </a:xfrm>
-          <a:prstGeom prst="rect">
-            <a:avLst/>
-          </a:prstGeom>
-          <a:noFill/>
-          <a:ln w="28575" cap="flat" cmpd="sng">
-            <a:solidFill>
-              <a:srgbClr val="66C160"/>
-            </a:solidFill>
-            <a:prstDash val="solid"/>
-            <a:miter/>
-            <a:headEnd type="none" w="med" len="med"/>
-            <a:tailEnd type="none" w="med" len="med"/>
-          </a:ln>
-        </p:spPr>
-        <p:txBody>
-          <a:bodyPr anchor="t"/>
-          <a:lstStyle/>
-          <a:p>
-            <a:pPr lvl="0" indent="0"/>
-            <a:endParaRPr lang="zh-TW" altLang="zh-TW" i="1" dirty="0">
-              <a:latin typeface="Arial" panose="020B0604020202020204" pitchFamily="34" charset="0"/>
-              <a:ea typeface="宋体" panose="02010600030101010101" pitchFamily="2" charset="-122"/>
-              <a:sym typeface="Arial" panose="020B0604020202020204" pitchFamily="34" charset="0"/>
-            </a:endParaRPr>
-          </a:p>
-        </p:txBody>
-      </p:sp>
-      <p:sp>
-        <p:nvSpPr>
-          <p:cNvPr id="7178" name="直線單箭頭接點 20"/>
-          <p:cNvSpPr/>
-          <p:nvPr/>
-        </p:nvSpPr>
-        <p:spPr>
-          <a:xfrm>
-            <a:off x="5008563" y="3832225"/>
-            <a:ext cx="579437" cy="1588"/>
-          </a:xfrm>
-          <a:prstGeom prst="straightConnector1">
-            <a:avLst/>
-          </a:prstGeom>
-          <a:ln w="28575" cap="flat" cmpd="sng">
-            <a:solidFill>
-              <a:srgbClr val="66C160"/>
-            </a:solidFill>
-            <a:prstDash val="solid"/>
-            <a:round/>
-            <a:headEnd type="none" w="med" len="med"/>
-            <a:tailEnd type="arrow" w="med" len="med"/>
-          </a:ln>
-        </p:spPr>
-        <p:txBody>
-          <a:bodyPr anchor="t"/>
-          <a:lstStyle/>
-          <a:p>
-            <a:pPr lvl="0" indent="0"/>
-            <a:endParaRPr lang="zh-TW" altLang="en-US" dirty="0">
-              <a:latin typeface="Arial" panose="020B0604020202020204" pitchFamily="34" charset="0"/>
-              <a:ea typeface="宋体" panose="02010600030101010101" pitchFamily="2" charset="-122"/>
-            </a:endParaRPr>
-          </a:p>
-        </p:txBody>
-      </p:sp>
-      <p:sp>
-        <p:nvSpPr>
-          <p:cNvPr id="7179" name="文字方塊 21"/>
-          <p:cNvSpPr/>
-          <p:nvPr/>
-        </p:nvSpPr>
-        <p:spPr>
-          <a:xfrm>
-            <a:off x="5595938" y="3649663"/>
-            <a:ext cx="1924050" cy="365125"/>
-          </a:xfrm>
-          <a:prstGeom prst="rect">
-            <a:avLst/>
-          </a:prstGeom>
-          <a:noFill/>
-          <a:ln w="9525">
-            <a:noFill/>
-          </a:ln>
-        </p:spPr>
-        <p:txBody>
-          <a:bodyPr anchor="t">
-            <a:spAutoFit/>
-          </a:bodyPr>
-          <a:lstStyle/>
-          <a:p>
-            <a:pPr lvl="0" indent="0"/>
-            <a:r>
-              <a:rPr lang="en-US" altLang="zh-TW" dirty="0">
-                <a:solidFill>
-                  <a:srgbClr val="000000"/>
-                </a:solidFill>
-                <a:latin typeface="Arial" panose="020B0604020202020204" pitchFamily="34" charset="0"/>
-                <a:ea typeface="宋体" panose="02010600030101010101" pitchFamily="2" charset="-122"/>
-                <a:sym typeface="Arial" panose="020B0604020202020204" pitchFamily="34" charset="0"/>
-              </a:rPr>
-              <a:t>user</a:t>
-            </a:r>
-            <a:r>
-              <a:rPr lang="zh-CN" altLang="en-US" dirty="0">
-                <a:solidFill>
-                  <a:srgbClr val="000000"/>
-                </a:solidFill>
-                <a:latin typeface="Arial" panose="020B0604020202020204" pitchFamily="34" charset="0"/>
-                <a:ea typeface="宋体" panose="02010600030101010101" pitchFamily="2" charset="-122"/>
-                <a:sym typeface="Arial" panose="020B0604020202020204" pitchFamily="34" charset="0"/>
-              </a:rPr>
-              <a:t>端</a:t>
-            </a:r>
-            <a:endParaRPr lang="zh-CN" altLang="en-US" dirty="0">
-              <a:solidFill>
-                <a:srgbClr val="000000"/>
-              </a:solidFill>
-              <a:latin typeface="Arial" panose="020B0604020202020204" pitchFamily="34" charset="0"/>
-              <a:ea typeface="宋体" panose="02010600030101010101" pitchFamily="2" charset="-122"/>
-              <a:sym typeface="Arial" panose="020B0604020202020204" pitchFamily="34" charset="0"/>
-            </a:endParaRPr>
-          </a:p>
-        </p:txBody>
-      </p:sp>
-      <p:sp>
-        <p:nvSpPr>
-          <p:cNvPr id="7180" name="矩形 22"/>
-          <p:cNvSpPr/>
-          <p:nvPr/>
-        </p:nvSpPr>
-        <p:spPr>
-          <a:xfrm>
-            <a:off x="2807970" y="5166360"/>
-            <a:ext cx="2030413" cy="623888"/>
-          </a:xfrm>
-          <a:prstGeom prst="rect">
-            <a:avLst/>
-          </a:prstGeom>
-          <a:noFill/>
-          <a:ln w="28575" cap="flat" cmpd="sng">
-            <a:solidFill>
-              <a:srgbClr val="FFC000"/>
-            </a:solidFill>
-            <a:prstDash val="solid"/>
-            <a:miter/>
-            <a:headEnd type="none" w="med" len="med"/>
-            <a:tailEnd type="none" w="med" len="med"/>
-          </a:ln>
-        </p:spPr>
-        <p:txBody>
-          <a:bodyPr anchor="t"/>
-          <a:lstStyle/>
-          <a:p>
-            <a:pPr lvl="0" indent="0"/>
-            <a:endParaRPr lang="zh-TW" altLang="zh-TW" i="1" dirty="0">
-              <a:latin typeface="Arial" panose="020B0604020202020204" pitchFamily="34" charset="0"/>
-              <a:ea typeface="宋体" panose="02010600030101010101" pitchFamily="2" charset="-122"/>
-              <a:sym typeface="Arial" panose="020B0604020202020204" pitchFamily="34" charset="0"/>
-            </a:endParaRPr>
-          </a:p>
-        </p:txBody>
-      </p:sp>
-      <p:sp>
-        <p:nvSpPr>
-          <p:cNvPr id="7181" name="直線單箭頭接點 23"/>
-          <p:cNvSpPr/>
-          <p:nvPr/>
-        </p:nvSpPr>
-        <p:spPr>
-          <a:xfrm flipV="1">
-            <a:off x="4786630" y="5485130"/>
-            <a:ext cx="1123950" cy="6350"/>
-          </a:xfrm>
-          <a:prstGeom prst="straightConnector1">
-            <a:avLst/>
-          </a:prstGeom>
-          <a:ln w="28575" cap="flat" cmpd="sng">
-            <a:solidFill>
-              <a:srgbClr val="FFC000"/>
-            </a:solidFill>
-            <a:prstDash val="solid"/>
-            <a:round/>
-            <a:headEnd type="none" w="med" len="med"/>
-            <a:tailEnd type="arrow" w="med" len="med"/>
-          </a:ln>
-        </p:spPr>
-        <p:txBody>
-          <a:bodyPr anchor="t"/>
-          <a:lstStyle/>
-          <a:p>
-            <a:pPr lvl="0" indent="0"/>
-            <a:endParaRPr lang="zh-TW" altLang="en-US" dirty="0">
-              <a:latin typeface="Arial" panose="020B0604020202020204" pitchFamily="34" charset="0"/>
-              <a:ea typeface="宋体" panose="02010600030101010101" pitchFamily="2" charset="-122"/>
-            </a:endParaRPr>
-          </a:p>
-        </p:txBody>
-      </p:sp>
-      <p:sp>
-        <p:nvSpPr>
-          <p:cNvPr id="7182" name="文字方塊 24"/>
-          <p:cNvSpPr/>
-          <p:nvPr/>
-        </p:nvSpPr>
-        <p:spPr>
-          <a:xfrm>
-            <a:off x="5882958" y="5295900"/>
-            <a:ext cx="1854200" cy="365125"/>
-          </a:xfrm>
-          <a:prstGeom prst="rect">
-            <a:avLst/>
-          </a:prstGeom>
-          <a:noFill/>
-          <a:ln w="9525">
-            <a:noFill/>
-          </a:ln>
-        </p:spPr>
-        <p:txBody>
-          <a:bodyPr wrap="square" anchor="t">
-            <a:spAutoFit/>
-          </a:bodyPr>
-          <a:lstStyle/>
-          <a:p>
-            <a:pPr lvl="0" indent="0"/>
-            <a:r>
-              <a:rPr lang="zh-CN" altLang="en-US" dirty="0">
-                <a:solidFill>
-                  <a:srgbClr val="000000"/>
-                </a:solidFill>
-                <a:latin typeface="Arial" panose="020B0604020202020204" pitchFamily="34" charset="0"/>
-                <a:ea typeface="宋体" panose="02010600030101010101" pitchFamily="2" charset="-122"/>
-                <a:sym typeface="Arial" panose="020B0604020202020204" pitchFamily="34" charset="0"/>
-              </a:rPr>
-              <a:t>管理介面</a:t>
-            </a:r>
-            <a:r>
-              <a:rPr lang="en-US" altLang="zh-CN" dirty="0">
-                <a:solidFill>
-                  <a:srgbClr val="000000"/>
-                </a:solidFill>
-                <a:latin typeface="Arial" panose="020B0604020202020204" pitchFamily="34" charset="0"/>
-                <a:ea typeface="宋体" panose="02010600030101010101" pitchFamily="2" charset="-122"/>
-                <a:sym typeface="Arial" panose="020B0604020202020204" pitchFamily="34" charset="0"/>
-              </a:rPr>
-              <a:t>(Web)</a:t>
-            </a:r>
-            <a:endParaRPr lang="en-US" altLang="zh-CN" dirty="0">
-              <a:solidFill>
-                <a:srgbClr val="000000"/>
-              </a:solidFill>
-              <a:latin typeface="Arial" panose="020B0604020202020204" pitchFamily="34" charset="0"/>
-              <a:ea typeface="宋体" panose="02010600030101010101" pitchFamily="2" charset="-122"/>
-              <a:sym typeface="Arial" panose="020B0604020202020204" pitchFamily="34" charset="0"/>
-            </a:endParaRPr>
-          </a:p>
-        </p:txBody>
-      </p:sp>
-      <p:sp>
-        <p:nvSpPr>
-          <p:cNvPr id="7183" name="直線單箭頭接點 16"/>
-          <p:cNvSpPr/>
-          <p:nvPr/>
-        </p:nvSpPr>
-        <p:spPr>
-          <a:xfrm flipH="1">
-            <a:off x="3816350" y="4003675"/>
-            <a:ext cx="4763" cy="319088"/>
-          </a:xfrm>
-          <a:prstGeom prst="straightConnector1">
-            <a:avLst/>
-          </a:prstGeom>
-          <a:ln w="9525" cap="flat" cmpd="sng">
-            <a:solidFill>
-              <a:schemeClr val="tx1"/>
-            </a:solidFill>
-            <a:prstDash val="solid"/>
-            <a:round/>
-            <a:headEnd type="none" w="med" len="med"/>
-            <a:tailEnd type="arrow" w="med" len="med"/>
-          </a:ln>
-        </p:spPr>
-        <p:txBody>
-          <a:bodyPr anchor="t"/>
-          <a:lstStyle/>
-          <a:p>
-            <a:pPr lvl="0" indent="0"/>
-            <a:endParaRPr lang="zh-TW" altLang="en-US" dirty="0">
-              <a:latin typeface="Arial" panose="020B0604020202020204" pitchFamily="34" charset="0"/>
-              <a:ea typeface="宋体" panose="02010600030101010101" pitchFamily="2" charset="-122"/>
-            </a:endParaRPr>
-          </a:p>
-        </p:txBody>
-      </p:sp>
-      <p:sp>
-        <p:nvSpPr>
-          <p:cNvPr id="7184" name="矩形 1"/>
-          <p:cNvSpPr/>
-          <p:nvPr/>
-        </p:nvSpPr>
-        <p:spPr>
-          <a:xfrm>
-            <a:off x="3003233" y="4322763"/>
-            <a:ext cx="1631950" cy="295275"/>
-          </a:xfrm>
-          <a:prstGeom prst="rect">
-            <a:avLst/>
-          </a:prstGeom>
-          <a:solidFill>
-            <a:srgbClr val="8CB3E3"/>
-          </a:solidFill>
-          <a:ln w="9525" cap="flat" cmpd="sng">
-            <a:solidFill>
-              <a:schemeClr val="tx1"/>
-            </a:solidFill>
-            <a:prstDash val="solid"/>
-            <a:miter/>
-            <a:headEnd type="none" w="med" len="med"/>
-            <a:tailEnd type="none" w="med" len="med"/>
-          </a:ln>
-        </p:spPr>
-        <p:txBody>
-          <a:bodyPr anchor="t"/>
-          <a:lstStyle/>
-          <a:p>
-            <a:pPr lvl="0" indent="0" algn="ctr"/>
-            <a:r>
-              <a:rPr lang="zh-CN" altLang="en-US" sz="1400" i="1" dirty="0">
-                <a:latin typeface="宋体" panose="02010600030101010101" pitchFamily="2" charset="-122"/>
-                <a:ea typeface="宋体" panose="02010600030101010101" pitchFamily="2" charset="-122"/>
-                <a:sym typeface="宋体" panose="02010600030101010101" pitchFamily="2" charset="-122"/>
-              </a:rPr>
-              <a:t>員工刷下班卡</a:t>
-            </a:r>
-            <a:endParaRPr lang="zh-CN" altLang="en-US" sz="1400" i="1" dirty="0">
-              <a:latin typeface="宋体" panose="02010600030101010101" pitchFamily="2" charset="-122"/>
-              <a:ea typeface="宋体" panose="02010600030101010101" pitchFamily="2" charset="-122"/>
-              <a:sym typeface="宋体" panose="02010600030101010101" pitchFamily="2" charset="-122"/>
-            </a:endParaRPr>
-          </a:p>
-        </p:txBody>
-      </p:sp>
-      <p:pic>
-        <p:nvPicPr>
-          <p:cNvPr id="7187" name="圖片 2"/>
-          <p:cNvPicPr>
-            <a:picLocks noChangeAspect="1"/>
-          </p:cNvPicPr>
-          <p:nvPr/>
-        </p:nvPicPr>
-        <p:blipFill>
-          <a:blip r:embed="rId2"/>
-          <a:stretch>
-            <a:fillRect/>
-          </a:stretch>
-        </p:blipFill>
-        <p:spPr>
-          <a:xfrm>
-            <a:off x="1119188" y="1049338"/>
-            <a:ext cx="6618287" cy="1028700"/>
-          </a:xfrm>
-          <a:prstGeom prst="rect">
-            <a:avLst/>
-          </a:prstGeom>
-          <a:noFill/>
-          <a:ln w="9525">
-            <a:noFill/>
-          </a:ln>
-        </p:spPr>
-      </p:pic>
-      <p:sp>
-        <p:nvSpPr>
-          <p:cNvPr id="7188" name="圓角矩形 225286"/>
-          <p:cNvSpPr/>
-          <p:nvPr/>
-        </p:nvSpPr>
-        <p:spPr>
-          <a:xfrm flipH="1" flipV="1">
-            <a:off x="2994025" y="1344613"/>
-            <a:ext cx="1468438" cy="331787"/>
-          </a:xfrm>
-          <a:prstGeom prst="roundRect">
-            <a:avLst>
-              <a:gd name="adj" fmla="val 16667"/>
-            </a:avLst>
-          </a:prstGeom>
-          <a:noFill/>
-          <a:ln w="38100" cap="flat" cmpd="sng">
-            <a:solidFill>
-              <a:srgbClr val="FF00FF"/>
-            </a:solidFill>
-            <a:prstDash val="solid"/>
-            <a:round/>
-            <a:headEnd type="none" w="med" len="med"/>
-            <a:tailEnd type="none" w="med" len="med"/>
-          </a:ln>
-        </p:spPr>
-        <p:txBody>
-          <a:bodyPr anchor="t"/>
-          <a:lstStyle/>
-          <a:p>
-            <a:pPr lvl="0" indent="0"/>
-            <a:endParaRPr lang="zh-TW" altLang="en-US">
-              <a:latin typeface="Arial" panose="020B0604020202020204" pitchFamily="34" charset="0"/>
-              <a:ea typeface="PMingLiU" panose="02020500000000000000" pitchFamily="18" charset="-120"/>
-            </a:endParaRPr>
-          </a:p>
-        </p:txBody>
-      </p:sp>
-      <p:sp>
-        <p:nvSpPr>
-          <p:cNvPr id="7189" name="圓角矩形 225286"/>
-          <p:cNvSpPr/>
-          <p:nvPr/>
-        </p:nvSpPr>
-        <p:spPr>
-          <a:xfrm flipH="1" flipV="1">
-            <a:off x="3765550" y="1687513"/>
-            <a:ext cx="1470025" cy="390525"/>
-          </a:xfrm>
-          <a:prstGeom prst="roundRect">
-            <a:avLst>
-              <a:gd name="adj" fmla="val 16667"/>
-            </a:avLst>
-          </a:prstGeom>
-          <a:noFill/>
-          <a:ln w="38100" cap="flat" cmpd="sng">
-            <a:solidFill>
-              <a:srgbClr val="FF00FF"/>
-            </a:solidFill>
-            <a:prstDash val="solid"/>
-            <a:round/>
-            <a:headEnd type="none" w="med" len="med"/>
-            <a:tailEnd type="none" w="med" len="med"/>
-          </a:ln>
-        </p:spPr>
-        <p:txBody>
-          <a:bodyPr anchor="t"/>
-          <a:lstStyle/>
-          <a:p>
-            <a:pPr lvl="0" indent="0"/>
-            <a:endParaRPr lang="zh-TW" altLang="en-US">
-              <a:latin typeface="Arial" panose="020B0604020202020204" pitchFamily="34" charset="0"/>
-              <a:ea typeface="PMingLiU" panose="02020500000000000000" pitchFamily="18" charset="-120"/>
-            </a:endParaRPr>
-          </a:p>
-        </p:txBody>
-      </p:sp>
-    </p:spTree>
-  </p:cSld>
-  <p:clrMapOvr>
-    <a:masterClrMapping/>
-  </p:clrMapOvr>
-  <p:transition/>
-</p:sld>
-</file>
-
-<file path=ppt/slides/slide30.xml><?xml version="1.0" encoding="utf-8"?>
+<file path=ppt/slides/slide36.xml><?xml version="1.0" encoding="utf-8"?>
 <p:sld xmlns:a="http://schemas.openxmlformats.org/drawingml/2006/main" xmlns:r="http://schemas.openxmlformats.org/officeDocument/2006/relationships" xmlns:p="http://schemas.openxmlformats.org/presentationml/2006/main">
   <p:cSld>
     <p:spTree>
@@ -10426,7 +11434,7 @@
 </p:sld>
 </file>
 
-<file path=ppt/slides/slide31.xml><?xml version="1.0" encoding="utf-8"?>
+<file path=ppt/slides/slide37.xml><?xml version="1.0" encoding="utf-8"?>
 <p:sld xmlns:a="http://schemas.openxmlformats.org/drawingml/2006/main" xmlns:r="http://schemas.openxmlformats.org/officeDocument/2006/relationships" xmlns:p="http://schemas.openxmlformats.org/presentationml/2006/main">
   <p:cSld>
     <p:spTree>
@@ -10792,7 +11800,7 @@
 </p:sld>
 </file>
 
-<file path=ppt/slides/slide32.xml><?xml version="1.0" encoding="utf-8"?>
+<file path=ppt/slides/slide38.xml><?xml version="1.0" encoding="utf-8"?>
 <p:sld xmlns:a="http://schemas.openxmlformats.org/drawingml/2006/main" xmlns:r="http://schemas.openxmlformats.org/officeDocument/2006/relationships" xmlns:p="http://schemas.openxmlformats.org/presentationml/2006/main">
   <p:cSld>
     <p:spTree>
@@ -11014,1720 +12022,6 @@
           </a:prstGeom>
         </p:spPr>
       </p:pic>
-    </p:spTree>
-  </p:cSld>
-  <p:clrMapOvr>
-    <a:masterClrMapping/>
-  </p:clrMapOvr>
-</p:sld>
-</file>
-
-<file path=ppt/slides/slide33.xml><?xml version="1.0" encoding="utf-8"?>
-<p:sld xmlns:a="http://schemas.openxmlformats.org/drawingml/2006/main" xmlns:r="http://schemas.openxmlformats.org/officeDocument/2006/relationships" xmlns:p="http://schemas.openxmlformats.org/presentationml/2006/main">
-  <p:cSld>
-    <p:spTree>
-      <p:nvGrpSpPr>
-        <p:cNvPr id="1" name=""/>
-        <p:cNvGrpSpPr/>
-        <p:nvPr/>
-      </p:nvGrpSpPr>
-      <p:grpSpPr>
-        <a:xfrm>
-          <a:off x="0" y="0"/>
-          <a:ext cx="0" cy="0"/>
-          <a:chOff x="0" y="0"/>
-          <a:chExt cx="0" cy="0"/>
-        </a:xfrm>
-      </p:grpSpPr>
-      <p:sp>
-        <p:nvSpPr>
-          <p:cNvPr id="229378" name="標題 229377"/>
-          <p:cNvSpPr>
-            <a:spLocks noGrp="1"/>
-          </p:cNvSpPr>
-          <p:nvPr>
-            <p:ph type="title"/>
-          </p:nvPr>
-        </p:nvSpPr>
-        <p:spPr/>
-        <p:txBody>
-          <a:bodyPr anchor="ctr"/>
-          <a:lstStyle/>
-          <a:p>
-            <a:pPr fontAlgn="base"/>
-            <a:r>
-              <a:rPr lang="en-US" altLang="zh-TW" strike="noStrike" noProof="1">
-                <a:solidFill>
-                  <a:srgbClr val="0000CC"/>
-                </a:solidFill>
-                <a:latin typeface="+mn-ea"/>
-                <a:ea typeface="+mn-ea"/>
-                <a:sym typeface="+mn-ea"/>
-              </a:rPr>
-              <a:t>5.</a:t>
-            </a:r>
-            <a:r>
-              <a:rPr lang="zh-CN" altLang="zh-TW" strike="noStrike" noProof="1">
-                <a:solidFill>
-                  <a:srgbClr val="0000CC"/>
-                </a:solidFill>
-                <a:latin typeface="+mn-ea"/>
-                <a:ea typeface="+mn-ea"/>
-                <a:sym typeface="+mn-ea"/>
-              </a:rPr>
-              <a:t>加班單審核</a:t>
-            </a:r>
-            <a:r>
-              <a:rPr lang="en-US" altLang="zh-CN" strike="noStrike" noProof="1">
-                <a:solidFill>
-                  <a:srgbClr val="0000CC"/>
-                </a:solidFill>
-                <a:latin typeface="+mn-ea"/>
-                <a:ea typeface="+mn-ea"/>
-                <a:sym typeface="+mn-ea"/>
-              </a:rPr>
-              <a:t>(</a:t>
-            </a:r>
-            <a:r>
-              <a:rPr lang="zh-CN" altLang="zh-CN" strike="noStrike" noProof="1">
-                <a:solidFill>
-                  <a:srgbClr val="0000CC"/>
-                </a:solidFill>
-                <a:latin typeface="+mn-ea"/>
-                <a:ea typeface="+mn-ea"/>
-                <a:sym typeface="+mn-ea"/>
-              </a:rPr>
-              <a:t>加班提報</a:t>
-            </a:r>
-            <a:r>
-              <a:rPr lang="en-US" altLang="zh-CN" strike="noStrike" noProof="1">
-                <a:solidFill>
-                  <a:srgbClr val="0000CC"/>
-                </a:solidFill>
-                <a:latin typeface="+mn-ea"/>
-                <a:ea typeface="+mn-ea"/>
-                <a:sym typeface="+mn-ea"/>
-              </a:rPr>
-              <a:t>)</a:t>
-            </a:r>
-            <a:endParaRPr lang="zh-TW" altLang="en-US" strike="noStrike" noProof="1">
-              <a:solidFill>
-                <a:srgbClr val="0000CC"/>
-              </a:solidFill>
-            </a:endParaRPr>
-          </a:p>
-        </p:txBody>
-      </p:sp>
-      <p:sp>
-        <p:nvSpPr>
-          <p:cNvPr id="36866" name="標題 238593"/>
-          <p:cNvSpPr>
-            <a:spLocks noGrp="1"/>
-          </p:cNvSpPr>
-          <p:nvPr/>
-        </p:nvSpPr>
-        <p:spPr>
-          <a:xfrm>
-            <a:off x="512763" y="892175"/>
-            <a:ext cx="8229600" cy="503238"/>
-          </a:xfrm>
-          <a:prstGeom prst="rect">
-            <a:avLst/>
-          </a:prstGeom>
-          <a:noFill/>
-          <a:ln w="9525">
-            <a:noFill/>
-          </a:ln>
-        </p:spPr>
-        <p:txBody>
-          <a:bodyPr anchor="ctr"/>
-          <a:lstStyle/>
-          <a:p>
-            <a:pPr lvl="0" indent="0">
-              <a:buClrTx/>
-            </a:pPr>
-            <a:r>
-              <a:rPr lang="zh-CN" altLang="zh-TW" b="0" dirty="0">
-                <a:solidFill>
-                  <a:srgbClr val="000066"/>
-                </a:solidFill>
-                <a:latin typeface="DFKai-SB" panose="03000509000000000000" charset="-122"/>
-                <a:ea typeface="DFKai-SB" panose="03000509000000000000" charset="-122"/>
-              </a:rPr>
-              <a:t>加班單提交畫面</a:t>
-            </a:r>
-            <a:r>
-              <a:rPr lang="en-US" altLang="zh-CN" b="0" dirty="0">
-                <a:solidFill>
-                  <a:srgbClr val="000066"/>
-                </a:solidFill>
-                <a:latin typeface="DFKai-SB" panose="03000509000000000000" charset="-122"/>
-                <a:ea typeface="DFKai-SB" panose="03000509000000000000" charset="-122"/>
-              </a:rPr>
-              <a:t>:</a:t>
-            </a:r>
-            <a:r>
-              <a:rPr lang="zh-CN" altLang="zh-CN" b="0" dirty="0">
-                <a:solidFill>
-                  <a:srgbClr val="000066"/>
-                </a:solidFill>
-                <a:latin typeface="DFKai-SB" panose="03000509000000000000" charset="-122"/>
-                <a:ea typeface="宋体" panose="02010600030101010101" pitchFamily="2" charset="-122"/>
-              </a:rPr>
-              <a:t> </a:t>
-            </a:r>
-            <a:r>
-              <a:rPr lang="zh-CN" altLang="zh-TW" b="0" dirty="0">
-                <a:solidFill>
-                  <a:srgbClr val="000066"/>
-                </a:solidFill>
-                <a:latin typeface="DFKai-SB" panose="03000509000000000000" charset="-122"/>
-                <a:ea typeface="DFKai-SB" panose="03000509000000000000" charset="-122"/>
-              </a:rPr>
-              <a:t>在標題列上方挑選 </a:t>
-            </a:r>
-            <a:r>
-              <a:rPr lang="zh-CN" altLang="zh-TW" dirty="0">
-                <a:solidFill>
-                  <a:srgbClr val="000066"/>
-                </a:solidFill>
-                <a:latin typeface="DFKai-SB" panose="03000509000000000000" charset="-122"/>
-                <a:ea typeface="DFKai-SB" panose="03000509000000000000" charset="-122"/>
-              </a:rPr>
-              <a:t>時間 </a:t>
-            </a:r>
-            <a:r>
-              <a:rPr lang="en-US" altLang="zh-CN" b="0" dirty="0">
-                <a:solidFill>
-                  <a:srgbClr val="000066"/>
-                </a:solidFill>
-                <a:latin typeface="DFKai-SB" panose="03000509000000000000" charset="-122"/>
-                <a:ea typeface="DFKai-SB" panose="03000509000000000000" charset="-122"/>
-              </a:rPr>
-              <a:t>&amp; </a:t>
-            </a:r>
-            <a:r>
-              <a:rPr lang="zh-CN" altLang="zh-TW" dirty="0">
-                <a:solidFill>
-                  <a:srgbClr val="000066"/>
-                </a:solidFill>
-                <a:latin typeface="DFKai-SB" panose="03000509000000000000" charset="-122"/>
-                <a:ea typeface="DFKai-SB" panose="03000509000000000000" charset="-122"/>
-              </a:rPr>
-              <a:t>加班類型</a:t>
-            </a:r>
-            <a:r>
-              <a:rPr lang="zh-CN" altLang="zh-TW" b="0" dirty="0">
-                <a:solidFill>
-                  <a:srgbClr val="000066"/>
-                </a:solidFill>
-                <a:latin typeface="DFKai-SB" panose="03000509000000000000" charset="-122"/>
-                <a:ea typeface="DFKai-SB" panose="03000509000000000000" charset="-122"/>
-              </a:rPr>
-              <a:t> </a:t>
-            </a:r>
-            <a:endParaRPr lang="zh-CN" altLang="zh-TW" sz="1600" b="0" dirty="0">
-              <a:latin typeface="DFKai-SB" panose="03000509000000000000" charset="-122"/>
-              <a:ea typeface="DFKai-SB" panose="03000509000000000000" charset="-122"/>
-              <a:sym typeface="宋体" panose="02010600030101010101" pitchFamily="2" charset="-122"/>
-            </a:endParaRPr>
-          </a:p>
-        </p:txBody>
-      </p:sp>
-      <p:pic>
-        <p:nvPicPr>
-          <p:cNvPr id="2" name="图片 1" descr="image_2019_07_10T01_15_09_795Z"/>
-          <p:cNvPicPr>
-            <a:picLocks noChangeAspect="1"/>
-          </p:cNvPicPr>
-          <p:nvPr/>
-        </p:nvPicPr>
-        <p:blipFill>
-          <a:blip r:embed="rId1"/>
-          <a:stretch>
-            <a:fillRect/>
-          </a:stretch>
-        </p:blipFill>
-        <p:spPr>
-          <a:xfrm>
-            <a:off x="512445" y="836930"/>
-            <a:ext cx="8250555" cy="5701030"/>
-          </a:xfrm>
-          <a:prstGeom prst="rect">
-            <a:avLst/>
-          </a:prstGeom>
-        </p:spPr>
-      </p:pic>
-    </p:spTree>
-  </p:cSld>
-  <p:clrMapOvr>
-    <a:masterClrMapping/>
-  </p:clrMapOvr>
-</p:sld>
-</file>
-
-<file path=ppt/slides/slide34.xml><?xml version="1.0" encoding="utf-8"?>
-<p:sld xmlns:a="http://schemas.openxmlformats.org/drawingml/2006/main" xmlns:r="http://schemas.openxmlformats.org/officeDocument/2006/relationships" xmlns:p="http://schemas.openxmlformats.org/presentationml/2006/main">
-  <p:cSld>
-    <p:spTree>
-      <p:nvGrpSpPr>
-        <p:cNvPr id="1" name=""/>
-        <p:cNvGrpSpPr/>
-        <p:nvPr/>
-      </p:nvGrpSpPr>
-      <p:grpSpPr>
-        <a:xfrm>
-          <a:off x="0" y="0"/>
-          <a:ext cx="0" cy="0"/>
-          <a:chOff x="0" y="0"/>
-          <a:chExt cx="0" cy="0"/>
-        </a:xfrm>
-      </p:grpSpPr>
-      <p:sp>
-        <p:nvSpPr>
-          <p:cNvPr id="229378" name="標題 229377"/>
-          <p:cNvSpPr>
-            <a:spLocks noGrp="1"/>
-          </p:cNvSpPr>
-          <p:nvPr>
-            <p:ph type="title"/>
-          </p:nvPr>
-        </p:nvSpPr>
-        <p:spPr/>
-        <p:txBody>
-          <a:bodyPr anchor="ctr"/>
-          <a:lstStyle/>
-          <a:p>
-            <a:pPr fontAlgn="base"/>
-            <a:r>
-              <a:rPr lang="en-US" altLang="zh-TW" strike="noStrike" noProof="1">
-                <a:solidFill>
-                  <a:srgbClr val="0000CC"/>
-                </a:solidFill>
-                <a:latin typeface="+mn-ea"/>
-                <a:ea typeface="+mn-ea"/>
-                <a:sym typeface="+mn-ea"/>
-              </a:rPr>
-              <a:t>5.</a:t>
-            </a:r>
-            <a:r>
-              <a:rPr lang="zh-CN" altLang="zh-TW" strike="noStrike" noProof="1">
-                <a:solidFill>
-                  <a:srgbClr val="0000CC"/>
-                </a:solidFill>
-                <a:latin typeface="+mn-ea"/>
-                <a:ea typeface="+mn-ea"/>
-                <a:sym typeface="+mn-ea"/>
-              </a:rPr>
-              <a:t>加班單審核</a:t>
-            </a:r>
-            <a:r>
-              <a:rPr lang="en-US" altLang="zh-CN" strike="noStrike" noProof="1">
-                <a:solidFill>
-                  <a:srgbClr val="0000CC"/>
-                </a:solidFill>
-                <a:latin typeface="+mn-ea"/>
-                <a:ea typeface="+mn-ea"/>
-                <a:sym typeface="+mn-ea"/>
-              </a:rPr>
-              <a:t>(</a:t>
-            </a:r>
-            <a:r>
-              <a:rPr lang="zh-CN" altLang="zh-CN" strike="noStrike" noProof="1">
-                <a:solidFill>
-                  <a:srgbClr val="0000CC"/>
-                </a:solidFill>
-                <a:latin typeface="+mn-ea"/>
-                <a:ea typeface="+mn-ea"/>
-                <a:sym typeface="+mn-ea"/>
-              </a:rPr>
-              <a:t>加班提報</a:t>
-            </a:r>
-            <a:r>
-              <a:rPr lang="en-US" altLang="zh-CN" strike="noStrike" noProof="1">
-                <a:solidFill>
-                  <a:srgbClr val="0000CC"/>
-                </a:solidFill>
-                <a:latin typeface="+mn-ea"/>
-                <a:ea typeface="+mn-ea"/>
-                <a:sym typeface="+mn-ea"/>
-              </a:rPr>
-              <a:t>)</a:t>
-            </a:r>
-            <a:endParaRPr lang="zh-TW" altLang="en-US" strike="noStrike" noProof="1">
-              <a:solidFill>
-                <a:srgbClr val="0000CC"/>
-              </a:solidFill>
-            </a:endParaRPr>
-          </a:p>
-        </p:txBody>
-      </p:sp>
-      <p:sp>
-        <p:nvSpPr>
-          <p:cNvPr id="36866" name="標題 238593"/>
-          <p:cNvSpPr>
-            <a:spLocks noGrp="1"/>
-          </p:cNvSpPr>
-          <p:nvPr/>
-        </p:nvSpPr>
-        <p:spPr>
-          <a:xfrm>
-            <a:off x="512763" y="892175"/>
-            <a:ext cx="8229600" cy="503238"/>
-          </a:xfrm>
-          <a:prstGeom prst="rect">
-            <a:avLst/>
-          </a:prstGeom>
-          <a:noFill/>
-          <a:ln w="9525">
-            <a:noFill/>
-          </a:ln>
-        </p:spPr>
-        <p:txBody>
-          <a:bodyPr anchor="ctr"/>
-          <a:lstStyle/>
-          <a:p>
-            <a:pPr lvl="0" indent="0">
-              <a:buClrTx/>
-            </a:pPr>
-            <a:r>
-              <a:rPr lang="zh-CN" altLang="zh-TW" b="0" dirty="0">
-                <a:solidFill>
-                  <a:srgbClr val="000066"/>
-                </a:solidFill>
-                <a:latin typeface="DFKai-SB" panose="03000509000000000000" charset="-122"/>
-                <a:ea typeface="DFKai-SB" panose="03000509000000000000" charset="-122"/>
-              </a:rPr>
-              <a:t>加班單提交畫面</a:t>
-            </a:r>
-            <a:r>
-              <a:rPr lang="en-US" altLang="zh-CN" b="0" dirty="0">
-                <a:solidFill>
-                  <a:srgbClr val="000066"/>
-                </a:solidFill>
-                <a:latin typeface="DFKai-SB" panose="03000509000000000000" charset="-122"/>
-                <a:ea typeface="DFKai-SB" panose="03000509000000000000" charset="-122"/>
-              </a:rPr>
-              <a:t>:</a:t>
-            </a:r>
-            <a:r>
-              <a:rPr lang="zh-CN" altLang="zh-CN" b="0" dirty="0">
-                <a:solidFill>
-                  <a:srgbClr val="000066"/>
-                </a:solidFill>
-                <a:latin typeface="DFKai-SB" panose="03000509000000000000" charset="-122"/>
-                <a:ea typeface="宋体" panose="02010600030101010101" pitchFamily="2" charset="-122"/>
-              </a:rPr>
-              <a:t> </a:t>
-            </a:r>
-            <a:r>
-              <a:rPr lang="zh-CN" altLang="zh-TW" b="0" dirty="0">
-                <a:solidFill>
-                  <a:srgbClr val="000066"/>
-                </a:solidFill>
-                <a:latin typeface="DFKai-SB" panose="03000509000000000000" charset="-122"/>
-                <a:ea typeface="DFKai-SB" panose="03000509000000000000" charset="-122"/>
-              </a:rPr>
-              <a:t>在標題列上方挑選 </a:t>
-            </a:r>
-            <a:r>
-              <a:rPr lang="zh-CN" altLang="zh-TW" dirty="0">
-                <a:solidFill>
-                  <a:srgbClr val="000066"/>
-                </a:solidFill>
-                <a:latin typeface="DFKai-SB" panose="03000509000000000000" charset="-122"/>
-                <a:ea typeface="DFKai-SB" panose="03000509000000000000" charset="-122"/>
-              </a:rPr>
-              <a:t>時間 </a:t>
-            </a:r>
-            <a:r>
-              <a:rPr lang="en-US" altLang="zh-CN" b="0" dirty="0">
-                <a:solidFill>
-                  <a:srgbClr val="000066"/>
-                </a:solidFill>
-                <a:latin typeface="DFKai-SB" panose="03000509000000000000" charset="-122"/>
-                <a:ea typeface="DFKai-SB" panose="03000509000000000000" charset="-122"/>
-              </a:rPr>
-              <a:t>&amp; </a:t>
-            </a:r>
-            <a:r>
-              <a:rPr lang="zh-CN" altLang="zh-TW" dirty="0">
-                <a:solidFill>
-                  <a:srgbClr val="000066"/>
-                </a:solidFill>
-                <a:latin typeface="DFKai-SB" panose="03000509000000000000" charset="-122"/>
-                <a:ea typeface="DFKai-SB" panose="03000509000000000000" charset="-122"/>
-              </a:rPr>
-              <a:t>加班類型</a:t>
-            </a:r>
-            <a:r>
-              <a:rPr lang="zh-CN" altLang="zh-TW" b="0" dirty="0">
-                <a:solidFill>
-                  <a:srgbClr val="000066"/>
-                </a:solidFill>
-                <a:latin typeface="DFKai-SB" panose="03000509000000000000" charset="-122"/>
-                <a:ea typeface="DFKai-SB" panose="03000509000000000000" charset="-122"/>
-              </a:rPr>
-              <a:t> </a:t>
-            </a:r>
-            <a:endParaRPr lang="zh-CN" altLang="zh-TW" sz="1600" b="0" dirty="0">
-              <a:latin typeface="DFKai-SB" panose="03000509000000000000" charset="-122"/>
-              <a:ea typeface="DFKai-SB" panose="03000509000000000000" charset="-122"/>
-              <a:sym typeface="宋体" panose="02010600030101010101" pitchFamily="2" charset="-122"/>
-            </a:endParaRPr>
-          </a:p>
-        </p:txBody>
-      </p:sp>
-      <p:pic>
-        <p:nvPicPr>
-          <p:cNvPr id="3" name="图片 2"/>
-          <p:cNvPicPr>
-            <a:picLocks noChangeAspect="1"/>
-          </p:cNvPicPr>
-          <p:nvPr/>
-        </p:nvPicPr>
-        <p:blipFill>
-          <a:blip r:embed="rId1"/>
-          <a:stretch>
-            <a:fillRect/>
-          </a:stretch>
-        </p:blipFill>
-        <p:spPr>
-          <a:xfrm>
-            <a:off x="304165" y="1678940"/>
-            <a:ext cx="8251825" cy="4222750"/>
-          </a:xfrm>
-          <a:prstGeom prst="rect">
-            <a:avLst/>
-          </a:prstGeom>
-        </p:spPr>
-      </p:pic>
-    </p:spTree>
-  </p:cSld>
-  <p:clrMapOvr>
-    <a:masterClrMapping/>
-  </p:clrMapOvr>
-</p:sld>
-</file>
-
-<file path=ppt/slides/slide35.xml><?xml version="1.0" encoding="utf-8"?>
-<p:sld xmlns:a="http://schemas.openxmlformats.org/drawingml/2006/main" xmlns:r="http://schemas.openxmlformats.org/officeDocument/2006/relationships" xmlns:p="http://schemas.openxmlformats.org/presentationml/2006/main">
-  <p:cSld>
-    <p:spTree>
-      <p:nvGrpSpPr>
-        <p:cNvPr id="1" name=""/>
-        <p:cNvGrpSpPr/>
-        <p:nvPr/>
-      </p:nvGrpSpPr>
-      <p:grpSpPr>
-        <a:xfrm>
-          <a:off x="0" y="0"/>
-          <a:ext cx="0" cy="0"/>
-          <a:chOff x="0" y="0"/>
-          <a:chExt cx="0" cy="0"/>
-        </a:xfrm>
-      </p:grpSpPr>
-      <p:sp>
-        <p:nvSpPr>
-          <p:cNvPr id="229378" name="標題 229377"/>
-          <p:cNvSpPr>
-            <a:spLocks noGrp="1"/>
-          </p:cNvSpPr>
-          <p:nvPr>
-            <p:ph type="title"/>
-          </p:nvPr>
-        </p:nvSpPr>
-        <p:spPr/>
-        <p:txBody>
-          <a:bodyPr anchor="ctr"/>
-          <a:lstStyle/>
-          <a:p>
-            <a:pPr fontAlgn="base"/>
-            <a:r>
-              <a:rPr lang="en-US" altLang="zh-TW" strike="noStrike" noProof="1">
-                <a:solidFill>
-                  <a:srgbClr val="0000CC"/>
-                </a:solidFill>
-                <a:latin typeface="+mn-ea"/>
-                <a:ea typeface="+mn-ea"/>
-                <a:sym typeface="+mn-ea"/>
-              </a:rPr>
-              <a:t>5.</a:t>
-            </a:r>
-            <a:r>
-              <a:rPr lang="zh-CN" altLang="zh-TW" strike="noStrike" noProof="1">
-                <a:solidFill>
-                  <a:srgbClr val="0000CC"/>
-                </a:solidFill>
-                <a:latin typeface="+mn-ea"/>
-                <a:ea typeface="+mn-ea"/>
-                <a:sym typeface="+mn-ea"/>
-              </a:rPr>
-              <a:t>加班單審核</a:t>
-            </a:r>
-            <a:r>
-              <a:rPr lang="en-US" altLang="zh-CN" strike="noStrike" noProof="1">
-                <a:solidFill>
-                  <a:srgbClr val="0000CC"/>
-                </a:solidFill>
-                <a:latin typeface="+mn-ea"/>
-                <a:ea typeface="+mn-ea"/>
-                <a:sym typeface="+mn-ea"/>
-              </a:rPr>
-              <a:t>(</a:t>
-            </a:r>
-            <a:r>
-              <a:rPr lang="zh-CN" altLang="zh-CN" strike="noStrike" noProof="1">
-                <a:solidFill>
-                  <a:srgbClr val="0000CC"/>
-                </a:solidFill>
-                <a:latin typeface="+mn-ea"/>
-                <a:ea typeface="+mn-ea"/>
-                <a:sym typeface="+mn-ea"/>
-              </a:rPr>
-              <a:t>加班提報</a:t>
-            </a:r>
-            <a:r>
-              <a:rPr lang="en-US" altLang="zh-CN" strike="noStrike" noProof="1">
-                <a:solidFill>
-                  <a:srgbClr val="0000CC"/>
-                </a:solidFill>
-                <a:latin typeface="+mn-ea"/>
-                <a:ea typeface="+mn-ea"/>
-                <a:sym typeface="+mn-ea"/>
-              </a:rPr>
-              <a:t>)</a:t>
-            </a:r>
-            <a:endParaRPr lang="zh-TW" altLang="en-US" strike="noStrike" noProof="1">
-              <a:solidFill>
-                <a:srgbClr val="0000CC"/>
-              </a:solidFill>
-            </a:endParaRPr>
-          </a:p>
-        </p:txBody>
-      </p:sp>
-      <p:sp>
-        <p:nvSpPr>
-          <p:cNvPr id="36866" name="標題 238593"/>
-          <p:cNvSpPr>
-            <a:spLocks noGrp="1"/>
-          </p:cNvSpPr>
-          <p:nvPr/>
-        </p:nvSpPr>
-        <p:spPr>
-          <a:xfrm>
-            <a:off x="512763" y="892175"/>
-            <a:ext cx="8229600" cy="503238"/>
-          </a:xfrm>
-          <a:prstGeom prst="rect">
-            <a:avLst/>
-          </a:prstGeom>
-          <a:noFill/>
-          <a:ln w="9525">
-            <a:noFill/>
-          </a:ln>
-        </p:spPr>
-        <p:txBody>
-          <a:bodyPr anchor="ctr"/>
-          <a:lstStyle/>
-          <a:p>
-            <a:pPr lvl="0" indent="0">
-              <a:buClrTx/>
-            </a:pPr>
-            <a:r>
-              <a:rPr lang="zh-CN" altLang="zh-TW" b="0" dirty="0">
-                <a:solidFill>
-                  <a:srgbClr val="000066"/>
-                </a:solidFill>
-                <a:latin typeface="DFKai-SB" panose="03000509000000000000" charset="-122"/>
-                <a:ea typeface="DFKai-SB" panose="03000509000000000000" charset="-122"/>
-              </a:rPr>
-              <a:t>加班單提交畫面</a:t>
-            </a:r>
-            <a:r>
-              <a:rPr lang="en-US" altLang="zh-CN" b="0" dirty="0">
-                <a:solidFill>
-                  <a:srgbClr val="000066"/>
-                </a:solidFill>
-                <a:latin typeface="DFKai-SB" panose="03000509000000000000" charset="-122"/>
-                <a:ea typeface="DFKai-SB" panose="03000509000000000000" charset="-122"/>
-              </a:rPr>
-              <a:t>:</a:t>
-            </a:r>
-            <a:r>
-              <a:rPr lang="zh-CN" altLang="zh-CN" b="0" dirty="0">
-                <a:solidFill>
-                  <a:srgbClr val="000066"/>
-                </a:solidFill>
-                <a:latin typeface="DFKai-SB" panose="03000509000000000000" charset="-122"/>
-                <a:ea typeface="宋体" panose="02010600030101010101" pitchFamily="2" charset="-122"/>
-              </a:rPr>
-              <a:t> </a:t>
-            </a:r>
-            <a:r>
-              <a:rPr lang="zh-CN" altLang="zh-TW" b="0" dirty="0">
-                <a:solidFill>
-                  <a:srgbClr val="000066"/>
-                </a:solidFill>
-                <a:latin typeface="DFKai-SB" panose="03000509000000000000" charset="-122"/>
-                <a:ea typeface="DFKai-SB" panose="03000509000000000000" charset="-122"/>
-              </a:rPr>
-              <a:t>在標題列上方挑選 </a:t>
-            </a:r>
-            <a:r>
-              <a:rPr lang="zh-CN" altLang="zh-TW" dirty="0">
-                <a:solidFill>
-                  <a:srgbClr val="000066"/>
-                </a:solidFill>
-                <a:latin typeface="DFKai-SB" panose="03000509000000000000" charset="-122"/>
-                <a:ea typeface="DFKai-SB" panose="03000509000000000000" charset="-122"/>
-              </a:rPr>
-              <a:t>時間 </a:t>
-            </a:r>
-            <a:r>
-              <a:rPr lang="en-US" altLang="zh-CN" b="0" dirty="0">
-                <a:solidFill>
-                  <a:srgbClr val="000066"/>
-                </a:solidFill>
-                <a:latin typeface="DFKai-SB" panose="03000509000000000000" charset="-122"/>
-                <a:ea typeface="DFKai-SB" panose="03000509000000000000" charset="-122"/>
-              </a:rPr>
-              <a:t>&amp; </a:t>
-            </a:r>
-            <a:r>
-              <a:rPr lang="zh-CN" altLang="zh-TW" dirty="0">
-                <a:solidFill>
-                  <a:srgbClr val="000066"/>
-                </a:solidFill>
-                <a:latin typeface="DFKai-SB" panose="03000509000000000000" charset="-122"/>
-                <a:ea typeface="DFKai-SB" panose="03000509000000000000" charset="-122"/>
-              </a:rPr>
-              <a:t>加班類型</a:t>
-            </a:r>
-            <a:r>
-              <a:rPr lang="zh-CN" altLang="zh-TW" b="0" dirty="0">
-                <a:solidFill>
-                  <a:srgbClr val="000066"/>
-                </a:solidFill>
-                <a:latin typeface="DFKai-SB" panose="03000509000000000000" charset="-122"/>
-                <a:ea typeface="DFKai-SB" panose="03000509000000000000" charset="-122"/>
-              </a:rPr>
-              <a:t> </a:t>
-            </a:r>
-            <a:endParaRPr lang="zh-CN" altLang="zh-TW" sz="1600" b="0" dirty="0">
-              <a:latin typeface="DFKai-SB" panose="03000509000000000000" charset="-122"/>
-              <a:ea typeface="DFKai-SB" panose="03000509000000000000" charset="-122"/>
-              <a:sym typeface="宋体" panose="02010600030101010101" pitchFamily="2" charset="-122"/>
-            </a:endParaRPr>
-          </a:p>
-        </p:txBody>
-      </p:sp>
-      <p:pic>
-        <p:nvPicPr>
-          <p:cNvPr id="3" name="图片 2"/>
-          <p:cNvPicPr>
-            <a:picLocks noChangeAspect="1"/>
-          </p:cNvPicPr>
-          <p:nvPr/>
-        </p:nvPicPr>
-        <p:blipFill>
-          <a:blip r:embed="rId1"/>
-          <a:stretch>
-            <a:fillRect/>
-          </a:stretch>
-        </p:blipFill>
-        <p:spPr>
-          <a:xfrm>
-            <a:off x="238125" y="1722755"/>
-            <a:ext cx="8504555" cy="4269740"/>
-          </a:xfrm>
-          <a:prstGeom prst="rect">
-            <a:avLst/>
-          </a:prstGeom>
-        </p:spPr>
-      </p:pic>
-    </p:spTree>
-  </p:cSld>
-  <p:clrMapOvr>
-    <a:masterClrMapping/>
-  </p:clrMapOvr>
-</p:sld>
-</file>
-
-<file path=ppt/slides/slide36.xml><?xml version="1.0" encoding="utf-8"?>
-<p:sld xmlns:a="http://schemas.openxmlformats.org/drawingml/2006/main" xmlns:r="http://schemas.openxmlformats.org/officeDocument/2006/relationships" xmlns:p="http://schemas.openxmlformats.org/presentationml/2006/main">
-  <p:cSld>
-    <p:spTree>
-      <p:nvGrpSpPr>
-        <p:cNvPr id="1" name=""/>
-        <p:cNvGrpSpPr/>
-        <p:nvPr/>
-      </p:nvGrpSpPr>
-      <p:grpSpPr>
-        <a:xfrm>
-          <a:off x="0" y="0"/>
-          <a:ext cx="0" cy="0"/>
-          <a:chOff x="0" y="0"/>
-          <a:chExt cx="0" cy="0"/>
-        </a:xfrm>
-      </p:grpSpPr>
-      <p:sp>
-        <p:nvSpPr>
-          <p:cNvPr id="229378" name="標題 229377"/>
-          <p:cNvSpPr>
-            <a:spLocks noGrp="1"/>
-          </p:cNvSpPr>
-          <p:nvPr>
-            <p:ph type="title"/>
-          </p:nvPr>
-        </p:nvSpPr>
-        <p:spPr/>
-        <p:txBody>
-          <a:bodyPr anchor="ctr"/>
-          <a:lstStyle/>
-          <a:p>
-            <a:pPr fontAlgn="base"/>
-            <a:r>
-              <a:rPr lang="en-US" altLang="zh-TW" strike="noStrike" noProof="1">
-                <a:solidFill>
-                  <a:srgbClr val="0000CC"/>
-                </a:solidFill>
-                <a:latin typeface="+mn-ea"/>
-                <a:ea typeface="+mn-ea"/>
-                <a:sym typeface="+mn-ea"/>
-              </a:rPr>
-              <a:t>5.</a:t>
-            </a:r>
-            <a:r>
-              <a:rPr lang="zh-CN" altLang="zh-TW" strike="noStrike" noProof="1">
-                <a:solidFill>
-                  <a:srgbClr val="0000CC"/>
-                </a:solidFill>
-                <a:latin typeface="+mn-ea"/>
-                <a:ea typeface="+mn-ea"/>
-                <a:sym typeface="+mn-ea"/>
-              </a:rPr>
-              <a:t>加班單審核</a:t>
-            </a:r>
-            <a:r>
-              <a:rPr lang="en-US" altLang="zh-CN" strike="noStrike" noProof="1">
-                <a:solidFill>
-                  <a:srgbClr val="0000CC"/>
-                </a:solidFill>
-                <a:latin typeface="+mn-ea"/>
-                <a:ea typeface="+mn-ea"/>
-                <a:sym typeface="+mn-ea"/>
-              </a:rPr>
-              <a:t>(</a:t>
-            </a:r>
-            <a:r>
-              <a:rPr lang="zh-CN" altLang="zh-CN" strike="noStrike" noProof="1">
-                <a:solidFill>
-                  <a:srgbClr val="0000CC"/>
-                </a:solidFill>
-                <a:latin typeface="+mn-ea"/>
-                <a:ea typeface="+mn-ea"/>
-                <a:sym typeface="+mn-ea"/>
-              </a:rPr>
-              <a:t>加班提報</a:t>
-            </a:r>
-            <a:r>
-              <a:rPr lang="en-US" altLang="zh-CN" strike="noStrike" noProof="1">
-                <a:solidFill>
-                  <a:srgbClr val="0000CC"/>
-                </a:solidFill>
-                <a:latin typeface="+mn-ea"/>
-                <a:ea typeface="+mn-ea"/>
-                <a:sym typeface="+mn-ea"/>
-              </a:rPr>
-              <a:t>)</a:t>
-            </a:r>
-            <a:endParaRPr lang="zh-TW" altLang="en-US" strike="noStrike" noProof="1">
-              <a:solidFill>
-                <a:srgbClr val="0000CC"/>
-              </a:solidFill>
-            </a:endParaRPr>
-          </a:p>
-        </p:txBody>
-      </p:sp>
-      <p:sp>
-        <p:nvSpPr>
-          <p:cNvPr id="36866" name="標題 238593"/>
-          <p:cNvSpPr>
-            <a:spLocks noGrp="1"/>
-          </p:cNvSpPr>
-          <p:nvPr/>
-        </p:nvSpPr>
-        <p:spPr>
-          <a:xfrm>
-            <a:off x="512763" y="892175"/>
-            <a:ext cx="8229600" cy="503238"/>
-          </a:xfrm>
-          <a:prstGeom prst="rect">
-            <a:avLst/>
-          </a:prstGeom>
-          <a:noFill/>
-          <a:ln w="9525">
-            <a:noFill/>
-          </a:ln>
-        </p:spPr>
-        <p:txBody>
-          <a:bodyPr anchor="ctr"/>
-          <a:lstStyle/>
-          <a:p>
-            <a:pPr lvl="0" indent="0">
-              <a:buClrTx/>
-            </a:pPr>
-            <a:r>
-              <a:rPr lang="zh-CN" altLang="zh-TW" b="0" dirty="0">
-                <a:solidFill>
-                  <a:srgbClr val="000066"/>
-                </a:solidFill>
-                <a:latin typeface="DFKai-SB" panose="03000509000000000000" charset="-122"/>
-                <a:ea typeface="DFKai-SB" panose="03000509000000000000" charset="-122"/>
-              </a:rPr>
-              <a:t>加班單提交畫面</a:t>
-            </a:r>
-            <a:r>
-              <a:rPr lang="en-US" altLang="zh-CN" b="0" dirty="0">
-                <a:solidFill>
-                  <a:srgbClr val="000066"/>
-                </a:solidFill>
-                <a:latin typeface="DFKai-SB" panose="03000509000000000000" charset="-122"/>
-                <a:ea typeface="DFKai-SB" panose="03000509000000000000" charset="-122"/>
-              </a:rPr>
-              <a:t>:</a:t>
-            </a:r>
-            <a:r>
-              <a:rPr lang="zh-CN" altLang="zh-CN" b="0" dirty="0">
-                <a:solidFill>
-                  <a:srgbClr val="000066"/>
-                </a:solidFill>
-                <a:latin typeface="DFKai-SB" panose="03000509000000000000" charset="-122"/>
-                <a:ea typeface="宋体" panose="02010600030101010101" pitchFamily="2" charset="-122"/>
-              </a:rPr>
-              <a:t> </a:t>
-            </a:r>
-            <a:r>
-              <a:rPr lang="zh-CN" altLang="zh-TW" b="0" dirty="0">
-                <a:solidFill>
-                  <a:srgbClr val="000066"/>
-                </a:solidFill>
-                <a:latin typeface="DFKai-SB" panose="03000509000000000000" charset="-122"/>
-                <a:ea typeface="DFKai-SB" panose="03000509000000000000" charset="-122"/>
-              </a:rPr>
-              <a:t>在標題列上方挑選 </a:t>
-            </a:r>
-            <a:r>
-              <a:rPr lang="zh-CN" altLang="zh-TW" dirty="0">
-                <a:solidFill>
-                  <a:srgbClr val="000066"/>
-                </a:solidFill>
-                <a:latin typeface="DFKai-SB" panose="03000509000000000000" charset="-122"/>
-                <a:ea typeface="DFKai-SB" panose="03000509000000000000" charset="-122"/>
-              </a:rPr>
-              <a:t>時間 </a:t>
-            </a:r>
-            <a:r>
-              <a:rPr lang="en-US" altLang="zh-CN" b="0" dirty="0">
-                <a:solidFill>
-                  <a:srgbClr val="000066"/>
-                </a:solidFill>
-                <a:latin typeface="DFKai-SB" panose="03000509000000000000" charset="-122"/>
-                <a:ea typeface="DFKai-SB" panose="03000509000000000000" charset="-122"/>
-              </a:rPr>
-              <a:t>&amp; </a:t>
-            </a:r>
-            <a:r>
-              <a:rPr lang="zh-CN" altLang="zh-TW" dirty="0">
-                <a:solidFill>
-                  <a:srgbClr val="000066"/>
-                </a:solidFill>
-                <a:latin typeface="DFKai-SB" panose="03000509000000000000" charset="-122"/>
-                <a:ea typeface="DFKai-SB" panose="03000509000000000000" charset="-122"/>
-              </a:rPr>
-              <a:t>加班類型</a:t>
-            </a:r>
-            <a:r>
-              <a:rPr lang="zh-CN" altLang="zh-TW" b="0" dirty="0">
-                <a:solidFill>
-                  <a:srgbClr val="000066"/>
-                </a:solidFill>
-                <a:latin typeface="DFKai-SB" panose="03000509000000000000" charset="-122"/>
-                <a:ea typeface="DFKai-SB" panose="03000509000000000000" charset="-122"/>
-              </a:rPr>
-              <a:t> </a:t>
-            </a:r>
-            <a:endParaRPr lang="zh-CN" altLang="zh-TW" sz="1600" b="0" dirty="0">
-              <a:latin typeface="DFKai-SB" panose="03000509000000000000" charset="-122"/>
-              <a:ea typeface="DFKai-SB" panose="03000509000000000000" charset="-122"/>
-              <a:sym typeface="宋体" panose="02010600030101010101" pitchFamily="2" charset="-122"/>
-            </a:endParaRPr>
-          </a:p>
-        </p:txBody>
-      </p:sp>
-      <p:pic>
-        <p:nvPicPr>
-          <p:cNvPr id="3" name="图片 2"/>
-          <p:cNvPicPr>
-            <a:picLocks noChangeAspect="1"/>
-          </p:cNvPicPr>
-          <p:nvPr/>
-        </p:nvPicPr>
-        <p:blipFill>
-          <a:blip r:embed="rId1"/>
-          <a:stretch>
-            <a:fillRect/>
-          </a:stretch>
-        </p:blipFill>
-        <p:spPr>
-          <a:xfrm>
-            <a:off x="318770" y="1904365"/>
-            <a:ext cx="8368030" cy="4385310"/>
-          </a:xfrm>
-          <a:prstGeom prst="rect">
-            <a:avLst/>
-          </a:prstGeom>
-        </p:spPr>
-      </p:pic>
-    </p:spTree>
-  </p:cSld>
-  <p:clrMapOvr>
-    <a:masterClrMapping/>
-  </p:clrMapOvr>
-</p:sld>
-</file>
-
-<file path=ppt/slides/slide37.xml><?xml version="1.0" encoding="utf-8"?>
-<p:sld xmlns:a="http://schemas.openxmlformats.org/drawingml/2006/main" xmlns:r="http://schemas.openxmlformats.org/officeDocument/2006/relationships" xmlns:p="http://schemas.openxmlformats.org/presentationml/2006/main">
-  <p:cSld>
-    <p:spTree>
-      <p:nvGrpSpPr>
-        <p:cNvPr id="1" name=""/>
-        <p:cNvGrpSpPr/>
-        <p:nvPr/>
-      </p:nvGrpSpPr>
-      <p:grpSpPr>
-        <a:xfrm>
-          <a:off x="0" y="0"/>
-          <a:ext cx="0" cy="0"/>
-          <a:chOff x="0" y="0"/>
-          <a:chExt cx="0" cy="0"/>
-        </a:xfrm>
-      </p:grpSpPr>
-      <p:sp>
-        <p:nvSpPr>
-          <p:cNvPr id="229378" name="標題 229377"/>
-          <p:cNvSpPr>
-            <a:spLocks noGrp="1"/>
-          </p:cNvSpPr>
-          <p:nvPr>
-            <p:ph type="title"/>
-          </p:nvPr>
-        </p:nvSpPr>
-        <p:spPr/>
-        <p:txBody>
-          <a:bodyPr anchor="ctr"/>
-          <a:lstStyle/>
-          <a:p>
-            <a:pPr fontAlgn="base"/>
-            <a:r>
-              <a:rPr lang="en-US" altLang="zh-TW" strike="noStrike" noProof="1">
-                <a:solidFill>
-                  <a:srgbClr val="0000CC"/>
-                </a:solidFill>
-                <a:latin typeface="+mn-ea"/>
-                <a:ea typeface="+mn-ea"/>
-                <a:sym typeface="+mn-ea"/>
-              </a:rPr>
-              <a:t>5.</a:t>
-            </a:r>
-            <a:r>
-              <a:rPr lang="zh-CN" altLang="zh-TW" strike="noStrike" noProof="1">
-                <a:solidFill>
-                  <a:srgbClr val="0000CC"/>
-                </a:solidFill>
-                <a:latin typeface="+mn-ea"/>
-                <a:ea typeface="+mn-ea"/>
-                <a:sym typeface="+mn-ea"/>
-              </a:rPr>
-              <a:t>加班單審核</a:t>
-            </a:r>
-            <a:r>
-              <a:rPr lang="en-US" altLang="zh-CN" strike="noStrike" noProof="1">
-                <a:solidFill>
-                  <a:srgbClr val="0000CC"/>
-                </a:solidFill>
-                <a:latin typeface="+mn-ea"/>
-                <a:ea typeface="+mn-ea"/>
-                <a:sym typeface="+mn-ea"/>
-              </a:rPr>
-              <a:t>(</a:t>
-            </a:r>
-            <a:r>
-              <a:rPr lang="zh-CN" altLang="zh-CN" strike="noStrike" noProof="1">
-                <a:solidFill>
-                  <a:srgbClr val="0000CC"/>
-                </a:solidFill>
-                <a:latin typeface="+mn-ea"/>
-                <a:ea typeface="+mn-ea"/>
-                <a:sym typeface="+mn-ea"/>
-              </a:rPr>
-              <a:t>加班提報</a:t>
-            </a:r>
-            <a:r>
-              <a:rPr lang="en-US" altLang="zh-CN" strike="noStrike" noProof="1">
-                <a:solidFill>
-                  <a:srgbClr val="0000CC"/>
-                </a:solidFill>
-                <a:latin typeface="+mn-ea"/>
-                <a:ea typeface="+mn-ea"/>
-                <a:sym typeface="+mn-ea"/>
-              </a:rPr>
-              <a:t>)</a:t>
-            </a:r>
-            <a:endParaRPr lang="zh-TW" altLang="en-US" strike="noStrike" noProof="1">
-              <a:solidFill>
-                <a:srgbClr val="0000CC"/>
-              </a:solidFill>
-            </a:endParaRPr>
-          </a:p>
-        </p:txBody>
-      </p:sp>
-      <p:sp>
-        <p:nvSpPr>
-          <p:cNvPr id="36866" name="標題 238593"/>
-          <p:cNvSpPr>
-            <a:spLocks noGrp="1"/>
-          </p:cNvSpPr>
-          <p:nvPr/>
-        </p:nvSpPr>
-        <p:spPr>
-          <a:xfrm>
-            <a:off x="512763" y="892175"/>
-            <a:ext cx="8229600" cy="503238"/>
-          </a:xfrm>
-          <a:prstGeom prst="rect">
-            <a:avLst/>
-          </a:prstGeom>
-          <a:noFill/>
-          <a:ln w="9525">
-            <a:noFill/>
-          </a:ln>
-        </p:spPr>
-        <p:txBody>
-          <a:bodyPr anchor="ctr"/>
-          <a:lstStyle/>
-          <a:p>
-            <a:pPr lvl="0" indent="0">
-              <a:buClrTx/>
-            </a:pPr>
-            <a:r>
-              <a:rPr lang="zh-CN" altLang="zh-TW" b="0" dirty="0">
-                <a:solidFill>
-                  <a:srgbClr val="000066"/>
-                </a:solidFill>
-                <a:latin typeface="DFKai-SB" panose="03000509000000000000" charset="-122"/>
-                <a:ea typeface="DFKai-SB" panose="03000509000000000000" charset="-122"/>
-              </a:rPr>
-              <a:t>加班單提交畫面</a:t>
-            </a:r>
-            <a:r>
-              <a:rPr lang="en-US" altLang="zh-CN" b="0" dirty="0">
-                <a:solidFill>
-                  <a:srgbClr val="000066"/>
-                </a:solidFill>
-                <a:latin typeface="DFKai-SB" panose="03000509000000000000" charset="-122"/>
-                <a:ea typeface="DFKai-SB" panose="03000509000000000000" charset="-122"/>
-              </a:rPr>
-              <a:t>:</a:t>
-            </a:r>
-            <a:r>
-              <a:rPr lang="zh-CN" altLang="zh-CN" b="0" dirty="0">
-                <a:solidFill>
-                  <a:srgbClr val="000066"/>
-                </a:solidFill>
-                <a:latin typeface="DFKai-SB" panose="03000509000000000000" charset="-122"/>
-                <a:ea typeface="宋体" panose="02010600030101010101" pitchFamily="2" charset="-122"/>
-              </a:rPr>
-              <a:t> </a:t>
-            </a:r>
-            <a:r>
-              <a:rPr lang="zh-CN" altLang="zh-TW" b="0" dirty="0">
-                <a:solidFill>
-                  <a:srgbClr val="000066"/>
-                </a:solidFill>
-                <a:latin typeface="DFKai-SB" panose="03000509000000000000" charset="-122"/>
-                <a:ea typeface="DFKai-SB" panose="03000509000000000000" charset="-122"/>
-              </a:rPr>
-              <a:t>在標題列上方挑選 </a:t>
-            </a:r>
-            <a:r>
-              <a:rPr lang="zh-CN" altLang="zh-TW" dirty="0">
-                <a:solidFill>
-                  <a:srgbClr val="000066"/>
-                </a:solidFill>
-                <a:latin typeface="DFKai-SB" panose="03000509000000000000" charset="-122"/>
-                <a:ea typeface="DFKai-SB" panose="03000509000000000000" charset="-122"/>
-              </a:rPr>
-              <a:t>時間 </a:t>
-            </a:r>
-            <a:r>
-              <a:rPr lang="en-US" altLang="zh-CN" b="0" dirty="0">
-                <a:solidFill>
-                  <a:srgbClr val="000066"/>
-                </a:solidFill>
-                <a:latin typeface="DFKai-SB" panose="03000509000000000000" charset="-122"/>
-                <a:ea typeface="DFKai-SB" panose="03000509000000000000" charset="-122"/>
-              </a:rPr>
-              <a:t>&amp; </a:t>
-            </a:r>
-            <a:r>
-              <a:rPr lang="zh-CN" altLang="zh-TW" dirty="0">
-                <a:solidFill>
-                  <a:srgbClr val="000066"/>
-                </a:solidFill>
-                <a:latin typeface="DFKai-SB" panose="03000509000000000000" charset="-122"/>
-                <a:ea typeface="DFKai-SB" panose="03000509000000000000" charset="-122"/>
-              </a:rPr>
-              <a:t>加班類型</a:t>
-            </a:r>
-            <a:r>
-              <a:rPr lang="zh-CN" altLang="zh-TW" b="0" dirty="0">
-                <a:solidFill>
-                  <a:srgbClr val="000066"/>
-                </a:solidFill>
-                <a:latin typeface="DFKai-SB" panose="03000509000000000000" charset="-122"/>
-                <a:ea typeface="DFKai-SB" panose="03000509000000000000" charset="-122"/>
-              </a:rPr>
-              <a:t> </a:t>
-            </a:r>
-            <a:endParaRPr lang="zh-CN" altLang="zh-TW" sz="1600" b="0" dirty="0">
-              <a:latin typeface="DFKai-SB" panose="03000509000000000000" charset="-122"/>
-              <a:ea typeface="DFKai-SB" panose="03000509000000000000" charset="-122"/>
-              <a:sym typeface="宋体" panose="02010600030101010101" pitchFamily="2" charset="-122"/>
-            </a:endParaRPr>
-          </a:p>
-        </p:txBody>
-      </p:sp>
-      <p:pic>
-        <p:nvPicPr>
-          <p:cNvPr id="4" name="图片 3"/>
-          <p:cNvPicPr>
-            <a:picLocks noChangeAspect="1"/>
-          </p:cNvPicPr>
-          <p:nvPr/>
-        </p:nvPicPr>
-        <p:blipFill>
-          <a:blip r:embed="rId1"/>
-          <a:stretch>
-            <a:fillRect/>
-          </a:stretch>
-        </p:blipFill>
-        <p:spPr>
-          <a:xfrm>
-            <a:off x="299720" y="1936115"/>
-            <a:ext cx="8545195" cy="4085590"/>
-          </a:xfrm>
-          <a:prstGeom prst="rect">
-            <a:avLst/>
-          </a:prstGeom>
-        </p:spPr>
-      </p:pic>
-    </p:spTree>
-  </p:cSld>
-  <p:clrMapOvr>
-    <a:masterClrMapping/>
-  </p:clrMapOvr>
-</p:sld>
-</file>
-
-<file path=ppt/slides/slide38.xml><?xml version="1.0" encoding="utf-8"?>
-<p:sld xmlns:a="http://schemas.openxmlformats.org/drawingml/2006/main" xmlns:r="http://schemas.openxmlformats.org/officeDocument/2006/relationships" xmlns:p="http://schemas.openxmlformats.org/presentationml/2006/main">
-  <p:cSld>
-    <p:spTree>
-      <p:nvGrpSpPr>
-        <p:cNvPr id="1" name=""/>
-        <p:cNvGrpSpPr/>
-        <p:nvPr/>
-      </p:nvGrpSpPr>
-      <p:grpSpPr>
-        <a:xfrm>
-          <a:off x="0" y="0"/>
-          <a:ext cx="0" cy="0"/>
-          <a:chOff x="0" y="0"/>
-          <a:chExt cx="0" cy="0"/>
-        </a:xfrm>
-      </p:grpSpPr>
-      <p:pic>
-        <p:nvPicPr>
-          <p:cNvPr id="3" name="图片 2"/>
-          <p:cNvPicPr>
-            <a:picLocks noChangeAspect="1"/>
-          </p:cNvPicPr>
-          <p:nvPr/>
-        </p:nvPicPr>
-        <p:blipFill>
-          <a:blip r:embed="rId1">
-            <a:extLst>
-              <a:ext uri="{28A0092B-C50C-407E-A947-70E740481C1C}">
-                <a14:useLocalDpi xmlns:a14="http://schemas.microsoft.com/office/drawing/2010/main" val="0"/>
-              </a:ext>
-            </a:extLst>
-          </a:blip>
-          <a:stretch>
-            <a:fillRect/>
-          </a:stretch>
-        </p:blipFill>
-        <p:spPr>
-          <a:xfrm>
-            <a:off x="17463" y="1340168"/>
-            <a:ext cx="9144000" cy="5013960"/>
-          </a:xfrm>
-          <a:prstGeom prst="rect">
-            <a:avLst/>
-          </a:prstGeom>
-        </p:spPr>
-      </p:pic>
-      <p:sp>
-        <p:nvSpPr>
-          <p:cNvPr id="229378" name="標題 229377"/>
-          <p:cNvSpPr>
-            <a:spLocks noGrp="1"/>
-          </p:cNvSpPr>
-          <p:nvPr>
-            <p:ph type="title"/>
-          </p:nvPr>
-        </p:nvSpPr>
-        <p:spPr/>
-        <p:txBody>
-          <a:bodyPr anchor="ctr"/>
-          <a:lstStyle/>
-          <a:p>
-            <a:pPr fontAlgn="base"/>
-            <a:r>
-              <a:rPr lang="en-US" altLang="zh-TW" strike="noStrike" noProof="1">
-                <a:solidFill>
-                  <a:srgbClr val="0000CC"/>
-                </a:solidFill>
-                <a:latin typeface="+mn-ea"/>
-                <a:ea typeface="+mn-ea"/>
-                <a:sym typeface="+mn-ea"/>
-              </a:rPr>
-              <a:t>5.</a:t>
-            </a:r>
-            <a:r>
-              <a:rPr lang="zh-CN" altLang="zh-TW" strike="noStrike" noProof="1">
-                <a:solidFill>
-                  <a:srgbClr val="0000CC"/>
-                </a:solidFill>
-                <a:latin typeface="+mn-ea"/>
-                <a:ea typeface="+mn-ea"/>
-                <a:sym typeface="+mn-ea"/>
-              </a:rPr>
-              <a:t>加班單審核</a:t>
-            </a:r>
-            <a:r>
-              <a:rPr lang="en-US" altLang="zh-CN" strike="noStrike" noProof="1">
-                <a:solidFill>
-                  <a:srgbClr val="0000CC"/>
-                </a:solidFill>
-                <a:latin typeface="+mn-ea"/>
-                <a:ea typeface="+mn-ea"/>
-                <a:sym typeface="+mn-ea"/>
-              </a:rPr>
-              <a:t>(</a:t>
-            </a:r>
-            <a:r>
-              <a:rPr lang="zh-CN" altLang="zh-CN" strike="noStrike" noProof="1">
-                <a:solidFill>
-                  <a:srgbClr val="0000CC"/>
-                </a:solidFill>
-                <a:latin typeface="+mn-ea"/>
-                <a:ea typeface="+mn-ea"/>
-                <a:sym typeface="+mn-ea"/>
-              </a:rPr>
-              <a:t>加班提報</a:t>
-            </a:r>
-            <a:r>
-              <a:rPr lang="en-US" altLang="zh-CN" strike="noStrike" noProof="1">
-                <a:solidFill>
-                  <a:srgbClr val="0000CC"/>
-                </a:solidFill>
-                <a:latin typeface="+mn-ea"/>
-                <a:ea typeface="+mn-ea"/>
-                <a:sym typeface="+mn-ea"/>
-              </a:rPr>
-              <a:t>)</a:t>
-            </a:r>
-            <a:endParaRPr lang="zh-TW" altLang="en-US" strike="noStrike" noProof="1">
-              <a:solidFill>
-                <a:srgbClr val="0000CC"/>
-              </a:solidFill>
-            </a:endParaRPr>
-          </a:p>
-        </p:txBody>
-      </p:sp>
-      <p:sp>
-        <p:nvSpPr>
-          <p:cNvPr id="37890" name="標題 238593"/>
-          <p:cNvSpPr>
-            <a:spLocks noGrp="1"/>
-          </p:cNvSpPr>
-          <p:nvPr/>
-        </p:nvSpPr>
-        <p:spPr>
-          <a:xfrm>
-            <a:off x="474663" y="836930"/>
-            <a:ext cx="8229600" cy="503238"/>
-          </a:xfrm>
-          <a:prstGeom prst="rect">
-            <a:avLst/>
-          </a:prstGeom>
-          <a:noFill/>
-          <a:ln w="9525">
-            <a:noFill/>
-          </a:ln>
-        </p:spPr>
-        <p:txBody>
-          <a:bodyPr anchor="ctr"/>
-          <a:lstStyle/>
-          <a:p>
-            <a:pPr lvl="0" indent="0">
-              <a:buClrTx/>
-            </a:pPr>
-            <a:r>
-              <a:rPr lang="zh-CN" altLang="en-US" b="0" dirty="0">
-                <a:solidFill>
-                  <a:srgbClr val="000066"/>
-                </a:solidFill>
-                <a:latin typeface="DFKai-SB" panose="03000509000000000000" charset="-122"/>
-                <a:ea typeface="DFKai-SB" panose="03000509000000000000" charset="-122"/>
-                <a:sym typeface="宋体" panose="02010600030101010101" pitchFamily="2" charset="-122"/>
-              </a:rPr>
-              <a:t>系統依</a:t>
-            </a:r>
-            <a:r>
-              <a:rPr lang="zh-CN" altLang="en-US" dirty="0">
-                <a:solidFill>
-                  <a:srgbClr val="000066"/>
-                </a:solidFill>
-                <a:latin typeface="DFKai-SB" panose="03000509000000000000" charset="-122"/>
-                <a:ea typeface="DFKai-SB" panose="03000509000000000000" charset="-122"/>
-                <a:sym typeface="宋体" panose="02010600030101010101" pitchFamily="2" charset="-122"/>
-              </a:rPr>
-              <a:t>時間</a:t>
-            </a:r>
-            <a:r>
-              <a:rPr lang="zh-CN" altLang="zh-CN" b="0" dirty="0">
-                <a:solidFill>
-                  <a:srgbClr val="000066"/>
-                </a:solidFill>
-                <a:latin typeface="DFKai-SB" panose="03000509000000000000" charset="-122"/>
-                <a:ea typeface="DFKai-SB" panose="03000509000000000000" charset="-122"/>
-                <a:sym typeface="宋体" panose="02010600030101010101" pitchFamily="2" charset="-122"/>
-              </a:rPr>
-              <a:t>顯示加班時段，并計算出員工加班小時數，請檢核確認</a:t>
-            </a:r>
-            <a:endParaRPr lang="zh-CN" altLang="zh-CN" b="0" dirty="0">
-              <a:solidFill>
-                <a:srgbClr val="000066"/>
-              </a:solidFill>
-              <a:latin typeface="DFKai-SB" panose="03000509000000000000" charset="-122"/>
-              <a:ea typeface="DFKai-SB" panose="03000509000000000000" charset="-122"/>
-              <a:sym typeface="宋体" panose="02010600030101010101" pitchFamily="2" charset="-122"/>
-            </a:endParaRPr>
-          </a:p>
-        </p:txBody>
-      </p:sp>
-      <p:sp>
-        <p:nvSpPr>
-          <p:cNvPr id="37893" name="矩形圖說文字 226308"/>
-          <p:cNvSpPr/>
-          <p:nvPr/>
-        </p:nvSpPr>
-        <p:spPr>
-          <a:xfrm>
-            <a:off x="6948264" y="5157192"/>
-            <a:ext cx="1900555" cy="1597025"/>
-          </a:xfrm>
-          <a:prstGeom prst="wedgeRectCallout">
-            <a:avLst>
-              <a:gd name="adj1" fmla="val -20037"/>
-              <a:gd name="adj2" fmla="val -45116"/>
-            </a:avLst>
-          </a:prstGeom>
-          <a:gradFill rotWithShape="1">
-            <a:gsLst>
-              <a:gs pos="0">
-                <a:srgbClr val="FCFDFE">
-                  <a:alpha val="100000"/>
-                </a:srgbClr>
-              </a:gs>
-              <a:gs pos="74001">
-                <a:srgbClr val="E0F1F2">
-                  <a:alpha val="100000"/>
-                </a:srgbClr>
-              </a:gs>
-              <a:gs pos="83000">
-                <a:srgbClr val="E0F1F2">
-                  <a:alpha val="100000"/>
-                </a:srgbClr>
-              </a:gs>
-              <a:gs pos="100000">
-                <a:srgbClr val="EBF6F7">
-                  <a:alpha val="100000"/>
-                </a:srgbClr>
-              </a:gs>
-            </a:gsLst>
-            <a:lin ang="5400000"/>
-            <a:tileRect/>
-          </a:gradFill>
-          <a:ln w="6350" cap="flat" cmpd="sng">
-            <a:solidFill>
-              <a:srgbClr val="800080"/>
-            </a:solidFill>
-            <a:prstDash val="solid"/>
-            <a:miter/>
-            <a:headEnd type="none" w="med" len="med"/>
-            <a:tailEnd type="none" w="med" len="med"/>
-          </a:ln>
-        </p:spPr>
-        <p:txBody>
-          <a:bodyPr anchor="t"/>
-          <a:lstStyle/>
-          <a:p>
-            <a:pPr lvl="0" indent="0"/>
-            <a:r>
-              <a:rPr lang="zh-CN" altLang="en-US" sz="1400" dirty="0">
-                <a:solidFill>
-                  <a:srgbClr val="333399"/>
-                </a:solidFill>
-                <a:latin typeface="DFKai-SB" panose="03000509000000000000" charset="-122"/>
-                <a:ea typeface="DFKai-SB" panose="03000509000000000000" charset="-122"/>
-              </a:rPr>
-              <a:t>時間</a:t>
-            </a:r>
-            <a:r>
-              <a:rPr lang="en-US" altLang="zh-CN" sz="1400" dirty="0">
-                <a:solidFill>
-                  <a:srgbClr val="333399"/>
-                </a:solidFill>
-                <a:latin typeface="DFKai-SB" panose="03000509000000000000" charset="-122"/>
-                <a:ea typeface="DFKai-SB" panose="03000509000000000000" charset="-122"/>
-              </a:rPr>
-              <a:t>: </a:t>
-            </a:r>
-            <a:endParaRPr lang="en-US" altLang="zh-CN" sz="1400" dirty="0">
-              <a:solidFill>
-                <a:srgbClr val="333399"/>
-              </a:solidFill>
-              <a:latin typeface="DFKai-SB" panose="03000509000000000000" charset="-122"/>
-              <a:ea typeface="DFKai-SB" panose="03000509000000000000" charset="-122"/>
-            </a:endParaRPr>
-          </a:p>
-          <a:p>
-            <a:pPr lvl="0" indent="0"/>
-            <a:r>
-              <a:rPr lang="zh-CN" altLang="zh-CN" sz="1400" dirty="0">
-                <a:solidFill>
-                  <a:srgbClr val="6600CC"/>
-                </a:solidFill>
-                <a:latin typeface="DFKai-SB" panose="03000509000000000000" charset="-122"/>
-                <a:ea typeface="DFKai-SB" panose="03000509000000000000" charset="-122"/>
-              </a:rPr>
-              <a:t>正常班</a:t>
-            </a:r>
-            <a:r>
-              <a:rPr lang="en-US" altLang="zh-CN" sz="1400" dirty="0">
-                <a:solidFill>
-                  <a:srgbClr val="6600CC"/>
-                </a:solidFill>
-                <a:latin typeface="DFKai-SB" panose="03000509000000000000" charset="-122"/>
-                <a:ea typeface="DFKai-SB" panose="03000509000000000000" charset="-122"/>
-              </a:rPr>
-              <a:t>/</a:t>
-            </a:r>
-            <a:r>
-              <a:rPr lang="zh-CN" altLang="en-US" sz="1400" dirty="0">
-                <a:solidFill>
-                  <a:srgbClr val="6600CC"/>
-                </a:solidFill>
-                <a:latin typeface="DFKai-SB" panose="03000509000000000000" charset="-122"/>
-                <a:ea typeface="DFKai-SB" panose="03000509000000000000" charset="-122"/>
-              </a:rPr>
-              <a:t>假日班</a:t>
-            </a:r>
-            <a:endParaRPr lang="zh-CN" altLang="en-US" sz="1400" dirty="0">
-              <a:solidFill>
-                <a:srgbClr val="6600CC"/>
-              </a:solidFill>
-              <a:latin typeface="DFKai-SB" panose="03000509000000000000" charset="-122"/>
-              <a:ea typeface="DFKai-SB" panose="03000509000000000000" charset="-122"/>
-            </a:endParaRPr>
-          </a:p>
-          <a:p>
-            <a:pPr lvl="0" indent="0"/>
-            <a:endParaRPr lang="zh-CN" altLang="en-US" sz="1400" dirty="0">
-              <a:solidFill>
-                <a:srgbClr val="6600CC"/>
-              </a:solidFill>
-              <a:latin typeface="DFKai-SB" panose="03000509000000000000" charset="-122"/>
-              <a:ea typeface="DFKai-SB" panose="03000509000000000000" charset="-122"/>
-            </a:endParaRPr>
-          </a:p>
-          <a:p>
-            <a:pPr lvl="0" indent="0"/>
-            <a:r>
-              <a:rPr lang="zh-CN" altLang="en-US" sz="1400" dirty="0">
-                <a:solidFill>
-                  <a:srgbClr val="333399"/>
-                </a:solidFill>
-                <a:latin typeface="DFKai-SB" panose="03000509000000000000" charset="-122"/>
-                <a:ea typeface="DFKai-SB" panose="03000509000000000000" charset="-122"/>
-              </a:rPr>
-              <a:t>加班類型</a:t>
-            </a:r>
-            <a:r>
-              <a:rPr lang="en-US" altLang="zh-CN" sz="1400" dirty="0">
-                <a:solidFill>
-                  <a:srgbClr val="333399"/>
-                </a:solidFill>
-                <a:latin typeface="DFKai-SB" panose="03000509000000000000" charset="-122"/>
-                <a:ea typeface="DFKai-SB" panose="03000509000000000000" charset="-122"/>
-              </a:rPr>
-              <a:t>:</a:t>
-            </a:r>
-            <a:endParaRPr lang="en-US" altLang="zh-CN" sz="1400" dirty="0">
-              <a:solidFill>
-                <a:srgbClr val="333399"/>
-              </a:solidFill>
-              <a:latin typeface="DFKai-SB" panose="03000509000000000000" charset="-122"/>
-              <a:ea typeface="DFKai-SB" panose="03000509000000000000" charset="-122"/>
-            </a:endParaRPr>
-          </a:p>
-          <a:p>
-            <a:pPr lvl="0" indent="0"/>
-            <a:r>
-              <a:rPr lang="zh-CN" altLang="zh-CN" sz="1400" dirty="0">
-                <a:solidFill>
-                  <a:srgbClr val="6600CC"/>
-                </a:solidFill>
-                <a:latin typeface="DFKai-SB" panose="03000509000000000000" charset="-122"/>
-                <a:ea typeface="DFKai-SB" panose="03000509000000000000" charset="-122"/>
-              </a:rPr>
-              <a:t>加班</a:t>
-            </a:r>
-            <a:r>
-              <a:rPr lang="en-US" altLang="zh-CN" sz="1400" dirty="0">
-                <a:solidFill>
-                  <a:srgbClr val="6600CC"/>
-                </a:solidFill>
-                <a:latin typeface="DFKai-SB" panose="03000509000000000000" charset="-122"/>
-                <a:ea typeface="DFKai-SB" panose="03000509000000000000" charset="-122"/>
-              </a:rPr>
-              <a:t>1-&gt; </a:t>
-            </a:r>
-            <a:r>
-              <a:rPr lang="zh-CN" altLang="zh-CN" sz="1400" dirty="0">
-                <a:solidFill>
-                  <a:srgbClr val="6600CC"/>
-                </a:solidFill>
-                <a:latin typeface="DFKai-SB" panose="03000509000000000000" charset="-122"/>
-                <a:ea typeface="DFKai-SB" panose="03000509000000000000" charset="-122"/>
-              </a:rPr>
-              <a:t>延時加班</a:t>
-            </a:r>
-            <a:endParaRPr lang="zh-CN" altLang="zh-CN" sz="1400" dirty="0">
-              <a:solidFill>
-                <a:srgbClr val="6600CC"/>
-              </a:solidFill>
-              <a:latin typeface="DFKai-SB" panose="03000509000000000000" charset="-122"/>
-              <a:ea typeface="DFKai-SB" panose="03000509000000000000" charset="-122"/>
-            </a:endParaRPr>
-          </a:p>
-          <a:p>
-            <a:pPr lvl="0" indent="0"/>
-            <a:r>
-              <a:rPr lang="zh-CN" altLang="zh-CN" sz="1400" dirty="0">
-                <a:solidFill>
-                  <a:srgbClr val="6600CC"/>
-                </a:solidFill>
-                <a:latin typeface="DFKai-SB" panose="03000509000000000000" charset="-122"/>
-                <a:ea typeface="DFKai-SB" panose="03000509000000000000" charset="-122"/>
-              </a:rPr>
-              <a:t>加班</a:t>
-            </a:r>
-            <a:r>
-              <a:rPr lang="en-US" altLang="zh-CN" sz="1400" dirty="0">
-                <a:solidFill>
-                  <a:srgbClr val="6600CC"/>
-                </a:solidFill>
-                <a:latin typeface="DFKai-SB" panose="03000509000000000000" charset="-122"/>
-                <a:ea typeface="DFKai-SB" panose="03000509000000000000" charset="-122"/>
-              </a:rPr>
-              <a:t>2-&gt; </a:t>
-            </a:r>
-            <a:r>
-              <a:rPr lang="zh-CN" altLang="zh-CN" sz="1400" dirty="0">
-                <a:solidFill>
-                  <a:srgbClr val="6600CC"/>
-                </a:solidFill>
-                <a:latin typeface="DFKai-SB" panose="03000509000000000000" charset="-122"/>
-                <a:ea typeface="DFKai-SB" panose="03000509000000000000" charset="-122"/>
-              </a:rPr>
-              <a:t>例假日加班</a:t>
-            </a:r>
-            <a:endParaRPr lang="zh-CN" altLang="zh-CN" sz="1400" dirty="0">
-              <a:solidFill>
-                <a:srgbClr val="6600CC"/>
-              </a:solidFill>
-              <a:latin typeface="DFKai-SB" panose="03000509000000000000" charset="-122"/>
-              <a:ea typeface="DFKai-SB" panose="03000509000000000000" charset="-122"/>
-            </a:endParaRPr>
-          </a:p>
-          <a:p>
-            <a:pPr lvl="0" indent="0"/>
-            <a:r>
-              <a:rPr lang="zh-CN" altLang="zh-CN" sz="1400" dirty="0">
-                <a:solidFill>
-                  <a:srgbClr val="6600CC"/>
-                </a:solidFill>
-                <a:latin typeface="DFKai-SB" panose="03000509000000000000" charset="-122"/>
-                <a:ea typeface="DFKai-SB" panose="03000509000000000000" charset="-122"/>
-              </a:rPr>
-              <a:t>加班</a:t>
-            </a:r>
-            <a:r>
-              <a:rPr lang="en-US" altLang="zh-CN" sz="1400" dirty="0">
-                <a:solidFill>
-                  <a:srgbClr val="6600CC"/>
-                </a:solidFill>
-                <a:latin typeface="DFKai-SB" panose="03000509000000000000" charset="-122"/>
-                <a:ea typeface="DFKai-SB" panose="03000509000000000000" charset="-122"/>
-              </a:rPr>
-              <a:t>3-&gt; </a:t>
-            </a:r>
-            <a:r>
-              <a:rPr lang="zh-CN" altLang="en-US" sz="1400" dirty="0">
-                <a:solidFill>
-                  <a:srgbClr val="6600CC"/>
-                </a:solidFill>
-                <a:latin typeface="DFKai-SB" panose="03000509000000000000" charset="-122"/>
-                <a:ea typeface="DFKai-SB" panose="03000509000000000000" charset="-122"/>
-              </a:rPr>
-              <a:t>節假日加班</a:t>
-            </a:r>
-            <a:endParaRPr lang="zh-CN" altLang="en-US" sz="1400" dirty="0">
-              <a:solidFill>
-                <a:srgbClr val="6600CC"/>
-              </a:solidFill>
-              <a:latin typeface="DFKai-SB" panose="03000509000000000000" charset="-122"/>
-              <a:ea typeface="DFKai-SB" panose="03000509000000000000" charset="-122"/>
-            </a:endParaRPr>
-          </a:p>
-        </p:txBody>
-      </p:sp>
     </p:spTree>
   </p:cSld>
   <p:clrMapOvr>
@@ -12834,7 +12128,7 @@
       </p:sp>
       <p:sp>
         <p:nvSpPr>
-          <p:cNvPr id="41986" name="標題 238593"/>
+          <p:cNvPr id="36866" name="標題 238593"/>
           <p:cNvSpPr>
             <a:spLocks noGrp="1"/>
           </p:cNvSpPr>
@@ -12861,6 +12155,16 @@
               <a:buClrTx/>
             </a:pPr>
             <a:r>
+              <a:rPr lang="zh-CN" altLang="zh-TW" b="0" dirty="0">
+                <a:solidFill>
+                  <a:srgbClr val="000066"/>
+                </a:solidFill>
+                <a:latin typeface="DFKai-SB" panose="03000509000000000000" charset="-122"/>
+                <a:ea typeface="DFKai-SB" panose="03000509000000000000" charset="-122"/>
+              </a:rPr>
+              <a:t>加班單提交畫面</a:t>
+            </a:r>
+            <a:r>
               <a:rPr lang="en-US" altLang="zh-CN" b="0" dirty="0">
                 <a:solidFill>
                   <a:srgbClr val="000066"/>
@@ -12868,7 +12172,7 @@
                 <a:latin typeface="DFKai-SB" panose="03000509000000000000" charset="-122"/>
                 <a:ea typeface="DFKai-SB" panose="03000509000000000000" charset="-122"/>
               </a:rPr>
-              <a:t>(1)</a:t>
+              <a:t>:</a:t>
             </a:r>
             <a:r>
               <a:rPr lang="zh-CN" altLang="zh-CN" b="0" dirty="0">
@@ -12876,9 +12180,29 @@
                   <a:srgbClr val="000066"/>
                 </a:solidFill>
                 <a:latin typeface="DFKai-SB" panose="03000509000000000000" charset="-122"/>
-                <a:ea typeface="DFKai-SB" panose="03000509000000000000" charset="-122"/>
-              </a:rPr>
-              <a:t>提交員工加班資料 </a:t>
+                <a:ea typeface="宋体" panose="02010600030101010101" pitchFamily="2" charset="-122"/>
+              </a:rPr>
+              <a:t> </a:t>
+            </a:r>
+            <a:r>
+              <a:rPr lang="zh-CN" altLang="zh-TW" b="0" dirty="0">
+                <a:solidFill>
+                  <a:srgbClr val="000066"/>
+                </a:solidFill>
+                <a:latin typeface="DFKai-SB" panose="03000509000000000000" charset="-122"/>
+                <a:ea typeface="DFKai-SB" panose="03000509000000000000" charset="-122"/>
+              </a:rPr>
+              <a:t>在標題列上方挑選 </a:t>
+            </a:r>
+            <a:r>
+              <a:rPr lang="zh-CN" altLang="zh-TW" dirty="0">
+                <a:solidFill>
+                  <a:srgbClr val="000066"/>
+                </a:solidFill>
+                <a:latin typeface="DFKai-SB" panose="03000509000000000000" charset="-122"/>
+                <a:ea typeface="DFKai-SB" panose="03000509000000000000" charset="-122"/>
+              </a:rPr>
+              <a:t>時間 </a:t>
             </a:r>
             <a:r>
               <a:rPr lang="en-US" altLang="zh-CN" b="0" dirty="0">
@@ -12888,22 +12212,29 @@
                 <a:latin typeface="DFKai-SB" panose="03000509000000000000" charset="-122"/>
                 <a:ea typeface="DFKai-SB" panose="03000509000000000000" charset="-122"/>
               </a:rPr>
-              <a:t>-&gt; (2)</a:t>
-            </a:r>
-            <a:r>
-              <a:rPr lang="zh-CN" altLang="en-US" b="0" dirty="0">
-                <a:solidFill>
-                  <a:srgbClr val="000066"/>
-                </a:solidFill>
-                <a:latin typeface="DFKai-SB" panose="03000509000000000000" charset="-122"/>
-                <a:ea typeface="DFKai-SB" panose="03000509000000000000" charset="-122"/>
-              </a:rPr>
-              <a:t>確定提交當前人員資料</a:t>
-            </a:r>
-            <a:endParaRPr lang="en-US" altLang="zh-CN" b="0" dirty="0">
-              <a:solidFill>
-                <a:srgbClr val="000066"/>
-              </a:solidFill>
+              <a:t>&amp; </a:t>
+            </a:r>
+            <a:r>
+              <a:rPr lang="zh-CN" altLang="zh-TW" dirty="0">
+                <a:solidFill>
+                  <a:srgbClr val="000066"/>
+                </a:solidFill>
+                <a:latin typeface="DFKai-SB" panose="03000509000000000000" charset="-122"/>
+                <a:ea typeface="DFKai-SB" panose="03000509000000000000" charset="-122"/>
+              </a:rPr>
+              <a:t>加班類型</a:t>
+            </a:r>
+            <a:r>
+              <a:rPr lang="zh-CN" altLang="zh-TW" b="0" dirty="0">
+                <a:solidFill>
+                  <a:srgbClr val="000066"/>
+                </a:solidFill>
+                <a:latin typeface="DFKai-SB" panose="03000509000000000000" charset="-122"/>
+                <a:ea typeface="DFKai-SB" panose="03000509000000000000" charset="-122"/>
+              </a:rPr>
+              <a:t> </a:t>
+            </a:r>
+            <a:endParaRPr lang="zh-CN" altLang="zh-TW" sz="1600" b="0" dirty="0">
               <a:latin typeface="DFKai-SB" panose="03000509000000000000" charset="-122"/>
               <a:ea typeface="DFKai-SB" panose="03000509000000000000" charset="-122"/>
               <a:sym typeface="宋体" panose="02010600030101010101" pitchFamily="2" charset="-122"/>
@@ -12913,28 +12244,22 @@
       </p:sp>
       <p:pic>
         <p:nvPicPr>
-          <p:cNvPr id="3" name="图片 2"/>
+          <p:cNvPr id="2" name="图片 1" descr="image_2019_07_10T01_15_09_795Z"/>
           <p:cNvPicPr>
             <a:picLocks noChangeAspect="1"/>
           </p:cNvPicPr>
           <p:nvPr/>
         </p:nvPicPr>
         <p:blipFill>
-          <a:blip r:embed="rId1">
-            <a:extLst>
-              <a:ext uri="{28A0092B-C50C-407E-A947-70E740481C1C}">
-                <a14:useLocalDpi xmlns:a14="http://schemas.microsoft.com/office/drawing/2010/main" val="0"/>
-              </a:ext>
-            </a:extLst>
-          </a:blip>
+          <a:blip r:embed="rId1"/>
           <a:stretch>
             <a:fillRect/>
           </a:stretch>
         </p:blipFill>
         <p:spPr>
           <a:xfrm>
-            <a:off x="55563" y="1387541"/>
-            <a:ext cx="9144000" cy="4765504"/>
+            <a:off x="512445" y="836930"/>
+            <a:ext cx="8250555" cy="5701030"/>
           </a:xfrm>
           <a:prstGeom prst="rect">
             <a:avLst/>
@@ -13827,6 +13152,1689 @@
       </p:sp>
       <p:sp>
         <p:nvSpPr>
+          <p:cNvPr id="36866" name="標題 238593"/>
+          <p:cNvSpPr>
+            <a:spLocks noGrp="1"/>
+          </p:cNvSpPr>
+          <p:nvPr/>
+        </p:nvSpPr>
+        <p:spPr>
+          <a:xfrm>
+            <a:off x="512763" y="892175"/>
+            <a:ext cx="8229600" cy="503238"/>
+          </a:xfrm>
+          <a:prstGeom prst="rect">
+            <a:avLst/>
+          </a:prstGeom>
+          <a:noFill/>
+          <a:ln w="9525">
+            <a:noFill/>
+          </a:ln>
+        </p:spPr>
+        <p:txBody>
+          <a:bodyPr anchor="ctr"/>
+          <a:lstStyle/>
+          <a:p>
+            <a:pPr lvl="0" indent="0">
+              <a:buClrTx/>
+            </a:pPr>
+            <a:r>
+              <a:rPr lang="zh-CN" altLang="zh-TW" b="0" dirty="0">
+                <a:solidFill>
+                  <a:srgbClr val="000066"/>
+                </a:solidFill>
+                <a:latin typeface="DFKai-SB" panose="03000509000000000000" charset="-122"/>
+                <a:ea typeface="DFKai-SB" panose="03000509000000000000" charset="-122"/>
+              </a:rPr>
+              <a:t>加班單提交畫面</a:t>
+            </a:r>
+            <a:r>
+              <a:rPr lang="en-US" altLang="zh-CN" b="0" dirty="0">
+                <a:solidFill>
+                  <a:srgbClr val="000066"/>
+                </a:solidFill>
+                <a:latin typeface="DFKai-SB" panose="03000509000000000000" charset="-122"/>
+                <a:ea typeface="DFKai-SB" panose="03000509000000000000" charset="-122"/>
+              </a:rPr>
+              <a:t>:</a:t>
+            </a:r>
+            <a:r>
+              <a:rPr lang="zh-CN" altLang="zh-CN" b="0" dirty="0">
+                <a:solidFill>
+                  <a:srgbClr val="000066"/>
+                </a:solidFill>
+                <a:latin typeface="DFKai-SB" panose="03000509000000000000" charset="-122"/>
+                <a:ea typeface="宋体" panose="02010600030101010101" pitchFamily="2" charset="-122"/>
+              </a:rPr>
+              <a:t> </a:t>
+            </a:r>
+            <a:r>
+              <a:rPr lang="zh-CN" altLang="zh-TW" b="0" dirty="0">
+                <a:solidFill>
+                  <a:srgbClr val="000066"/>
+                </a:solidFill>
+                <a:latin typeface="DFKai-SB" panose="03000509000000000000" charset="-122"/>
+                <a:ea typeface="DFKai-SB" panose="03000509000000000000" charset="-122"/>
+              </a:rPr>
+              <a:t>在標題列上方挑選 </a:t>
+            </a:r>
+            <a:r>
+              <a:rPr lang="zh-CN" altLang="zh-TW" dirty="0">
+                <a:solidFill>
+                  <a:srgbClr val="000066"/>
+                </a:solidFill>
+                <a:latin typeface="DFKai-SB" panose="03000509000000000000" charset="-122"/>
+                <a:ea typeface="DFKai-SB" panose="03000509000000000000" charset="-122"/>
+              </a:rPr>
+              <a:t>時間 </a:t>
+            </a:r>
+            <a:r>
+              <a:rPr lang="en-US" altLang="zh-CN" b="0" dirty="0">
+                <a:solidFill>
+                  <a:srgbClr val="000066"/>
+                </a:solidFill>
+                <a:latin typeface="DFKai-SB" panose="03000509000000000000" charset="-122"/>
+                <a:ea typeface="DFKai-SB" panose="03000509000000000000" charset="-122"/>
+              </a:rPr>
+              <a:t>&amp; </a:t>
+            </a:r>
+            <a:r>
+              <a:rPr lang="zh-CN" altLang="zh-TW" dirty="0">
+                <a:solidFill>
+                  <a:srgbClr val="000066"/>
+                </a:solidFill>
+                <a:latin typeface="DFKai-SB" panose="03000509000000000000" charset="-122"/>
+                <a:ea typeface="DFKai-SB" panose="03000509000000000000" charset="-122"/>
+              </a:rPr>
+              <a:t>加班類型</a:t>
+            </a:r>
+            <a:r>
+              <a:rPr lang="zh-CN" altLang="zh-TW" b="0" dirty="0">
+                <a:solidFill>
+                  <a:srgbClr val="000066"/>
+                </a:solidFill>
+                <a:latin typeface="DFKai-SB" panose="03000509000000000000" charset="-122"/>
+                <a:ea typeface="DFKai-SB" panose="03000509000000000000" charset="-122"/>
+              </a:rPr>
+              <a:t> </a:t>
+            </a:r>
+            <a:endParaRPr lang="zh-CN" altLang="zh-TW" sz="1600" b="0" dirty="0">
+              <a:latin typeface="DFKai-SB" panose="03000509000000000000" charset="-122"/>
+              <a:ea typeface="DFKai-SB" panose="03000509000000000000" charset="-122"/>
+              <a:sym typeface="宋体" panose="02010600030101010101" pitchFamily="2" charset="-122"/>
+            </a:endParaRPr>
+          </a:p>
+        </p:txBody>
+      </p:sp>
+      <p:pic>
+        <p:nvPicPr>
+          <p:cNvPr id="3" name="图片 2"/>
+          <p:cNvPicPr>
+            <a:picLocks noChangeAspect="1"/>
+          </p:cNvPicPr>
+          <p:nvPr/>
+        </p:nvPicPr>
+        <p:blipFill>
+          <a:blip r:embed="rId1"/>
+          <a:stretch>
+            <a:fillRect/>
+          </a:stretch>
+        </p:blipFill>
+        <p:spPr>
+          <a:xfrm>
+            <a:off x="304165" y="1678940"/>
+            <a:ext cx="8251825" cy="4222750"/>
+          </a:xfrm>
+          <a:prstGeom prst="rect">
+            <a:avLst/>
+          </a:prstGeom>
+        </p:spPr>
+      </p:pic>
+    </p:spTree>
+  </p:cSld>
+  <p:clrMapOvr>
+    <a:masterClrMapping/>
+  </p:clrMapOvr>
+</p:sld>
+</file>
+
+<file path=ppt/slides/slide41.xml><?xml version="1.0" encoding="utf-8"?>
+<p:sld xmlns:a="http://schemas.openxmlformats.org/drawingml/2006/main" xmlns:r="http://schemas.openxmlformats.org/officeDocument/2006/relationships" xmlns:p="http://schemas.openxmlformats.org/presentationml/2006/main">
+  <p:cSld>
+    <p:spTree>
+      <p:nvGrpSpPr>
+        <p:cNvPr id="1" name=""/>
+        <p:cNvGrpSpPr/>
+        <p:nvPr/>
+      </p:nvGrpSpPr>
+      <p:grpSpPr>
+        <a:xfrm>
+          <a:off x="0" y="0"/>
+          <a:ext cx="0" cy="0"/>
+          <a:chOff x="0" y="0"/>
+          <a:chExt cx="0" cy="0"/>
+        </a:xfrm>
+      </p:grpSpPr>
+      <p:sp>
+        <p:nvSpPr>
+          <p:cNvPr id="229378" name="標題 229377"/>
+          <p:cNvSpPr>
+            <a:spLocks noGrp="1"/>
+          </p:cNvSpPr>
+          <p:nvPr>
+            <p:ph type="title"/>
+          </p:nvPr>
+        </p:nvSpPr>
+        <p:spPr/>
+        <p:txBody>
+          <a:bodyPr anchor="ctr"/>
+          <a:lstStyle/>
+          <a:p>
+            <a:pPr fontAlgn="base"/>
+            <a:r>
+              <a:rPr lang="en-US" altLang="zh-TW" strike="noStrike" noProof="1">
+                <a:solidFill>
+                  <a:srgbClr val="0000CC"/>
+                </a:solidFill>
+                <a:latin typeface="+mn-ea"/>
+                <a:ea typeface="+mn-ea"/>
+                <a:sym typeface="+mn-ea"/>
+              </a:rPr>
+              <a:t>5.</a:t>
+            </a:r>
+            <a:r>
+              <a:rPr lang="zh-CN" altLang="zh-TW" strike="noStrike" noProof="1">
+                <a:solidFill>
+                  <a:srgbClr val="0000CC"/>
+                </a:solidFill>
+                <a:latin typeface="+mn-ea"/>
+                <a:ea typeface="+mn-ea"/>
+                <a:sym typeface="+mn-ea"/>
+              </a:rPr>
+              <a:t>加班單審核</a:t>
+            </a:r>
+            <a:r>
+              <a:rPr lang="en-US" altLang="zh-CN" strike="noStrike" noProof="1">
+                <a:solidFill>
+                  <a:srgbClr val="0000CC"/>
+                </a:solidFill>
+                <a:latin typeface="+mn-ea"/>
+                <a:ea typeface="+mn-ea"/>
+                <a:sym typeface="+mn-ea"/>
+              </a:rPr>
+              <a:t>(</a:t>
+            </a:r>
+            <a:r>
+              <a:rPr lang="zh-CN" altLang="zh-CN" strike="noStrike" noProof="1">
+                <a:solidFill>
+                  <a:srgbClr val="0000CC"/>
+                </a:solidFill>
+                <a:latin typeface="+mn-ea"/>
+                <a:ea typeface="+mn-ea"/>
+                <a:sym typeface="+mn-ea"/>
+              </a:rPr>
+              <a:t>加班提報</a:t>
+            </a:r>
+            <a:r>
+              <a:rPr lang="en-US" altLang="zh-CN" strike="noStrike" noProof="1">
+                <a:solidFill>
+                  <a:srgbClr val="0000CC"/>
+                </a:solidFill>
+                <a:latin typeface="+mn-ea"/>
+                <a:ea typeface="+mn-ea"/>
+                <a:sym typeface="+mn-ea"/>
+              </a:rPr>
+              <a:t>)</a:t>
+            </a:r>
+            <a:endParaRPr lang="zh-TW" altLang="en-US" strike="noStrike" noProof="1">
+              <a:solidFill>
+                <a:srgbClr val="0000CC"/>
+              </a:solidFill>
+            </a:endParaRPr>
+          </a:p>
+        </p:txBody>
+      </p:sp>
+      <p:sp>
+        <p:nvSpPr>
+          <p:cNvPr id="36866" name="標題 238593"/>
+          <p:cNvSpPr>
+            <a:spLocks noGrp="1"/>
+          </p:cNvSpPr>
+          <p:nvPr/>
+        </p:nvSpPr>
+        <p:spPr>
+          <a:xfrm>
+            <a:off x="512763" y="892175"/>
+            <a:ext cx="8229600" cy="503238"/>
+          </a:xfrm>
+          <a:prstGeom prst="rect">
+            <a:avLst/>
+          </a:prstGeom>
+          <a:noFill/>
+          <a:ln w="9525">
+            <a:noFill/>
+          </a:ln>
+        </p:spPr>
+        <p:txBody>
+          <a:bodyPr anchor="ctr"/>
+          <a:lstStyle/>
+          <a:p>
+            <a:pPr lvl="0" indent="0">
+              <a:buClrTx/>
+            </a:pPr>
+            <a:r>
+              <a:rPr lang="zh-CN" altLang="zh-TW" b="0" dirty="0">
+                <a:solidFill>
+                  <a:srgbClr val="000066"/>
+                </a:solidFill>
+                <a:latin typeface="DFKai-SB" panose="03000509000000000000" charset="-122"/>
+                <a:ea typeface="DFKai-SB" panose="03000509000000000000" charset="-122"/>
+              </a:rPr>
+              <a:t>加班單提交畫面</a:t>
+            </a:r>
+            <a:r>
+              <a:rPr lang="en-US" altLang="zh-CN" b="0" dirty="0">
+                <a:solidFill>
+                  <a:srgbClr val="000066"/>
+                </a:solidFill>
+                <a:latin typeface="DFKai-SB" panose="03000509000000000000" charset="-122"/>
+                <a:ea typeface="DFKai-SB" panose="03000509000000000000" charset="-122"/>
+              </a:rPr>
+              <a:t>:</a:t>
+            </a:r>
+            <a:r>
+              <a:rPr lang="zh-CN" altLang="zh-CN" b="0" dirty="0">
+                <a:solidFill>
+                  <a:srgbClr val="000066"/>
+                </a:solidFill>
+                <a:latin typeface="DFKai-SB" panose="03000509000000000000" charset="-122"/>
+                <a:ea typeface="宋体" panose="02010600030101010101" pitchFamily="2" charset="-122"/>
+              </a:rPr>
+              <a:t> </a:t>
+            </a:r>
+            <a:r>
+              <a:rPr lang="zh-CN" altLang="zh-TW" b="0" dirty="0">
+                <a:solidFill>
+                  <a:srgbClr val="000066"/>
+                </a:solidFill>
+                <a:latin typeface="DFKai-SB" panose="03000509000000000000" charset="-122"/>
+                <a:ea typeface="DFKai-SB" panose="03000509000000000000" charset="-122"/>
+              </a:rPr>
+              <a:t>在標題列上方挑選 </a:t>
+            </a:r>
+            <a:r>
+              <a:rPr lang="zh-CN" altLang="zh-TW" dirty="0">
+                <a:solidFill>
+                  <a:srgbClr val="000066"/>
+                </a:solidFill>
+                <a:latin typeface="DFKai-SB" panose="03000509000000000000" charset="-122"/>
+                <a:ea typeface="DFKai-SB" panose="03000509000000000000" charset="-122"/>
+              </a:rPr>
+              <a:t>時間 </a:t>
+            </a:r>
+            <a:r>
+              <a:rPr lang="en-US" altLang="zh-CN" b="0" dirty="0">
+                <a:solidFill>
+                  <a:srgbClr val="000066"/>
+                </a:solidFill>
+                <a:latin typeface="DFKai-SB" panose="03000509000000000000" charset="-122"/>
+                <a:ea typeface="DFKai-SB" panose="03000509000000000000" charset="-122"/>
+              </a:rPr>
+              <a:t>&amp; </a:t>
+            </a:r>
+            <a:r>
+              <a:rPr lang="zh-CN" altLang="zh-TW" dirty="0">
+                <a:solidFill>
+                  <a:srgbClr val="000066"/>
+                </a:solidFill>
+                <a:latin typeface="DFKai-SB" panose="03000509000000000000" charset="-122"/>
+                <a:ea typeface="DFKai-SB" panose="03000509000000000000" charset="-122"/>
+              </a:rPr>
+              <a:t>加班類型</a:t>
+            </a:r>
+            <a:r>
+              <a:rPr lang="zh-CN" altLang="zh-TW" b="0" dirty="0">
+                <a:solidFill>
+                  <a:srgbClr val="000066"/>
+                </a:solidFill>
+                <a:latin typeface="DFKai-SB" panose="03000509000000000000" charset="-122"/>
+                <a:ea typeface="DFKai-SB" panose="03000509000000000000" charset="-122"/>
+              </a:rPr>
+              <a:t> </a:t>
+            </a:r>
+            <a:endParaRPr lang="zh-CN" altLang="zh-TW" sz="1600" b="0" dirty="0">
+              <a:latin typeface="DFKai-SB" panose="03000509000000000000" charset="-122"/>
+              <a:ea typeface="DFKai-SB" panose="03000509000000000000" charset="-122"/>
+              <a:sym typeface="宋体" panose="02010600030101010101" pitchFamily="2" charset="-122"/>
+            </a:endParaRPr>
+          </a:p>
+        </p:txBody>
+      </p:sp>
+      <p:pic>
+        <p:nvPicPr>
+          <p:cNvPr id="3" name="图片 2"/>
+          <p:cNvPicPr>
+            <a:picLocks noChangeAspect="1"/>
+          </p:cNvPicPr>
+          <p:nvPr/>
+        </p:nvPicPr>
+        <p:blipFill>
+          <a:blip r:embed="rId1"/>
+          <a:stretch>
+            <a:fillRect/>
+          </a:stretch>
+        </p:blipFill>
+        <p:spPr>
+          <a:xfrm>
+            <a:off x="238125" y="1722755"/>
+            <a:ext cx="8504555" cy="4269740"/>
+          </a:xfrm>
+          <a:prstGeom prst="rect">
+            <a:avLst/>
+          </a:prstGeom>
+        </p:spPr>
+      </p:pic>
+    </p:spTree>
+  </p:cSld>
+  <p:clrMapOvr>
+    <a:masterClrMapping/>
+  </p:clrMapOvr>
+</p:sld>
+</file>
+
+<file path=ppt/slides/slide42.xml><?xml version="1.0" encoding="utf-8"?>
+<p:sld xmlns:a="http://schemas.openxmlformats.org/drawingml/2006/main" xmlns:r="http://schemas.openxmlformats.org/officeDocument/2006/relationships" xmlns:p="http://schemas.openxmlformats.org/presentationml/2006/main">
+  <p:cSld>
+    <p:spTree>
+      <p:nvGrpSpPr>
+        <p:cNvPr id="1" name=""/>
+        <p:cNvGrpSpPr/>
+        <p:nvPr/>
+      </p:nvGrpSpPr>
+      <p:grpSpPr>
+        <a:xfrm>
+          <a:off x="0" y="0"/>
+          <a:ext cx="0" cy="0"/>
+          <a:chOff x="0" y="0"/>
+          <a:chExt cx="0" cy="0"/>
+        </a:xfrm>
+      </p:grpSpPr>
+      <p:sp>
+        <p:nvSpPr>
+          <p:cNvPr id="229378" name="標題 229377"/>
+          <p:cNvSpPr>
+            <a:spLocks noGrp="1"/>
+          </p:cNvSpPr>
+          <p:nvPr>
+            <p:ph type="title"/>
+          </p:nvPr>
+        </p:nvSpPr>
+        <p:spPr/>
+        <p:txBody>
+          <a:bodyPr anchor="ctr"/>
+          <a:lstStyle/>
+          <a:p>
+            <a:pPr fontAlgn="base"/>
+            <a:r>
+              <a:rPr lang="en-US" altLang="zh-TW" strike="noStrike" noProof="1">
+                <a:solidFill>
+                  <a:srgbClr val="0000CC"/>
+                </a:solidFill>
+                <a:latin typeface="+mn-ea"/>
+                <a:ea typeface="+mn-ea"/>
+                <a:sym typeface="+mn-ea"/>
+              </a:rPr>
+              <a:t>5.</a:t>
+            </a:r>
+            <a:r>
+              <a:rPr lang="zh-CN" altLang="zh-TW" strike="noStrike" noProof="1">
+                <a:solidFill>
+                  <a:srgbClr val="0000CC"/>
+                </a:solidFill>
+                <a:latin typeface="+mn-ea"/>
+                <a:ea typeface="+mn-ea"/>
+                <a:sym typeface="+mn-ea"/>
+              </a:rPr>
+              <a:t>加班單審核</a:t>
+            </a:r>
+            <a:r>
+              <a:rPr lang="en-US" altLang="zh-CN" strike="noStrike" noProof="1">
+                <a:solidFill>
+                  <a:srgbClr val="0000CC"/>
+                </a:solidFill>
+                <a:latin typeface="+mn-ea"/>
+                <a:ea typeface="+mn-ea"/>
+                <a:sym typeface="+mn-ea"/>
+              </a:rPr>
+              <a:t>(</a:t>
+            </a:r>
+            <a:r>
+              <a:rPr lang="zh-CN" altLang="zh-CN" strike="noStrike" noProof="1">
+                <a:solidFill>
+                  <a:srgbClr val="0000CC"/>
+                </a:solidFill>
+                <a:latin typeface="+mn-ea"/>
+                <a:ea typeface="+mn-ea"/>
+                <a:sym typeface="+mn-ea"/>
+              </a:rPr>
+              <a:t>加班提報</a:t>
+            </a:r>
+            <a:r>
+              <a:rPr lang="en-US" altLang="zh-CN" strike="noStrike" noProof="1">
+                <a:solidFill>
+                  <a:srgbClr val="0000CC"/>
+                </a:solidFill>
+                <a:latin typeface="+mn-ea"/>
+                <a:ea typeface="+mn-ea"/>
+                <a:sym typeface="+mn-ea"/>
+              </a:rPr>
+              <a:t>)</a:t>
+            </a:r>
+            <a:endParaRPr lang="zh-TW" altLang="en-US" strike="noStrike" noProof="1">
+              <a:solidFill>
+                <a:srgbClr val="0000CC"/>
+              </a:solidFill>
+            </a:endParaRPr>
+          </a:p>
+        </p:txBody>
+      </p:sp>
+      <p:sp>
+        <p:nvSpPr>
+          <p:cNvPr id="36866" name="標題 238593"/>
+          <p:cNvSpPr>
+            <a:spLocks noGrp="1"/>
+          </p:cNvSpPr>
+          <p:nvPr/>
+        </p:nvSpPr>
+        <p:spPr>
+          <a:xfrm>
+            <a:off x="512763" y="892175"/>
+            <a:ext cx="8229600" cy="503238"/>
+          </a:xfrm>
+          <a:prstGeom prst="rect">
+            <a:avLst/>
+          </a:prstGeom>
+          <a:noFill/>
+          <a:ln w="9525">
+            <a:noFill/>
+          </a:ln>
+        </p:spPr>
+        <p:txBody>
+          <a:bodyPr anchor="ctr"/>
+          <a:lstStyle/>
+          <a:p>
+            <a:pPr lvl="0" indent="0">
+              <a:buClrTx/>
+            </a:pPr>
+            <a:r>
+              <a:rPr lang="zh-CN" altLang="zh-TW" b="0" dirty="0">
+                <a:solidFill>
+                  <a:srgbClr val="000066"/>
+                </a:solidFill>
+                <a:latin typeface="DFKai-SB" panose="03000509000000000000" charset="-122"/>
+                <a:ea typeface="DFKai-SB" panose="03000509000000000000" charset="-122"/>
+              </a:rPr>
+              <a:t>加班單提交畫面</a:t>
+            </a:r>
+            <a:r>
+              <a:rPr lang="en-US" altLang="zh-CN" b="0" dirty="0">
+                <a:solidFill>
+                  <a:srgbClr val="000066"/>
+                </a:solidFill>
+                <a:latin typeface="DFKai-SB" panose="03000509000000000000" charset="-122"/>
+                <a:ea typeface="DFKai-SB" panose="03000509000000000000" charset="-122"/>
+              </a:rPr>
+              <a:t>:</a:t>
+            </a:r>
+            <a:r>
+              <a:rPr lang="zh-CN" altLang="zh-CN" b="0" dirty="0">
+                <a:solidFill>
+                  <a:srgbClr val="000066"/>
+                </a:solidFill>
+                <a:latin typeface="DFKai-SB" panose="03000509000000000000" charset="-122"/>
+                <a:ea typeface="宋体" panose="02010600030101010101" pitchFamily="2" charset="-122"/>
+              </a:rPr>
+              <a:t> </a:t>
+            </a:r>
+            <a:r>
+              <a:rPr lang="zh-CN" altLang="zh-TW" b="0" dirty="0">
+                <a:solidFill>
+                  <a:srgbClr val="000066"/>
+                </a:solidFill>
+                <a:latin typeface="DFKai-SB" panose="03000509000000000000" charset="-122"/>
+                <a:ea typeface="DFKai-SB" panose="03000509000000000000" charset="-122"/>
+              </a:rPr>
+              <a:t>在標題列上方挑選 </a:t>
+            </a:r>
+            <a:r>
+              <a:rPr lang="zh-CN" altLang="zh-TW" dirty="0">
+                <a:solidFill>
+                  <a:srgbClr val="000066"/>
+                </a:solidFill>
+                <a:latin typeface="DFKai-SB" panose="03000509000000000000" charset="-122"/>
+                <a:ea typeface="DFKai-SB" panose="03000509000000000000" charset="-122"/>
+              </a:rPr>
+              <a:t>時間 </a:t>
+            </a:r>
+            <a:r>
+              <a:rPr lang="en-US" altLang="zh-CN" b="0" dirty="0">
+                <a:solidFill>
+                  <a:srgbClr val="000066"/>
+                </a:solidFill>
+                <a:latin typeface="DFKai-SB" panose="03000509000000000000" charset="-122"/>
+                <a:ea typeface="DFKai-SB" panose="03000509000000000000" charset="-122"/>
+              </a:rPr>
+              <a:t>&amp; </a:t>
+            </a:r>
+            <a:r>
+              <a:rPr lang="zh-CN" altLang="zh-TW" dirty="0">
+                <a:solidFill>
+                  <a:srgbClr val="000066"/>
+                </a:solidFill>
+                <a:latin typeface="DFKai-SB" panose="03000509000000000000" charset="-122"/>
+                <a:ea typeface="DFKai-SB" panose="03000509000000000000" charset="-122"/>
+              </a:rPr>
+              <a:t>加班類型</a:t>
+            </a:r>
+            <a:r>
+              <a:rPr lang="zh-CN" altLang="zh-TW" b="0" dirty="0">
+                <a:solidFill>
+                  <a:srgbClr val="000066"/>
+                </a:solidFill>
+                <a:latin typeface="DFKai-SB" panose="03000509000000000000" charset="-122"/>
+                <a:ea typeface="DFKai-SB" panose="03000509000000000000" charset="-122"/>
+              </a:rPr>
+              <a:t> </a:t>
+            </a:r>
+            <a:endParaRPr lang="zh-CN" altLang="zh-TW" sz="1600" b="0" dirty="0">
+              <a:latin typeface="DFKai-SB" panose="03000509000000000000" charset="-122"/>
+              <a:ea typeface="DFKai-SB" panose="03000509000000000000" charset="-122"/>
+              <a:sym typeface="宋体" panose="02010600030101010101" pitchFamily="2" charset="-122"/>
+            </a:endParaRPr>
+          </a:p>
+        </p:txBody>
+      </p:sp>
+      <p:pic>
+        <p:nvPicPr>
+          <p:cNvPr id="3" name="图片 2"/>
+          <p:cNvPicPr>
+            <a:picLocks noChangeAspect="1"/>
+          </p:cNvPicPr>
+          <p:nvPr/>
+        </p:nvPicPr>
+        <p:blipFill>
+          <a:blip r:embed="rId1"/>
+          <a:stretch>
+            <a:fillRect/>
+          </a:stretch>
+        </p:blipFill>
+        <p:spPr>
+          <a:xfrm>
+            <a:off x="318770" y="1904365"/>
+            <a:ext cx="8368030" cy="4385310"/>
+          </a:xfrm>
+          <a:prstGeom prst="rect">
+            <a:avLst/>
+          </a:prstGeom>
+        </p:spPr>
+      </p:pic>
+    </p:spTree>
+  </p:cSld>
+  <p:clrMapOvr>
+    <a:masterClrMapping/>
+  </p:clrMapOvr>
+</p:sld>
+</file>
+
+<file path=ppt/slides/slide43.xml><?xml version="1.0" encoding="utf-8"?>
+<p:sld xmlns:a="http://schemas.openxmlformats.org/drawingml/2006/main" xmlns:r="http://schemas.openxmlformats.org/officeDocument/2006/relationships" xmlns:p="http://schemas.openxmlformats.org/presentationml/2006/main">
+  <p:cSld>
+    <p:spTree>
+      <p:nvGrpSpPr>
+        <p:cNvPr id="1" name=""/>
+        <p:cNvGrpSpPr/>
+        <p:nvPr/>
+      </p:nvGrpSpPr>
+      <p:grpSpPr>
+        <a:xfrm>
+          <a:off x="0" y="0"/>
+          <a:ext cx="0" cy="0"/>
+          <a:chOff x="0" y="0"/>
+          <a:chExt cx="0" cy="0"/>
+        </a:xfrm>
+      </p:grpSpPr>
+      <p:sp>
+        <p:nvSpPr>
+          <p:cNvPr id="229378" name="標題 229377"/>
+          <p:cNvSpPr>
+            <a:spLocks noGrp="1"/>
+          </p:cNvSpPr>
+          <p:nvPr>
+            <p:ph type="title"/>
+          </p:nvPr>
+        </p:nvSpPr>
+        <p:spPr/>
+        <p:txBody>
+          <a:bodyPr anchor="ctr"/>
+          <a:lstStyle/>
+          <a:p>
+            <a:pPr fontAlgn="base"/>
+            <a:r>
+              <a:rPr lang="en-US" altLang="zh-TW" strike="noStrike" noProof="1">
+                <a:solidFill>
+                  <a:srgbClr val="0000CC"/>
+                </a:solidFill>
+                <a:latin typeface="+mn-ea"/>
+                <a:ea typeface="+mn-ea"/>
+                <a:sym typeface="+mn-ea"/>
+              </a:rPr>
+              <a:t>5.</a:t>
+            </a:r>
+            <a:r>
+              <a:rPr lang="zh-CN" altLang="zh-TW" strike="noStrike" noProof="1">
+                <a:solidFill>
+                  <a:srgbClr val="0000CC"/>
+                </a:solidFill>
+                <a:latin typeface="+mn-ea"/>
+                <a:ea typeface="+mn-ea"/>
+                <a:sym typeface="+mn-ea"/>
+              </a:rPr>
+              <a:t>加班單審核</a:t>
+            </a:r>
+            <a:r>
+              <a:rPr lang="en-US" altLang="zh-CN" strike="noStrike" noProof="1">
+                <a:solidFill>
+                  <a:srgbClr val="0000CC"/>
+                </a:solidFill>
+                <a:latin typeface="+mn-ea"/>
+                <a:ea typeface="+mn-ea"/>
+                <a:sym typeface="+mn-ea"/>
+              </a:rPr>
+              <a:t>(</a:t>
+            </a:r>
+            <a:r>
+              <a:rPr lang="zh-CN" altLang="zh-CN" strike="noStrike" noProof="1">
+                <a:solidFill>
+                  <a:srgbClr val="0000CC"/>
+                </a:solidFill>
+                <a:latin typeface="+mn-ea"/>
+                <a:ea typeface="+mn-ea"/>
+                <a:sym typeface="+mn-ea"/>
+              </a:rPr>
+              <a:t>加班提報</a:t>
+            </a:r>
+            <a:r>
+              <a:rPr lang="en-US" altLang="zh-CN" strike="noStrike" noProof="1">
+                <a:solidFill>
+                  <a:srgbClr val="0000CC"/>
+                </a:solidFill>
+                <a:latin typeface="+mn-ea"/>
+                <a:ea typeface="+mn-ea"/>
+                <a:sym typeface="+mn-ea"/>
+              </a:rPr>
+              <a:t>)</a:t>
+            </a:r>
+            <a:endParaRPr lang="zh-TW" altLang="en-US" strike="noStrike" noProof="1">
+              <a:solidFill>
+                <a:srgbClr val="0000CC"/>
+              </a:solidFill>
+            </a:endParaRPr>
+          </a:p>
+        </p:txBody>
+      </p:sp>
+      <p:sp>
+        <p:nvSpPr>
+          <p:cNvPr id="36866" name="標題 238593"/>
+          <p:cNvSpPr>
+            <a:spLocks noGrp="1"/>
+          </p:cNvSpPr>
+          <p:nvPr/>
+        </p:nvSpPr>
+        <p:spPr>
+          <a:xfrm>
+            <a:off x="512763" y="892175"/>
+            <a:ext cx="8229600" cy="503238"/>
+          </a:xfrm>
+          <a:prstGeom prst="rect">
+            <a:avLst/>
+          </a:prstGeom>
+          <a:noFill/>
+          <a:ln w="9525">
+            <a:noFill/>
+          </a:ln>
+        </p:spPr>
+        <p:txBody>
+          <a:bodyPr anchor="ctr"/>
+          <a:lstStyle/>
+          <a:p>
+            <a:pPr lvl="0" indent="0">
+              <a:buClrTx/>
+            </a:pPr>
+            <a:r>
+              <a:rPr lang="zh-CN" altLang="zh-TW" b="0" dirty="0">
+                <a:solidFill>
+                  <a:srgbClr val="000066"/>
+                </a:solidFill>
+                <a:latin typeface="DFKai-SB" panose="03000509000000000000" charset="-122"/>
+                <a:ea typeface="DFKai-SB" panose="03000509000000000000" charset="-122"/>
+              </a:rPr>
+              <a:t>加班單提交畫面</a:t>
+            </a:r>
+            <a:r>
+              <a:rPr lang="en-US" altLang="zh-CN" b="0" dirty="0">
+                <a:solidFill>
+                  <a:srgbClr val="000066"/>
+                </a:solidFill>
+                <a:latin typeface="DFKai-SB" panose="03000509000000000000" charset="-122"/>
+                <a:ea typeface="DFKai-SB" panose="03000509000000000000" charset="-122"/>
+              </a:rPr>
+              <a:t>:</a:t>
+            </a:r>
+            <a:r>
+              <a:rPr lang="zh-CN" altLang="zh-CN" b="0" dirty="0">
+                <a:solidFill>
+                  <a:srgbClr val="000066"/>
+                </a:solidFill>
+                <a:latin typeface="DFKai-SB" panose="03000509000000000000" charset="-122"/>
+                <a:ea typeface="宋体" panose="02010600030101010101" pitchFamily="2" charset="-122"/>
+              </a:rPr>
+              <a:t> </a:t>
+            </a:r>
+            <a:r>
+              <a:rPr lang="zh-CN" altLang="zh-TW" b="0" dirty="0">
+                <a:solidFill>
+                  <a:srgbClr val="000066"/>
+                </a:solidFill>
+                <a:latin typeface="DFKai-SB" panose="03000509000000000000" charset="-122"/>
+                <a:ea typeface="DFKai-SB" panose="03000509000000000000" charset="-122"/>
+              </a:rPr>
+              <a:t>在標題列上方挑選 </a:t>
+            </a:r>
+            <a:r>
+              <a:rPr lang="zh-CN" altLang="zh-TW" dirty="0">
+                <a:solidFill>
+                  <a:srgbClr val="000066"/>
+                </a:solidFill>
+                <a:latin typeface="DFKai-SB" panose="03000509000000000000" charset="-122"/>
+                <a:ea typeface="DFKai-SB" panose="03000509000000000000" charset="-122"/>
+              </a:rPr>
+              <a:t>時間 </a:t>
+            </a:r>
+            <a:r>
+              <a:rPr lang="en-US" altLang="zh-CN" b="0" dirty="0">
+                <a:solidFill>
+                  <a:srgbClr val="000066"/>
+                </a:solidFill>
+                <a:latin typeface="DFKai-SB" panose="03000509000000000000" charset="-122"/>
+                <a:ea typeface="DFKai-SB" panose="03000509000000000000" charset="-122"/>
+              </a:rPr>
+              <a:t>&amp; </a:t>
+            </a:r>
+            <a:r>
+              <a:rPr lang="zh-CN" altLang="zh-TW" dirty="0">
+                <a:solidFill>
+                  <a:srgbClr val="000066"/>
+                </a:solidFill>
+                <a:latin typeface="DFKai-SB" panose="03000509000000000000" charset="-122"/>
+                <a:ea typeface="DFKai-SB" panose="03000509000000000000" charset="-122"/>
+              </a:rPr>
+              <a:t>加班類型</a:t>
+            </a:r>
+            <a:r>
+              <a:rPr lang="zh-CN" altLang="zh-TW" b="0" dirty="0">
+                <a:solidFill>
+                  <a:srgbClr val="000066"/>
+                </a:solidFill>
+                <a:latin typeface="DFKai-SB" panose="03000509000000000000" charset="-122"/>
+                <a:ea typeface="DFKai-SB" panose="03000509000000000000" charset="-122"/>
+              </a:rPr>
+              <a:t> </a:t>
+            </a:r>
+            <a:endParaRPr lang="zh-CN" altLang="zh-TW" sz="1600" b="0" dirty="0">
+              <a:latin typeface="DFKai-SB" panose="03000509000000000000" charset="-122"/>
+              <a:ea typeface="DFKai-SB" panose="03000509000000000000" charset="-122"/>
+              <a:sym typeface="宋体" panose="02010600030101010101" pitchFamily="2" charset="-122"/>
+            </a:endParaRPr>
+          </a:p>
+        </p:txBody>
+      </p:sp>
+      <p:pic>
+        <p:nvPicPr>
+          <p:cNvPr id="4" name="图片 3"/>
+          <p:cNvPicPr>
+            <a:picLocks noChangeAspect="1"/>
+          </p:cNvPicPr>
+          <p:nvPr/>
+        </p:nvPicPr>
+        <p:blipFill>
+          <a:blip r:embed="rId1"/>
+          <a:stretch>
+            <a:fillRect/>
+          </a:stretch>
+        </p:blipFill>
+        <p:spPr>
+          <a:xfrm>
+            <a:off x="299720" y="1936115"/>
+            <a:ext cx="8545195" cy="4085590"/>
+          </a:xfrm>
+          <a:prstGeom prst="rect">
+            <a:avLst/>
+          </a:prstGeom>
+        </p:spPr>
+      </p:pic>
+    </p:spTree>
+  </p:cSld>
+  <p:clrMapOvr>
+    <a:masterClrMapping/>
+  </p:clrMapOvr>
+</p:sld>
+</file>
+
+<file path=ppt/slides/slide44.xml><?xml version="1.0" encoding="utf-8"?>
+<p:sld xmlns:a="http://schemas.openxmlformats.org/drawingml/2006/main" xmlns:r="http://schemas.openxmlformats.org/officeDocument/2006/relationships" xmlns:p="http://schemas.openxmlformats.org/presentationml/2006/main">
+  <p:cSld>
+    <p:spTree>
+      <p:nvGrpSpPr>
+        <p:cNvPr id="1" name=""/>
+        <p:cNvGrpSpPr/>
+        <p:nvPr/>
+      </p:nvGrpSpPr>
+      <p:grpSpPr>
+        <a:xfrm>
+          <a:off x="0" y="0"/>
+          <a:ext cx="0" cy="0"/>
+          <a:chOff x="0" y="0"/>
+          <a:chExt cx="0" cy="0"/>
+        </a:xfrm>
+      </p:grpSpPr>
+      <p:pic>
+        <p:nvPicPr>
+          <p:cNvPr id="3" name="图片 2"/>
+          <p:cNvPicPr>
+            <a:picLocks noChangeAspect="1"/>
+          </p:cNvPicPr>
+          <p:nvPr/>
+        </p:nvPicPr>
+        <p:blipFill>
+          <a:blip r:embed="rId1">
+            <a:extLst>
+              <a:ext uri="{28A0092B-C50C-407E-A947-70E740481C1C}">
+                <a14:useLocalDpi xmlns:a14="http://schemas.microsoft.com/office/drawing/2010/main" val="0"/>
+              </a:ext>
+            </a:extLst>
+          </a:blip>
+          <a:stretch>
+            <a:fillRect/>
+          </a:stretch>
+        </p:blipFill>
+        <p:spPr>
+          <a:xfrm>
+            <a:off x="17463" y="1340168"/>
+            <a:ext cx="9144000" cy="5013960"/>
+          </a:xfrm>
+          <a:prstGeom prst="rect">
+            <a:avLst/>
+          </a:prstGeom>
+        </p:spPr>
+      </p:pic>
+      <p:sp>
+        <p:nvSpPr>
+          <p:cNvPr id="229378" name="標題 229377"/>
+          <p:cNvSpPr>
+            <a:spLocks noGrp="1"/>
+          </p:cNvSpPr>
+          <p:nvPr>
+            <p:ph type="title"/>
+          </p:nvPr>
+        </p:nvSpPr>
+        <p:spPr/>
+        <p:txBody>
+          <a:bodyPr anchor="ctr"/>
+          <a:lstStyle/>
+          <a:p>
+            <a:pPr fontAlgn="base"/>
+            <a:r>
+              <a:rPr lang="en-US" altLang="zh-TW" strike="noStrike" noProof="1">
+                <a:solidFill>
+                  <a:srgbClr val="0000CC"/>
+                </a:solidFill>
+                <a:latin typeface="+mn-ea"/>
+                <a:ea typeface="+mn-ea"/>
+                <a:sym typeface="+mn-ea"/>
+              </a:rPr>
+              <a:t>5.</a:t>
+            </a:r>
+            <a:r>
+              <a:rPr lang="zh-CN" altLang="zh-TW" strike="noStrike" noProof="1">
+                <a:solidFill>
+                  <a:srgbClr val="0000CC"/>
+                </a:solidFill>
+                <a:latin typeface="+mn-ea"/>
+                <a:ea typeface="+mn-ea"/>
+                <a:sym typeface="+mn-ea"/>
+              </a:rPr>
+              <a:t>加班單審核</a:t>
+            </a:r>
+            <a:r>
+              <a:rPr lang="en-US" altLang="zh-CN" strike="noStrike" noProof="1">
+                <a:solidFill>
+                  <a:srgbClr val="0000CC"/>
+                </a:solidFill>
+                <a:latin typeface="+mn-ea"/>
+                <a:ea typeface="+mn-ea"/>
+                <a:sym typeface="+mn-ea"/>
+              </a:rPr>
+              <a:t>(</a:t>
+            </a:r>
+            <a:r>
+              <a:rPr lang="zh-CN" altLang="zh-CN" strike="noStrike" noProof="1">
+                <a:solidFill>
+                  <a:srgbClr val="0000CC"/>
+                </a:solidFill>
+                <a:latin typeface="+mn-ea"/>
+                <a:ea typeface="+mn-ea"/>
+                <a:sym typeface="+mn-ea"/>
+              </a:rPr>
+              <a:t>加班提報</a:t>
+            </a:r>
+            <a:r>
+              <a:rPr lang="en-US" altLang="zh-CN" strike="noStrike" noProof="1">
+                <a:solidFill>
+                  <a:srgbClr val="0000CC"/>
+                </a:solidFill>
+                <a:latin typeface="+mn-ea"/>
+                <a:ea typeface="+mn-ea"/>
+                <a:sym typeface="+mn-ea"/>
+              </a:rPr>
+              <a:t>)</a:t>
+            </a:r>
+            <a:endParaRPr lang="zh-TW" altLang="en-US" strike="noStrike" noProof="1">
+              <a:solidFill>
+                <a:srgbClr val="0000CC"/>
+              </a:solidFill>
+            </a:endParaRPr>
+          </a:p>
+        </p:txBody>
+      </p:sp>
+      <p:sp>
+        <p:nvSpPr>
+          <p:cNvPr id="37890" name="標題 238593"/>
+          <p:cNvSpPr>
+            <a:spLocks noGrp="1"/>
+          </p:cNvSpPr>
+          <p:nvPr/>
+        </p:nvSpPr>
+        <p:spPr>
+          <a:xfrm>
+            <a:off x="474663" y="836930"/>
+            <a:ext cx="8229600" cy="503238"/>
+          </a:xfrm>
+          <a:prstGeom prst="rect">
+            <a:avLst/>
+          </a:prstGeom>
+          <a:noFill/>
+          <a:ln w="9525">
+            <a:noFill/>
+          </a:ln>
+        </p:spPr>
+        <p:txBody>
+          <a:bodyPr anchor="ctr"/>
+          <a:lstStyle/>
+          <a:p>
+            <a:pPr lvl="0" indent="0">
+              <a:buClrTx/>
+            </a:pPr>
+            <a:r>
+              <a:rPr lang="zh-CN" altLang="en-US" b="0" dirty="0">
+                <a:solidFill>
+                  <a:srgbClr val="000066"/>
+                </a:solidFill>
+                <a:latin typeface="DFKai-SB" panose="03000509000000000000" charset="-122"/>
+                <a:ea typeface="DFKai-SB" panose="03000509000000000000" charset="-122"/>
+                <a:sym typeface="宋体" panose="02010600030101010101" pitchFamily="2" charset="-122"/>
+              </a:rPr>
+              <a:t>系統依</a:t>
+            </a:r>
+            <a:r>
+              <a:rPr lang="zh-CN" altLang="en-US" dirty="0">
+                <a:solidFill>
+                  <a:srgbClr val="000066"/>
+                </a:solidFill>
+                <a:latin typeface="DFKai-SB" panose="03000509000000000000" charset="-122"/>
+                <a:ea typeface="DFKai-SB" panose="03000509000000000000" charset="-122"/>
+                <a:sym typeface="宋体" panose="02010600030101010101" pitchFamily="2" charset="-122"/>
+              </a:rPr>
+              <a:t>時間</a:t>
+            </a:r>
+            <a:r>
+              <a:rPr lang="zh-CN" altLang="zh-CN" b="0" dirty="0">
+                <a:solidFill>
+                  <a:srgbClr val="000066"/>
+                </a:solidFill>
+                <a:latin typeface="DFKai-SB" panose="03000509000000000000" charset="-122"/>
+                <a:ea typeface="DFKai-SB" panose="03000509000000000000" charset="-122"/>
+                <a:sym typeface="宋体" panose="02010600030101010101" pitchFamily="2" charset="-122"/>
+              </a:rPr>
+              <a:t>顯示加班時段，并計算出員工加班小時數，請檢核確認</a:t>
+            </a:r>
+            <a:endParaRPr lang="zh-CN" altLang="zh-CN" b="0" dirty="0">
+              <a:solidFill>
+                <a:srgbClr val="000066"/>
+              </a:solidFill>
+              <a:latin typeface="DFKai-SB" panose="03000509000000000000" charset="-122"/>
+              <a:ea typeface="DFKai-SB" panose="03000509000000000000" charset="-122"/>
+              <a:sym typeface="宋体" panose="02010600030101010101" pitchFamily="2" charset="-122"/>
+            </a:endParaRPr>
+          </a:p>
+        </p:txBody>
+      </p:sp>
+      <p:sp>
+        <p:nvSpPr>
+          <p:cNvPr id="37893" name="矩形圖說文字 226308"/>
+          <p:cNvSpPr/>
+          <p:nvPr/>
+        </p:nvSpPr>
+        <p:spPr>
+          <a:xfrm>
+            <a:off x="6948264" y="5157192"/>
+            <a:ext cx="1900555" cy="1597025"/>
+          </a:xfrm>
+          <a:prstGeom prst="wedgeRectCallout">
+            <a:avLst>
+              <a:gd name="adj1" fmla="val -20037"/>
+              <a:gd name="adj2" fmla="val -45116"/>
+            </a:avLst>
+          </a:prstGeom>
+          <a:gradFill rotWithShape="1">
+            <a:gsLst>
+              <a:gs pos="0">
+                <a:srgbClr val="FCFDFE">
+                  <a:alpha val="100000"/>
+                </a:srgbClr>
+              </a:gs>
+              <a:gs pos="74001">
+                <a:srgbClr val="E0F1F2">
+                  <a:alpha val="100000"/>
+                </a:srgbClr>
+              </a:gs>
+              <a:gs pos="83000">
+                <a:srgbClr val="E0F1F2">
+                  <a:alpha val="100000"/>
+                </a:srgbClr>
+              </a:gs>
+              <a:gs pos="100000">
+                <a:srgbClr val="EBF6F7">
+                  <a:alpha val="100000"/>
+                </a:srgbClr>
+              </a:gs>
+            </a:gsLst>
+            <a:lin ang="5400000"/>
+            <a:tileRect/>
+          </a:gradFill>
+          <a:ln w="6350" cap="flat" cmpd="sng">
+            <a:solidFill>
+              <a:srgbClr val="800080"/>
+            </a:solidFill>
+            <a:prstDash val="solid"/>
+            <a:miter/>
+            <a:headEnd type="none" w="med" len="med"/>
+            <a:tailEnd type="none" w="med" len="med"/>
+          </a:ln>
+        </p:spPr>
+        <p:txBody>
+          <a:bodyPr anchor="t"/>
+          <a:lstStyle/>
+          <a:p>
+            <a:pPr lvl="0" indent="0"/>
+            <a:r>
+              <a:rPr lang="zh-CN" altLang="en-US" sz="1400" dirty="0">
+                <a:solidFill>
+                  <a:srgbClr val="333399"/>
+                </a:solidFill>
+                <a:latin typeface="DFKai-SB" panose="03000509000000000000" charset="-122"/>
+                <a:ea typeface="DFKai-SB" panose="03000509000000000000" charset="-122"/>
+              </a:rPr>
+              <a:t>時間</a:t>
+            </a:r>
+            <a:r>
+              <a:rPr lang="en-US" altLang="zh-CN" sz="1400" dirty="0">
+                <a:solidFill>
+                  <a:srgbClr val="333399"/>
+                </a:solidFill>
+                <a:latin typeface="DFKai-SB" panose="03000509000000000000" charset="-122"/>
+                <a:ea typeface="DFKai-SB" panose="03000509000000000000" charset="-122"/>
+              </a:rPr>
+              <a:t>: </a:t>
+            </a:r>
+            <a:endParaRPr lang="en-US" altLang="zh-CN" sz="1400" dirty="0">
+              <a:solidFill>
+                <a:srgbClr val="333399"/>
+              </a:solidFill>
+              <a:latin typeface="DFKai-SB" panose="03000509000000000000" charset="-122"/>
+              <a:ea typeface="DFKai-SB" panose="03000509000000000000" charset="-122"/>
+            </a:endParaRPr>
+          </a:p>
+          <a:p>
+            <a:pPr lvl="0" indent="0"/>
+            <a:r>
+              <a:rPr lang="zh-CN" altLang="zh-CN" sz="1400" dirty="0">
+                <a:solidFill>
+                  <a:srgbClr val="6600CC"/>
+                </a:solidFill>
+                <a:latin typeface="DFKai-SB" panose="03000509000000000000" charset="-122"/>
+                <a:ea typeface="DFKai-SB" panose="03000509000000000000" charset="-122"/>
+              </a:rPr>
+              <a:t>正常班</a:t>
+            </a:r>
+            <a:r>
+              <a:rPr lang="en-US" altLang="zh-CN" sz="1400" dirty="0">
+                <a:solidFill>
+                  <a:srgbClr val="6600CC"/>
+                </a:solidFill>
+                <a:latin typeface="DFKai-SB" panose="03000509000000000000" charset="-122"/>
+                <a:ea typeface="DFKai-SB" panose="03000509000000000000" charset="-122"/>
+              </a:rPr>
+              <a:t>/</a:t>
+            </a:r>
+            <a:r>
+              <a:rPr lang="zh-CN" altLang="en-US" sz="1400" dirty="0">
+                <a:solidFill>
+                  <a:srgbClr val="6600CC"/>
+                </a:solidFill>
+                <a:latin typeface="DFKai-SB" panose="03000509000000000000" charset="-122"/>
+                <a:ea typeface="DFKai-SB" panose="03000509000000000000" charset="-122"/>
+              </a:rPr>
+              <a:t>假日班</a:t>
+            </a:r>
+            <a:endParaRPr lang="zh-CN" altLang="en-US" sz="1400" dirty="0">
+              <a:solidFill>
+                <a:srgbClr val="6600CC"/>
+              </a:solidFill>
+              <a:latin typeface="DFKai-SB" panose="03000509000000000000" charset="-122"/>
+              <a:ea typeface="DFKai-SB" panose="03000509000000000000" charset="-122"/>
+            </a:endParaRPr>
+          </a:p>
+          <a:p>
+            <a:pPr lvl="0" indent="0"/>
+            <a:endParaRPr lang="zh-CN" altLang="en-US" sz="1400" dirty="0">
+              <a:solidFill>
+                <a:srgbClr val="6600CC"/>
+              </a:solidFill>
+              <a:latin typeface="DFKai-SB" panose="03000509000000000000" charset="-122"/>
+              <a:ea typeface="DFKai-SB" panose="03000509000000000000" charset="-122"/>
+            </a:endParaRPr>
+          </a:p>
+          <a:p>
+            <a:pPr lvl="0" indent="0"/>
+            <a:r>
+              <a:rPr lang="zh-CN" altLang="en-US" sz="1400" dirty="0">
+                <a:solidFill>
+                  <a:srgbClr val="333399"/>
+                </a:solidFill>
+                <a:latin typeface="DFKai-SB" panose="03000509000000000000" charset="-122"/>
+                <a:ea typeface="DFKai-SB" panose="03000509000000000000" charset="-122"/>
+              </a:rPr>
+              <a:t>加班類型</a:t>
+            </a:r>
+            <a:r>
+              <a:rPr lang="en-US" altLang="zh-CN" sz="1400" dirty="0">
+                <a:solidFill>
+                  <a:srgbClr val="333399"/>
+                </a:solidFill>
+                <a:latin typeface="DFKai-SB" panose="03000509000000000000" charset="-122"/>
+                <a:ea typeface="DFKai-SB" panose="03000509000000000000" charset="-122"/>
+              </a:rPr>
+              <a:t>:</a:t>
+            </a:r>
+            <a:endParaRPr lang="en-US" altLang="zh-CN" sz="1400" dirty="0">
+              <a:solidFill>
+                <a:srgbClr val="333399"/>
+              </a:solidFill>
+              <a:latin typeface="DFKai-SB" panose="03000509000000000000" charset="-122"/>
+              <a:ea typeface="DFKai-SB" panose="03000509000000000000" charset="-122"/>
+            </a:endParaRPr>
+          </a:p>
+          <a:p>
+            <a:pPr lvl="0" indent="0"/>
+            <a:r>
+              <a:rPr lang="zh-CN" altLang="zh-CN" sz="1400" dirty="0">
+                <a:solidFill>
+                  <a:srgbClr val="6600CC"/>
+                </a:solidFill>
+                <a:latin typeface="DFKai-SB" panose="03000509000000000000" charset="-122"/>
+                <a:ea typeface="DFKai-SB" panose="03000509000000000000" charset="-122"/>
+              </a:rPr>
+              <a:t>加班</a:t>
+            </a:r>
+            <a:r>
+              <a:rPr lang="en-US" altLang="zh-CN" sz="1400" dirty="0">
+                <a:solidFill>
+                  <a:srgbClr val="6600CC"/>
+                </a:solidFill>
+                <a:latin typeface="DFKai-SB" panose="03000509000000000000" charset="-122"/>
+                <a:ea typeface="DFKai-SB" panose="03000509000000000000" charset="-122"/>
+              </a:rPr>
+              <a:t>1-&gt; </a:t>
+            </a:r>
+            <a:r>
+              <a:rPr lang="zh-CN" altLang="zh-CN" sz="1400" dirty="0">
+                <a:solidFill>
+                  <a:srgbClr val="6600CC"/>
+                </a:solidFill>
+                <a:latin typeface="DFKai-SB" panose="03000509000000000000" charset="-122"/>
+                <a:ea typeface="DFKai-SB" panose="03000509000000000000" charset="-122"/>
+              </a:rPr>
+              <a:t>延時加班</a:t>
+            </a:r>
+            <a:endParaRPr lang="zh-CN" altLang="zh-CN" sz="1400" dirty="0">
+              <a:solidFill>
+                <a:srgbClr val="6600CC"/>
+              </a:solidFill>
+              <a:latin typeface="DFKai-SB" panose="03000509000000000000" charset="-122"/>
+              <a:ea typeface="DFKai-SB" panose="03000509000000000000" charset="-122"/>
+            </a:endParaRPr>
+          </a:p>
+          <a:p>
+            <a:pPr lvl="0" indent="0"/>
+            <a:r>
+              <a:rPr lang="zh-CN" altLang="zh-CN" sz="1400" dirty="0">
+                <a:solidFill>
+                  <a:srgbClr val="6600CC"/>
+                </a:solidFill>
+                <a:latin typeface="DFKai-SB" panose="03000509000000000000" charset="-122"/>
+                <a:ea typeface="DFKai-SB" panose="03000509000000000000" charset="-122"/>
+              </a:rPr>
+              <a:t>加班</a:t>
+            </a:r>
+            <a:r>
+              <a:rPr lang="en-US" altLang="zh-CN" sz="1400" dirty="0">
+                <a:solidFill>
+                  <a:srgbClr val="6600CC"/>
+                </a:solidFill>
+                <a:latin typeface="DFKai-SB" panose="03000509000000000000" charset="-122"/>
+                <a:ea typeface="DFKai-SB" panose="03000509000000000000" charset="-122"/>
+              </a:rPr>
+              <a:t>2-&gt; </a:t>
+            </a:r>
+            <a:r>
+              <a:rPr lang="zh-CN" altLang="zh-CN" sz="1400" dirty="0">
+                <a:solidFill>
+                  <a:srgbClr val="6600CC"/>
+                </a:solidFill>
+                <a:latin typeface="DFKai-SB" panose="03000509000000000000" charset="-122"/>
+                <a:ea typeface="DFKai-SB" panose="03000509000000000000" charset="-122"/>
+              </a:rPr>
+              <a:t>例假日加班</a:t>
+            </a:r>
+            <a:endParaRPr lang="zh-CN" altLang="zh-CN" sz="1400" dirty="0">
+              <a:solidFill>
+                <a:srgbClr val="6600CC"/>
+              </a:solidFill>
+              <a:latin typeface="DFKai-SB" panose="03000509000000000000" charset="-122"/>
+              <a:ea typeface="DFKai-SB" panose="03000509000000000000" charset="-122"/>
+            </a:endParaRPr>
+          </a:p>
+          <a:p>
+            <a:pPr lvl="0" indent="0"/>
+            <a:r>
+              <a:rPr lang="zh-CN" altLang="zh-CN" sz="1400" dirty="0">
+                <a:solidFill>
+                  <a:srgbClr val="6600CC"/>
+                </a:solidFill>
+                <a:latin typeface="DFKai-SB" panose="03000509000000000000" charset="-122"/>
+                <a:ea typeface="DFKai-SB" panose="03000509000000000000" charset="-122"/>
+              </a:rPr>
+              <a:t>加班</a:t>
+            </a:r>
+            <a:r>
+              <a:rPr lang="en-US" altLang="zh-CN" sz="1400" dirty="0">
+                <a:solidFill>
+                  <a:srgbClr val="6600CC"/>
+                </a:solidFill>
+                <a:latin typeface="DFKai-SB" panose="03000509000000000000" charset="-122"/>
+                <a:ea typeface="DFKai-SB" panose="03000509000000000000" charset="-122"/>
+              </a:rPr>
+              <a:t>3-&gt; </a:t>
+            </a:r>
+            <a:r>
+              <a:rPr lang="zh-CN" altLang="en-US" sz="1400" dirty="0">
+                <a:solidFill>
+                  <a:srgbClr val="6600CC"/>
+                </a:solidFill>
+                <a:latin typeface="DFKai-SB" panose="03000509000000000000" charset="-122"/>
+                <a:ea typeface="DFKai-SB" panose="03000509000000000000" charset="-122"/>
+              </a:rPr>
+              <a:t>節假日加班</a:t>
+            </a:r>
+            <a:endParaRPr lang="zh-CN" altLang="en-US" sz="1400" dirty="0">
+              <a:solidFill>
+                <a:srgbClr val="6600CC"/>
+              </a:solidFill>
+              <a:latin typeface="DFKai-SB" panose="03000509000000000000" charset="-122"/>
+              <a:ea typeface="DFKai-SB" panose="03000509000000000000" charset="-122"/>
+            </a:endParaRPr>
+          </a:p>
+        </p:txBody>
+      </p:sp>
+    </p:spTree>
+  </p:cSld>
+  <p:clrMapOvr>
+    <a:masterClrMapping/>
+  </p:clrMapOvr>
+</p:sld>
+</file>
+
+<file path=ppt/slides/slide45.xml><?xml version="1.0" encoding="utf-8"?>
+<p:sld xmlns:a="http://schemas.openxmlformats.org/drawingml/2006/main" xmlns:r="http://schemas.openxmlformats.org/officeDocument/2006/relationships" xmlns:p="http://schemas.openxmlformats.org/presentationml/2006/main">
+  <p:cSld>
+    <p:spTree>
+      <p:nvGrpSpPr>
+        <p:cNvPr id="1" name=""/>
+        <p:cNvGrpSpPr/>
+        <p:nvPr/>
+      </p:nvGrpSpPr>
+      <p:grpSpPr>
+        <a:xfrm>
+          <a:off x="0" y="0"/>
+          <a:ext cx="0" cy="0"/>
+          <a:chOff x="0" y="0"/>
+          <a:chExt cx="0" cy="0"/>
+        </a:xfrm>
+      </p:grpSpPr>
+      <p:sp>
+        <p:nvSpPr>
+          <p:cNvPr id="229378" name="標題 229377"/>
+          <p:cNvSpPr>
+            <a:spLocks noGrp="1"/>
+          </p:cNvSpPr>
+          <p:nvPr>
+            <p:ph type="title"/>
+          </p:nvPr>
+        </p:nvSpPr>
+        <p:spPr/>
+        <p:txBody>
+          <a:bodyPr anchor="ctr"/>
+          <a:lstStyle/>
+          <a:p>
+            <a:pPr fontAlgn="base"/>
+            <a:r>
+              <a:rPr lang="en-US" altLang="zh-TW" strike="noStrike" noProof="1">
+                <a:solidFill>
+                  <a:srgbClr val="0000CC"/>
+                </a:solidFill>
+                <a:latin typeface="+mn-ea"/>
+                <a:ea typeface="+mn-ea"/>
+                <a:sym typeface="+mn-ea"/>
+              </a:rPr>
+              <a:t>5.</a:t>
+            </a:r>
+            <a:r>
+              <a:rPr lang="zh-CN" altLang="zh-TW" strike="noStrike" noProof="1">
+                <a:solidFill>
+                  <a:srgbClr val="0000CC"/>
+                </a:solidFill>
+                <a:latin typeface="+mn-ea"/>
+                <a:ea typeface="+mn-ea"/>
+                <a:sym typeface="+mn-ea"/>
+              </a:rPr>
+              <a:t>加班單審核</a:t>
+            </a:r>
+            <a:r>
+              <a:rPr lang="en-US" altLang="zh-CN" strike="noStrike" noProof="1">
+                <a:solidFill>
+                  <a:srgbClr val="0000CC"/>
+                </a:solidFill>
+                <a:latin typeface="+mn-ea"/>
+                <a:ea typeface="+mn-ea"/>
+                <a:sym typeface="+mn-ea"/>
+              </a:rPr>
+              <a:t>(</a:t>
+            </a:r>
+            <a:r>
+              <a:rPr lang="zh-CN" altLang="zh-CN" strike="noStrike" noProof="1">
+                <a:solidFill>
+                  <a:srgbClr val="0000CC"/>
+                </a:solidFill>
+                <a:latin typeface="+mn-ea"/>
+                <a:ea typeface="+mn-ea"/>
+                <a:sym typeface="+mn-ea"/>
+              </a:rPr>
+              <a:t>加班提報</a:t>
+            </a:r>
+            <a:r>
+              <a:rPr lang="en-US" altLang="zh-CN" strike="noStrike" noProof="1">
+                <a:solidFill>
+                  <a:srgbClr val="0000CC"/>
+                </a:solidFill>
+                <a:latin typeface="+mn-ea"/>
+                <a:ea typeface="+mn-ea"/>
+                <a:sym typeface="+mn-ea"/>
+              </a:rPr>
+              <a:t>)</a:t>
+            </a:r>
+            <a:endParaRPr lang="zh-TW" altLang="en-US" strike="noStrike" noProof="1">
+              <a:solidFill>
+                <a:srgbClr val="0000CC"/>
+              </a:solidFill>
+            </a:endParaRPr>
+          </a:p>
+        </p:txBody>
+      </p:sp>
+      <p:sp>
+        <p:nvSpPr>
+          <p:cNvPr id="41986" name="標題 238593"/>
+          <p:cNvSpPr>
+            <a:spLocks noGrp="1"/>
+          </p:cNvSpPr>
+          <p:nvPr/>
+        </p:nvSpPr>
+        <p:spPr>
+          <a:xfrm>
+            <a:off x="512763" y="892175"/>
+            <a:ext cx="8229600" cy="503238"/>
+          </a:xfrm>
+          <a:prstGeom prst="rect">
+            <a:avLst/>
+          </a:prstGeom>
+          <a:noFill/>
+          <a:ln w="9525">
+            <a:noFill/>
+          </a:ln>
+        </p:spPr>
+        <p:txBody>
+          <a:bodyPr anchor="ctr"/>
+          <a:lstStyle/>
+          <a:p>
+            <a:pPr lvl="0" indent="0">
+              <a:buClrTx/>
+            </a:pPr>
+            <a:r>
+              <a:rPr lang="en-US" altLang="zh-CN" b="0" dirty="0">
+                <a:solidFill>
+                  <a:srgbClr val="000066"/>
+                </a:solidFill>
+                <a:latin typeface="DFKai-SB" panose="03000509000000000000" charset="-122"/>
+                <a:ea typeface="DFKai-SB" panose="03000509000000000000" charset="-122"/>
+              </a:rPr>
+              <a:t>(1)</a:t>
+            </a:r>
+            <a:r>
+              <a:rPr lang="zh-CN" altLang="zh-CN" b="0" dirty="0">
+                <a:solidFill>
+                  <a:srgbClr val="000066"/>
+                </a:solidFill>
+                <a:latin typeface="DFKai-SB" panose="03000509000000000000" charset="-122"/>
+                <a:ea typeface="DFKai-SB" panose="03000509000000000000" charset="-122"/>
+              </a:rPr>
+              <a:t>提交員工加班資料 </a:t>
+            </a:r>
+            <a:r>
+              <a:rPr lang="en-US" altLang="zh-CN" b="0" dirty="0">
+                <a:solidFill>
+                  <a:srgbClr val="000066"/>
+                </a:solidFill>
+                <a:latin typeface="DFKai-SB" panose="03000509000000000000" charset="-122"/>
+                <a:ea typeface="DFKai-SB" panose="03000509000000000000" charset="-122"/>
+              </a:rPr>
+              <a:t>-&gt; (2)</a:t>
+            </a:r>
+            <a:r>
+              <a:rPr lang="zh-CN" altLang="en-US" b="0" dirty="0">
+                <a:solidFill>
+                  <a:srgbClr val="000066"/>
+                </a:solidFill>
+                <a:latin typeface="DFKai-SB" panose="03000509000000000000" charset="-122"/>
+                <a:ea typeface="DFKai-SB" panose="03000509000000000000" charset="-122"/>
+              </a:rPr>
+              <a:t>確定提交當前人員資料</a:t>
+            </a:r>
+            <a:endParaRPr lang="en-US" altLang="zh-CN" b="0" dirty="0">
+              <a:solidFill>
+                <a:srgbClr val="000066"/>
+              </a:solidFill>
+              <a:latin typeface="DFKai-SB" panose="03000509000000000000" charset="-122"/>
+              <a:ea typeface="DFKai-SB" panose="03000509000000000000" charset="-122"/>
+              <a:sym typeface="宋体" panose="02010600030101010101" pitchFamily="2" charset="-122"/>
+            </a:endParaRPr>
+          </a:p>
+        </p:txBody>
+      </p:sp>
+      <p:pic>
+        <p:nvPicPr>
+          <p:cNvPr id="3" name="图片 2"/>
+          <p:cNvPicPr>
+            <a:picLocks noChangeAspect="1"/>
+          </p:cNvPicPr>
+          <p:nvPr/>
+        </p:nvPicPr>
+        <p:blipFill>
+          <a:blip r:embed="rId1">
+            <a:extLst>
+              <a:ext uri="{28A0092B-C50C-407E-A947-70E740481C1C}">
+                <a14:useLocalDpi xmlns:a14="http://schemas.microsoft.com/office/drawing/2010/main" val="0"/>
+              </a:ext>
+            </a:extLst>
+          </a:blip>
+          <a:stretch>
+            <a:fillRect/>
+          </a:stretch>
+        </p:blipFill>
+        <p:spPr>
+          <a:xfrm>
+            <a:off x="55563" y="1387541"/>
+            <a:ext cx="9144000" cy="4765504"/>
+          </a:xfrm>
+          <a:prstGeom prst="rect">
+            <a:avLst/>
+          </a:prstGeom>
+        </p:spPr>
+      </p:pic>
+    </p:spTree>
+  </p:cSld>
+  <p:clrMapOvr>
+    <a:masterClrMapping/>
+  </p:clrMapOvr>
+</p:sld>
+</file>
+
+<file path=ppt/slides/slide46.xml><?xml version="1.0" encoding="utf-8"?>
+<p:sld xmlns:a="http://schemas.openxmlformats.org/drawingml/2006/main" xmlns:r="http://schemas.openxmlformats.org/officeDocument/2006/relationships" xmlns:p="http://schemas.openxmlformats.org/presentationml/2006/main">
+  <p:cSld>
+    <p:spTree>
+      <p:nvGrpSpPr>
+        <p:cNvPr id="1" name=""/>
+        <p:cNvGrpSpPr/>
+        <p:nvPr/>
+      </p:nvGrpSpPr>
+      <p:grpSpPr>
+        <a:xfrm>
+          <a:off x="0" y="0"/>
+          <a:ext cx="0" cy="0"/>
+          <a:chOff x="0" y="0"/>
+          <a:chExt cx="0" cy="0"/>
+        </a:xfrm>
+      </p:grpSpPr>
+      <p:sp>
+        <p:nvSpPr>
+          <p:cNvPr id="229378" name="標題 229377"/>
+          <p:cNvSpPr>
+            <a:spLocks noGrp="1"/>
+          </p:cNvSpPr>
+          <p:nvPr>
+            <p:ph type="title"/>
+          </p:nvPr>
+        </p:nvSpPr>
+        <p:spPr/>
+        <p:txBody>
+          <a:bodyPr anchor="ctr"/>
+          <a:lstStyle/>
+          <a:p>
+            <a:pPr fontAlgn="base"/>
+            <a:r>
+              <a:rPr lang="en-US" altLang="zh-TW" strike="noStrike" noProof="1">
+                <a:solidFill>
+                  <a:srgbClr val="0000CC"/>
+                </a:solidFill>
+                <a:latin typeface="+mn-ea"/>
+                <a:ea typeface="+mn-ea"/>
+                <a:sym typeface="+mn-ea"/>
+              </a:rPr>
+              <a:t>5.</a:t>
+            </a:r>
+            <a:r>
+              <a:rPr lang="zh-CN" altLang="zh-TW" strike="noStrike" noProof="1">
+                <a:solidFill>
+                  <a:srgbClr val="0000CC"/>
+                </a:solidFill>
+                <a:latin typeface="+mn-ea"/>
+                <a:ea typeface="+mn-ea"/>
+                <a:sym typeface="+mn-ea"/>
+              </a:rPr>
+              <a:t>加班單審核</a:t>
+            </a:r>
+            <a:r>
+              <a:rPr lang="en-US" altLang="zh-CN" strike="noStrike" noProof="1">
+                <a:solidFill>
+                  <a:srgbClr val="0000CC"/>
+                </a:solidFill>
+                <a:latin typeface="+mn-ea"/>
+                <a:ea typeface="+mn-ea"/>
+                <a:sym typeface="+mn-ea"/>
+              </a:rPr>
+              <a:t>(</a:t>
+            </a:r>
+            <a:r>
+              <a:rPr lang="zh-CN" altLang="zh-CN" strike="noStrike" noProof="1">
+                <a:solidFill>
+                  <a:srgbClr val="0000CC"/>
+                </a:solidFill>
+                <a:latin typeface="+mn-ea"/>
+                <a:ea typeface="+mn-ea"/>
+                <a:sym typeface="+mn-ea"/>
+              </a:rPr>
+              <a:t>加班提報</a:t>
+            </a:r>
+            <a:r>
+              <a:rPr lang="en-US" altLang="zh-CN" strike="noStrike" noProof="1">
+                <a:solidFill>
+                  <a:srgbClr val="0000CC"/>
+                </a:solidFill>
+                <a:latin typeface="+mn-ea"/>
+                <a:ea typeface="+mn-ea"/>
+                <a:sym typeface="+mn-ea"/>
+              </a:rPr>
+              <a:t>)</a:t>
+            </a:r>
+            <a:endParaRPr lang="zh-TW" altLang="en-US" strike="noStrike" noProof="1">
+              <a:solidFill>
+                <a:srgbClr val="0000CC"/>
+              </a:solidFill>
+            </a:endParaRPr>
+          </a:p>
+        </p:txBody>
+      </p:sp>
+      <p:sp>
+        <p:nvSpPr>
           <p:cNvPr id="43010" name="標題 238593"/>
           <p:cNvSpPr>
             <a:spLocks noGrp="1"/>
@@ -14055,7 +15063,7 @@
 </p:sld>
 </file>
 
-<file path=ppt/slides/slide41.xml><?xml version="1.0" encoding="utf-8"?>
+<file path=ppt/slides/slide47.xml><?xml version="1.0" encoding="utf-8"?>
 <p:sld xmlns:a="http://schemas.openxmlformats.org/drawingml/2006/main" xmlns:r="http://schemas.openxmlformats.org/officeDocument/2006/relationships" xmlns:p="http://schemas.openxmlformats.org/presentationml/2006/main">
   <p:cSld>
     <p:spTree>
@@ -14278,7 +15286,7 @@
 </p:sld>
 </file>
 
-<file path=ppt/slides/slide42.xml><?xml version="1.0" encoding="utf-8"?>
+<file path=ppt/slides/slide48.xml><?xml version="1.0" encoding="utf-8"?>
 <p:sld xmlns:a="http://schemas.openxmlformats.org/drawingml/2006/main" xmlns:r="http://schemas.openxmlformats.org/officeDocument/2006/relationships" xmlns:p="http://schemas.openxmlformats.org/presentationml/2006/main">
   <p:cSld>
     <p:spTree>
@@ -14571,7 +15579,7 @@
 </p:sld>
 </file>
 
-<file path=ppt/slides/slide43.xml><?xml version="1.0" encoding="utf-8"?>
+<file path=ppt/slides/slide49.xml><?xml version="1.0" encoding="utf-8"?>
 <p:sld xmlns:a="http://schemas.openxmlformats.org/drawingml/2006/main" xmlns:r="http://schemas.openxmlformats.org/officeDocument/2006/relationships" xmlns:p="http://schemas.openxmlformats.org/presentationml/2006/main">
   <p:cSld>
     <p:spTree>
@@ -14794,7 +15802,368 @@
 </p:sld>
 </file>
 
-<file path=ppt/slides/slide44.xml><?xml version="1.0" encoding="utf-8"?>
+<file path=ppt/slides/slide5.xml><?xml version="1.0" encoding="utf-8"?>
+<p:sld xmlns:a="http://schemas.openxmlformats.org/drawingml/2006/main" xmlns:r="http://schemas.openxmlformats.org/officeDocument/2006/relationships" xmlns:p="http://schemas.openxmlformats.org/presentationml/2006/main">
+  <p:cSld>
+    <p:spTree>
+      <p:nvGrpSpPr>
+        <p:cNvPr id="1" name=""/>
+        <p:cNvGrpSpPr/>
+        <p:nvPr/>
+      </p:nvGrpSpPr>
+      <p:grpSpPr>
+        <a:xfrm>
+          <a:off x="0" y="0"/>
+          <a:ext cx="0" cy="0"/>
+          <a:chOff x="0" y="0"/>
+          <a:chExt cx="0" cy="0"/>
+        </a:xfrm>
+      </p:grpSpPr>
+      <p:pic>
+        <p:nvPicPr>
+          <p:cNvPr id="4" name="图片 3" descr="QW2RIBJ$GX2G_YNZ]Z%@94Q"/>
+          <p:cNvPicPr>
+            <a:picLocks noChangeAspect="1"/>
+          </p:cNvPicPr>
+          <p:nvPr/>
+        </p:nvPicPr>
+        <p:blipFill>
+          <a:blip r:embed="rId1"/>
+          <a:stretch>
+            <a:fillRect/>
+          </a:stretch>
+        </p:blipFill>
+        <p:spPr>
+          <a:xfrm>
+            <a:off x="-6985" y="-10160"/>
+            <a:ext cx="9203055" cy="6878955"/>
+          </a:xfrm>
+          <a:prstGeom prst="rect">
+            <a:avLst/>
+          </a:prstGeom>
+        </p:spPr>
+      </p:pic>
+      <p:sp>
+        <p:nvSpPr>
+          <p:cNvPr id="203778" name="標題 203777"/>
+          <p:cNvSpPr>
+            <a:spLocks noGrp="1"/>
+          </p:cNvSpPr>
+          <p:nvPr>
+            <p:ph type="title"/>
+          </p:nvPr>
+        </p:nvSpPr>
+        <p:spPr/>
+        <p:txBody>
+          <a:bodyPr anchor="ctr"/>
+          <a:lstStyle/>
+          <a:p>
+            <a:pPr fontAlgn="base"/>
+            <a:r>
+              <a:rPr lang="en-US" altLang="zh-TW" strike="noStrike" noProof="1">
+                <a:solidFill>
+                  <a:srgbClr val="0000CC"/>
+                </a:solidFill>
+              </a:rPr>
+              <a:t>2. </a:t>
+            </a:r>
+            <a:r>
+              <a:rPr lang="zh-CN" altLang="en-US" strike="noStrike" noProof="1">
+                <a:solidFill>
+                  <a:srgbClr val="0000CC"/>
+                </a:solidFill>
+                <a:latin typeface="+mn-ea"/>
+                <a:ea typeface="+mn-ea"/>
+              </a:rPr>
+              <a:t>刷卡規則及注意事項</a:t>
+            </a:r>
+            <a:endParaRPr lang="zh-CN" altLang="en-US" strike="noStrike" noProof="1">
+              <a:solidFill>
+                <a:srgbClr val="0000CC"/>
+              </a:solidFill>
+              <a:latin typeface="+mn-ea"/>
+              <a:ea typeface="+mn-ea"/>
+            </a:endParaRPr>
+          </a:p>
+        </p:txBody>
+      </p:sp>
+      <p:sp>
+        <p:nvSpPr>
+          <p:cNvPr id="203787" name="文字版面配置區 203786"/>
+          <p:cNvSpPr>
+            <a:spLocks noGrp="1"/>
+          </p:cNvSpPr>
+          <p:nvPr>
+            <p:ph idx="1"/>
+          </p:nvPr>
+        </p:nvSpPr>
+        <p:spPr>
+          <a:xfrm>
+            <a:off x="457200" y="1052513"/>
+            <a:ext cx="8229600" cy="4681538"/>
+          </a:xfrm>
+        </p:spPr>
+        <p:txBody>
+          <a:bodyPr/>
+          <a:lstStyle/>
+          <a:p>
+            <a:pPr fontAlgn="base"/>
+            <a:r>
+              <a:rPr lang="zh-CN" altLang="en-US" sz="2400" b="1" strike="noStrike" noProof="1">
+                <a:latin typeface="+mn-ea"/>
+              </a:rPr>
+              <a:t>注意事項</a:t>
+            </a:r>
+            <a:endParaRPr lang="zh-CN" altLang="en-US" sz="2400" b="1" strike="noStrike" noProof="1">
+              <a:latin typeface="+mn-ea"/>
+            </a:endParaRPr>
+          </a:p>
+          <a:p>
+            <a:pPr lvl="1" fontAlgn="base">
+              <a:lnSpc>
+                <a:spcPct val="100000"/>
+              </a:lnSpc>
+            </a:pPr>
+            <a:r>
+              <a:rPr lang="zh-CN" altLang="en-US" sz="1700" b="1" strike="noStrike" noProof="1">
+                <a:solidFill>
+                  <a:srgbClr val="000066"/>
+                </a:solidFill>
+                <a:uFillTx/>
+                <a:latin typeface="+mn-ea"/>
+                <a:sym typeface="+mn-ea"/>
+              </a:rPr>
+              <a:t>刷卡異常處理</a:t>
+            </a:r>
+            <a:endParaRPr lang="zh-CN" altLang="en-US" sz="1700" b="1" strike="noStrike" noProof="1">
+              <a:solidFill>
+                <a:srgbClr val="000066"/>
+              </a:solidFill>
+              <a:uFillTx/>
+              <a:latin typeface="+mn-ea"/>
+              <a:sym typeface="+mn-ea"/>
+            </a:endParaRPr>
+          </a:p>
+          <a:p>
+            <a:pPr marL="914400" lvl="2" indent="0" algn="l" fontAlgn="base">
+              <a:lnSpc>
+                <a:spcPct val="100000"/>
+              </a:lnSpc>
+            </a:pPr>
+            <a:r>
+              <a:rPr lang="zh-CN" altLang="en-US" sz="1600" b="1" strike="noStrike" noProof="1">
+                <a:solidFill>
+                  <a:srgbClr val="C00000"/>
+                </a:solidFill>
+                <a:latin typeface="+mn-ea"/>
+                <a:sym typeface="微软雅黑" panose="020B0503020204020204" charset="-122"/>
+              </a:rPr>
+              <a:t>1、請重新感應</a:t>
+            </a:r>
+            <a:endParaRPr lang="zh-CN" altLang="en-US" sz="1600" b="1" strike="noStrike" noProof="1">
+              <a:solidFill>
+                <a:srgbClr val="C00000"/>
+              </a:solidFill>
+              <a:latin typeface="+mn-ea"/>
+              <a:sym typeface="微软雅黑" panose="020B0503020204020204" charset="-122"/>
+            </a:endParaRPr>
+          </a:p>
+          <a:p>
+            <a:pPr marL="914400" lvl="2" indent="0" algn="l" fontAlgn="base">
+              <a:lnSpc>
+                <a:spcPct val="100000"/>
+              </a:lnSpc>
+            </a:pPr>
+            <a:r>
+              <a:rPr lang="en-US" altLang="x-none" sz="1600" b="1" strike="noStrike" noProof="1">
+                <a:solidFill>
+                  <a:srgbClr val="C00000"/>
+                </a:solidFill>
+                <a:latin typeface="+mn-ea"/>
+                <a:sym typeface="微软雅黑" panose="020B0503020204020204" charset="-122"/>
+              </a:rPr>
+              <a:t>2</a:t>
+            </a:r>
+            <a:r>
+              <a:rPr lang="zh-CN" altLang="en-US" sz="1600" b="1" strike="noStrike" noProof="1">
+                <a:solidFill>
+                  <a:srgbClr val="C00000"/>
+                </a:solidFill>
+                <a:latin typeface="+mn-ea"/>
+                <a:sym typeface="微软雅黑" panose="020B0503020204020204" charset="-122"/>
+              </a:rPr>
+              <a:t>、確認此人是否為新進員工或補辦廠牌（刷卡時系統有提示）</a:t>
+            </a:r>
+            <a:endParaRPr lang="zh-CN" altLang="en-US" sz="1600" b="1" strike="noStrike" noProof="1">
+              <a:solidFill>
+                <a:srgbClr val="C00000"/>
+              </a:solidFill>
+              <a:latin typeface="+mn-ea"/>
+              <a:sym typeface="微软雅黑" panose="020B0503020204020204" charset="-122"/>
+            </a:endParaRPr>
+          </a:p>
+          <a:p>
+            <a:pPr marL="914400" lvl="2" indent="0" algn="l" fontAlgn="base">
+              <a:lnSpc>
+                <a:spcPct val="100000"/>
+              </a:lnSpc>
+            </a:pPr>
+            <a:r>
+              <a:rPr lang="en-US" altLang="x-none" sz="1600" b="1" strike="noStrike" noProof="1">
+                <a:solidFill>
+                  <a:srgbClr val="C00000"/>
+                </a:solidFill>
+                <a:latin typeface="+mn-ea"/>
+                <a:sym typeface="微软雅黑" panose="020B0503020204020204" charset="-122"/>
+              </a:rPr>
+              <a:t>3</a:t>
+            </a:r>
+            <a:r>
+              <a:rPr lang="zh-CN" altLang="en-US" sz="1600" b="1" strike="noStrike" noProof="1">
+                <a:solidFill>
+                  <a:srgbClr val="C00000"/>
+                </a:solidFill>
+                <a:latin typeface="+mn-ea"/>
+                <a:sym typeface="微软雅黑" panose="020B0503020204020204" charset="-122"/>
+              </a:rPr>
+              <a:t>、如未有記錄請檢查刷卡機 USB插口是否插好</a:t>
+            </a:r>
+            <a:r>
+              <a:rPr lang="en-US" altLang="x-none" sz="1600" b="1" strike="noStrike" noProof="1">
+                <a:solidFill>
+                  <a:srgbClr val="C00000"/>
+                </a:solidFill>
+                <a:latin typeface="+mn-ea"/>
+                <a:sym typeface="微软雅黑" panose="020B0503020204020204" charset="-122"/>
+              </a:rPr>
+              <a:t>,</a:t>
+            </a:r>
+            <a:r>
+              <a:rPr lang="zh-CN" altLang="en-US" sz="1600" b="1" strike="noStrike" noProof="1">
+                <a:solidFill>
+                  <a:srgbClr val="C00000"/>
+                </a:solidFill>
+                <a:latin typeface="+mn-ea"/>
+                <a:sym typeface="微软雅黑" panose="020B0503020204020204" charset="-122"/>
+              </a:rPr>
+              <a:t>或是網絡是否正常運行</a:t>
+            </a:r>
+            <a:endParaRPr lang="zh-CN" altLang="en-US" sz="1600" b="1" strike="noStrike" noProof="1">
+              <a:solidFill>
+                <a:srgbClr val="C00000"/>
+              </a:solidFill>
+              <a:latin typeface="+mn-ea"/>
+              <a:sym typeface="微软雅黑" panose="020B0503020204020204" charset="-122"/>
+            </a:endParaRPr>
+          </a:p>
+          <a:p>
+            <a:pPr marL="914400" lvl="2" indent="0" algn="l" fontAlgn="base">
+              <a:lnSpc>
+                <a:spcPct val="100000"/>
+              </a:lnSpc>
+            </a:pPr>
+            <a:r>
+              <a:rPr lang="en-US" altLang="x-none" sz="1600" b="1" strike="noStrike" noProof="1">
+                <a:solidFill>
+                  <a:srgbClr val="C00000"/>
+                </a:solidFill>
+                <a:latin typeface="+mn-ea"/>
+                <a:sym typeface="微软雅黑" panose="020B0503020204020204" charset="-122"/>
+              </a:rPr>
+              <a:t>4</a:t>
+            </a:r>
+            <a:r>
+              <a:rPr lang="zh-CN" altLang="en-US" sz="1600" b="1" strike="noStrike" noProof="1">
+                <a:solidFill>
+                  <a:srgbClr val="C00000"/>
+                </a:solidFill>
+                <a:latin typeface="+mn-ea"/>
+                <a:sym typeface="微软雅黑" panose="020B0503020204020204" charset="-122"/>
+              </a:rPr>
+              <a:t>、如端口及網絡均正常，請更換其他讀卡機試用</a:t>
+            </a:r>
+            <a:endParaRPr lang="en-US" altLang="zh-CN" sz="1600" b="1" strike="noStrike" noProof="1">
+              <a:solidFill>
+                <a:srgbClr val="C00000"/>
+              </a:solidFill>
+              <a:latin typeface="+mn-ea"/>
+              <a:sym typeface="微软雅黑" panose="020B0503020204020204" charset="-122"/>
+            </a:endParaRPr>
+          </a:p>
+          <a:p>
+            <a:pPr marL="914400" lvl="2" indent="0" algn="l" fontAlgn="base">
+              <a:lnSpc>
+                <a:spcPct val="100000"/>
+              </a:lnSpc>
+            </a:pPr>
+            <a:r>
+              <a:rPr lang="en-US" altLang="x-none" sz="1600" b="1" strike="noStrike" noProof="1">
+                <a:solidFill>
+                  <a:srgbClr val="C00000"/>
+                </a:solidFill>
+                <a:latin typeface="+mn-ea"/>
+                <a:sym typeface="微软雅黑" panose="020B0503020204020204" charset="-122"/>
+              </a:rPr>
+              <a:t>5</a:t>
+            </a:r>
+            <a:r>
+              <a:rPr lang="zh-CN" altLang="en-US" sz="1600" b="1" strike="noStrike" noProof="1">
+                <a:solidFill>
+                  <a:srgbClr val="C00000"/>
+                </a:solidFill>
+                <a:latin typeface="+mn-ea"/>
+                <a:sym typeface="微软雅黑" panose="020B0503020204020204" charset="-122"/>
+              </a:rPr>
+              <a:t>、如其他讀卡機可正常試用，請把沒有反應的讀卡機更換</a:t>
+            </a:r>
+            <a:endParaRPr lang="en-US" altLang="zh-CN" sz="1600" b="1" strike="noStrike" noProof="1">
+              <a:solidFill>
+                <a:srgbClr val="C00000"/>
+              </a:solidFill>
+              <a:latin typeface="+mn-ea"/>
+              <a:sym typeface="微软雅黑" panose="020B0503020204020204" charset="-122"/>
+            </a:endParaRPr>
+          </a:p>
+          <a:p>
+            <a:pPr marL="914400" lvl="2" indent="0" algn="l" fontAlgn="base">
+              <a:lnSpc>
+                <a:spcPct val="100000"/>
+              </a:lnSpc>
+            </a:pPr>
+            <a:endParaRPr lang="zh-CN" altLang="en-US" sz="1600" b="1" strike="noStrike" noProof="1">
+              <a:solidFill>
+                <a:srgbClr val="C00000"/>
+              </a:solidFill>
+              <a:latin typeface="+mn-ea"/>
+              <a:sym typeface="微软雅黑" panose="020B0503020204020204" charset="-122"/>
+            </a:endParaRPr>
+          </a:p>
+          <a:p>
+            <a:pPr lvl="1" fontAlgn="base">
+              <a:lnSpc>
+                <a:spcPct val="100000"/>
+              </a:lnSpc>
+            </a:pPr>
+            <a:endParaRPr lang="en-US" altLang="zh-CN" sz="1700" b="1" strike="noStrike" noProof="1">
+              <a:solidFill>
+                <a:srgbClr val="000066"/>
+              </a:solidFill>
+              <a:uFillTx/>
+              <a:latin typeface="+mn-ea"/>
+              <a:sym typeface="+mn-ea"/>
+            </a:endParaRPr>
+          </a:p>
+        </p:txBody>
+      </p:sp>
+    </p:spTree>
+  </p:cSld>
+  <p:clrMapOvr>
+    <a:masterClrMapping/>
+  </p:clrMapOvr>
+</p:sld>
+</file>
+
+<file path=ppt/slides/slide50.xml><?xml version="1.0" encoding="utf-8"?>
 <p:sld xmlns:a="http://schemas.openxmlformats.org/drawingml/2006/main" xmlns:r="http://schemas.openxmlformats.org/officeDocument/2006/relationships" xmlns:p="http://schemas.openxmlformats.org/presentationml/2006/main">
   <p:cSld>
     <p:spTree>
@@ -15069,7 +16438,7 @@
 </p:sld>
 </file>
 
-<file path=ppt/slides/slide45.xml><?xml version="1.0" encoding="utf-8"?>
+<file path=ppt/slides/slide51.xml><?xml version="1.0" encoding="utf-8"?>
 <p:sld xmlns:a="http://schemas.openxmlformats.org/drawingml/2006/main" xmlns:r="http://schemas.openxmlformats.org/officeDocument/2006/relationships" xmlns:p="http://schemas.openxmlformats.org/presentationml/2006/main">
   <p:cSld>
     <p:spTree>
@@ -15340,7 +16709,7 @@
 </p:sld>
 </file>
 
-<file path=ppt/slides/slide46.xml><?xml version="1.0" encoding="utf-8"?>
+<file path=ppt/slides/slide52.xml><?xml version="1.0" encoding="utf-8"?>
 <p:sld xmlns:a="http://schemas.openxmlformats.org/drawingml/2006/main" xmlns:r="http://schemas.openxmlformats.org/officeDocument/2006/relationships" xmlns:p="http://schemas.openxmlformats.org/presentationml/2006/main">
   <p:cSld>
     <p:spTree>
@@ -15611,7 +16980,7 @@
 </p:sld>
 </file>
 
-<file path=ppt/slides/slide47.xml><?xml version="1.0" encoding="utf-8"?>
+<file path=ppt/slides/slide53.xml><?xml version="1.0" encoding="utf-8"?>
 <p:sld xmlns:a="http://schemas.openxmlformats.org/drawingml/2006/main" xmlns:r="http://schemas.openxmlformats.org/officeDocument/2006/relationships" xmlns:p="http://schemas.openxmlformats.org/presentationml/2006/main">
   <p:cSld>
     <p:spTree>
@@ -15816,7 +17185,6 @@
             <a:p>
               <a:r>
                 <a:rPr lang="zh-CN" altLang="en-US" sz="1400">
-                  <a:ln/>
                   <a:solidFill>
                     <a:srgbClr val="C00000"/>
                   </a:solidFill>
@@ -15832,7 +17200,6 @@
               </a:r>
               <a:r>
                 <a:rPr lang="en-US" altLang="zh-CN" sz="1400">
-                  <a:ln/>
                   <a:solidFill>
                     <a:srgbClr val="C00000"/>
                   </a:solidFill>
@@ -15848,7 +17215,6 @@
               </a:r>
               <a:r>
                 <a:rPr lang="zh-CN" altLang="en-US" sz="1400">
-                  <a:ln/>
                   <a:solidFill>
                     <a:srgbClr val="C00000"/>
                   </a:solidFill>
@@ -15864,7 +17230,6 @@
                 <a:t>費用代碼不用</a:t>
               </a:r>
               <a:endParaRPr lang="zh-CN" altLang="en-US" sz="1400">
-                <a:ln/>
                 <a:solidFill>
                   <a:srgbClr val="C00000"/>
                 </a:solidFill>
@@ -15881,7 +17246,6 @@
             <a:p>
               <a:r>
                 <a:rPr lang="zh-CN" altLang="en-US" sz="1400">
-                  <a:ln/>
                   <a:solidFill>
                     <a:srgbClr val="C00000"/>
                   </a:solidFill>
@@ -15898,7 +17262,6 @@
               </a:r>
               <a:r>
                 <a:rPr lang="en-US" altLang="zh-CN" sz="1400">
-                  <a:ln/>
                   <a:solidFill>
                     <a:srgbClr val="C00000"/>
                   </a:solidFill>
@@ -15915,7 +17278,6 @@
               </a:r>
               <a:r>
                 <a:rPr lang="zh-CN" altLang="en-US" sz="1400">
-                  <a:ln/>
                   <a:solidFill>
                     <a:srgbClr val="C00000"/>
                   </a:solidFill>
@@ -15931,7 +17293,6 @@
                 <a:t>只選一個條件就行</a:t>
               </a:r>
               <a:endParaRPr lang="zh-CN" altLang="en-US" sz="1400">
-                <a:ln/>
                 <a:solidFill>
                   <a:srgbClr val="C00000"/>
                 </a:solidFill>
@@ -15956,7 +17317,7 @@
 </p:sld>
 </file>
 
-<file path=ppt/slides/slide48.xml><?xml version="1.0" encoding="utf-8"?>
+<file path=ppt/slides/slide54.xml><?xml version="1.0" encoding="utf-8"?>
 <p:sld xmlns:a="http://schemas.openxmlformats.org/drawingml/2006/main" xmlns:r="http://schemas.openxmlformats.org/officeDocument/2006/relationships" xmlns:p="http://schemas.openxmlformats.org/presentationml/2006/main">
   <p:cSld>
     <p:spTree>
@@ -16305,7 +17666,7 @@
 </p:sld>
 </file>
 
-<file path=ppt/slides/slide49.xml><?xml version="1.0" encoding="utf-8"?>
+<file path=ppt/slides/slide55.xml><?xml version="1.0" encoding="utf-8"?>
 <p:sld xmlns:a="http://schemas.openxmlformats.org/drawingml/2006/main" xmlns:r="http://schemas.openxmlformats.org/officeDocument/2006/relationships" xmlns:p="http://schemas.openxmlformats.org/presentationml/2006/main">
   <p:cSld>
     <p:spTree>
@@ -16657,368 +18018,7 @@
 </p:sld>
 </file>
 
-<file path=ppt/slides/slide5.xml><?xml version="1.0" encoding="utf-8"?>
-<p:sld xmlns:a="http://schemas.openxmlformats.org/drawingml/2006/main" xmlns:r="http://schemas.openxmlformats.org/officeDocument/2006/relationships" xmlns:p="http://schemas.openxmlformats.org/presentationml/2006/main">
-  <p:cSld>
-    <p:spTree>
-      <p:nvGrpSpPr>
-        <p:cNvPr id="1" name=""/>
-        <p:cNvGrpSpPr/>
-        <p:nvPr/>
-      </p:nvGrpSpPr>
-      <p:grpSpPr>
-        <a:xfrm>
-          <a:off x="0" y="0"/>
-          <a:ext cx="0" cy="0"/>
-          <a:chOff x="0" y="0"/>
-          <a:chExt cx="0" cy="0"/>
-        </a:xfrm>
-      </p:grpSpPr>
-      <p:pic>
-        <p:nvPicPr>
-          <p:cNvPr id="4" name="图片 3" descr="QW2RIBJ$GX2G_YNZ]Z%@94Q"/>
-          <p:cNvPicPr>
-            <a:picLocks noChangeAspect="1"/>
-          </p:cNvPicPr>
-          <p:nvPr/>
-        </p:nvPicPr>
-        <p:blipFill>
-          <a:blip r:embed="rId1"/>
-          <a:stretch>
-            <a:fillRect/>
-          </a:stretch>
-        </p:blipFill>
-        <p:spPr>
-          <a:xfrm>
-            <a:off x="-6985" y="-10160"/>
-            <a:ext cx="9203055" cy="6878955"/>
-          </a:xfrm>
-          <a:prstGeom prst="rect">
-            <a:avLst/>
-          </a:prstGeom>
-        </p:spPr>
-      </p:pic>
-      <p:sp>
-        <p:nvSpPr>
-          <p:cNvPr id="203778" name="標題 203777"/>
-          <p:cNvSpPr>
-            <a:spLocks noGrp="1"/>
-          </p:cNvSpPr>
-          <p:nvPr>
-            <p:ph type="title"/>
-          </p:nvPr>
-        </p:nvSpPr>
-        <p:spPr/>
-        <p:txBody>
-          <a:bodyPr anchor="ctr"/>
-          <a:lstStyle/>
-          <a:p>
-            <a:pPr fontAlgn="base"/>
-            <a:r>
-              <a:rPr lang="en-US" altLang="zh-TW" strike="noStrike" noProof="1">
-                <a:solidFill>
-                  <a:srgbClr val="0000CC"/>
-                </a:solidFill>
-              </a:rPr>
-              <a:t>2. </a:t>
-            </a:r>
-            <a:r>
-              <a:rPr lang="zh-CN" altLang="en-US" strike="noStrike" noProof="1">
-                <a:solidFill>
-                  <a:srgbClr val="0000CC"/>
-                </a:solidFill>
-                <a:latin typeface="+mn-ea"/>
-                <a:ea typeface="+mn-ea"/>
-              </a:rPr>
-              <a:t>刷卡規則及注意事項</a:t>
-            </a:r>
-            <a:endParaRPr lang="zh-CN" altLang="en-US" strike="noStrike" noProof="1">
-              <a:solidFill>
-                <a:srgbClr val="0000CC"/>
-              </a:solidFill>
-              <a:latin typeface="+mn-ea"/>
-              <a:ea typeface="+mn-ea"/>
-            </a:endParaRPr>
-          </a:p>
-        </p:txBody>
-      </p:sp>
-      <p:sp>
-        <p:nvSpPr>
-          <p:cNvPr id="203787" name="文字版面配置區 203786"/>
-          <p:cNvSpPr>
-            <a:spLocks noGrp="1"/>
-          </p:cNvSpPr>
-          <p:nvPr>
-            <p:ph idx="1"/>
-          </p:nvPr>
-        </p:nvSpPr>
-        <p:spPr>
-          <a:xfrm>
-            <a:off x="457200" y="1052513"/>
-            <a:ext cx="8229600" cy="4681538"/>
-          </a:xfrm>
-        </p:spPr>
-        <p:txBody>
-          <a:bodyPr/>
-          <a:lstStyle/>
-          <a:p>
-            <a:pPr fontAlgn="base"/>
-            <a:r>
-              <a:rPr lang="zh-CN" altLang="en-US" sz="2400" b="1" strike="noStrike" noProof="1">
-                <a:latin typeface="+mn-ea"/>
-              </a:rPr>
-              <a:t>注意事項</a:t>
-            </a:r>
-            <a:endParaRPr lang="zh-CN" altLang="en-US" sz="2400" b="1" strike="noStrike" noProof="1">
-              <a:latin typeface="+mn-ea"/>
-            </a:endParaRPr>
-          </a:p>
-          <a:p>
-            <a:pPr lvl="1" fontAlgn="base">
-              <a:lnSpc>
-                <a:spcPct val="100000"/>
-              </a:lnSpc>
-            </a:pPr>
-            <a:r>
-              <a:rPr lang="zh-CN" altLang="en-US" sz="1700" b="1" strike="noStrike" noProof="1">
-                <a:solidFill>
-                  <a:srgbClr val="000066"/>
-                </a:solidFill>
-                <a:uFillTx/>
-                <a:latin typeface="+mn-ea"/>
-                <a:sym typeface="+mn-ea"/>
-              </a:rPr>
-              <a:t>刷卡異常處理</a:t>
-            </a:r>
-            <a:endParaRPr lang="zh-CN" altLang="en-US" sz="1700" b="1" strike="noStrike" noProof="1">
-              <a:solidFill>
-                <a:srgbClr val="000066"/>
-              </a:solidFill>
-              <a:uFillTx/>
-              <a:latin typeface="+mn-ea"/>
-              <a:sym typeface="+mn-ea"/>
-            </a:endParaRPr>
-          </a:p>
-          <a:p>
-            <a:pPr marL="914400" lvl="2" indent="0" algn="l" fontAlgn="base">
-              <a:lnSpc>
-                <a:spcPct val="100000"/>
-              </a:lnSpc>
-            </a:pPr>
-            <a:r>
-              <a:rPr lang="zh-CN" altLang="en-US" sz="1600" b="1" strike="noStrike" noProof="1">
-                <a:solidFill>
-                  <a:srgbClr val="C00000"/>
-                </a:solidFill>
-                <a:latin typeface="+mn-ea"/>
-                <a:sym typeface="微软雅黑" panose="020B0503020204020204" charset="-122"/>
-              </a:rPr>
-              <a:t>1、請重新感應</a:t>
-            </a:r>
-            <a:endParaRPr lang="zh-CN" altLang="en-US" sz="1600" b="1" strike="noStrike" noProof="1">
-              <a:solidFill>
-                <a:srgbClr val="C00000"/>
-              </a:solidFill>
-              <a:latin typeface="+mn-ea"/>
-              <a:sym typeface="微软雅黑" panose="020B0503020204020204" charset="-122"/>
-            </a:endParaRPr>
-          </a:p>
-          <a:p>
-            <a:pPr marL="914400" lvl="2" indent="0" algn="l" fontAlgn="base">
-              <a:lnSpc>
-                <a:spcPct val="100000"/>
-              </a:lnSpc>
-            </a:pPr>
-            <a:r>
-              <a:rPr lang="en-US" altLang="x-none" sz="1600" b="1" strike="noStrike" noProof="1">
-                <a:solidFill>
-                  <a:srgbClr val="C00000"/>
-                </a:solidFill>
-                <a:latin typeface="+mn-ea"/>
-                <a:sym typeface="微软雅黑" panose="020B0503020204020204" charset="-122"/>
-              </a:rPr>
-              <a:t>2</a:t>
-            </a:r>
-            <a:r>
-              <a:rPr lang="zh-CN" altLang="en-US" sz="1600" b="1" strike="noStrike" noProof="1">
-                <a:solidFill>
-                  <a:srgbClr val="C00000"/>
-                </a:solidFill>
-                <a:latin typeface="+mn-ea"/>
-                <a:sym typeface="微软雅黑" panose="020B0503020204020204" charset="-122"/>
-              </a:rPr>
-              <a:t>、確認此人是否為新進員工或補辦廠牌（刷卡時系統有提示）</a:t>
-            </a:r>
-            <a:endParaRPr lang="zh-CN" altLang="en-US" sz="1600" b="1" strike="noStrike" noProof="1">
-              <a:solidFill>
-                <a:srgbClr val="C00000"/>
-              </a:solidFill>
-              <a:latin typeface="+mn-ea"/>
-              <a:sym typeface="微软雅黑" panose="020B0503020204020204" charset="-122"/>
-            </a:endParaRPr>
-          </a:p>
-          <a:p>
-            <a:pPr marL="914400" lvl="2" indent="0" algn="l" fontAlgn="base">
-              <a:lnSpc>
-                <a:spcPct val="100000"/>
-              </a:lnSpc>
-            </a:pPr>
-            <a:r>
-              <a:rPr lang="en-US" altLang="x-none" sz="1600" b="1" strike="noStrike" noProof="1">
-                <a:solidFill>
-                  <a:srgbClr val="C00000"/>
-                </a:solidFill>
-                <a:latin typeface="+mn-ea"/>
-                <a:sym typeface="微软雅黑" panose="020B0503020204020204" charset="-122"/>
-              </a:rPr>
-              <a:t>3</a:t>
-            </a:r>
-            <a:r>
-              <a:rPr lang="zh-CN" altLang="en-US" sz="1600" b="1" strike="noStrike" noProof="1">
-                <a:solidFill>
-                  <a:srgbClr val="C00000"/>
-                </a:solidFill>
-                <a:latin typeface="+mn-ea"/>
-                <a:sym typeface="微软雅黑" panose="020B0503020204020204" charset="-122"/>
-              </a:rPr>
-              <a:t>、如未有記錄請檢查刷卡機 USB插口是否插好</a:t>
-            </a:r>
-            <a:r>
-              <a:rPr lang="en-US" altLang="x-none" sz="1600" b="1" strike="noStrike" noProof="1">
-                <a:solidFill>
-                  <a:srgbClr val="C00000"/>
-                </a:solidFill>
-                <a:latin typeface="+mn-ea"/>
-                <a:sym typeface="微软雅黑" panose="020B0503020204020204" charset="-122"/>
-              </a:rPr>
-              <a:t>,</a:t>
-            </a:r>
-            <a:r>
-              <a:rPr lang="zh-CN" altLang="en-US" sz="1600" b="1" strike="noStrike" noProof="1">
-                <a:solidFill>
-                  <a:srgbClr val="C00000"/>
-                </a:solidFill>
-                <a:latin typeface="+mn-ea"/>
-                <a:sym typeface="微软雅黑" panose="020B0503020204020204" charset="-122"/>
-              </a:rPr>
-              <a:t>或是網絡是否正常運行</a:t>
-            </a:r>
-            <a:endParaRPr lang="zh-CN" altLang="en-US" sz="1600" b="1" strike="noStrike" noProof="1">
-              <a:solidFill>
-                <a:srgbClr val="C00000"/>
-              </a:solidFill>
-              <a:latin typeface="+mn-ea"/>
-              <a:sym typeface="微软雅黑" panose="020B0503020204020204" charset="-122"/>
-            </a:endParaRPr>
-          </a:p>
-          <a:p>
-            <a:pPr marL="914400" lvl="2" indent="0" algn="l" fontAlgn="base">
-              <a:lnSpc>
-                <a:spcPct val="100000"/>
-              </a:lnSpc>
-            </a:pPr>
-            <a:r>
-              <a:rPr lang="en-US" altLang="x-none" sz="1600" b="1" strike="noStrike" noProof="1">
-                <a:solidFill>
-                  <a:srgbClr val="C00000"/>
-                </a:solidFill>
-                <a:latin typeface="+mn-ea"/>
-                <a:sym typeface="微软雅黑" panose="020B0503020204020204" charset="-122"/>
-              </a:rPr>
-              <a:t>4</a:t>
-            </a:r>
-            <a:r>
-              <a:rPr lang="zh-CN" altLang="en-US" sz="1600" b="1" strike="noStrike" noProof="1">
-                <a:solidFill>
-                  <a:srgbClr val="C00000"/>
-                </a:solidFill>
-                <a:latin typeface="+mn-ea"/>
-                <a:sym typeface="微软雅黑" panose="020B0503020204020204" charset="-122"/>
-              </a:rPr>
-              <a:t>、如端口及網絡均正常，請更換其他讀卡機試用</a:t>
-            </a:r>
-            <a:endParaRPr lang="en-US" altLang="zh-CN" sz="1600" b="1" strike="noStrike" noProof="1">
-              <a:solidFill>
-                <a:srgbClr val="C00000"/>
-              </a:solidFill>
-              <a:latin typeface="+mn-ea"/>
-              <a:sym typeface="微软雅黑" panose="020B0503020204020204" charset="-122"/>
-            </a:endParaRPr>
-          </a:p>
-          <a:p>
-            <a:pPr marL="914400" lvl="2" indent="0" algn="l" fontAlgn="base">
-              <a:lnSpc>
-                <a:spcPct val="100000"/>
-              </a:lnSpc>
-            </a:pPr>
-            <a:r>
-              <a:rPr lang="en-US" altLang="x-none" sz="1600" b="1" strike="noStrike" noProof="1">
-                <a:solidFill>
-                  <a:srgbClr val="C00000"/>
-                </a:solidFill>
-                <a:latin typeface="+mn-ea"/>
-                <a:sym typeface="微软雅黑" panose="020B0503020204020204" charset="-122"/>
-              </a:rPr>
-              <a:t>5</a:t>
-            </a:r>
-            <a:r>
-              <a:rPr lang="zh-CN" altLang="en-US" sz="1600" b="1" strike="noStrike" noProof="1">
-                <a:solidFill>
-                  <a:srgbClr val="C00000"/>
-                </a:solidFill>
-                <a:latin typeface="+mn-ea"/>
-                <a:sym typeface="微软雅黑" panose="020B0503020204020204" charset="-122"/>
-              </a:rPr>
-              <a:t>、如其他讀卡機可正常試用，請把沒有反應的讀卡機更換</a:t>
-            </a:r>
-            <a:endParaRPr lang="en-US" altLang="zh-CN" sz="1600" b="1" strike="noStrike" noProof="1">
-              <a:solidFill>
-                <a:srgbClr val="C00000"/>
-              </a:solidFill>
-              <a:latin typeface="+mn-ea"/>
-              <a:sym typeface="微软雅黑" panose="020B0503020204020204" charset="-122"/>
-            </a:endParaRPr>
-          </a:p>
-          <a:p>
-            <a:pPr marL="914400" lvl="2" indent="0" algn="l" fontAlgn="base">
-              <a:lnSpc>
-                <a:spcPct val="100000"/>
-              </a:lnSpc>
-            </a:pPr>
-            <a:endParaRPr lang="zh-CN" altLang="en-US" sz="1600" b="1" strike="noStrike" noProof="1">
-              <a:solidFill>
-                <a:srgbClr val="C00000"/>
-              </a:solidFill>
-              <a:latin typeface="+mn-ea"/>
-              <a:sym typeface="微软雅黑" panose="020B0503020204020204" charset="-122"/>
-            </a:endParaRPr>
-          </a:p>
-          <a:p>
-            <a:pPr lvl="1" fontAlgn="base">
-              <a:lnSpc>
-                <a:spcPct val="100000"/>
-              </a:lnSpc>
-            </a:pPr>
-            <a:endParaRPr lang="en-US" altLang="zh-CN" sz="1700" b="1" strike="noStrike" noProof="1">
-              <a:solidFill>
-                <a:srgbClr val="000066"/>
-              </a:solidFill>
-              <a:uFillTx/>
-              <a:latin typeface="+mn-ea"/>
-              <a:sym typeface="+mn-ea"/>
-            </a:endParaRPr>
-          </a:p>
-        </p:txBody>
-      </p:sp>
-    </p:spTree>
-  </p:cSld>
-  <p:clrMapOvr>
-    <a:masterClrMapping/>
-  </p:clrMapOvr>
-</p:sld>
-</file>
-
-<file path=ppt/slides/slide50.xml><?xml version="1.0" encoding="utf-8"?>
+<file path=ppt/slides/slide56.xml><?xml version="1.0" encoding="utf-8"?>
 <p:sld xmlns:a="http://schemas.openxmlformats.org/drawingml/2006/main" xmlns:r="http://schemas.openxmlformats.org/officeDocument/2006/relationships" xmlns:p="http://schemas.openxmlformats.org/presentationml/2006/main">
   <p:cSld>
     <p:spTree>
@@ -17146,7 +18146,7 @@
 </p:sld>
 </file>
 
-<file path=ppt/slides/slide51.xml><?xml version="1.0" encoding="utf-8"?>
+<file path=ppt/slides/slide57.xml><?xml version="1.0" encoding="utf-8"?>
 <p:sld xmlns:a="http://schemas.openxmlformats.org/drawingml/2006/main" xmlns:r="http://schemas.openxmlformats.org/officeDocument/2006/relationships" xmlns:p="http://schemas.openxmlformats.org/presentationml/2006/main">
   <p:cSld>
     <p:spTree>
@@ -17274,7 +18274,7 @@
 </p:sld>
 </file>
 
-<file path=ppt/slides/slide52.xml><?xml version="1.0" encoding="utf-8"?>
+<file path=ppt/slides/slide58.xml><?xml version="1.0" encoding="utf-8"?>
 <p:sld xmlns:a="http://schemas.openxmlformats.org/drawingml/2006/main" xmlns:r="http://schemas.openxmlformats.org/officeDocument/2006/relationships" xmlns:p="http://schemas.openxmlformats.org/presentationml/2006/main">
   <p:cSld>
     <p:spTree>
@@ -17621,7 +18621,7 @@
 </p:sld>
 </file>
 
-<file path=ppt/slides/slide53.xml><?xml version="1.0" encoding="utf-8"?>
+<file path=ppt/slides/slide59.xml><?xml version="1.0" encoding="utf-8"?>
 <p:sld xmlns:a="http://schemas.openxmlformats.org/drawingml/2006/main" xmlns:r="http://schemas.openxmlformats.org/officeDocument/2006/relationships" xmlns:p="http://schemas.openxmlformats.org/presentationml/2006/main">
   <p:cSld>
     <p:spTree>
@@ -17968,7 +18968,358 @@
 </p:sld>
 </file>
 
-<file path=ppt/slides/slide54.xml><?xml version="1.0" encoding="utf-8"?>
+<file path=ppt/slides/slide6.xml><?xml version="1.0" encoding="utf-8"?>
+<p:sld xmlns:a="http://schemas.openxmlformats.org/drawingml/2006/main" xmlns:r="http://schemas.openxmlformats.org/officeDocument/2006/relationships" xmlns:p="http://schemas.openxmlformats.org/presentationml/2006/main">
+  <p:cSld>
+    <p:spTree>
+      <p:nvGrpSpPr>
+        <p:cNvPr id="1" name=""/>
+        <p:cNvGrpSpPr/>
+        <p:nvPr/>
+      </p:nvGrpSpPr>
+      <p:grpSpPr>
+        <a:xfrm>
+          <a:off x="0" y="0"/>
+          <a:ext cx="0" cy="0"/>
+          <a:chOff x="0" y="0"/>
+          <a:chExt cx="0" cy="0"/>
+        </a:xfrm>
+      </p:grpSpPr>
+      <p:pic>
+        <p:nvPicPr>
+          <p:cNvPr id="3" name="图片 2" descr="1111"/>
+          <p:cNvPicPr>
+            <a:picLocks noChangeAspect="1"/>
+          </p:cNvPicPr>
+          <p:nvPr/>
+        </p:nvPicPr>
+        <p:blipFill>
+          <a:blip r:embed="rId1"/>
+          <a:stretch>
+            <a:fillRect/>
+          </a:stretch>
+        </p:blipFill>
+        <p:spPr>
+          <a:xfrm>
+            <a:off x="-59690" y="-57150"/>
+            <a:ext cx="9201150" cy="6918325"/>
+          </a:xfrm>
+          <a:prstGeom prst="rect">
+            <a:avLst/>
+          </a:prstGeom>
+        </p:spPr>
+      </p:pic>
+      <p:sp>
+        <p:nvSpPr>
+          <p:cNvPr id="238594" name="標題 238593"/>
+          <p:cNvSpPr>
+            <a:spLocks noGrp="1"/>
+          </p:cNvSpPr>
+          <p:nvPr>
+            <p:ph type="title"/>
+          </p:nvPr>
+        </p:nvSpPr>
+        <p:spPr/>
+        <p:txBody>
+          <a:bodyPr anchor="ctr"/>
+          <a:lstStyle/>
+          <a:p>
+            <a:pPr fontAlgn="base"/>
+            <a:r>
+              <a:rPr lang="en-US" altLang="zh-TW" strike="noStrike" noProof="1">
+                <a:solidFill>
+                  <a:srgbClr val="0000CC"/>
+                </a:solidFill>
+              </a:rPr>
+              <a:t>3. </a:t>
+            </a:r>
+            <a:r>
+              <a:rPr lang="zh-CN" altLang="zh-TW" strike="noStrike" noProof="1">
+                <a:solidFill>
+                  <a:srgbClr val="0000CC"/>
+                </a:solidFill>
+                <a:latin typeface="+mn-ea"/>
+                <a:ea typeface="+mn-ea"/>
+              </a:rPr>
+              <a:t>刷卡模式設定</a:t>
+            </a:r>
+            <a:endParaRPr lang="zh-CN" altLang="zh-TW" strike="noStrike" noProof="1">
+              <a:solidFill>
+                <a:srgbClr val="0000CC"/>
+              </a:solidFill>
+              <a:latin typeface="+mn-ea"/>
+              <a:ea typeface="+mn-ea"/>
+            </a:endParaRPr>
+          </a:p>
+        </p:txBody>
+      </p:sp>
+      <p:sp>
+        <p:nvSpPr>
+          <p:cNvPr id="10242" name="標題 238593"/>
+          <p:cNvSpPr>
+            <a:spLocks noGrp="1"/>
+          </p:cNvSpPr>
+          <p:nvPr/>
+        </p:nvSpPr>
+        <p:spPr>
+          <a:xfrm>
+            <a:off x="441325" y="892175"/>
+            <a:ext cx="8229600" cy="523875"/>
+          </a:xfrm>
+          <a:prstGeom prst="rect">
+            <a:avLst/>
+          </a:prstGeom>
+          <a:noFill/>
+          <a:ln w="9525">
+            <a:noFill/>
+          </a:ln>
+        </p:spPr>
+        <p:txBody>
+          <a:bodyPr anchor="ctr"/>
+          <a:lstStyle/>
+          <a:p>
+            <a:pPr lvl="0" indent="0">
+              <a:buClrTx/>
+            </a:pPr>
+            <a:r>
+              <a:rPr lang="zh-CN" altLang="zh-CN" b="0" dirty="0">
+                <a:solidFill>
+                  <a:srgbClr val="000066"/>
+                </a:solidFill>
+                <a:latin typeface="DFKai-SB" panose="03000509000000000000" charset="-122"/>
+                <a:ea typeface="DFKai-SB" panose="03000509000000000000" charset="-122"/>
+                <a:sym typeface="宋体" panose="02010600030101010101" pitchFamily="2" charset="-122"/>
+              </a:rPr>
+              <a:t>車間門口電腦： 桌面 </a:t>
+            </a:r>
+            <a:r>
+              <a:rPr lang="en-US" altLang="zh-CN" b="0" dirty="0">
+                <a:solidFill>
+                  <a:srgbClr val="000066"/>
+                </a:solidFill>
+                <a:latin typeface="DFKai-SB" panose="03000509000000000000" charset="-122"/>
+                <a:ea typeface="DFKai-SB" panose="03000509000000000000" charset="-122"/>
+                <a:sym typeface="宋体" panose="02010600030101010101" pitchFamily="2" charset="-122"/>
+              </a:rPr>
+              <a:t>-&gt; </a:t>
+            </a:r>
+            <a:r>
+              <a:rPr lang="zh-CN" altLang="zh-CN" b="0" dirty="0">
+                <a:solidFill>
+                  <a:srgbClr val="000066"/>
+                </a:solidFill>
+                <a:latin typeface="DFKai-SB" panose="03000509000000000000" charset="-122"/>
+                <a:ea typeface="DFKai-SB" panose="03000509000000000000" charset="-122"/>
+                <a:sym typeface="宋体" panose="02010600030101010101" pitchFamily="2" charset="-122"/>
+              </a:rPr>
+              <a:t>鼠標雙擊</a:t>
+            </a:r>
+            <a:r>
+              <a:rPr lang="en-US" altLang="zh-CN" dirty="0">
+                <a:solidFill>
+                  <a:srgbClr val="FF0000"/>
+                </a:solidFill>
+                <a:latin typeface="DFKai-SB" panose="03000509000000000000" charset="-122"/>
+                <a:ea typeface="DFKai-SB" panose="03000509000000000000" charset="-122"/>
+                <a:sym typeface="宋体" panose="02010600030101010101" pitchFamily="2" charset="-122"/>
+              </a:rPr>
+              <a:t>SYSTEM</a:t>
+            </a:r>
+            <a:r>
+              <a:rPr lang="zh-CN" altLang="zh-CN" b="0" dirty="0">
+                <a:solidFill>
+                  <a:srgbClr val="000066"/>
+                </a:solidFill>
+                <a:latin typeface="DFKai-SB" panose="03000509000000000000" charset="-122"/>
+                <a:ea typeface="DFKai-SB" panose="03000509000000000000" charset="-122"/>
+                <a:sym typeface="宋体" panose="02010600030101010101" pitchFamily="2" charset="-122"/>
+              </a:rPr>
+              <a:t>圖標 </a:t>
+            </a:r>
+            <a:r>
+              <a:rPr lang="en-US" altLang="zh-CN" b="0" dirty="0">
+                <a:solidFill>
+                  <a:srgbClr val="000066"/>
+                </a:solidFill>
+                <a:latin typeface="DFKai-SB" panose="03000509000000000000" charset="-122"/>
+                <a:ea typeface="DFKai-SB" panose="03000509000000000000" charset="-122"/>
+                <a:sym typeface="宋体" panose="02010600030101010101" pitchFamily="2" charset="-122"/>
+              </a:rPr>
+              <a:t>-&gt; </a:t>
+            </a:r>
+            <a:r>
+              <a:rPr lang="zh-CN" altLang="en-US" b="0" dirty="0">
+                <a:solidFill>
+                  <a:srgbClr val="000066"/>
+                </a:solidFill>
+                <a:latin typeface="DFKai-SB" panose="03000509000000000000" charset="-122"/>
+                <a:ea typeface="DFKai-SB" panose="03000509000000000000" charset="-122"/>
+                <a:sym typeface="宋体" panose="02010600030101010101" pitchFamily="2" charset="-122"/>
+              </a:rPr>
+              <a:t>啟用程式</a:t>
+            </a:r>
+            <a:endParaRPr lang="en-US" altLang="zh-CN" b="0" dirty="0">
+              <a:solidFill>
+                <a:srgbClr val="000066"/>
+              </a:solidFill>
+              <a:latin typeface="DFKai-SB" panose="03000509000000000000" charset="-122"/>
+              <a:ea typeface="DFKai-SB" panose="03000509000000000000" charset="-122"/>
+              <a:sym typeface="宋体" panose="02010600030101010101" pitchFamily="2" charset="-122"/>
+            </a:endParaRPr>
+          </a:p>
+        </p:txBody>
+      </p:sp>
+      <p:sp>
+        <p:nvSpPr>
+          <p:cNvPr id="10245" name="矩形圖說文字 226308"/>
+          <p:cNvSpPr/>
+          <p:nvPr/>
+        </p:nvSpPr>
+        <p:spPr>
+          <a:xfrm>
+            <a:off x="5414963" y="115888"/>
+            <a:ext cx="3028950" cy="649287"/>
+          </a:xfrm>
+          <a:prstGeom prst="wedgeRectCallout">
+            <a:avLst>
+              <a:gd name="adj1" fmla="val -20037"/>
+              <a:gd name="adj2" fmla="val -45116"/>
+            </a:avLst>
+          </a:prstGeom>
+          <a:gradFill rotWithShape="1">
+            <a:gsLst>
+              <a:gs pos="0">
+                <a:srgbClr val="FCFDFE">
+                  <a:alpha val="100000"/>
+                </a:srgbClr>
+              </a:gs>
+              <a:gs pos="74001">
+                <a:srgbClr val="E0F1F2">
+                  <a:alpha val="100000"/>
+                </a:srgbClr>
+              </a:gs>
+              <a:gs pos="83000">
+                <a:srgbClr val="E0F1F2">
+                  <a:alpha val="100000"/>
+                </a:srgbClr>
+              </a:gs>
+              <a:gs pos="100000">
+                <a:srgbClr val="EBF6F7">
+                  <a:alpha val="100000"/>
+                </a:srgbClr>
+              </a:gs>
+            </a:gsLst>
+            <a:lin ang="5400000"/>
+            <a:tileRect/>
+          </a:gradFill>
+          <a:ln w="6350" cap="flat" cmpd="sng">
+            <a:solidFill>
+              <a:srgbClr val="800080"/>
+            </a:solidFill>
+            <a:prstDash val="solid"/>
+            <a:miter/>
+            <a:headEnd type="none" w="med" len="med"/>
+            <a:tailEnd type="none" w="med" len="med"/>
+          </a:ln>
+        </p:spPr>
+        <p:txBody>
+          <a:bodyPr anchor="t"/>
+          <a:lstStyle/>
+          <a:p>
+            <a:pPr lvl="0" indent="0"/>
+            <a:r>
+              <a:rPr lang="zh-CN" altLang="en-US" sz="2000" err="1">
+                <a:solidFill>
+                  <a:srgbClr val="6600CC"/>
+                </a:solidFill>
+                <a:latin typeface="DFKai-SB" panose="03000509000000000000" charset="-122"/>
+                <a:ea typeface="DFKai-SB" panose="03000509000000000000" charset="-122"/>
+              </a:rPr>
+              <a:t>對象</a:t>
+            </a:r>
+            <a:r>
+              <a:rPr lang="en-US" altLang="zh-CN" sz="2000" err="1">
+                <a:solidFill>
+                  <a:srgbClr val="6600CC"/>
+                </a:solidFill>
+                <a:latin typeface="DFKai-SB" panose="03000509000000000000" charset="-122"/>
+                <a:ea typeface="DFKai-SB" panose="03000509000000000000" charset="-122"/>
+              </a:rPr>
+              <a:t>:</a:t>
+            </a:r>
+            <a:endParaRPr lang="en-US" altLang="zh-CN" sz="2000" err="1">
+              <a:solidFill>
+                <a:srgbClr val="6600CC"/>
+              </a:solidFill>
+              <a:latin typeface="DFKai-SB" panose="03000509000000000000" charset="-122"/>
+              <a:ea typeface="DFKai-SB" panose="03000509000000000000" charset="-122"/>
+            </a:endParaRPr>
+          </a:p>
+          <a:p>
+            <a:pPr lvl="0" indent="0"/>
+            <a:r>
+              <a:rPr lang="zh-CN" altLang="zh-CN" sz="2000" err="1">
+                <a:solidFill>
+                  <a:srgbClr val="FF0000"/>
+                </a:solidFill>
+                <a:latin typeface="DFKai-SB" panose="03000509000000000000" charset="-122"/>
+                <a:ea typeface="DFKai-SB" panose="03000509000000000000" charset="-122"/>
+              </a:rPr>
+              <a:t>車間管理人員或責任窗口</a:t>
+            </a:r>
+            <a:r>
+              <a:rPr lang="zh-CN" altLang="zh-CN" sz="1400" err="1">
+                <a:solidFill>
+                  <a:srgbClr val="6600CC"/>
+                </a:solidFill>
+                <a:latin typeface="DFKai-SB" panose="03000509000000000000" charset="-122"/>
+                <a:ea typeface="DFKai-SB" panose="03000509000000000000" charset="-122"/>
+              </a:rPr>
+              <a:t> </a:t>
+            </a:r>
+            <a:endParaRPr lang="zh-CN" altLang="zh-CN" sz="1400" err="1">
+              <a:solidFill>
+                <a:srgbClr val="6600CC"/>
+              </a:solidFill>
+              <a:latin typeface="DFKai-SB" panose="03000509000000000000" charset="-122"/>
+              <a:ea typeface="DFKai-SB" panose="03000509000000000000" charset="-122"/>
+            </a:endParaRPr>
+          </a:p>
+        </p:txBody>
+      </p:sp>
+      <p:pic>
+        <p:nvPicPr>
+          <p:cNvPr id="2" name="图片 1"/>
+          <p:cNvPicPr>
+            <a:picLocks noChangeAspect="1"/>
+          </p:cNvPicPr>
+          <p:nvPr/>
+        </p:nvPicPr>
+        <p:blipFill>
+          <a:blip r:embed="rId2"/>
+          <a:stretch>
+            <a:fillRect/>
+          </a:stretch>
+        </p:blipFill>
+        <p:spPr>
+          <a:xfrm>
+            <a:off x="685800" y="1416050"/>
+            <a:ext cx="7020560" cy="4618990"/>
+          </a:xfrm>
+          <a:prstGeom prst="rect">
+            <a:avLst/>
+          </a:prstGeom>
+        </p:spPr>
+      </p:pic>
+    </p:spTree>
+  </p:cSld>
+  <p:clrMapOvr>
+    <a:masterClrMapping/>
+  </p:clrMapOvr>
+</p:sld>
+</file>
+
+<file path=ppt/slides/slide60.xml><?xml version="1.0" encoding="utf-8"?>
 <p:sld xmlns:a="http://schemas.openxmlformats.org/drawingml/2006/main" xmlns:r="http://schemas.openxmlformats.org/officeDocument/2006/relationships" xmlns:p="http://schemas.openxmlformats.org/presentationml/2006/main">
   <p:cSld>
     <p:spTree>
@@ -18178,7 +19529,7 @@
 </p:sld>
 </file>
 
-<file path=ppt/slides/slide55.xml><?xml version="1.0" encoding="utf-8"?>
+<file path=ppt/slides/slide61.xml><?xml version="1.0" encoding="utf-8"?>
 <p:sld xmlns:a="http://schemas.openxmlformats.org/drawingml/2006/main" xmlns:r="http://schemas.openxmlformats.org/officeDocument/2006/relationships" xmlns:p="http://schemas.openxmlformats.org/presentationml/2006/main">
   <p:cSld>
     <p:spTree>
@@ -18340,7 +19691,7 @@
 </p:sld>
 </file>
 
-<file path=ppt/slides/slide56.xml><?xml version="1.0" encoding="utf-8"?>
+<file path=ppt/slides/slide62.xml><?xml version="1.0" encoding="utf-8"?>
 <p:sld xmlns:a="http://schemas.openxmlformats.org/drawingml/2006/main" xmlns:r="http://schemas.openxmlformats.org/officeDocument/2006/relationships" xmlns:p="http://schemas.openxmlformats.org/presentationml/2006/main">
   <p:cSld>
     <p:spTree>
@@ -18506,7 +19857,7 @@
 </p:sld>
 </file>
 
-<file path=ppt/slides/slide57.xml><?xml version="1.0" encoding="utf-8"?>
+<file path=ppt/slides/slide63.xml><?xml version="1.0" encoding="utf-8"?>
 <p:sld xmlns:a="http://schemas.openxmlformats.org/drawingml/2006/main" xmlns:r="http://schemas.openxmlformats.org/officeDocument/2006/relationships" xmlns:p="http://schemas.openxmlformats.org/presentationml/2006/main">
   <p:cSld>
     <p:spTree>
@@ -18720,7 +20071,7 @@
 </p:sld>
 </file>
 
-<file path=ppt/slides/slide58.xml><?xml version="1.0" encoding="utf-8"?>
+<file path=ppt/slides/slide64.xml><?xml version="1.0" encoding="utf-8"?>
 <p:sld xmlns:a="http://schemas.openxmlformats.org/drawingml/2006/main" xmlns:r="http://schemas.openxmlformats.org/officeDocument/2006/relationships" xmlns:p="http://schemas.openxmlformats.org/presentationml/2006/main">
   <p:cSld>
     <p:spTree>
@@ -19446,7 +20797,7 @@
 </p:sld>
 </file>
 
-<file path=ppt/slides/slide59.xml><?xml version="1.0" encoding="utf-8"?>
+<file path=ppt/slides/slide65.xml><?xml version="1.0" encoding="utf-8"?>
 <p:sld xmlns:a="http://schemas.openxmlformats.org/drawingml/2006/main" xmlns:r="http://schemas.openxmlformats.org/officeDocument/2006/relationships" xmlns:p="http://schemas.openxmlformats.org/presentationml/2006/main">
   <p:cSld>
     <p:spTree>
@@ -19820,357 +21171,6 @@
     <a:masterClrMapping/>
   </p:clrMapOvr>
   <p:transition/>
-</p:sld>
-</file>
-
-<file path=ppt/slides/slide6.xml><?xml version="1.0" encoding="utf-8"?>
-<p:sld xmlns:a="http://schemas.openxmlformats.org/drawingml/2006/main" xmlns:r="http://schemas.openxmlformats.org/officeDocument/2006/relationships" xmlns:p="http://schemas.openxmlformats.org/presentationml/2006/main">
-  <p:cSld>
-    <p:spTree>
-      <p:nvGrpSpPr>
-        <p:cNvPr id="1" name=""/>
-        <p:cNvGrpSpPr/>
-        <p:nvPr/>
-      </p:nvGrpSpPr>
-      <p:grpSpPr>
-        <a:xfrm>
-          <a:off x="0" y="0"/>
-          <a:ext cx="0" cy="0"/>
-          <a:chOff x="0" y="0"/>
-          <a:chExt cx="0" cy="0"/>
-        </a:xfrm>
-      </p:grpSpPr>
-      <p:pic>
-        <p:nvPicPr>
-          <p:cNvPr id="3" name="图片 2" descr="1111"/>
-          <p:cNvPicPr>
-            <a:picLocks noChangeAspect="1"/>
-          </p:cNvPicPr>
-          <p:nvPr/>
-        </p:nvPicPr>
-        <p:blipFill>
-          <a:blip r:embed="rId1"/>
-          <a:stretch>
-            <a:fillRect/>
-          </a:stretch>
-        </p:blipFill>
-        <p:spPr>
-          <a:xfrm>
-            <a:off x="-59690" y="-57150"/>
-            <a:ext cx="9201150" cy="6918325"/>
-          </a:xfrm>
-          <a:prstGeom prst="rect">
-            <a:avLst/>
-          </a:prstGeom>
-        </p:spPr>
-      </p:pic>
-      <p:sp>
-        <p:nvSpPr>
-          <p:cNvPr id="238594" name="標題 238593"/>
-          <p:cNvSpPr>
-            <a:spLocks noGrp="1"/>
-          </p:cNvSpPr>
-          <p:nvPr>
-            <p:ph type="title"/>
-          </p:nvPr>
-        </p:nvSpPr>
-        <p:spPr/>
-        <p:txBody>
-          <a:bodyPr anchor="ctr"/>
-          <a:lstStyle/>
-          <a:p>
-            <a:pPr fontAlgn="base"/>
-            <a:r>
-              <a:rPr lang="en-US" altLang="zh-TW" strike="noStrike" noProof="1">
-                <a:solidFill>
-                  <a:srgbClr val="0000CC"/>
-                </a:solidFill>
-              </a:rPr>
-              <a:t>3. </a:t>
-            </a:r>
-            <a:r>
-              <a:rPr lang="zh-CN" altLang="zh-TW" strike="noStrike" noProof="1">
-                <a:solidFill>
-                  <a:srgbClr val="0000CC"/>
-                </a:solidFill>
-                <a:latin typeface="+mn-ea"/>
-                <a:ea typeface="+mn-ea"/>
-              </a:rPr>
-              <a:t>刷卡模式設定</a:t>
-            </a:r>
-            <a:endParaRPr lang="zh-CN" altLang="zh-TW" strike="noStrike" noProof="1">
-              <a:solidFill>
-                <a:srgbClr val="0000CC"/>
-              </a:solidFill>
-              <a:latin typeface="+mn-ea"/>
-              <a:ea typeface="+mn-ea"/>
-            </a:endParaRPr>
-          </a:p>
-        </p:txBody>
-      </p:sp>
-      <p:sp>
-        <p:nvSpPr>
-          <p:cNvPr id="10242" name="標題 238593"/>
-          <p:cNvSpPr>
-            <a:spLocks noGrp="1"/>
-          </p:cNvSpPr>
-          <p:nvPr/>
-        </p:nvSpPr>
-        <p:spPr>
-          <a:xfrm>
-            <a:off x="441325" y="892175"/>
-            <a:ext cx="8229600" cy="523875"/>
-          </a:xfrm>
-          <a:prstGeom prst="rect">
-            <a:avLst/>
-          </a:prstGeom>
-          <a:noFill/>
-          <a:ln w="9525">
-            <a:noFill/>
-          </a:ln>
-        </p:spPr>
-        <p:txBody>
-          <a:bodyPr anchor="ctr"/>
-          <a:lstStyle/>
-          <a:p>
-            <a:pPr lvl="0" indent="0">
-              <a:buClrTx/>
-            </a:pPr>
-            <a:r>
-              <a:rPr lang="zh-CN" altLang="zh-CN" b="0" dirty="0">
-                <a:solidFill>
-                  <a:srgbClr val="000066"/>
-                </a:solidFill>
-                <a:latin typeface="DFKai-SB" panose="03000509000000000000" charset="-122"/>
-                <a:ea typeface="DFKai-SB" panose="03000509000000000000" charset="-122"/>
-                <a:sym typeface="宋体" panose="02010600030101010101" pitchFamily="2" charset="-122"/>
-              </a:rPr>
-              <a:t>車間門口電腦： 桌面 </a:t>
-            </a:r>
-            <a:r>
-              <a:rPr lang="en-US" altLang="zh-CN" b="0" dirty="0">
-                <a:solidFill>
-                  <a:srgbClr val="000066"/>
-                </a:solidFill>
-                <a:latin typeface="DFKai-SB" panose="03000509000000000000" charset="-122"/>
-                <a:ea typeface="DFKai-SB" panose="03000509000000000000" charset="-122"/>
-                <a:sym typeface="宋体" panose="02010600030101010101" pitchFamily="2" charset="-122"/>
-              </a:rPr>
-              <a:t>-&gt; </a:t>
-            </a:r>
-            <a:r>
-              <a:rPr lang="zh-CN" altLang="zh-CN" b="0" dirty="0">
-                <a:solidFill>
-                  <a:srgbClr val="000066"/>
-                </a:solidFill>
-                <a:latin typeface="DFKai-SB" panose="03000509000000000000" charset="-122"/>
-                <a:ea typeface="DFKai-SB" panose="03000509000000000000" charset="-122"/>
-                <a:sym typeface="宋体" panose="02010600030101010101" pitchFamily="2" charset="-122"/>
-              </a:rPr>
-              <a:t>鼠標雙擊</a:t>
-            </a:r>
-            <a:r>
-              <a:rPr lang="en-US" altLang="zh-CN" dirty="0">
-                <a:solidFill>
-                  <a:srgbClr val="FF0000"/>
-                </a:solidFill>
-                <a:latin typeface="DFKai-SB" panose="03000509000000000000" charset="-122"/>
-                <a:ea typeface="DFKai-SB" panose="03000509000000000000" charset="-122"/>
-                <a:sym typeface="宋体" panose="02010600030101010101" pitchFamily="2" charset="-122"/>
-              </a:rPr>
-              <a:t>SYSTEM</a:t>
-            </a:r>
-            <a:r>
-              <a:rPr lang="zh-CN" altLang="zh-CN" b="0" dirty="0">
-                <a:solidFill>
-                  <a:srgbClr val="000066"/>
-                </a:solidFill>
-                <a:latin typeface="DFKai-SB" panose="03000509000000000000" charset="-122"/>
-                <a:ea typeface="DFKai-SB" panose="03000509000000000000" charset="-122"/>
-                <a:sym typeface="宋体" panose="02010600030101010101" pitchFamily="2" charset="-122"/>
-              </a:rPr>
-              <a:t>圖標 </a:t>
-            </a:r>
-            <a:r>
-              <a:rPr lang="en-US" altLang="zh-CN" b="0" dirty="0">
-                <a:solidFill>
-                  <a:srgbClr val="000066"/>
-                </a:solidFill>
-                <a:latin typeface="DFKai-SB" panose="03000509000000000000" charset="-122"/>
-                <a:ea typeface="DFKai-SB" panose="03000509000000000000" charset="-122"/>
-                <a:sym typeface="宋体" panose="02010600030101010101" pitchFamily="2" charset="-122"/>
-              </a:rPr>
-              <a:t>-&gt; </a:t>
-            </a:r>
-            <a:r>
-              <a:rPr lang="zh-CN" altLang="en-US" b="0" dirty="0">
-                <a:solidFill>
-                  <a:srgbClr val="000066"/>
-                </a:solidFill>
-                <a:latin typeface="DFKai-SB" panose="03000509000000000000" charset="-122"/>
-                <a:ea typeface="DFKai-SB" panose="03000509000000000000" charset="-122"/>
-                <a:sym typeface="宋体" panose="02010600030101010101" pitchFamily="2" charset="-122"/>
-              </a:rPr>
-              <a:t>啟用程式</a:t>
-            </a:r>
-            <a:endParaRPr lang="en-US" altLang="zh-CN" b="0" dirty="0">
-              <a:solidFill>
-                <a:srgbClr val="000066"/>
-              </a:solidFill>
-              <a:latin typeface="DFKai-SB" panose="03000509000000000000" charset="-122"/>
-              <a:ea typeface="DFKai-SB" panose="03000509000000000000" charset="-122"/>
-              <a:sym typeface="宋体" panose="02010600030101010101" pitchFamily="2" charset="-122"/>
-            </a:endParaRPr>
-          </a:p>
-        </p:txBody>
-      </p:sp>
-      <p:sp>
-        <p:nvSpPr>
-          <p:cNvPr id="10245" name="矩形圖說文字 226308"/>
-          <p:cNvSpPr/>
-          <p:nvPr/>
-        </p:nvSpPr>
-        <p:spPr>
-          <a:xfrm>
-            <a:off x="5414963" y="115888"/>
-            <a:ext cx="3028950" cy="649287"/>
-          </a:xfrm>
-          <a:prstGeom prst="wedgeRectCallout">
-            <a:avLst>
-              <a:gd name="adj1" fmla="val -20037"/>
-              <a:gd name="adj2" fmla="val -45116"/>
-            </a:avLst>
-          </a:prstGeom>
-          <a:gradFill rotWithShape="1">
-            <a:gsLst>
-              <a:gs pos="0">
-                <a:srgbClr val="FCFDFE">
-                  <a:alpha val="100000"/>
-                </a:srgbClr>
-              </a:gs>
-              <a:gs pos="74001">
-                <a:srgbClr val="E0F1F2">
-                  <a:alpha val="100000"/>
-                </a:srgbClr>
-              </a:gs>
-              <a:gs pos="83000">
-                <a:srgbClr val="E0F1F2">
-                  <a:alpha val="100000"/>
-                </a:srgbClr>
-              </a:gs>
-              <a:gs pos="100000">
-                <a:srgbClr val="EBF6F7">
-                  <a:alpha val="100000"/>
-                </a:srgbClr>
-              </a:gs>
-            </a:gsLst>
-            <a:lin ang="5400000"/>
-            <a:tileRect/>
-          </a:gradFill>
-          <a:ln w="6350" cap="flat" cmpd="sng">
-            <a:solidFill>
-              <a:srgbClr val="800080"/>
-            </a:solidFill>
-            <a:prstDash val="solid"/>
-            <a:miter/>
-            <a:headEnd type="none" w="med" len="med"/>
-            <a:tailEnd type="none" w="med" len="med"/>
-          </a:ln>
-        </p:spPr>
-        <p:txBody>
-          <a:bodyPr anchor="t"/>
-          <a:lstStyle/>
-          <a:p>
-            <a:pPr lvl="0" indent="0"/>
-            <a:r>
-              <a:rPr lang="zh-CN" altLang="en-US" sz="2000" err="1">
-                <a:solidFill>
-                  <a:srgbClr val="6600CC"/>
-                </a:solidFill>
-                <a:latin typeface="DFKai-SB" panose="03000509000000000000" charset="-122"/>
-                <a:ea typeface="DFKai-SB" panose="03000509000000000000" charset="-122"/>
-              </a:rPr>
-              <a:t>對象</a:t>
-            </a:r>
-            <a:r>
-              <a:rPr lang="en-US" altLang="zh-CN" sz="2000" err="1">
-                <a:solidFill>
-                  <a:srgbClr val="6600CC"/>
-                </a:solidFill>
-                <a:latin typeface="DFKai-SB" panose="03000509000000000000" charset="-122"/>
-                <a:ea typeface="DFKai-SB" panose="03000509000000000000" charset="-122"/>
-              </a:rPr>
-              <a:t>:</a:t>
-            </a:r>
-            <a:endParaRPr lang="en-US" altLang="zh-CN" sz="2000" err="1">
-              <a:solidFill>
-                <a:srgbClr val="6600CC"/>
-              </a:solidFill>
-              <a:latin typeface="DFKai-SB" panose="03000509000000000000" charset="-122"/>
-              <a:ea typeface="DFKai-SB" panose="03000509000000000000" charset="-122"/>
-            </a:endParaRPr>
-          </a:p>
-          <a:p>
-            <a:pPr lvl="0" indent="0"/>
-            <a:r>
-              <a:rPr lang="zh-CN" altLang="zh-CN" sz="2000" err="1">
-                <a:solidFill>
-                  <a:srgbClr val="FF0000"/>
-                </a:solidFill>
-                <a:latin typeface="DFKai-SB" panose="03000509000000000000" charset="-122"/>
-                <a:ea typeface="DFKai-SB" panose="03000509000000000000" charset="-122"/>
-              </a:rPr>
-              <a:t>車間管理人員或責任窗口</a:t>
-            </a:r>
-            <a:r>
-              <a:rPr lang="zh-CN" altLang="zh-CN" sz="1400" err="1">
-                <a:solidFill>
-                  <a:srgbClr val="6600CC"/>
-                </a:solidFill>
-                <a:latin typeface="DFKai-SB" panose="03000509000000000000" charset="-122"/>
-                <a:ea typeface="DFKai-SB" panose="03000509000000000000" charset="-122"/>
-              </a:rPr>
-              <a:t> </a:t>
-            </a:r>
-            <a:endParaRPr lang="zh-CN" altLang="zh-CN" sz="1400" err="1">
-              <a:solidFill>
-                <a:srgbClr val="6600CC"/>
-              </a:solidFill>
-              <a:latin typeface="DFKai-SB" panose="03000509000000000000" charset="-122"/>
-              <a:ea typeface="DFKai-SB" panose="03000509000000000000" charset="-122"/>
-            </a:endParaRPr>
-          </a:p>
-        </p:txBody>
-      </p:sp>
-      <p:pic>
-        <p:nvPicPr>
-          <p:cNvPr id="2" name="图片 1"/>
-          <p:cNvPicPr>
-            <a:picLocks noChangeAspect="1"/>
-          </p:cNvPicPr>
-          <p:nvPr/>
-        </p:nvPicPr>
-        <p:blipFill>
-          <a:blip r:embed="rId2"/>
-          <a:stretch>
-            <a:fillRect/>
-          </a:stretch>
-        </p:blipFill>
-        <p:spPr>
-          <a:xfrm>
-            <a:off x="685800" y="1416050"/>
-            <a:ext cx="7020560" cy="4618990"/>
-          </a:xfrm>
-          <a:prstGeom prst="rect">
-            <a:avLst/>
-          </a:prstGeom>
-        </p:spPr>
-      </p:pic>
-    </p:spTree>
-  </p:cSld>
-  <p:clrMapOvr>
-    <a:masterClrMapping/>
-  </p:clrMapOvr>
 </p:sld>
 </file>
 

--- a/WebContent/resources/ppt/實時工時系統USERGUIDE.pptx
+++ b/WebContent/resources/ppt/實時工時系統USERGUIDE.pptx
@@ -5,10 +5,10 @@
     <p:sldMasterId id="2147483648" r:id="rId1"/>
   </p:sldMasterIdLst>
   <p:notesMasterIdLst>
-    <p:notesMasterId r:id="rId23"/>
+    <p:notesMasterId r:id="rId24"/>
   </p:notesMasterIdLst>
   <p:handoutMasterIdLst>
-    <p:handoutMasterId r:id="rId69"/>
+    <p:handoutMasterId r:id="rId70"/>
   </p:handoutMasterIdLst>
   <p:sldIdLst>
     <p:sldId id="256" r:id="rId3"/>
@@ -27,55 +27,56 @@
     <p:sldId id="735" r:id="rId16"/>
     <p:sldId id="736" r:id="rId17"/>
     <p:sldId id="738" r:id="rId18"/>
-    <p:sldId id="742" r:id="rId19"/>
-    <p:sldId id="743" r:id="rId20"/>
-    <p:sldId id="737" r:id="rId21"/>
-    <p:sldId id="476" r:id="rId22"/>
-    <p:sldId id="477" r:id="rId24"/>
-    <p:sldId id="563" r:id="rId25"/>
-    <p:sldId id="570" r:id="rId26"/>
-    <p:sldId id="479" r:id="rId27"/>
-    <p:sldId id="480" r:id="rId28"/>
-    <p:sldId id="481" r:id="rId29"/>
-    <p:sldId id="482" r:id="rId30"/>
-    <p:sldId id="483" r:id="rId31"/>
-    <p:sldId id="485" r:id="rId32"/>
-    <p:sldId id="699" r:id="rId33"/>
-    <p:sldId id="620" r:id="rId34"/>
-    <p:sldId id="621" r:id="rId35"/>
-    <p:sldId id="622" r:id="rId36"/>
-    <p:sldId id="623" r:id="rId37"/>
-    <p:sldId id="624" r:id="rId38"/>
-    <p:sldId id="625" r:id="rId39"/>
-    <p:sldId id="626" r:id="rId40"/>
-    <p:sldId id="704" r:id="rId41"/>
-    <p:sldId id="701" r:id="rId42"/>
-    <p:sldId id="663" r:id="rId43"/>
-    <p:sldId id="664" r:id="rId44"/>
-    <p:sldId id="665" r:id="rId45"/>
-    <p:sldId id="666" r:id="rId46"/>
-    <p:sldId id="627" r:id="rId47"/>
-    <p:sldId id="628" r:id="rId48"/>
-    <p:sldId id="629" r:id="rId49"/>
-    <p:sldId id="630" r:id="rId50"/>
-    <p:sldId id="632" r:id="rId51"/>
-    <p:sldId id="633" r:id="rId52"/>
-    <p:sldId id="644" r:id="rId53"/>
-    <p:sldId id="645" r:id="rId54"/>
-    <p:sldId id="646" r:id="rId55"/>
-    <p:sldId id="647" r:id="rId56"/>
-    <p:sldId id="648" r:id="rId57"/>
-    <p:sldId id="705" r:id="rId58"/>
-    <p:sldId id="649" r:id="rId59"/>
-    <p:sldId id="650" r:id="rId60"/>
-    <p:sldId id="651" r:id="rId61"/>
-    <p:sldId id="652" r:id="rId62"/>
-    <p:sldId id="653" r:id="rId63"/>
-    <p:sldId id="654" r:id="rId64"/>
-    <p:sldId id="655" r:id="rId65"/>
-    <p:sldId id="656" r:id="rId66"/>
-    <p:sldId id="495" r:id="rId67"/>
-    <p:sldId id="326" r:id="rId68"/>
+    <p:sldId id="743" r:id="rId19"/>
+    <p:sldId id="791" r:id="rId20"/>
+    <p:sldId id="792" r:id="rId21"/>
+    <p:sldId id="737" r:id="rId22"/>
+    <p:sldId id="476" r:id="rId23"/>
+    <p:sldId id="477" r:id="rId25"/>
+    <p:sldId id="563" r:id="rId26"/>
+    <p:sldId id="570" r:id="rId27"/>
+    <p:sldId id="479" r:id="rId28"/>
+    <p:sldId id="480" r:id="rId29"/>
+    <p:sldId id="481" r:id="rId30"/>
+    <p:sldId id="482" r:id="rId31"/>
+    <p:sldId id="483" r:id="rId32"/>
+    <p:sldId id="485" r:id="rId33"/>
+    <p:sldId id="699" r:id="rId34"/>
+    <p:sldId id="620" r:id="rId35"/>
+    <p:sldId id="621" r:id="rId36"/>
+    <p:sldId id="622" r:id="rId37"/>
+    <p:sldId id="623" r:id="rId38"/>
+    <p:sldId id="624" r:id="rId39"/>
+    <p:sldId id="625" r:id="rId40"/>
+    <p:sldId id="626" r:id="rId41"/>
+    <p:sldId id="704" r:id="rId42"/>
+    <p:sldId id="701" r:id="rId43"/>
+    <p:sldId id="663" r:id="rId44"/>
+    <p:sldId id="664" r:id="rId45"/>
+    <p:sldId id="665" r:id="rId46"/>
+    <p:sldId id="666" r:id="rId47"/>
+    <p:sldId id="627" r:id="rId48"/>
+    <p:sldId id="628" r:id="rId49"/>
+    <p:sldId id="629" r:id="rId50"/>
+    <p:sldId id="630" r:id="rId51"/>
+    <p:sldId id="632" r:id="rId52"/>
+    <p:sldId id="633" r:id="rId53"/>
+    <p:sldId id="644" r:id="rId54"/>
+    <p:sldId id="645" r:id="rId55"/>
+    <p:sldId id="646" r:id="rId56"/>
+    <p:sldId id="647" r:id="rId57"/>
+    <p:sldId id="648" r:id="rId58"/>
+    <p:sldId id="705" r:id="rId59"/>
+    <p:sldId id="649" r:id="rId60"/>
+    <p:sldId id="650" r:id="rId61"/>
+    <p:sldId id="651" r:id="rId62"/>
+    <p:sldId id="652" r:id="rId63"/>
+    <p:sldId id="653" r:id="rId64"/>
+    <p:sldId id="654" r:id="rId65"/>
+    <p:sldId id="655" r:id="rId66"/>
+    <p:sldId id="656" r:id="rId67"/>
+    <p:sldId id="495" r:id="rId68"/>
+    <p:sldId id="326" r:id="rId69"/>
   </p:sldIdLst>
   <p:sldSz cx="9144000" cy="6858000" type="screen4x3"/>
   <p:notesSz cx="6858000" cy="9144000"/>
@@ -5192,8 +5193,8 @@
         </p:blipFill>
         <p:spPr>
           <a:xfrm>
-            <a:off x="47625" y="1320165"/>
-            <a:ext cx="9048750" cy="5000625"/>
+            <a:off x="93980" y="1395730"/>
+            <a:ext cx="9053195" cy="4714875"/>
           </a:xfrm>
           <a:prstGeom prst="rect">
             <a:avLst/>
@@ -5359,8 +5360,8 @@
         </p:blipFill>
         <p:spPr>
           <a:xfrm>
-            <a:off x="93980" y="1395730"/>
-            <a:ext cx="9053195" cy="4714875"/>
+            <a:off x="47625" y="1320165"/>
+            <a:ext cx="9048750" cy="5000625"/>
           </a:xfrm>
           <a:prstGeom prst="rect">
             <a:avLst/>
@@ -5512,7 +5513,7 @@
       </p:sp>
       <p:pic>
         <p:nvPicPr>
-          <p:cNvPr id="2" name="图片 1"/>
+          <p:cNvPr id="4" name="图片 3"/>
           <p:cNvPicPr>
             <a:picLocks noChangeAspect="1"/>
           </p:cNvPicPr>
@@ -5526,8 +5527,32 @@
         </p:blipFill>
         <p:spPr>
           <a:xfrm>
-            <a:off x="150495" y="1395730"/>
-            <a:ext cx="8954770" cy="5086350"/>
+            <a:off x="47625" y="1320165"/>
+            <a:ext cx="9048750" cy="5000625"/>
+          </a:xfrm>
+          <a:prstGeom prst="rect">
+            <a:avLst/>
+          </a:prstGeom>
+        </p:spPr>
+      </p:pic>
+      <p:pic>
+        <p:nvPicPr>
+          <p:cNvPr id="2" name="图片 1"/>
+          <p:cNvPicPr>
+            <a:picLocks noChangeAspect="1"/>
+          </p:cNvPicPr>
+          <p:nvPr/>
+        </p:nvPicPr>
+        <p:blipFill>
+          <a:blip r:embed="rId3"/>
+          <a:stretch>
+            <a:fillRect/>
+          </a:stretch>
+        </p:blipFill>
+        <p:spPr>
+          <a:xfrm>
+            <a:off x="112395" y="1263015"/>
+            <a:ext cx="8907145" cy="5242560"/>
           </a:xfrm>
           <a:prstGeom prst="rect">
             <a:avLst/>
@@ -5940,6 +5965,173 @@
       </p:grpSpPr>
       <p:pic>
         <p:nvPicPr>
+          <p:cNvPr id="3" name="图片 2" descr="1111"/>
+          <p:cNvPicPr>
+            <a:picLocks noChangeAspect="1"/>
+          </p:cNvPicPr>
+          <p:nvPr/>
+        </p:nvPicPr>
+        <p:blipFill>
+          <a:blip r:embed="rId1"/>
+          <a:stretch>
+            <a:fillRect/>
+          </a:stretch>
+        </p:blipFill>
+        <p:spPr>
+          <a:xfrm>
+            <a:off x="-13970" y="-10160"/>
+            <a:ext cx="9160510" cy="6864350"/>
+          </a:xfrm>
+          <a:prstGeom prst="rect">
+            <a:avLst/>
+          </a:prstGeom>
+        </p:spPr>
+      </p:pic>
+      <p:sp>
+        <p:nvSpPr>
+          <p:cNvPr id="238594" name="標題 238593"/>
+          <p:cNvSpPr>
+            <a:spLocks noGrp="1"/>
+          </p:cNvSpPr>
+          <p:nvPr>
+            <p:ph type="title"/>
+          </p:nvPr>
+        </p:nvSpPr>
+        <p:spPr/>
+        <p:txBody>
+          <a:bodyPr anchor="ctr"/>
+          <a:lstStyle/>
+          <a:p>
+            <a:pPr fontAlgn="base"/>
+            <a:r>
+              <a:rPr lang="en-US" altLang="zh-TW" strike="noStrike" noProof="1">
+                <a:solidFill>
+                  <a:srgbClr val="0000CC"/>
+                </a:solidFill>
+              </a:rPr>
+              <a:t>3. </a:t>
+            </a:r>
+            <a:r>
+              <a:rPr lang="zh-CN" altLang="zh-TW" strike="noStrike" noProof="1">
+                <a:solidFill>
+                  <a:srgbClr val="0000CC"/>
+                </a:solidFill>
+                <a:latin typeface="+mn-ea"/>
+                <a:ea typeface="+mn-ea"/>
+              </a:rPr>
+              <a:t>刷卡模式設定</a:t>
+            </a:r>
+            <a:endParaRPr lang="zh-CN" altLang="zh-TW" strike="noStrike" noProof="1">
+              <a:solidFill>
+                <a:srgbClr val="0000CC"/>
+              </a:solidFill>
+              <a:latin typeface="+mn-ea"/>
+              <a:ea typeface="+mn-ea"/>
+            </a:endParaRPr>
+          </a:p>
+        </p:txBody>
+      </p:sp>
+      <p:sp>
+        <p:nvSpPr>
+          <p:cNvPr id="16386" name="標題 238593"/>
+          <p:cNvSpPr>
+            <a:spLocks noGrp="1"/>
+          </p:cNvSpPr>
+          <p:nvPr/>
+        </p:nvSpPr>
+        <p:spPr>
+          <a:xfrm>
+            <a:off x="512763" y="892175"/>
+            <a:ext cx="8229600" cy="503238"/>
+          </a:xfrm>
+          <a:prstGeom prst="rect">
+            <a:avLst/>
+          </a:prstGeom>
+          <a:noFill/>
+          <a:ln w="9525">
+            <a:noFill/>
+          </a:ln>
+        </p:spPr>
+        <p:txBody>
+          <a:bodyPr anchor="ctr"/>
+          <a:lstStyle/>
+          <a:p>
+            <a:pPr lvl="0" indent="0">
+              <a:buClrTx/>
+            </a:pPr>
+            <a:r>
+              <a:rPr lang="zh-CN" altLang="en-US" b="0" dirty="0">
+                <a:solidFill>
+                  <a:srgbClr val="000066"/>
+                </a:solidFill>
+                <a:latin typeface="DFKai-SB" panose="03000509000000000000" charset="-122"/>
+                <a:ea typeface="DFKai-SB" panose="03000509000000000000" charset="-122"/>
+                <a:sym typeface="宋体" panose="02010600030101010101" pitchFamily="2" charset="-122"/>
+              </a:rPr>
+              <a:t>員工刷卡后，顯示屏上顯示刷卡相關訊息</a:t>
+            </a:r>
+            <a:endParaRPr lang="zh-CN" altLang="en-US" b="0" dirty="0">
+              <a:solidFill>
+                <a:srgbClr val="000066"/>
+              </a:solidFill>
+              <a:latin typeface="DFKai-SB" panose="03000509000000000000" charset="-122"/>
+              <a:ea typeface="DFKai-SB" panose="03000509000000000000" charset="-122"/>
+              <a:sym typeface="宋体" panose="02010600030101010101" pitchFamily="2" charset="-122"/>
+            </a:endParaRPr>
+          </a:p>
+        </p:txBody>
+      </p:sp>
+      <p:pic>
+        <p:nvPicPr>
+          <p:cNvPr id="2" name="图片 1"/>
+          <p:cNvPicPr>
+            <a:picLocks noChangeAspect="1"/>
+          </p:cNvPicPr>
+          <p:nvPr/>
+        </p:nvPicPr>
+        <p:blipFill>
+          <a:blip r:embed="rId2"/>
+          <a:stretch>
+            <a:fillRect/>
+          </a:stretch>
+        </p:blipFill>
+        <p:spPr>
+          <a:xfrm>
+            <a:off x="150495" y="1395730"/>
+            <a:ext cx="8954770" cy="5086350"/>
+          </a:xfrm>
+          <a:prstGeom prst="rect">
+            <a:avLst/>
+          </a:prstGeom>
+        </p:spPr>
+      </p:pic>
+    </p:spTree>
+  </p:cSld>
+  <p:clrMapOvr>
+    <a:masterClrMapping/>
+  </p:clrMapOvr>
+</p:sld>
+</file>
+
+<file path=ppt/slides/slide21.xml><?xml version="1.0" encoding="utf-8"?>
+<p:sld xmlns:a="http://schemas.openxmlformats.org/drawingml/2006/main" xmlns:r="http://schemas.openxmlformats.org/officeDocument/2006/relationships" xmlns:p="http://schemas.openxmlformats.org/presentationml/2006/main">
+  <p:cSld>
+    <p:spTree>
+      <p:nvGrpSpPr>
+        <p:cNvPr id="1" name=""/>
+        <p:cNvGrpSpPr/>
+        <p:nvPr/>
+      </p:nvGrpSpPr>
+      <p:grpSpPr>
+        <a:xfrm>
+          <a:off x="0" y="0"/>
+          <a:ext cx="0" cy="0"/>
+          <a:chOff x="0" y="0"/>
+          <a:chExt cx="0" cy="0"/>
+        </a:xfrm>
+      </p:grpSpPr>
+      <p:pic>
+        <p:nvPicPr>
           <p:cNvPr id="3" name="图片 2" descr="VYKW%7[V8MBBS6OKCT$[)6X"/>
           <p:cNvPicPr>
             <a:picLocks noChangeAspect="1"/>
@@ -6088,7 +6280,7 @@
 </p:sld>
 </file>
 
-<file path=ppt/slides/slide21.xml><?xml version="1.0" encoding="utf-8"?>
+<file path=ppt/slides/slide22.xml><?xml version="1.0" encoding="utf-8"?>
 <p:sld xmlns:a="http://schemas.openxmlformats.org/drawingml/2006/main" xmlns:r="http://schemas.openxmlformats.org/officeDocument/2006/relationships" xmlns:p="http://schemas.openxmlformats.org/presentationml/2006/main">
   <p:cSld>
     <p:spTree>
@@ -6264,7 +6456,7 @@
 </p:sld>
 </file>
 
-<file path=ppt/slides/slide22.xml><?xml version="1.0" encoding="utf-8"?>
+<file path=ppt/slides/slide23.xml><?xml version="1.0" encoding="utf-8"?>
 <p:sld xmlns:a="http://schemas.openxmlformats.org/drawingml/2006/main" xmlns:r="http://schemas.openxmlformats.org/officeDocument/2006/relationships" xmlns:p="http://schemas.openxmlformats.org/presentationml/2006/main">
   <p:cSld>
     <p:spTree>
@@ -6545,7 +6737,7 @@
 </p:sld>
 </file>
 
-<file path=ppt/slides/slide23.xml><?xml version="1.0" encoding="utf-8"?>
+<file path=ppt/slides/slide24.xml><?xml version="1.0" encoding="utf-8"?>
 <p:sld xmlns:a="http://schemas.openxmlformats.org/drawingml/2006/main" xmlns:r="http://schemas.openxmlformats.org/officeDocument/2006/relationships" xmlns:p="http://schemas.openxmlformats.org/presentationml/2006/main">
   <p:cSld>
     <p:spTree>
@@ -6716,7 +6908,7 @@
 </p:sld>
 </file>
 
-<file path=ppt/slides/slide24.xml><?xml version="1.0" encoding="utf-8"?>
+<file path=ppt/slides/slide25.xml><?xml version="1.0" encoding="utf-8"?>
 <p:sld xmlns:a="http://schemas.openxmlformats.org/drawingml/2006/main" xmlns:r="http://schemas.openxmlformats.org/officeDocument/2006/relationships" xmlns:p="http://schemas.openxmlformats.org/presentationml/2006/main">
   <p:cSld>
     <p:spTree>
@@ -6929,7 +7121,7 @@
 </p:sld>
 </file>
 
-<file path=ppt/slides/slide25.xml><?xml version="1.0" encoding="utf-8"?>
+<file path=ppt/slides/slide26.xml><?xml version="1.0" encoding="utf-8"?>
 <p:sld xmlns:a="http://schemas.openxmlformats.org/drawingml/2006/main" xmlns:r="http://schemas.openxmlformats.org/officeDocument/2006/relationships" xmlns:p="http://schemas.openxmlformats.org/presentationml/2006/main">
   <p:cSld>
     <p:spTree>
@@ -7344,7 +7536,7 @@
 </p:sld>
 </file>
 
-<file path=ppt/slides/slide26.xml><?xml version="1.0" encoding="utf-8"?>
+<file path=ppt/slides/slide27.xml><?xml version="1.0" encoding="utf-8"?>
 <p:sld xmlns:a="http://schemas.openxmlformats.org/drawingml/2006/main" xmlns:r="http://schemas.openxmlformats.org/officeDocument/2006/relationships" xmlns:p="http://schemas.openxmlformats.org/presentationml/2006/main">
   <p:cSld>
     <p:spTree>
@@ -7871,7 +8063,7 @@
 </p:sld>
 </file>
 
-<file path=ppt/slides/slide27.xml><?xml version="1.0" encoding="utf-8"?>
+<file path=ppt/slides/slide28.xml><?xml version="1.0" encoding="utf-8"?>
 <p:sld xmlns:a="http://schemas.openxmlformats.org/drawingml/2006/main" xmlns:r="http://schemas.openxmlformats.org/officeDocument/2006/relationships" xmlns:p="http://schemas.openxmlformats.org/presentationml/2006/main">
   <p:cSld>
     <p:spTree>
@@ -8130,7 +8322,7 @@
 </p:sld>
 </file>
 
-<file path=ppt/slides/slide28.xml><?xml version="1.0" encoding="utf-8"?>
+<file path=ppt/slides/slide29.xml><?xml version="1.0" encoding="utf-8"?>
 <p:sld xmlns:a="http://schemas.openxmlformats.org/drawingml/2006/main" xmlns:r="http://schemas.openxmlformats.org/officeDocument/2006/relationships" xmlns:p="http://schemas.openxmlformats.org/presentationml/2006/main">
   <p:cSld>
     <p:spTree>
@@ -8518,488 +8710,6 @@
 </p:sld>
 </file>
 
-<file path=ppt/slides/slide29.xml><?xml version="1.0" encoding="utf-8"?>
-<p:sld xmlns:a="http://schemas.openxmlformats.org/drawingml/2006/main" xmlns:r="http://schemas.openxmlformats.org/officeDocument/2006/relationships" xmlns:p="http://schemas.openxmlformats.org/presentationml/2006/main">
-  <p:cSld>
-    <p:spTree>
-      <p:nvGrpSpPr>
-        <p:cNvPr id="1" name=""/>
-        <p:cNvGrpSpPr/>
-        <p:nvPr/>
-      </p:nvGrpSpPr>
-      <p:grpSpPr>
-        <a:xfrm>
-          <a:off x="0" y="0"/>
-          <a:ext cx="0" cy="0"/>
-          <a:chOff x="0" y="0"/>
-          <a:chExt cx="0" cy="0"/>
-        </a:xfrm>
-      </p:grpSpPr>
-      <p:pic>
-        <p:nvPicPr>
-          <p:cNvPr id="2" name="图片 1" descr="1111"/>
-          <p:cNvPicPr>
-            <a:picLocks noChangeAspect="1"/>
-          </p:cNvPicPr>
-          <p:nvPr/>
-        </p:nvPicPr>
-        <p:blipFill>
-          <a:blip r:embed="rId1"/>
-          <a:stretch>
-            <a:fillRect/>
-          </a:stretch>
-        </p:blipFill>
-        <p:spPr>
-          <a:xfrm>
-            <a:off x="-8255" y="-15240"/>
-            <a:ext cx="9147810" cy="6875780"/>
-          </a:xfrm>
-          <a:prstGeom prst="rect">
-            <a:avLst/>
-          </a:prstGeom>
-        </p:spPr>
-      </p:pic>
-      <p:sp>
-        <p:nvSpPr>
-          <p:cNvPr id="238594" name="標題 238593"/>
-          <p:cNvSpPr>
-            <a:spLocks noGrp="1"/>
-          </p:cNvSpPr>
-          <p:nvPr>
-            <p:ph type="title"/>
-          </p:nvPr>
-        </p:nvSpPr>
-        <p:spPr/>
-        <p:txBody>
-          <a:bodyPr anchor="ctr"/>
-          <a:lstStyle/>
-          <a:p>
-            <a:pPr fontAlgn="base"/>
-            <a:r>
-              <a:rPr lang="en-US" altLang="zh-TW" strike="noStrike" noProof="1">
-                <a:solidFill>
-                  <a:srgbClr val="0000CC"/>
-                </a:solidFill>
-                <a:latin typeface="+mn-ea"/>
-                <a:ea typeface="+mn-ea"/>
-              </a:rPr>
-              <a:t>5.</a:t>
-            </a:r>
-            <a:r>
-              <a:rPr lang="zh-CN" altLang="zh-TW" strike="noStrike" noProof="1">
-                <a:solidFill>
-                  <a:srgbClr val="0000CC"/>
-                </a:solidFill>
-                <a:latin typeface="+mn-ea"/>
-                <a:ea typeface="+mn-ea"/>
-              </a:rPr>
-              <a:t>加班單審核</a:t>
-            </a:r>
-            <a:r>
-              <a:rPr lang="en-US" altLang="zh-CN" strike="noStrike" noProof="1">
-                <a:solidFill>
-                  <a:srgbClr val="0000CC"/>
-                </a:solidFill>
-                <a:latin typeface="+mn-ea"/>
-                <a:ea typeface="+mn-ea"/>
-              </a:rPr>
-              <a:t>(</a:t>
-            </a:r>
-            <a:r>
-              <a:rPr lang="zh-CN" altLang="zh-CN" strike="noStrike" noProof="1">
-                <a:solidFill>
-                  <a:srgbClr val="0000CC"/>
-                </a:solidFill>
-                <a:latin typeface="+mn-ea"/>
-                <a:ea typeface="+mn-ea"/>
-              </a:rPr>
-              <a:t>加班提報</a:t>
-            </a:r>
-            <a:r>
-              <a:rPr lang="en-US" altLang="zh-CN" strike="noStrike" noProof="1">
-                <a:solidFill>
-                  <a:srgbClr val="0000CC"/>
-                </a:solidFill>
-                <a:latin typeface="+mn-ea"/>
-                <a:ea typeface="+mn-ea"/>
-              </a:rPr>
-              <a:t>)</a:t>
-            </a:r>
-            <a:endParaRPr lang="en-US" altLang="zh-CN" strike="noStrike" noProof="1">
-              <a:solidFill>
-                <a:srgbClr val="0000CC"/>
-              </a:solidFill>
-              <a:latin typeface="+mn-ea"/>
-              <a:ea typeface="+mn-ea"/>
-            </a:endParaRPr>
-          </a:p>
-        </p:txBody>
-      </p:sp>
-      <p:sp>
-        <p:nvSpPr>
-          <p:cNvPr id="203787" name="文字版面配置區 203786"/>
-          <p:cNvSpPr>
-            <a:spLocks noGrp="1"/>
-          </p:cNvSpPr>
-          <p:nvPr>
-            <p:ph idx="1"/>
-          </p:nvPr>
-        </p:nvSpPr>
-        <p:spPr>
-          <a:xfrm>
-            <a:off x="457200" y="1114425"/>
-            <a:ext cx="8229600" cy="2822575"/>
-          </a:xfrm>
-        </p:spPr>
-        <p:txBody>
-          <a:bodyPr/>
-          <a:lstStyle/>
-          <a:p>
-            <a:pPr fontAlgn="base"/>
-            <a:r>
-              <a:rPr lang="zh-CN" altLang="en-US" sz="2400" b="1" strike="noStrike" noProof="1">
-                <a:latin typeface="+mn-ea"/>
-              </a:rPr>
-              <a:t>登入網址</a:t>
-            </a:r>
-            <a:endParaRPr lang="zh-CN" altLang="en-US" sz="2400" b="1" strike="noStrike" noProof="1">
-              <a:latin typeface="+mn-ea"/>
-            </a:endParaRPr>
-          </a:p>
-          <a:p>
-            <a:pPr marL="457200" lvl="1" indent="0" fontAlgn="base">
-              <a:lnSpc>
-                <a:spcPct val="100000"/>
-              </a:lnSpc>
-              <a:buNone/>
-            </a:pPr>
-            <a:endParaRPr lang="zh-CN" altLang="en-US" sz="2000" strike="noStrike" noProof="1">
-              <a:solidFill>
-                <a:srgbClr val="000066"/>
-              </a:solidFill>
-              <a:uFillTx/>
-              <a:latin typeface="+mn-ea"/>
-              <a:sym typeface="+mn-ea"/>
-            </a:endParaRPr>
-          </a:p>
-          <a:p>
-            <a:pPr lvl="2"/>
-            <a:r>
-              <a:rPr lang="en-US" altLang="zh-CN" sz="2000" strike="noStrike" noProof="1">
-                <a:solidFill>
-                  <a:srgbClr val="000066"/>
-                </a:solidFill>
-                <a:latin typeface="DFKai-SB" panose="03000509000000000000" charset="-122"/>
-                <a:ea typeface="宋体" panose="02010600030101010101" pitchFamily="2" charset="-122"/>
-                <a:sym typeface="宋体" panose="02010600030101010101" pitchFamily="2" charset="-122"/>
-              </a:rPr>
-              <a:t> </a:t>
-            </a:r>
-            <a:r>
-              <a:rPr lang="en-US" altLang="zh-CN" sz="2000" noProof="1">
-                <a:solidFill>
-                  <a:srgbClr val="000066"/>
-                </a:solidFill>
-                <a:latin typeface="+mn-ea"/>
-                <a:sym typeface="微软雅黑" panose="020B0503020204020204" charset="-122"/>
-              </a:rPr>
-              <a:t>http://192.168.60.114:8080/RealTime/Login</a:t>
-            </a:r>
-            <a:endParaRPr lang="en-US" altLang="zh-CN" sz="2000" b="1" noProof="1">
-              <a:solidFill>
-                <a:srgbClr val="000066"/>
-              </a:solidFill>
-              <a:latin typeface="+mn-ea"/>
-              <a:sym typeface="微软雅黑" panose="020B0503020204020204" charset="-122"/>
-            </a:endParaRPr>
-          </a:p>
-          <a:p>
-            <a:pPr lvl="2"/>
-            <a:endParaRPr lang="en-US" altLang="zh-CN" sz="2000" noProof="1" smtClean="0">
-              <a:solidFill>
-                <a:srgbClr val="000066"/>
-              </a:solidFill>
-              <a:latin typeface="DFKai-SB" panose="03000509000000000000" charset="-122"/>
-              <a:ea typeface="宋体" panose="02010600030101010101" pitchFamily="2" charset="-122"/>
-              <a:sym typeface="宋体" panose="02010600030101010101" pitchFamily="2" charset="-122"/>
-            </a:endParaRPr>
-          </a:p>
-          <a:p>
-            <a:pPr lvl="2"/>
-            <a:endParaRPr lang="en-US" altLang="zh-CN" sz="2000" b="1" strike="noStrike" noProof="1">
-              <a:solidFill>
-                <a:srgbClr val="000066"/>
-              </a:solidFill>
-              <a:latin typeface="+mn-ea"/>
-              <a:sym typeface="微软雅黑" panose="020B0503020204020204" charset="-122"/>
-            </a:endParaRPr>
-          </a:p>
-        </p:txBody>
-      </p:sp>
-      <p:sp>
-        <p:nvSpPr>
-          <p:cNvPr id="28675" name="矩形圖說文字 226308"/>
-          <p:cNvSpPr/>
-          <p:nvPr/>
-        </p:nvSpPr>
-        <p:spPr>
-          <a:xfrm>
-            <a:off x="4229100" y="184150"/>
-            <a:ext cx="1558925" cy="652463"/>
-          </a:xfrm>
-          <a:prstGeom prst="wedgeRectCallout">
-            <a:avLst>
-              <a:gd name="adj1" fmla="val -20037"/>
-              <a:gd name="adj2" fmla="val -45116"/>
-            </a:avLst>
-          </a:prstGeom>
-          <a:gradFill rotWithShape="1">
-            <a:gsLst>
-              <a:gs pos="0">
-                <a:srgbClr val="FCFDFE">
-                  <a:alpha val="100000"/>
-                </a:srgbClr>
-              </a:gs>
-              <a:gs pos="74001">
-                <a:srgbClr val="E0F1F2">
-                  <a:alpha val="100000"/>
-                </a:srgbClr>
-              </a:gs>
-              <a:gs pos="83000">
-                <a:srgbClr val="E0F1F2">
-                  <a:alpha val="100000"/>
-                </a:srgbClr>
-              </a:gs>
-              <a:gs pos="100000">
-                <a:srgbClr val="EBF6F7">
-                  <a:alpha val="100000"/>
-                </a:srgbClr>
-              </a:gs>
-            </a:gsLst>
-            <a:lin ang="5400000"/>
-            <a:tileRect/>
-          </a:gradFill>
-          <a:ln w="6350" cap="flat" cmpd="sng">
-            <a:solidFill>
-              <a:srgbClr val="800080"/>
-            </a:solidFill>
-            <a:prstDash val="solid"/>
-            <a:miter/>
-            <a:headEnd type="none" w="med" len="med"/>
-            <a:tailEnd type="none" w="med" len="med"/>
-          </a:ln>
-        </p:spPr>
-        <p:txBody>
-          <a:bodyPr anchor="t"/>
-          <a:lstStyle/>
-          <a:p>
-            <a:pPr lvl="0" indent="0"/>
-            <a:r>
-              <a:rPr lang="zh-CN" altLang="en-US" sz="2000" dirty="0">
-                <a:solidFill>
-                  <a:srgbClr val="6600CC"/>
-                </a:solidFill>
-                <a:latin typeface="DFKai-SB" panose="03000509000000000000" charset="-122"/>
-                <a:ea typeface="DFKai-SB" panose="03000509000000000000" charset="-122"/>
-              </a:rPr>
-              <a:t>對象</a:t>
-            </a:r>
-            <a:r>
-              <a:rPr lang="en-US" altLang="zh-CN" sz="2000" dirty="0">
-                <a:solidFill>
-                  <a:srgbClr val="6600CC"/>
-                </a:solidFill>
-                <a:latin typeface="DFKai-SB" panose="03000509000000000000" charset="-122"/>
-                <a:ea typeface="DFKai-SB" panose="03000509000000000000" charset="-122"/>
-              </a:rPr>
-              <a:t>:</a:t>
-            </a:r>
-            <a:endParaRPr lang="en-US" altLang="zh-CN" sz="2000" dirty="0">
-              <a:solidFill>
-                <a:srgbClr val="6600CC"/>
-              </a:solidFill>
-              <a:latin typeface="DFKai-SB" panose="03000509000000000000" charset="-122"/>
-              <a:ea typeface="DFKai-SB" panose="03000509000000000000" charset="-122"/>
-            </a:endParaRPr>
-          </a:p>
-          <a:p>
-            <a:pPr lvl="0" indent="0"/>
-            <a:r>
-              <a:rPr lang="zh-CN" altLang="zh-CN" sz="2000" dirty="0" smtClean="0">
-                <a:solidFill>
-                  <a:srgbClr val="FF0000"/>
-                </a:solidFill>
-                <a:latin typeface="DFKai-SB" panose="03000509000000000000" charset="-122"/>
-                <a:ea typeface="DFKai-SB" panose="03000509000000000000" charset="-122"/>
-              </a:rPr>
-              <a:t>助理</a:t>
-            </a:r>
-            <a:r>
-              <a:rPr lang="zh-CN" altLang="zh-CN" sz="2000" dirty="0" smtClean="0">
-                <a:solidFill>
-                  <a:srgbClr val="6600CC"/>
-                </a:solidFill>
-                <a:latin typeface="DFKai-SB" panose="03000509000000000000" charset="-122"/>
-                <a:ea typeface="DFKai-SB" panose="03000509000000000000" charset="-122"/>
-              </a:rPr>
-              <a:t> </a:t>
-            </a:r>
-            <a:endParaRPr lang="zh-CN" altLang="zh-CN" sz="2000" dirty="0">
-              <a:solidFill>
-                <a:srgbClr val="6600CC"/>
-              </a:solidFill>
-              <a:latin typeface="DFKai-SB" panose="03000509000000000000" charset="-122"/>
-              <a:ea typeface="DFKai-SB" panose="03000509000000000000" charset="-122"/>
-            </a:endParaRPr>
-          </a:p>
-        </p:txBody>
-      </p:sp>
-      <p:sp>
-        <p:nvSpPr>
-          <p:cNvPr id="28679" name="矩形圖說文字 226308"/>
-          <p:cNvSpPr/>
-          <p:nvPr/>
-        </p:nvSpPr>
-        <p:spPr>
-          <a:xfrm>
-            <a:off x="6838950" y="544513"/>
-            <a:ext cx="2157413" cy="735012"/>
-          </a:xfrm>
-          <a:prstGeom prst="wedgeRectCallout">
-            <a:avLst>
-              <a:gd name="adj1" fmla="val -20037"/>
-              <a:gd name="adj2" fmla="val -45116"/>
-            </a:avLst>
-          </a:prstGeom>
-          <a:gradFill rotWithShape="1">
-            <a:gsLst>
-              <a:gs pos="0">
-                <a:srgbClr val="FCFDFE">
-                  <a:alpha val="100000"/>
-                </a:srgbClr>
-              </a:gs>
-              <a:gs pos="74001">
-                <a:srgbClr val="E0F1F2">
-                  <a:alpha val="100000"/>
-                </a:srgbClr>
-              </a:gs>
-              <a:gs pos="83000">
-                <a:srgbClr val="E0F1F2">
-                  <a:alpha val="100000"/>
-                </a:srgbClr>
-              </a:gs>
-              <a:gs pos="100000">
-                <a:srgbClr val="EBF6F7">
-                  <a:alpha val="100000"/>
-                </a:srgbClr>
-              </a:gs>
-            </a:gsLst>
-            <a:lin ang="5400000"/>
-            <a:tileRect/>
-          </a:gradFill>
-          <a:ln w="6350" cap="flat" cmpd="sng">
-            <a:solidFill>
-              <a:srgbClr val="800080"/>
-            </a:solidFill>
-            <a:prstDash val="solid"/>
-            <a:miter/>
-            <a:headEnd type="none" w="med" len="med"/>
-            <a:tailEnd type="none" w="med" len="med"/>
-          </a:ln>
-        </p:spPr>
-        <p:txBody>
-          <a:bodyPr anchor="t"/>
-          <a:lstStyle/>
-          <a:p>
-            <a:pPr lvl="0" indent="0"/>
-            <a:r>
-              <a:rPr lang="zh-CN" altLang="zh-CN" sz="1400" err="1">
-                <a:solidFill>
-                  <a:srgbClr val="6600CC"/>
-                </a:solidFill>
-                <a:latin typeface="DFKai-SB" panose="03000509000000000000" charset="-122"/>
-                <a:ea typeface="DFKai-SB" panose="03000509000000000000" charset="-122"/>
-              </a:rPr>
-              <a:t>加班提報取代</a:t>
-            </a:r>
-            <a:r>
-              <a:rPr lang="en-US" altLang="zh-CN" sz="1400" err="1">
-                <a:solidFill>
-                  <a:srgbClr val="6600CC"/>
-                </a:solidFill>
-                <a:latin typeface="DFKai-SB" panose="03000509000000000000" charset="-122"/>
-                <a:ea typeface="DFKai-SB" panose="03000509000000000000" charset="-122"/>
-              </a:rPr>
-              <a:t>Notes</a:t>
-            </a:r>
-            <a:r>
-              <a:rPr lang="zh-CN" altLang="zh-CN" sz="1400" err="1">
-                <a:solidFill>
-                  <a:srgbClr val="6600CC"/>
-                </a:solidFill>
-                <a:latin typeface="DFKai-SB" panose="03000509000000000000" charset="-122"/>
-                <a:ea typeface="DFKai-SB" panose="03000509000000000000" charset="-122"/>
-              </a:rPr>
-              <a:t>系統手工</a:t>
-            </a:r>
-            <a:r>
-              <a:rPr lang="en-US" altLang="zh-CN" sz="1400" err="1">
-                <a:solidFill>
-                  <a:srgbClr val="6600CC"/>
-                </a:solidFill>
-                <a:latin typeface="DFKai-SB" panose="03000509000000000000" charset="-122"/>
-                <a:ea typeface="DFKai-SB" panose="03000509000000000000" charset="-122"/>
-              </a:rPr>
-              <a:t>Keyin</a:t>
-            </a:r>
-            <a:r>
-              <a:rPr lang="zh-CN" altLang="zh-CN" sz="1400" err="1">
-                <a:solidFill>
-                  <a:srgbClr val="6600CC"/>
-                </a:solidFill>
-                <a:latin typeface="DFKai-SB" panose="03000509000000000000" charset="-122"/>
-                <a:ea typeface="DFKai-SB" panose="03000509000000000000" charset="-122"/>
-              </a:rPr>
-              <a:t>加班作業</a:t>
-            </a:r>
-            <a:r>
-              <a:rPr lang="en-US" altLang="zh-CN" sz="1400" err="1">
-                <a:solidFill>
-                  <a:srgbClr val="6600CC"/>
-                </a:solidFill>
-                <a:latin typeface="DFKai-SB" panose="03000509000000000000" charset="-122"/>
-                <a:ea typeface="DFKai-SB" panose="03000509000000000000" charset="-122"/>
-              </a:rPr>
-              <a:t>,</a:t>
-            </a:r>
-            <a:r>
-              <a:rPr lang="zh-CN" altLang="zh-CN" sz="1400" err="1">
-                <a:solidFill>
-                  <a:srgbClr val="FF0000"/>
-                </a:solidFill>
-                <a:latin typeface="DFKai-SB" panose="03000509000000000000" charset="-122"/>
-                <a:ea typeface="DFKai-SB" panose="03000509000000000000" charset="-122"/>
-              </a:rPr>
-              <a:t>正式上線時間待通知</a:t>
-            </a:r>
-            <a:endParaRPr lang="en-US" altLang="zh-CN" sz="1400" err="1">
-              <a:solidFill>
-                <a:srgbClr val="6600CC"/>
-              </a:solidFill>
-              <a:latin typeface="DFKai-SB" panose="03000509000000000000" charset="-122"/>
-              <a:ea typeface="DFKai-SB" panose="03000509000000000000" charset="-122"/>
-            </a:endParaRPr>
-          </a:p>
-        </p:txBody>
-      </p:sp>
-    </p:spTree>
-  </p:cSld>
-  <p:clrMapOvr>
-    <a:masterClrMapping/>
-  </p:clrMapOvr>
-</p:sld>
-</file>
-
 <file path=ppt/slides/slide3.xml><?xml version="1.0" encoding="utf-8"?>
 <p:sld xmlns:a="http://schemas.openxmlformats.org/drawingml/2006/main" xmlns:r="http://schemas.openxmlformats.org/officeDocument/2006/relationships" xmlns:p="http://schemas.openxmlformats.org/presentationml/2006/main">
   <p:cSld>
@@ -9799,6 +9509,488 @@
         </p:blipFill>
         <p:spPr>
           <a:xfrm>
+            <a:off x="-8255" y="-15240"/>
+            <a:ext cx="9147810" cy="6875780"/>
+          </a:xfrm>
+          <a:prstGeom prst="rect">
+            <a:avLst/>
+          </a:prstGeom>
+        </p:spPr>
+      </p:pic>
+      <p:sp>
+        <p:nvSpPr>
+          <p:cNvPr id="238594" name="標題 238593"/>
+          <p:cNvSpPr>
+            <a:spLocks noGrp="1"/>
+          </p:cNvSpPr>
+          <p:nvPr>
+            <p:ph type="title"/>
+          </p:nvPr>
+        </p:nvSpPr>
+        <p:spPr/>
+        <p:txBody>
+          <a:bodyPr anchor="ctr"/>
+          <a:lstStyle/>
+          <a:p>
+            <a:pPr fontAlgn="base"/>
+            <a:r>
+              <a:rPr lang="en-US" altLang="zh-TW" strike="noStrike" noProof="1">
+                <a:solidFill>
+                  <a:srgbClr val="0000CC"/>
+                </a:solidFill>
+                <a:latin typeface="+mn-ea"/>
+                <a:ea typeface="+mn-ea"/>
+              </a:rPr>
+              <a:t>5.</a:t>
+            </a:r>
+            <a:r>
+              <a:rPr lang="zh-CN" altLang="zh-TW" strike="noStrike" noProof="1">
+                <a:solidFill>
+                  <a:srgbClr val="0000CC"/>
+                </a:solidFill>
+                <a:latin typeface="+mn-ea"/>
+                <a:ea typeface="+mn-ea"/>
+              </a:rPr>
+              <a:t>加班單審核</a:t>
+            </a:r>
+            <a:r>
+              <a:rPr lang="en-US" altLang="zh-CN" strike="noStrike" noProof="1">
+                <a:solidFill>
+                  <a:srgbClr val="0000CC"/>
+                </a:solidFill>
+                <a:latin typeface="+mn-ea"/>
+                <a:ea typeface="+mn-ea"/>
+              </a:rPr>
+              <a:t>(</a:t>
+            </a:r>
+            <a:r>
+              <a:rPr lang="zh-CN" altLang="zh-CN" strike="noStrike" noProof="1">
+                <a:solidFill>
+                  <a:srgbClr val="0000CC"/>
+                </a:solidFill>
+                <a:latin typeface="+mn-ea"/>
+                <a:ea typeface="+mn-ea"/>
+              </a:rPr>
+              <a:t>加班提報</a:t>
+            </a:r>
+            <a:r>
+              <a:rPr lang="en-US" altLang="zh-CN" strike="noStrike" noProof="1">
+                <a:solidFill>
+                  <a:srgbClr val="0000CC"/>
+                </a:solidFill>
+                <a:latin typeface="+mn-ea"/>
+                <a:ea typeface="+mn-ea"/>
+              </a:rPr>
+              <a:t>)</a:t>
+            </a:r>
+            <a:endParaRPr lang="en-US" altLang="zh-CN" strike="noStrike" noProof="1">
+              <a:solidFill>
+                <a:srgbClr val="0000CC"/>
+              </a:solidFill>
+              <a:latin typeface="+mn-ea"/>
+              <a:ea typeface="+mn-ea"/>
+            </a:endParaRPr>
+          </a:p>
+        </p:txBody>
+      </p:sp>
+      <p:sp>
+        <p:nvSpPr>
+          <p:cNvPr id="203787" name="文字版面配置區 203786"/>
+          <p:cNvSpPr>
+            <a:spLocks noGrp="1"/>
+          </p:cNvSpPr>
+          <p:nvPr>
+            <p:ph idx="1"/>
+          </p:nvPr>
+        </p:nvSpPr>
+        <p:spPr>
+          <a:xfrm>
+            <a:off x="457200" y="1114425"/>
+            <a:ext cx="8229600" cy="2822575"/>
+          </a:xfrm>
+        </p:spPr>
+        <p:txBody>
+          <a:bodyPr/>
+          <a:lstStyle/>
+          <a:p>
+            <a:pPr fontAlgn="base"/>
+            <a:r>
+              <a:rPr lang="zh-CN" altLang="en-US" sz="2400" b="1" strike="noStrike" noProof="1">
+                <a:latin typeface="+mn-ea"/>
+              </a:rPr>
+              <a:t>登入網址</a:t>
+            </a:r>
+            <a:endParaRPr lang="zh-CN" altLang="en-US" sz="2400" b="1" strike="noStrike" noProof="1">
+              <a:latin typeface="+mn-ea"/>
+            </a:endParaRPr>
+          </a:p>
+          <a:p>
+            <a:pPr marL="457200" lvl="1" indent="0" fontAlgn="base">
+              <a:lnSpc>
+                <a:spcPct val="100000"/>
+              </a:lnSpc>
+              <a:buNone/>
+            </a:pPr>
+            <a:endParaRPr lang="zh-CN" altLang="en-US" sz="2000" strike="noStrike" noProof="1">
+              <a:solidFill>
+                <a:srgbClr val="000066"/>
+              </a:solidFill>
+              <a:uFillTx/>
+              <a:latin typeface="+mn-ea"/>
+              <a:sym typeface="+mn-ea"/>
+            </a:endParaRPr>
+          </a:p>
+          <a:p>
+            <a:pPr lvl="2"/>
+            <a:r>
+              <a:rPr lang="en-US" altLang="zh-CN" sz="2000" strike="noStrike" noProof="1">
+                <a:solidFill>
+                  <a:srgbClr val="000066"/>
+                </a:solidFill>
+                <a:latin typeface="DFKai-SB" panose="03000509000000000000" charset="-122"/>
+                <a:ea typeface="宋体" panose="02010600030101010101" pitchFamily="2" charset="-122"/>
+                <a:sym typeface="宋体" panose="02010600030101010101" pitchFamily="2" charset="-122"/>
+              </a:rPr>
+              <a:t> </a:t>
+            </a:r>
+            <a:r>
+              <a:rPr lang="en-US" altLang="zh-CN" sz="2000" noProof="1">
+                <a:solidFill>
+                  <a:srgbClr val="000066"/>
+                </a:solidFill>
+                <a:latin typeface="+mn-ea"/>
+                <a:sym typeface="微软雅黑" panose="020B0503020204020204" charset="-122"/>
+              </a:rPr>
+              <a:t>http://192.168.60.114:8080/RealTime/Login</a:t>
+            </a:r>
+            <a:endParaRPr lang="en-US" altLang="zh-CN" sz="2000" b="1" noProof="1">
+              <a:solidFill>
+                <a:srgbClr val="000066"/>
+              </a:solidFill>
+              <a:latin typeface="+mn-ea"/>
+              <a:sym typeface="微软雅黑" panose="020B0503020204020204" charset="-122"/>
+            </a:endParaRPr>
+          </a:p>
+          <a:p>
+            <a:pPr lvl="2"/>
+            <a:endParaRPr lang="en-US" altLang="zh-CN" sz="2000" noProof="1" smtClean="0">
+              <a:solidFill>
+                <a:srgbClr val="000066"/>
+              </a:solidFill>
+              <a:latin typeface="DFKai-SB" panose="03000509000000000000" charset="-122"/>
+              <a:ea typeface="宋体" panose="02010600030101010101" pitchFamily="2" charset="-122"/>
+              <a:sym typeface="宋体" panose="02010600030101010101" pitchFamily="2" charset="-122"/>
+            </a:endParaRPr>
+          </a:p>
+          <a:p>
+            <a:pPr lvl="2"/>
+            <a:endParaRPr lang="en-US" altLang="zh-CN" sz="2000" b="1" strike="noStrike" noProof="1">
+              <a:solidFill>
+                <a:srgbClr val="000066"/>
+              </a:solidFill>
+              <a:latin typeface="+mn-ea"/>
+              <a:sym typeface="微软雅黑" panose="020B0503020204020204" charset="-122"/>
+            </a:endParaRPr>
+          </a:p>
+        </p:txBody>
+      </p:sp>
+      <p:sp>
+        <p:nvSpPr>
+          <p:cNvPr id="28675" name="矩形圖說文字 226308"/>
+          <p:cNvSpPr/>
+          <p:nvPr/>
+        </p:nvSpPr>
+        <p:spPr>
+          <a:xfrm>
+            <a:off x="4229100" y="184150"/>
+            <a:ext cx="1558925" cy="652463"/>
+          </a:xfrm>
+          <a:prstGeom prst="wedgeRectCallout">
+            <a:avLst>
+              <a:gd name="adj1" fmla="val -20037"/>
+              <a:gd name="adj2" fmla="val -45116"/>
+            </a:avLst>
+          </a:prstGeom>
+          <a:gradFill rotWithShape="1">
+            <a:gsLst>
+              <a:gs pos="0">
+                <a:srgbClr val="FCFDFE">
+                  <a:alpha val="100000"/>
+                </a:srgbClr>
+              </a:gs>
+              <a:gs pos="74001">
+                <a:srgbClr val="E0F1F2">
+                  <a:alpha val="100000"/>
+                </a:srgbClr>
+              </a:gs>
+              <a:gs pos="83000">
+                <a:srgbClr val="E0F1F2">
+                  <a:alpha val="100000"/>
+                </a:srgbClr>
+              </a:gs>
+              <a:gs pos="100000">
+                <a:srgbClr val="EBF6F7">
+                  <a:alpha val="100000"/>
+                </a:srgbClr>
+              </a:gs>
+            </a:gsLst>
+            <a:lin ang="5400000"/>
+            <a:tileRect/>
+          </a:gradFill>
+          <a:ln w="6350" cap="flat" cmpd="sng">
+            <a:solidFill>
+              <a:srgbClr val="800080"/>
+            </a:solidFill>
+            <a:prstDash val="solid"/>
+            <a:miter/>
+            <a:headEnd type="none" w="med" len="med"/>
+            <a:tailEnd type="none" w="med" len="med"/>
+          </a:ln>
+        </p:spPr>
+        <p:txBody>
+          <a:bodyPr anchor="t"/>
+          <a:lstStyle/>
+          <a:p>
+            <a:pPr lvl="0" indent="0"/>
+            <a:r>
+              <a:rPr lang="zh-CN" altLang="en-US" sz="2000" dirty="0">
+                <a:solidFill>
+                  <a:srgbClr val="6600CC"/>
+                </a:solidFill>
+                <a:latin typeface="DFKai-SB" panose="03000509000000000000" charset="-122"/>
+                <a:ea typeface="DFKai-SB" panose="03000509000000000000" charset="-122"/>
+              </a:rPr>
+              <a:t>對象</a:t>
+            </a:r>
+            <a:r>
+              <a:rPr lang="en-US" altLang="zh-CN" sz="2000" dirty="0">
+                <a:solidFill>
+                  <a:srgbClr val="6600CC"/>
+                </a:solidFill>
+                <a:latin typeface="DFKai-SB" panose="03000509000000000000" charset="-122"/>
+                <a:ea typeface="DFKai-SB" panose="03000509000000000000" charset="-122"/>
+              </a:rPr>
+              <a:t>:</a:t>
+            </a:r>
+            <a:endParaRPr lang="en-US" altLang="zh-CN" sz="2000" dirty="0">
+              <a:solidFill>
+                <a:srgbClr val="6600CC"/>
+              </a:solidFill>
+              <a:latin typeface="DFKai-SB" panose="03000509000000000000" charset="-122"/>
+              <a:ea typeface="DFKai-SB" panose="03000509000000000000" charset="-122"/>
+            </a:endParaRPr>
+          </a:p>
+          <a:p>
+            <a:pPr lvl="0" indent="0"/>
+            <a:r>
+              <a:rPr lang="zh-CN" altLang="zh-CN" sz="2000" dirty="0" smtClean="0">
+                <a:solidFill>
+                  <a:srgbClr val="FF0000"/>
+                </a:solidFill>
+                <a:latin typeface="DFKai-SB" panose="03000509000000000000" charset="-122"/>
+                <a:ea typeface="DFKai-SB" panose="03000509000000000000" charset="-122"/>
+              </a:rPr>
+              <a:t>助理</a:t>
+            </a:r>
+            <a:r>
+              <a:rPr lang="zh-CN" altLang="zh-CN" sz="2000" dirty="0" smtClean="0">
+                <a:solidFill>
+                  <a:srgbClr val="6600CC"/>
+                </a:solidFill>
+                <a:latin typeface="DFKai-SB" panose="03000509000000000000" charset="-122"/>
+                <a:ea typeface="DFKai-SB" panose="03000509000000000000" charset="-122"/>
+              </a:rPr>
+              <a:t> </a:t>
+            </a:r>
+            <a:endParaRPr lang="zh-CN" altLang="zh-CN" sz="2000" dirty="0">
+              <a:solidFill>
+                <a:srgbClr val="6600CC"/>
+              </a:solidFill>
+              <a:latin typeface="DFKai-SB" panose="03000509000000000000" charset="-122"/>
+              <a:ea typeface="DFKai-SB" panose="03000509000000000000" charset="-122"/>
+            </a:endParaRPr>
+          </a:p>
+        </p:txBody>
+      </p:sp>
+      <p:sp>
+        <p:nvSpPr>
+          <p:cNvPr id="28679" name="矩形圖說文字 226308"/>
+          <p:cNvSpPr/>
+          <p:nvPr/>
+        </p:nvSpPr>
+        <p:spPr>
+          <a:xfrm>
+            <a:off x="6838950" y="544513"/>
+            <a:ext cx="2157413" cy="735012"/>
+          </a:xfrm>
+          <a:prstGeom prst="wedgeRectCallout">
+            <a:avLst>
+              <a:gd name="adj1" fmla="val -20037"/>
+              <a:gd name="adj2" fmla="val -45116"/>
+            </a:avLst>
+          </a:prstGeom>
+          <a:gradFill rotWithShape="1">
+            <a:gsLst>
+              <a:gs pos="0">
+                <a:srgbClr val="FCFDFE">
+                  <a:alpha val="100000"/>
+                </a:srgbClr>
+              </a:gs>
+              <a:gs pos="74001">
+                <a:srgbClr val="E0F1F2">
+                  <a:alpha val="100000"/>
+                </a:srgbClr>
+              </a:gs>
+              <a:gs pos="83000">
+                <a:srgbClr val="E0F1F2">
+                  <a:alpha val="100000"/>
+                </a:srgbClr>
+              </a:gs>
+              <a:gs pos="100000">
+                <a:srgbClr val="EBF6F7">
+                  <a:alpha val="100000"/>
+                </a:srgbClr>
+              </a:gs>
+            </a:gsLst>
+            <a:lin ang="5400000"/>
+            <a:tileRect/>
+          </a:gradFill>
+          <a:ln w="6350" cap="flat" cmpd="sng">
+            <a:solidFill>
+              <a:srgbClr val="800080"/>
+            </a:solidFill>
+            <a:prstDash val="solid"/>
+            <a:miter/>
+            <a:headEnd type="none" w="med" len="med"/>
+            <a:tailEnd type="none" w="med" len="med"/>
+          </a:ln>
+        </p:spPr>
+        <p:txBody>
+          <a:bodyPr anchor="t"/>
+          <a:lstStyle/>
+          <a:p>
+            <a:pPr lvl="0" indent="0"/>
+            <a:r>
+              <a:rPr lang="zh-CN" altLang="zh-CN" sz="1400" err="1">
+                <a:solidFill>
+                  <a:srgbClr val="6600CC"/>
+                </a:solidFill>
+                <a:latin typeface="DFKai-SB" panose="03000509000000000000" charset="-122"/>
+                <a:ea typeface="DFKai-SB" panose="03000509000000000000" charset="-122"/>
+              </a:rPr>
+              <a:t>加班提報取代</a:t>
+            </a:r>
+            <a:r>
+              <a:rPr lang="en-US" altLang="zh-CN" sz="1400" err="1">
+                <a:solidFill>
+                  <a:srgbClr val="6600CC"/>
+                </a:solidFill>
+                <a:latin typeface="DFKai-SB" panose="03000509000000000000" charset="-122"/>
+                <a:ea typeface="DFKai-SB" panose="03000509000000000000" charset="-122"/>
+              </a:rPr>
+              <a:t>Notes</a:t>
+            </a:r>
+            <a:r>
+              <a:rPr lang="zh-CN" altLang="zh-CN" sz="1400" err="1">
+                <a:solidFill>
+                  <a:srgbClr val="6600CC"/>
+                </a:solidFill>
+                <a:latin typeface="DFKai-SB" panose="03000509000000000000" charset="-122"/>
+                <a:ea typeface="DFKai-SB" panose="03000509000000000000" charset="-122"/>
+              </a:rPr>
+              <a:t>系統手工</a:t>
+            </a:r>
+            <a:r>
+              <a:rPr lang="en-US" altLang="zh-CN" sz="1400" err="1">
+                <a:solidFill>
+                  <a:srgbClr val="6600CC"/>
+                </a:solidFill>
+                <a:latin typeface="DFKai-SB" panose="03000509000000000000" charset="-122"/>
+                <a:ea typeface="DFKai-SB" panose="03000509000000000000" charset="-122"/>
+              </a:rPr>
+              <a:t>Keyin</a:t>
+            </a:r>
+            <a:r>
+              <a:rPr lang="zh-CN" altLang="zh-CN" sz="1400" err="1">
+                <a:solidFill>
+                  <a:srgbClr val="6600CC"/>
+                </a:solidFill>
+                <a:latin typeface="DFKai-SB" panose="03000509000000000000" charset="-122"/>
+                <a:ea typeface="DFKai-SB" panose="03000509000000000000" charset="-122"/>
+              </a:rPr>
+              <a:t>加班作業</a:t>
+            </a:r>
+            <a:r>
+              <a:rPr lang="en-US" altLang="zh-CN" sz="1400" err="1">
+                <a:solidFill>
+                  <a:srgbClr val="6600CC"/>
+                </a:solidFill>
+                <a:latin typeface="DFKai-SB" panose="03000509000000000000" charset="-122"/>
+                <a:ea typeface="DFKai-SB" panose="03000509000000000000" charset="-122"/>
+              </a:rPr>
+              <a:t>,</a:t>
+            </a:r>
+            <a:r>
+              <a:rPr lang="zh-CN" altLang="zh-CN" sz="1400" err="1">
+                <a:solidFill>
+                  <a:srgbClr val="FF0000"/>
+                </a:solidFill>
+                <a:latin typeface="DFKai-SB" panose="03000509000000000000" charset="-122"/>
+                <a:ea typeface="DFKai-SB" panose="03000509000000000000" charset="-122"/>
+              </a:rPr>
+              <a:t>正式上線時間待通知</a:t>
+            </a:r>
+            <a:endParaRPr lang="en-US" altLang="zh-CN" sz="1400" err="1">
+              <a:solidFill>
+                <a:srgbClr val="6600CC"/>
+              </a:solidFill>
+              <a:latin typeface="DFKai-SB" panose="03000509000000000000" charset="-122"/>
+              <a:ea typeface="DFKai-SB" panose="03000509000000000000" charset="-122"/>
+            </a:endParaRPr>
+          </a:p>
+        </p:txBody>
+      </p:sp>
+    </p:spTree>
+  </p:cSld>
+  <p:clrMapOvr>
+    <a:masterClrMapping/>
+  </p:clrMapOvr>
+</p:sld>
+</file>
+
+<file path=ppt/slides/slide31.xml><?xml version="1.0" encoding="utf-8"?>
+<p:sld xmlns:a="http://schemas.openxmlformats.org/drawingml/2006/main" xmlns:r="http://schemas.openxmlformats.org/officeDocument/2006/relationships" xmlns:p="http://schemas.openxmlformats.org/presentationml/2006/main">
+  <p:cSld>
+    <p:spTree>
+      <p:nvGrpSpPr>
+        <p:cNvPr id="1" name=""/>
+        <p:cNvGrpSpPr/>
+        <p:nvPr/>
+      </p:nvGrpSpPr>
+      <p:grpSpPr>
+        <a:xfrm>
+          <a:off x="0" y="0"/>
+          <a:ext cx="0" cy="0"/>
+          <a:chOff x="0" y="0"/>
+          <a:chExt cx="0" cy="0"/>
+        </a:xfrm>
+      </p:grpSpPr>
+      <p:pic>
+        <p:nvPicPr>
+          <p:cNvPr id="2" name="图片 1" descr="1111"/>
+          <p:cNvPicPr>
+            <a:picLocks noChangeAspect="1"/>
+          </p:cNvPicPr>
+          <p:nvPr/>
+        </p:nvPicPr>
+        <p:blipFill>
+          <a:blip r:embed="rId1"/>
+          <a:stretch>
+            <a:fillRect/>
+          </a:stretch>
+        </p:blipFill>
+        <p:spPr>
+          <a:xfrm>
             <a:off x="66040" y="-8890"/>
             <a:ext cx="9147810" cy="6875780"/>
           </a:xfrm>
@@ -9875,7 +10067,7 @@
 </p:sld>
 </file>
 
-<file path=ppt/slides/slide31.xml><?xml version="1.0" encoding="utf-8"?>
+<file path=ppt/slides/slide32.xml><?xml version="1.0" encoding="utf-8"?>
 <p:sld xmlns:a="http://schemas.openxmlformats.org/drawingml/2006/main" xmlns:r="http://schemas.openxmlformats.org/officeDocument/2006/relationships" xmlns:p="http://schemas.openxmlformats.org/presentationml/2006/main">
   <p:cSld>
     <p:spTree>
@@ -10171,7 +10363,7 @@
 </p:sld>
 </file>
 
-<file path=ppt/slides/slide32.xml><?xml version="1.0" encoding="utf-8"?>
+<file path=ppt/slides/slide33.xml><?xml version="1.0" encoding="utf-8"?>
 <p:sld xmlns:a="http://schemas.openxmlformats.org/drawingml/2006/main" xmlns:r="http://schemas.openxmlformats.org/officeDocument/2006/relationships" xmlns:p="http://schemas.openxmlformats.org/presentationml/2006/main">
   <p:cSld>
     <p:spTree>
@@ -10337,7 +10529,7 @@
 </p:sld>
 </file>
 
-<file path=ppt/slides/slide33.xml><?xml version="1.0" encoding="utf-8"?>
+<file path=ppt/slides/slide34.xml><?xml version="1.0" encoding="utf-8"?>
 <p:sld xmlns:a="http://schemas.openxmlformats.org/drawingml/2006/main" xmlns:r="http://schemas.openxmlformats.org/officeDocument/2006/relationships" xmlns:p="http://schemas.openxmlformats.org/presentationml/2006/main">
   <p:cSld>
     <p:spTree>
@@ -10574,7 +10766,7 @@
 </p:sld>
 </file>
 
-<file path=ppt/slides/slide34.xml><?xml version="1.0" encoding="utf-8"?>
+<file path=ppt/slides/slide35.xml><?xml version="1.0" encoding="utf-8"?>
 <p:sld xmlns:a="http://schemas.openxmlformats.org/drawingml/2006/main" xmlns:r="http://schemas.openxmlformats.org/officeDocument/2006/relationships" xmlns:p="http://schemas.openxmlformats.org/presentationml/2006/main">
   <p:cSld>
     <p:spTree>
@@ -10978,7 +11170,7 @@
 </p:sld>
 </file>
 
-<file path=ppt/slides/slide35.xml><?xml version="1.0" encoding="utf-8"?>
+<file path=ppt/slides/slide36.xml><?xml version="1.0" encoding="utf-8"?>
 <p:sld xmlns:a="http://schemas.openxmlformats.org/drawingml/2006/main" xmlns:r="http://schemas.openxmlformats.org/officeDocument/2006/relationships" xmlns:p="http://schemas.openxmlformats.org/presentationml/2006/main">
   <p:cSld>
     <p:spTree>
@@ -11195,7 +11387,7 @@
 </p:sld>
 </file>
 
-<file path=ppt/slides/slide36.xml><?xml version="1.0" encoding="utf-8"?>
+<file path=ppt/slides/slide37.xml><?xml version="1.0" encoding="utf-8"?>
 <p:sld xmlns:a="http://schemas.openxmlformats.org/drawingml/2006/main" xmlns:r="http://schemas.openxmlformats.org/officeDocument/2006/relationships" xmlns:p="http://schemas.openxmlformats.org/presentationml/2006/main">
   <p:cSld>
     <p:spTree>
@@ -11434,7 +11626,7 @@
 </p:sld>
 </file>
 
-<file path=ppt/slides/slide37.xml><?xml version="1.0" encoding="utf-8"?>
+<file path=ppt/slides/slide38.xml><?xml version="1.0" encoding="utf-8"?>
 <p:sld xmlns:a="http://schemas.openxmlformats.org/drawingml/2006/main" xmlns:r="http://schemas.openxmlformats.org/officeDocument/2006/relationships" xmlns:p="http://schemas.openxmlformats.org/presentationml/2006/main">
   <p:cSld>
     <p:spTree>
@@ -11800,236 +11992,6 @@
 </p:sld>
 </file>
 
-<file path=ppt/slides/slide38.xml><?xml version="1.0" encoding="utf-8"?>
-<p:sld xmlns:a="http://schemas.openxmlformats.org/drawingml/2006/main" xmlns:r="http://schemas.openxmlformats.org/officeDocument/2006/relationships" xmlns:p="http://schemas.openxmlformats.org/presentationml/2006/main">
-  <p:cSld>
-    <p:spTree>
-      <p:nvGrpSpPr>
-        <p:cNvPr id="1" name=""/>
-        <p:cNvGrpSpPr/>
-        <p:nvPr/>
-      </p:nvGrpSpPr>
-      <p:grpSpPr>
-        <a:xfrm>
-          <a:off x="0" y="0"/>
-          <a:ext cx="0" cy="0"/>
-          <a:chOff x="0" y="0"/>
-          <a:chExt cx="0" cy="0"/>
-        </a:xfrm>
-      </p:grpSpPr>
-      <p:sp>
-        <p:nvSpPr>
-          <p:cNvPr id="229378" name="標題 229377"/>
-          <p:cNvSpPr>
-            <a:spLocks noGrp="1"/>
-          </p:cNvSpPr>
-          <p:nvPr>
-            <p:ph type="title"/>
-          </p:nvPr>
-        </p:nvSpPr>
-        <p:spPr/>
-        <p:txBody>
-          <a:bodyPr anchor="ctr"/>
-          <a:lstStyle/>
-          <a:p>
-            <a:pPr fontAlgn="base"/>
-            <a:r>
-              <a:rPr lang="en-US" altLang="zh-TW" strike="noStrike" noProof="1">
-                <a:solidFill>
-                  <a:srgbClr val="0000CC"/>
-                </a:solidFill>
-                <a:latin typeface="+mn-ea"/>
-                <a:ea typeface="+mn-ea"/>
-                <a:sym typeface="+mn-ea"/>
-              </a:rPr>
-              <a:t>5.</a:t>
-            </a:r>
-            <a:r>
-              <a:rPr lang="zh-CN" altLang="zh-TW" strike="noStrike" noProof="1">
-                <a:solidFill>
-                  <a:srgbClr val="0000CC"/>
-                </a:solidFill>
-                <a:latin typeface="+mn-ea"/>
-                <a:ea typeface="+mn-ea"/>
-                <a:sym typeface="+mn-ea"/>
-              </a:rPr>
-              <a:t>加班單審核</a:t>
-            </a:r>
-            <a:r>
-              <a:rPr lang="en-US" altLang="zh-CN" strike="noStrike" noProof="1">
-                <a:solidFill>
-                  <a:srgbClr val="0000CC"/>
-                </a:solidFill>
-                <a:latin typeface="+mn-ea"/>
-                <a:ea typeface="+mn-ea"/>
-                <a:sym typeface="+mn-ea"/>
-              </a:rPr>
-              <a:t>(</a:t>
-            </a:r>
-            <a:r>
-              <a:rPr lang="zh-CN" altLang="zh-CN" strike="noStrike" noProof="1">
-                <a:solidFill>
-                  <a:srgbClr val="0000CC"/>
-                </a:solidFill>
-                <a:latin typeface="+mn-ea"/>
-                <a:ea typeface="+mn-ea"/>
-                <a:sym typeface="+mn-ea"/>
-              </a:rPr>
-              <a:t>加班提報</a:t>
-            </a:r>
-            <a:r>
-              <a:rPr lang="en-US" altLang="zh-CN" strike="noStrike" noProof="1">
-                <a:solidFill>
-                  <a:srgbClr val="0000CC"/>
-                </a:solidFill>
-                <a:latin typeface="+mn-ea"/>
-                <a:ea typeface="+mn-ea"/>
-                <a:sym typeface="+mn-ea"/>
-              </a:rPr>
-              <a:t>)</a:t>
-            </a:r>
-            <a:endParaRPr lang="zh-TW" altLang="en-US" strike="noStrike" noProof="1">
-              <a:solidFill>
-                <a:srgbClr val="0000CC"/>
-              </a:solidFill>
-            </a:endParaRPr>
-          </a:p>
-        </p:txBody>
-      </p:sp>
-      <p:sp>
-        <p:nvSpPr>
-          <p:cNvPr id="36866" name="標題 238593"/>
-          <p:cNvSpPr>
-            <a:spLocks noGrp="1"/>
-          </p:cNvSpPr>
-          <p:nvPr/>
-        </p:nvSpPr>
-        <p:spPr>
-          <a:xfrm>
-            <a:off x="512763" y="892175"/>
-            <a:ext cx="8229600" cy="503238"/>
-          </a:xfrm>
-          <a:prstGeom prst="rect">
-            <a:avLst/>
-          </a:prstGeom>
-          <a:noFill/>
-          <a:ln w="9525">
-            <a:noFill/>
-          </a:ln>
-        </p:spPr>
-        <p:txBody>
-          <a:bodyPr anchor="ctr"/>
-          <a:lstStyle/>
-          <a:p>
-            <a:pPr lvl="0" indent="0">
-              <a:buClrTx/>
-            </a:pPr>
-            <a:r>
-              <a:rPr lang="zh-CN" altLang="zh-TW" b="0" dirty="0">
-                <a:solidFill>
-                  <a:srgbClr val="000066"/>
-                </a:solidFill>
-                <a:latin typeface="DFKai-SB" panose="03000509000000000000" charset="-122"/>
-                <a:ea typeface="DFKai-SB" panose="03000509000000000000" charset="-122"/>
-              </a:rPr>
-              <a:t>加班單提交后頂崗津貼申請單會發郵件到</a:t>
-            </a:r>
-            <a:r>
-              <a:rPr lang="en-US" altLang="zh-CN" b="0" dirty="0">
-                <a:solidFill>
-                  <a:srgbClr val="000066"/>
-                </a:solidFill>
-                <a:latin typeface="DFKai-SB" panose="03000509000000000000" charset="-122"/>
-                <a:ea typeface="DFKai-SB" panose="03000509000000000000" charset="-122"/>
-              </a:rPr>
-              <a:t>notes</a:t>
-            </a:r>
-            <a:r>
-              <a:rPr lang="zh-CN" altLang="zh-TW" b="0" dirty="0">
-                <a:solidFill>
-                  <a:srgbClr val="000066"/>
-                </a:solidFill>
-                <a:latin typeface="DFKai-SB" panose="03000509000000000000" charset="-122"/>
-                <a:ea typeface="DFKai-SB" panose="03000509000000000000" charset="-122"/>
-              </a:rPr>
-              <a:t> </a:t>
-            </a:r>
-            <a:endParaRPr lang="zh-CN" altLang="zh-TW" sz="1600" b="0" dirty="0">
-              <a:latin typeface="DFKai-SB" panose="03000509000000000000" charset="-122"/>
-              <a:ea typeface="DFKai-SB" panose="03000509000000000000" charset="-122"/>
-              <a:sym typeface="宋体" panose="02010600030101010101" pitchFamily="2" charset="-122"/>
-            </a:endParaRPr>
-          </a:p>
-        </p:txBody>
-      </p:sp>
-      <p:sp>
-        <p:nvSpPr>
-          <p:cNvPr id="5" name="右箭头 4"/>
-          <p:cNvSpPr/>
-          <p:nvPr/>
-        </p:nvSpPr>
-        <p:spPr>
-          <a:xfrm rot="18300000">
-            <a:off x="6264275" y="4027805"/>
-            <a:ext cx="1151890" cy="76200"/>
-          </a:xfrm>
-          <a:prstGeom prst="rightArrow">
-            <a:avLst/>
-          </a:prstGeom>
-          <a:noFill/>
-          <a:ln w="38100" cap="flat" cmpd="sng">
-            <a:solidFill>
-              <a:srgbClr val="FF00FF"/>
-            </a:solidFill>
-            <a:prstDash val="solid"/>
-            <a:round/>
-            <a:headEnd type="none" w="med" len="med"/>
-            <a:tailEnd type="none" w="med" len="med"/>
-          </a:ln>
-        </p:spPr>
-        <p:txBody>
-          <a:bodyPr anchor="t"/>
-          <a:p>
-            <a:pPr lvl="0" indent="0"/>
-            <a:endParaRPr lang="zh-TW" altLang="en-US">
-              <a:latin typeface="Arial" panose="020B0604020202020204" pitchFamily="34" charset="0"/>
-              <a:ea typeface="PMingLiU" panose="02020500000000000000" pitchFamily="18" charset="-120"/>
-            </a:endParaRPr>
-          </a:p>
-        </p:txBody>
-      </p:sp>
-      <p:pic>
-        <p:nvPicPr>
-          <p:cNvPr id="2" name="图片 1" descr="image_2019_07_10T01_14_44_297Z"/>
-          <p:cNvPicPr>
-            <a:picLocks noChangeAspect="1"/>
-          </p:cNvPicPr>
-          <p:nvPr/>
-        </p:nvPicPr>
-        <p:blipFill>
-          <a:blip r:embed="rId1"/>
-          <a:stretch>
-            <a:fillRect/>
-          </a:stretch>
-        </p:blipFill>
-        <p:spPr>
-          <a:xfrm>
-            <a:off x="513080" y="1395730"/>
-            <a:ext cx="7096760" cy="5114925"/>
-          </a:xfrm>
-          <a:prstGeom prst="rect">
-            <a:avLst/>
-          </a:prstGeom>
-        </p:spPr>
-      </p:pic>
-    </p:spTree>
-  </p:cSld>
-  <p:clrMapOvr>
-    <a:masterClrMapping/>
-  </p:clrMapOvr>
-</p:sld>
-</file>
-
 <file path=ppt/slides/slide39.xml><?xml version="1.0" encoding="utf-8"?>
 <p:sld xmlns:a="http://schemas.openxmlformats.org/drawingml/2006/main" xmlns:r="http://schemas.openxmlformats.org/officeDocument/2006/relationships" xmlns:p="http://schemas.openxmlformats.org/presentationml/2006/main">
   <p:cSld>
@@ -12162,7 +12124,7 @@
                 <a:latin typeface="DFKai-SB" panose="03000509000000000000" charset="-122"/>
                 <a:ea typeface="DFKai-SB" panose="03000509000000000000" charset="-122"/>
               </a:rPr>
-              <a:t>加班單提交畫面</a:t>
+              <a:t>加班單提交后頂崗津貼申請單會發郵件到</a:t>
             </a:r>
             <a:r>
               <a:rPr lang="en-US" altLang="zh-CN" b="0" dirty="0">
@@ -12172,57 +12134,7 @@
                 <a:latin typeface="DFKai-SB" panose="03000509000000000000" charset="-122"/>
                 <a:ea typeface="DFKai-SB" panose="03000509000000000000" charset="-122"/>
               </a:rPr>
-              <a:t>:</a:t>
-            </a:r>
-            <a:r>
-              <a:rPr lang="zh-CN" altLang="zh-CN" b="0" dirty="0">
-                <a:solidFill>
-                  <a:srgbClr val="000066"/>
-                </a:solidFill>
-                <a:latin typeface="DFKai-SB" panose="03000509000000000000" charset="-122"/>
-                <a:ea typeface="宋体" panose="02010600030101010101" pitchFamily="2" charset="-122"/>
-              </a:rPr>
-              <a:t> </a:t>
-            </a:r>
-            <a:r>
-              <a:rPr lang="zh-CN" altLang="zh-TW" b="0" dirty="0">
-                <a:solidFill>
-                  <a:srgbClr val="000066"/>
-                </a:solidFill>
-                <a:latin typeface="DFKai-SB" panose="03000509000000000000" charset="-122"/>
-                <a:ea typeface="DFKai-SB" panose="03000509000000000000" charset="-122"/>
-              </a:rPr>
-              <a:t>在標題列上方挑選 </a:t>
-            </a:r>
-            <a:r>
-              <a:rPr lang="zh-CN" altLang="zh-TW" dirty="0">
-                <a:solidFill>
-                  <a:srgbClr val="000066"/>
-                </a:solidFill>
-                <a:latin typeface="DFKai-SB" panose="03000509000000000000" charset="-122"/>
-                <a:ea typeface="DFKai-SB" panose="03000509000000000000" charset="-122"/>
-              </a:rPr>
-              <a:t>時間 </a:t>
-            </a:r>
-            <a:r>
-              <a:rPr lang="en-US" altLang="zh-CN" b="0" dirty="0">
-                <a:solidFill>
-                  <a:srgbClr val="000066"/>
-                </a:solidFill>
-                <a:latin typeface="DFKai-SB" panose="03000509000000000000" charset="-122"/>
-                <a:ea typeface="DFKai-SB" panose="03000509000000000000" charset="-122"/>
-              </a:rPr>
-              <a:t>&amp; </a:t>
-            </a:r>
-            <a:r>
-              <a:rPr lang="zh-CN" altLang="zh-TW" dirty="0">
-                <a:solidFill>
-                  <a:srgbClr val="000066"/>
-                </a:solidFill>
-                <a:latin typeface="DFKai-SB" panose="03000509000000000000" charset="-122"/>
-                <a:ea typeface="DFKai-SB" panose="03000509000000000000" charset="-122"/>
-              </a:rPr>
-              <a:t>加班類型</a:t>
+              <a:t>notes</a:t>
             </a:r>
             <a:r>
               <a:rPr lang="zh-CN" altLang="zh-TW" b="0" dirty="0">
@@ -12242,9 +12154,45 @@
           </a:p>
         </p:txBody>
       </p:sp>
+      <p:sp>
+        <p:nvSpPr>
+          <p:cNvPr id="5" name="右箭头 4"/>
+          <p:cNvSpPr/>
+          <p:nvPr/>
+        </p:nvSpPr>
+        <p:spPr>
+          <a:xfrm rot="18300000">
+            <a:off x="6264275" y="4027805"/>
+            <a:ext cx="1151890" cy="76200"/>
+          </a:xfrm>
+          <a:prstGeom prst="rightArrow">
+            <a:avLst/>
+          </a:prstGeom>
+          <a:noFill/>
+          <a:ln w="38100" cap="flat" cmpd="sng">
+            <a:solidFill>
+              <a:srgbClr val="FF00FF"/>
+            </a:solidFill>
+            <a:prstDash val="solid"/>
+            <a:round/>
+            <a:headEnd type="none" w="med" len="med"/>
+            <a:tailEnd type="none" w="med" len="med"/>
+          </a:ln>
+        </p:spPr>
+        <p:txBody>
+          <a:bodyPr anchor="t"/>
+          <a:p>
+            <a:pPr lvl="0" indent="0"/>
+            <a:endParaRPr lang="zh-TW" altLang="en-US">
+              <a:latin typeface="Arial" panose="020B0604020202020204" pitchFamily="34" charset="0"/>
+              <a:ea typeface="PMingLiU" panose="02020500000000000000" pitchFamily="18" charset="-120"/>
+            </a:endParaRPr>
+          </a:p>
+        </p:txBody>
+      </p:sp>
       <p:pic>
         <p:nvPicPr>
-          <p:cNvPr id="2" name="图片 1" descr="image_2019_07_10T01_15_09_795Z"/>
+          <p:cNvPr id="2" name="图片 1" descr="image_2019_07_10T01_14_44_297Z"/>
           <p:cNvPicPr>
             <a:picLocks noChangeAspect="1"/>
           </p:cNvPicPr>
@@ -12258,8 +12206,8 @@
         </p:blipFill>
         <p:spPr>
           <a:xfrm>
-            <a:off x="512445" y="836930"/>
-            <a:ext cx="8250555" cy="5701030"/>
+            <a:off x="513080" y="1395730"/>
+            <a:ext cx="7096760" cy="5114925"/>
           </a:xfrm>
           <a:prstGeom prst="rect">
             <a:avLst/>
@@ -13268,7 +13216,7 @@
       </p:sp>
       <p:pic>
         <p:nvPicPr>
-          <p:cNvPr id="3" name="图片 2"/>
+          <p:cNvPr id="2" name="图片 1" descr="image_2019_07_10T01_15_09_795Z"/>
           <p:cNvPicPr>
             <a:picLocks noChangeAspect="1"/>
           </p:cNvPicPr>
@@ -13282,8 +13230,8 @@
         </p:blipFill>
         <p:spPr>
           <a:xfrm>
-            <a:off x="304165" y="1678940"/>
-            <a:ext cx="8251825" cy="4222750"/>
+            <a:off x="512445" y="836930"/>
+            <a:ext cx="8250555" cy="5701030"/>
           </a:xfrm>
           <a:prstGeom prst="rect">
             <a:avLst/>
@@ -13526,8 +13474,8 @@
         </p:blipFill>
         <p:spPr>
           <a:xfrm>
-            <a:off x="238125" y="1722755"/>
-            <a:ext cx="8504555" cy="4269740"/>
+            <a:off x="304165" y="1678940"/>
+            <a:ext cx="8251825" cy="4222750"/>
           </a:xfrm>
           <a:prstGeom prst="rect">
             <a:avLst/>
@@ -13770,8 +13718,8 @@
         </p:blipFill>
         <p:spPr>
           <a:xfrm>
-            <a:off x="318770" y="1904365"/>
-            <a:ext cx="8368030" cy="4385310"/>
+            <a:off x="238125" y="1722755"/>
+            <a:ext cx="8504555" cy="4269740"/>
           </a:xfrm>
           <a:prstGeom prst="rect">
             <a:avLst/>
@@ -14000,6 +13948,250 @@
       </p:sp>
       <p:pic>
         <p:nvPicPr>
+          <p:cNvPr id="3" name="图片 2"/>
+          <p:cNvPicPr>
+            <a:picLocks noChangeAspect="1"/>
+          </p:cNvPicPr>
+          <p:nvPr/>
+        </p:nvPicPr>
+        <p:blipFill>
+          <a:blip r:embed="rId1"/>
+          <a:stretch>
+            <a:fillRect/>
+          </a:stretch>
+        </p:blipFill>
+        <p:spPr>
+          <a:xfrm>
+            <a:off x="318770" y="1904365"/>
+            <a:ext cx="8368030" cy="4385310"/>
+          </a:xfrm>
+          <a:prstGeom prst="rect">
+            <a:avLst/>
+          </a:prstGeom>
+        </p:spPr>
+      </p:pic>
+    </p:spTree>
+  </p:cSld>
+  <p:clrMapOvr>
+    <a:masterClrMapping/>
+  </p:clrMapOvr>
+</p:sld>
+</file>
+
+<file path=ppt/slides/slide44.xml><?xml version="1.0" encoding="utf-8"?>
+<p:sld xmlns:a="http://schemas.openxmlformats.org/drawingml/2006/main" xmlns:r="http://schemas.openxmlformats.org/officeDocument/2006/relationships" xmlns:p="http://schemas.openxmlformats.org/presentationml/2006/main">
+  <p:cSld>
+    <p:spTree>
+      <p:nvGrpSpPr>
+        <p:cNvPr id="1" name=""/>
+        <p:cNvGrpSpPr/>
+        <p:nvPr/>
+      </p:nvGrpSpPr>
+      <p:grpSpPr>
+        <a:xfrm>
+          <a:off x="0" y="0"/>
+          <a:ext cx="0" cy="0"/>
+          <a:chOff x="0" y="0"/>
+          <a:chExt cx="0" cy="0"/>
+        </a:xfrm>
+      </p:grpSpPr>
+      <p:sp>
+        <p:nvSpPr>
+          <p:cNvPr id="229378" name="標題 229377"/>
+          <p:cNvSpPr>
+            <a:spLocks noGrp="1"/>
+          </p:cNvSpPr>
+          <p:nvPr>
+            <p:ph type="title"/>
+          </p:nvPr>
+        </p:nvSpPr>
+        <p:spPr/>
+        <p:txBody>
+          <a:bodyPr anchor="ctr"/>
+          <a:lstStyle/>
+          <a:p>
+            <a:pPr fontAlgn="base"/>
+            <a:r>
+              <a:rPr lang="en-US" altLang="zh-TW" strike="noStrike" noProof="1">
+                <a:solidFill>
+                  <a:srgbClr val="0000CC"/>
+                </a:solidFill>
+                <a:latin typeface="+mn-ea"/>
+                <a:ea typeface="+mn-ea"/>
+                <a:sym typeface="+mn-ea"/>
+              </a:rPr>
+              <a:t>5.</a:t>
+            </a:r>
+            <a:r>
+              <a:rPr lang="zh-CN" altLang="zh-TW" strike="noStrike" noProof="1">
+                <a:solidFill>
+                  <a:srgbClr val="0000CC"/>
+                </a:solidFill>
+                <a:latin typeface="+mn-ea"/>
+                <a:ea typeface="+mn-ea"/>
+                <a:sym typeface="+mn-ea"/>
+              </a:rPr>
+              <a:t>加班單審核</a:t>
+            </a:r>
+            <a:r>
+              <a:rPr lang="en-US" altLang="zh-CN" strike="noStrike" noProof="1">
+                <a:solidFill>
+                  <a:srgbClr val="0000CC"/>
+                </a:solidFill>
+                <a:latin typeface="+mn-ea"/>
+                <a:ea typeface="+mn-ea"/>
+                <a:sym typeface="+mn-ea"/>
+              </a:rPr>
+              <a:t>(</a:t>
+            </a:r>
+            <a:r>
+              <a:rPr lang="zh-CN" altLang="zh-CN" strike="noStrike" noProof="1">
+                <a:solidFill>
+                  <a:srgbClr val="0000CC"/>
+                </a:solidFill>
+                <a:latin typeface="+mn-ea"/>
+                <a:ea typeface="+mn-ea"/>
+                <a:sym typeface="+mn-ea"/>
+              </a:rPr>
+              <a:t>加班提報</a:t>
+            </a:r>
+            <a:r>
+              <a:rPr lang="en-US" altLang="zh-CN" strike="noStrike" noProof="1">
+                <a:solidFill>
+                  <a:srgbClr val="0000CC"/>
+                </a:solidFill>
+                <a:latin typeface="+mn-ea"/>
+                <a:ea typeface="+mn-ea"/>
+                <a:sym typeface="+mn-ea"/>
+              </a:rPr>
+              <a:t>)</a:t>
+            </a:r>
+            <a:endParaRPr lang="zh-TW" altLang="en-US" strike="noStrike" noProof="1">
+              <a:solidFill>
+                <a:srgbClr val="0000CC"/>
+              </a:solidFill>
+            </a:endParaRPr>
+          </a:p>
+        </p:txBody>
+      </p:sp>
+      <p:sp>
+        <p:nvSpPr>
+          <p:cNvPr id="36866" name="標題 238593"/>
+          <p:cNvSpPr>
+            <a:spLocks noGrp="1"/>
+          </p:cNvSpPr>
+          <p:nvPr/>
+        </p:nvSpPr>
+        <p:spPr>
+          <a:xfrm>
+            <a:off x="512763" y="892175"/>
+            <a:ext cx="8229600" cy="503238"/>
+          </a:xfrm>
+          <a:prstGeom prst="rect">
+            <a:avLst/>
+          </a:prstGeom>
+          <a:noFill/>
+          <a:ln w="9525">
+            <a:noFill/>
+          </a:ln>
+        </p:spPr>
+        <p:txBody>
+          <a:bodyPr anchor="ctr"/>
+          <a:lstStyle/>
+          <a:p>
+            <a:pPr lvl="0" indent="0">
+              <a:buClrTx/>
+            </a:pPr>
+            <a:r>
+              <a:rPr lang="zh-CN" altLang="zh-TW" b="0" dirty="0">
+                <a:solidFill>
+                  <a:srgbClr val="000066"/>
+                </a:solidFill>
+                <a:latin typeface="DFKai-SB" panose="03000509000000000000" charset="-122"/>
+                <a:ea typeface="DFKai-SB" panose="03000509000000000000" charset="-122"/>
+              </a:rPr>
+              <a:t>加班單提交畫面</a:t>
+            </a:r>
+            <a:r>
+              <a:rPr lang="en-US" altLang="zh-CN" b="0" dirty="0">
+                <a:solidFill>
+                  <a:srgbClr val="000066"/>
+                </a:solidFill>
+                <a:latin typeface="DFKai-SB" panose="03000509000000000000" charset="-122"/>
+                <a:ea typeface="DFKai-SB" panose="03000509000000000000" charset="-122"/>
+              </a:rPr>
+              <a:t>:</a:t>
+            </a:r>
+            <a:r>
+              <a:rPr lang="zh-CN" altLang="zh-CN" b="0" dirty="0">
+                <a:solidFill>
+                  <a:srgbClr val="000066"/>
+                </a:solidFill>
+                <a:latin typeface="DFKai-SB" panose="03000509000000000000" charset="-122"/>
+                <a:ea typeface="宋体" panose="02010600030101010101" pitchFamily="2" charset="-122"/>
+              </a:rPr>
+              <a:t> </a:t>
+            </a:r>
+            <a:r>
+              <a:rPr lang="zh-CN" altLang="zh-TW" b="0" dirty="0">
+                <a:solidFill>
+                  <a:srgbClr val="000066"/>
+                </a:solidFill>
+                <a:latin typeface="DFKai-SB" panose="03000509000000000000" charset="-122"/>
+                <a:ea typeface="DFKai-SB" panose="03000509000000000000" charset="-122"/>
+              </a:rPr>
+              <a:t>在標題列上方挑選 </a:t>
+            </a:r>
+            <a:r>
+              <a:rPr lang="zh-CN" altLang="zh-TW" dirty="0">
+                <a:solidFill>
+                  <a:srgbClr val="000066"/>
+                </a:solidFill>
+                <a:latin typeface="DFKai-SB" panose="03000509000000000000" charset="-122"/>
+                <a:ea typeface="DFKai-SB" panose="03000509000000000000" charset="-122"/>
+              </a:rPr>
+              <a:t>時間 </a:t>
+            </a:r>
+            <a:r>
+              <a:rPr lang="en-US" altLang="zh-CN" b="0" dirty="0">
+                <a:solidFill>
+                  <a:srgbClr val="000066"/>
+                </a:solidFill>
+                <a:latin typeface="DFKai-SB" panose="03000509000000000000" charset="-122"/>
+                <a:ea typeface="DFKai-SB" panose="03000509000000000000" charset="-122"/>
+              </a:rPr>
+              <a:t>&amp; </a:t>
+            </a:r>
+            <a:r>
+              <a:rPr lang="zh-CN" altLang="zh-TW" dirty="0">
+                <a:solidFill>
+                  <a:srgbClr val="000066"/>
+                </a:solidFill>
+                <a:latin typeface="DFKai-SB" panose="03000509000000000000" charset="-122"/>
+                <a:ea typeface="DFKai-SB" panose="03000509000000000000" charset="-122"/>
+              </a:rPr>
+              <a:t>加班類型</a:t>
+            </a:r>
+            <a:r>
+              <a:rPr lang="zh-CN" altLang="zh-TW" b="0" dirty="0">
+                <a:solidFill>
+                  <a:srgbClr val="000066"/>
+                </a:solidFill>
+                <a:latin typeface="DFKai-SB" panose="03000509000000000000" charset="-122"/>
+                <a:ea typeface="DFKai-SB" panose="03000509000000000000" charset="-122"/>
+              </a:rPr>
+              <a:t> </a:t>
+            </a:r>
+            <a:endParaRPr lang="zh-CN" altLang="zh-TW" sz="1600" b="0" dirty="0">
+              <a:latin typeface="DFKai-SB" panose="03000509000000000000" charset="-122"/>
+              <a:ea typeface="DFKai-SB" panose="03000509000000000000" charset="-122"/>
+              <a:sym typeface="宋体" panose="02010600030101010101" pitchFamily="2" charset="-122"/>
+            </a:endParaRPr>
+          </a:p>
+        </p:txBody>
+      </p:sp>
+      <p:pic>
+        <p:nvPicPr>
           <p:cNvPr id="4" name="图片 3"/>
           <p:cNvPicPr>
             <a:picLocks noChangeAspect="1"/>
@@ -14030,7 +14222,7 @@
 </p:sld>
 </file>
 
-<file path=ppt/slides/slide44.xml><?xml version="1.0" encoding="utf-8"?>
+<file path=ppt/slides/slide45.xml><?xml version="1.0" encoding="utf-8"?>
 <p:sld xmlns:a="http://schemas.openxmlformats.org/drawingml/2006/main" xmlns:r="http://schemas.openxmlformats.org/officeDocument/2006/relationships" xmlns:p="http://schemas.openxmlformats.org/presentationml/2006/main">
   <p:cSld>
     <p:spTree>
@@ -14524,7 +14716,7 @@
 </p:sld>
 </file>
 
-<file path=ppt/slides/slide45.xml><?xml version="1.0" encoding="utf-8"?>
+<file path=ppt/slides/slide46.xml><?xml version="1.0" encoding="utf-8"?>
 <p:sld xmlns:a="http://schemas.openxmlformats.org/drawingml/2006/main" xmlns:r="http://schemas.openxmlformats.org/officeDocument/2006/relationships" xmlns:p="http://schemas.openxmlformats.org/presentationml/2006/main">
   <p:cSld>
     <p:spTree>
@@ -14737,7 +14929,7 @@
 </p:sld>
 </file>
 
-<file path=ppt/slides/slide46.xml><?xml version="1.0" encoding="utf-8"?>
+<file path=ppt/slides/slide47.xml><?xml version="1.0" encoding="utf-8"?>
 <p:sld xmlns:a="http://schemas.openxmlformats.org/drawingml/2006/main" xmlns:r="http://schemas.openxmlformats.org/officeDocument/2006/relationships" xmlns:p="http://schemas.openxmlformats.org/presentationml/2006/main">
   <p:cSld>
     <p:spTree>
@@ -15063,229 +15255,6 @@
 </p:sld>
 </file>
 
-<file path=ppt/slides/slide47.xml><?xml version="1.0" encoding="utf-8"?>
-<p:sld xmlns:a="http://schemas.openxmlformats.org/drawingml/2006/main" xmlns:r="http://schemas.openxmlformats.org/officeDocument/2006/relationships" xmlns:p="http://schemas.openxmlformats.org/presentationml/2006/main">
-  <p:cSld>
-    <p:spTree>
-      <p:nvGrpSpPr>
-        <p:cNvPr id="1" name=""/>
-        <p:cNvGrpSpPr/>
-        <p:nvPr/>
-      </p:nvGrpSpPr>
-      <p:grpSpPr>
-        <a:xfrm>
-          <a:off x="0" y="0"/>
-          <a:ext cx="0" cy="0"/>
-          <a:chOff x="0" y="0"/>
-          <a:chExt cx="0" cy="0"/>
-        </a:xfrm>
-      </p:grpSpPr>
-      <p:sp>
-        <p:nvSpPr>
-          <p:cNvPr id="229378" name="標題 229377"/>
-          <p:cNvSpPr>
-            <a:spLocks noGrp="1"/>
-          </p:cNvSpPr>
-          <p:nvPr>
-            <p:ph type="title"/>
-          </p:nvPr>
-        </p:nvSpPr>
-        <p:spPr/>
-        <p:txBody>
-          <a:bodyPr anchor="ctr"/>
-          <a:lstStyle/>
-          <a:p>
-            <a:pPr fontAlgn="base"/>
-            <a:r>
-              <a:rPr lang="en-US" altLang="zh-TW" strike="noStrike" noProof="1">
-                <a:solidFill>
-                  <a:srgbClr val="0000CC"/>
-                </a:solidFill>
-                <a:latin typeface="+mn-ea"/>
-                <a:ea typeface="+mn-ea"/>
-                <a:sym typeface="+mn-ea"/>
-              </a:rPr>
-              <a:t>5.</a:t>
-            </a:r>
-            <a:r>
-              <a:rPr lang="zh-CN" altLang="zh-TW" strike="noStrike" noProof="1">
-                <a:solidFill>
-                  <a:srgbClr val="0000CC"/>
-                </a:solidFill>
-                <a:latin typeface="+mn-ea"/>
-                <a:ea typeface="+mn-ea"/>
-                <a:sym typeface="+mn-ea"/>
-              </a:rPr>
-              <a:t>加班單審核</a:t>
-            </a:r>
-            <a:r>
-              <a:rPr lang="en-US" altLang="zh-CN" strike="noStrike" noProof="1">
-                <a:solidFill>
-                  <a:srgbClr val="0000CC"/>
-                </a:solidFill>
-                <a:latin typeface="+mn-ea"/>
-                <a:ea typeface="+mn-ea"/>
-                <a:sym typeface="+mn-ea"/>
-              </a:rPr>
-              <a:t>(</a:t>
-            </a:r>
-            <a:r>
-              <a:rPr lang="zh-CN" altLang="zh-CN" strike="noStrike" noProof="1">
-                <a:solidFill>
-                  <a:srgbClr val="0000CC"/>
-                </a:solidFill>
-                <a:latin typeface="+mn-ea"/>
-                <a:ea typeface="+mn-ea"/>
-                <a:sym typeface="+mn-ea"/>
-              </a:rPr>
-              <a:t>加班提報</a:t>
-            </a:r>
-            <a:r>
-              <a:rPr lang="en-US" altLang="zh-CN" strike="noStrike" noProof="1">
-                <a:solidFill>
-                  <a:srgbClr val="0000CC"/>
-                </a:solidFill>
-                <a:latin typeface="+mn-ea"/>
-                <a:ea typeface="+mn-ea"/>
-                <a:sym typeface="+mn-ea"/>
-              </a:rPr>
-              <a:t>)</a:t>
-            </a:r>
-            <a:endParaRPr lang="zh-TW" altLang="en-US" strike="noStrike" noProof="1">
-              <a:solidFill>
-                <a:srgbClr val="0000CC"/>
-              </a:solidFill>
-            </a:endParaRPr>
-          </a:p>
-        </p:txBody>
-      </p:sp>
-      <p:sp>
-        <p:nvSpPr>
-          <p:cNvPr id="39938" name="標題 238593"/>
-          <p:cNvSpPr>
-            <a:spLocks noGrp="1"/>
-          </p:cNvSpPr>
-          <p:nvPr/>
-        </p:nvSpPr>
-        <p:spPr>
-          <a:xfrm>
-            <a:off x="512763" y="892175"/>
-            <a:ext cx="8229600" cy="503238"/>
-          </a:xfrm>
-          <a:prstGeom prst="rect">
-            <a:avLst/>
-          </a:prstGeom>
-          <a:noFill/>
-          <a:ln w="9525">
-            <a:noFill/>
-          </a:ln>
-        </p:spPr>
-        <p:txBody>
-          <a:bodyPr anchor="ctr"/>
-          <a:lstStyle/>
-          <a:p>
-            <a:pPr lvl="0" indent="0">
-              <a:buClrTx/>
-            </a:pPr>
-            <a:r>
-              <a:rPr lang="en-US" altLang="zh-CN" b="0" dirty="0">
-                <a:solidFill>
-                  <a:srgbClr val="000066"/>
-                </a:solidFill>
-                <a:latin typeface="DFKai-SB" panose="03000509000000000000" charset="-122"/>
-                <a:ea typeface="DFKai-SB" panose="03000509000000000000" charset="-122"/>
-              </a:rPr>
-              <a:t>(1)</a:t>
-            </a:r>
-            <a:r>
-              <a:rPr lang="zh-CN" altLang="en-US" b="0" dirty="0">
-                <a:solidFill>
-                  <a:srgbClr val="000066"/>
-                </a:solidFill>
-                <a:latin typeface="DFKai-SB" panose="03000509000000000000" charset="-122"/>
-                <a:ea typeface="DFKai-SB" panose="03000509000000000000" charset="-122"/>
-              </a:rPr>
-              <a:t>資料確認無誤后則進行提交 </a:t>
-            </a:r>
-            <a:r>
-              <a:rPr lang="en-US" altLang="zh-CN" b="0" dirty="0">
-                <a:solidFill>
-                  <a:srgbClr val="000066"/>
-                </a:solidFill>
-                <a:latin typeface="DFKai-SB" panose="03000509000000000000" charset="-122"/>
-                <a:ea typeface="DFKai-SB" panose="03000509000000000000" charset="-122"/>
-              </a:rPr>
-              <a:t>-&gt; (2)</a:t>
-            </a:r>
-            <a:r>
-              <a:rPr lang="zh-CN" altLang="zh-CN" b="0" dirty="0">
-                <a:solidFill>
-                  <a:srgbClr val="000066"/>
-                </a:solidFill>
-                <a:latin typeface="DFKai-SB" panose="03000509000000000000" charset="-122"/>
-                <a:ea typeface="DFKai-SB" panose="03000509000000000000" charset="-122"/>
-              </a:rPr>
-              <a:t>因未選擇加班人員，</a:t>
-            </a:r>
-            <a:r>
-              <a:rPr lang="zh-CN" altLang="zh-CN" dirty="0">
-                <a:solidFill>
-                  <a:srgbClr val="000066"/>
-                </a:solidFill>
-                <a:latin typeface="DFKai-SB" panose="03000509000000000000" charset="-122"/>
-                <a:ea typeface="DFKai-SB" panose="03000509000000000000" charset="-122"/>
-              </a:rPr>
-              <a:t>提交異常</a:t>
-            </a:r>
-            <a:endParaRPr lang="zh-CN" altLang="zh-CN" dirty="0">
-              <a:solidFill>
-                <a:srgbClr val="000066"/>
-              </a:solidFill>
-              <a:latin typeface="DFKai-SB" panose="03000509000000000000" charset="-122"/>
-              <a:ea typeface="DFKai-SB" panose="03000509000000000000" charset="-122"/>
-              <a:sym typeface="宋体" panose="02010600030101010101" pitchFamily="2" charset="-122"/>
-            </a:endParaRPr>
-          </a:p>
-        </p:txBody>
-      </p:sp>
-      <p:pic>
-        <p:nvPicPr>
-          <p:cNvPr id="3" name="图片 2"/>
-          <p:cNvPicPr>
-            <a:picLocks noChangeAspect="1"/>
-          </p:cNvPicPr>
-          <p:nvPr/>
-        </p:nvPicPr>
-        <p:blipFill>
-          <a:blip r:embed="rId1">
-            <a:extLst>
-              <a:ext uri="{28A0092B-C50C-407E-A947-70E740481C1C}">
-                <a14:useLocalDpi xmlns:a14="http://schemas.microsoft.com/office/drawing/2010/main" val="0"/>
-              </a:ext>
-            </a:extLst>
-          </a:blip>
-          <a:stretch>
-            <a:fillRect/>
-          </a:stretch>
-        </p:blipFill>
-        <p:spPr>
-          <a:xfrm>
-            <a:off x="0" y="1483999"/>
-            <a:ext cx="9144000" cy="4462151"/>
-          </a:xfrm>
-          <a:prstGeom prst="rect">
-            <a:avLst/>
-          </a:prstGeom>
-        </p:spPr>
-      </p:pic>
-    </p:spTree>
-  </p:cSld>
-  <p:clrMapOvr>
-    <a:masterClrMapping/>
-  </p:clrMapOvr>
-</p:sld>
-</file>
-
 <file path=ppt/slides/slide48.xml><?xml version="1.0" encoding="utf-8"?>
 <p:sld xmlns:a="http://schemas.openxmlformats.org/drawingml/2006/main" xmlns:r="http://schemas.openxmlformats.org/officeDocument/2006/relationships" xmlns:p="http://schemas.openxmlformats.org/presentationml/2006/main">
   <p:cSld>
@@ -15384,7 +15353,7 @@
       </p:sp>
       <p:sp>
         <p:nvSpPr>
-          <p:cNvPr id="45058" name="標題 238593"/>
+          <p:cNvPr id="39938" name="標題 238593"/>
           <p:cNvSpPr>
             <a:spLocks noGrp="1"/>
           </p:cNvSpPr>
@@ -15392,8 +15361,8 @@
         </p:nvSpPr>
         <p:spPr>
           <a:xfrm>
-            <a:off x="512763" y="963613"/>
-            <a:ext cx="8229600" cy="503237"/>
+            <a:off x="512763" y="892175"/>
+            <a:ext cx="8229600" cy="503238"/>
           </a:xfrm>
           <a:prstGeom prst="rect">
             <a:avLst/>
@@ -15411,126 +15380,56 @@
               <a:buClrTx/>
             </a:pPr>
             <a:r>
-              <a:rPr lang="zh-CN" altLang="en-US" sz="1700" b="0" dirty="0">
-                <a:solidFill>
-                  <a:srgbClr val="000066"/>
-                </a:solidFill>
-                <a:latin typeface="DFKai-SB" panose="03000509000000000000" charset="-122"/>
-                <a:ea typeface="DFKai-SB" panose="03000509000000000000" charset="-122"/>
-              </a:rPr>
-              <a:t>已審核查詢結果</a:t>
-            </a:r>
-            <a:r>
-              <a:rPr lang="en-US" altLang="zh-CN" sz="1700" b="0" dirty="0">
-                <a:solidFill>
-                  <a:srgbClr val="000066"/>
-                </a:solidFill>
-                <a:latin typeface="DFKai-SB" panose="03000509000000000000" charset="-122"/>
-                <a:ea typeface="DFKai-SB" panose="03000509000000000000" charset="-122"/>
-              </a:rPr>
-              <a:t>:</a:t>
-            </a:r>
-            <a:r>
-              <a:rPr lang="zh-CN" altLang="en-US" sz="1700" b="0" dirty="0">
-                <a:solidFill>
-                  <a:srgbClr val="000066"/>
-                </a:solidFill>
-                <a:latin typeface="DFKai-SB" panose="03000509000000000000" charset="-122"/>
-                <a:ea typeface="DFKai-SB" panose="03000509000000000000" charset="-122"/>
-              </a:rPr>
-              <a:t> </a:t>
-            </a:r>
-            <a:r>
-              <a:rPr lang="zh-CN" altLang="zh-CN" sz="1700" b="0" dirty="0">
-                <a:solidFill>
-                  <a:srgbClr val="000066"/>
-                </a:solidFill>
-                <a:latin typeface="DFKai-SB" panose="03000509000000000000" charset="-122"/>
-                <a:ea typeface="DFKai-SB" panose="03000509000000000000" charset="-122"/>
-              </a:rPr>
-              <a:t>依 車間</a:t>
-            </a:r>
-            <a:r>
-              <a:rPr lang="en-US" altLang="zh-CN" sz="1700" b="0" dirty="0">
-                <a:solidFill>
-                  <a:srgbClr val="000066"/>
-                </a:solidFill>
-                <a:latin typeface="DFKai-SB" panose="03000509000000000000" charset="-122"/>
-                <a:ea typeface="DFKai-SB" panose="03000509000000000000" charset="-122"/>
-              </a:rPr>
-              <a:t>+</a:t>
-            </a:r>
-            <a:r>
-              <a:rPr lang="zh-CN" altLang="zh-CN" sz="1700" b="0" dirty="0">
-                <a:solidFill>
-                  <a:srgbClr val="000066"/>
-                </a:solidFill>
-                <a:latin typeface="DFKai-SB" panose="03000509000000000000" charset="-122"/>
-                <a:ea typeface="DFKai-SB" panose="03000509000000000000" charset="-122"/>
-              </a:rPr>
-              <a:t>日期</a:t>
-            </a:r>
-            <a:r>
-              <a:rPr lang="en-US" altLang="zh-CN" sz="1700" b="0" dirty="0">
-                <a:solidFill>
-                  <a:srgbClr val="000066"/>
-                </a:solidFill>
-                <a:latin typeface="DFKai-SB" panose="03000509000000000000" charset="-122"/>
-                <a:ea typeface="DFKai-SB" panose="03000509000000000000" charset="-122"/>
-              </a:rPr>
-              <a:t>+</a:t>
-            </a:r>
-            <a:r>
-              <a:rPr lang="zh-CN" altLang="zh-CN" sz="1700" b="0" dirty="0">
-                <a:solidFill>
-                  <a:srgbClr val="000066"/>
-                </a:solidFill>
-                <a:latin typeface="DFKai-SB" panose="03000509000000000000" charset="-122"/>
-                <a:ea typeface="DFKai-SB" panose="03000509000000000000" charset="-122"/>
-              </a:rPr>
-              <a:t>班別 顯示員工加班資料</a:t>
-            </a:r>
-            <a:r>
-              <a:rPr lang="en-US" altLang="zh-CN" sz="1700" b="0" dirty="0">
-                <a:solidFill>
-                  <a:srgbClr val="000066"/>
-                </a:solidFill>
-                <a:latin typeface="DFKai-SB" panose="03000509000000000000" charset="-122"/>
-                <a:ea typeface="DFKai-SB" panose="03000509000000000000" charset="-122"/>
-              </a:rPr>
-              <a:t>(</a:t>
-            </a:r>
-            <a:r>
-              <a:rPr lang="zh-CN" altLang="zh-CN" sz="1700" b="0" dirty="0">
-                <a:solidFill>
-                  <a:srgbClr val="FF0000"/>
-                </a:solidFill>
-                <a:latin typeface="DFKai-SB" panose="03000509000000000000" charset="-122"/>
-                <a:ea typeface="DFKai-SB" panose="03000509000000000000" charset="-122"/>
-              </a:rPr>
-              <a:t>大</a:t>
-            </a:r>
-            <a:r>
-              <a:rPr lang="zh-CN" altLang="en-US" sz="1700" b="0" dirty="0">
-                <a:solidFill>
-                  <a:srgbClr val="FF0000"/>
-                </a:solidFill>
-                <a:latin typeface="DFKai-SB" panose="03000509000000000000" charset="-122"/>
-                <a:ea typeface="DFKai-SB" panose="03000509000000000000" charset="-122"/>
-              </a:rPr>
-              <a:t>范圍</a:t>
-            </a:r>
-            <a:r>
-              <a:rPr lang="en-US" altLang="zh-CN" sz="1700" b="0" dirty="0">
-                <a:solidFill>
-                  <a:srgbClr val="000066"/>
-                </a:solidFill>
-                <a:latin typeface="DFKai-SB" panose="03000509000000000000" charset="-122"/>
-                <a:ea typeface="DFKai-SB" panose="03000509000000000000" charset="-122"/>
-              </a:rPr>
-              <a:t>) </a:t>
-            </a:r>
-            <a:endParaRPr lang="en-US" altLang="zh-CN" sz="1700" b="0" dirty="0">
+              <a:rPr lang="en-US" altLang="zh-CN" b="0" dirty="0">
+                <a:solidFill>
+                  <a:srgbClr val="000066"/>
+                </a:solidFill>
+                <a:latin typeface="DFKai-SB" panose="03000509000000000000" charset="-122"/>
+                <a:ea typeface="DFKai-SB" panose="03000509000000000000" charset="-122"/>
+              </a:rPr>
+              <a:t>(1)</a:t>
+            </a:r>
+            <a:r>
+              <a:rPr lang="zh-CN" altLang="en-US" b="0" dirty="0">
+                <a:solidFill>
+                  <a:srgbClr val="000066"/>
+                </a:solidFill>
+                <a:latin typeface="DFKai-SB" panose="03000509000000000000" charset="-122"/>
+                <a:ea typeface="DFKai-SB" panose="03000509000000000000" charset="-122"/>
+              </a:rPr>
+              <a:t>資料確認無誤后則進行提交 </a:t>
+            </a:r>
+            <a:r>
+              <a:rPr lang="en-US" altLang="zh-CN" b="0" dirty="0">
+                <a:solidFill>
+                  <a:srgbClr val="000066"/>
+                </a:solidFill>
+                <a:latin typeface="DFKai-SB" panose="03000509000000000000" charset="-122"/>
+                <a:ea typeface="DFKai-SB" panose="03000509000000000000" charset="-122"/>
+              </a:rPr>
+              <a:t>-&gt; (2)</a:t>
+            </a:r>
+            <a:r>
+              <a:rPr lang="zh-CN" altLang="zh-CN" b="0" dirty="0">
+                <a:solidFill>
+                  <a:srgbClr val="000066"/>
+                </a:solidFill>
+                <a:latin typeface="DFKai-SB" panose="03000509000000000000" charset="-122"/>
+                <a:ea typeface="DFKai-SB" panose="03000509000000000000" charset="-122"/>
+              </a:rPr>
+              <a:t>因未選擇加班人員，</a:t>
+            </a:r>
+            <a:r>
+              <a:rPr lang="zh-CN" altLang="zh-CN" dirty="0">
+                <a:solidFill>
+                  <a:srgbClr val="000066"/>
+                </a:solidFill>
+                <a:latin typeface="DFKai-SB" panose="03000509000000000000" charset="-122"/>
+                <a:ea typeface="DFKai-SB" panose="03000509000000000000" charset="-122"/>
+              </a:rPr>
+              <a:t>提交異常</a:t>
+            </a:r>
+            <a:endParaRPr lang="zh-CN" altLang="zh-CN" dirty="0">
               <a:solidFill>
                 <a:srgbClr val="000066"/>
               </a:solidFill>
@@ -15563,8 +15462,8 @@
         </p:blipFill>
         <p:spPr>
           <a:xfrm>
-            <a:off x="19619" y="1700808"/>
-            <a:ext cx="9104762" cy="4771429"/>
+            <a:off x="0" y="1483999"/>
+            <a:ext cx="9144000" cy="4462151"/>
           </a:xfrm>
           <a:prstGeom prst="rect">
             <a:avLst/>
@@ -15677,7 +15576,7 @@
       </p:sp>
       <p:sp>
         <p:nvSpPr>
-          <p:cNvPr id="46082" name="標題 238593"/>
+          <p:cNvPr id="45058" name="標題 238593"/>
           <p:cNvSpPr>
             <a:spLocks noGrp="1"/>
           </p:cNvSpPr>
@@ -15685,8 +15584,8 @@
         </p:nvSpPr>
         <p:spPr>
           <a:xfrm>
-            <a:off x="512763" y="892175"/>
-            <a:ext cx="8229600" cy="503238"/>
+            <a:off x="512763" y="963613"/>
+            <a:ext cx="8229600" cy="503237"/>
           </a:xfrm>
           <a:prstGeom prst="rect">
             <a:avLst/>
@@ -15711,7 +15610,7 @@
                 <a:latin typeface="DFKai-SB" panose="03000509000000000000" charset="-122"/>
                 <a:ea typeface="DFKai-SB" panose="03000509000000000000" charset="-122"/>
               </a:rPr>
-              <a:t>已審核查詢 </a:t>
+              <a:t>已審核查詢結果</a:t>
             </a:r>
             <a:r>
               <a:rPr lang="en-US" altLang="zh-CN" sz="1700" b="0" dirty="0">
@@ -15721,7 +15620,17 @@
                 <a:latin typeface="DFKai-SB" panose="03000509000000000000" charset="-122"/>
                 <a:ea typeface="DFKai-SB" panose="03000509000000000000" charset="-122"/>
               </a:rPr>
-              <a:t>-&gt; </a:t>
+              <a:t>:</a:t>
+            </a:r>
+            <a:r>
+              <a:rPr lang="zh-CN" altLang="en-US" sz="1700" b="0" dirty="0">
+                <a:solidFill>
+                  <a:srgbClr val="000066"/>
+                </a:solidFill>
+                <a:latin typeface="DFKai-SB" panose="03000509000000000000" charset="-122"/>
+                <a:ea typeface="DFKai-SB" panose="03000509000000000000" charset="-122"/>
+              </a:rPr>
+              <a:t> </a:t>
             </a:r>
             <a:r>
               <a:rPr lang="zh-CN" altLang="zh-CN" sz="1700" b="0" dirty="0">
@@ -15731,29 +15640,89 @@
                 <a:latin typeface="DFKai-SB" panose="03000509000000000000" charset="-122"/>
                 <a:ea typeface="DFKai-SB" panose="03000509000000000000" charset="-122"/>
               </a:rPr>
-              <a:t>點 </a:t>
-            </a:r>
-            <a:r>
-              <a:rPr lang="zh-CN" altLang="en-US" sz="1700" dirty="0">
-                <a:solidFill>
-                  <a:srgbClr val="000066"/>
-                </a:solidFill>
-                <a:latin typeface="DFKai-SB" panose="03000509000000000000" charset="-122"/>
-                <a:ea typeface="DFKai-SB" panose="03000509000000000000" charset="-122"/>
-              </a:rPr>
-              <a:t>詳情按鈕</a:t>
+              <a:t>依 車間</a:t>
+            </a:r>
+            <a:r>
+              <a:rPr lang="en-US" altLang="zh-CN" sz="1700" b="0" dirty="0">
+                <a:solidFill>
+                  <a:srgbClr val="000066"/>
+                </a:solidFill>
+                <a:latin typeface="DFKai-SB" panose="03000509000000000000" charset="-122"/>
+                <a:ea typeface="DFKai-SB" panose="03000509000000000000" charset="-122"/>
+              </a:rPr>
+              <a:t>+</a:t>
+            </a:r>
+            <a:r>
+              <a:rPr lang="zh-CN" altLang="zh-CN" sz="1700" b="0" dirty="0">
+                <a:solidFill>
+                  <a:srgbClr val="000066"/>
+                </a:solidFill>
+                <a:latin typeface="DFKai-SB" panose="03000509000000000000" charset="-122"/>
+                <a:ea typeface="DFKai-SB" panose="03000509000000000000" charset="-122"/>
+              </a:rPr>
+              <a:t>日期</a:t>
+            </a:r>
+            <a:r>
+              <a:rPr lang="en-US" altLang="zh-CN" sz="1700" b="0" dirty="0">
+                <a:solidFill>
+                  <a:srgbClr val="000066"/>
+                </a:solidFill>
+                <a:latin typeface="DFKai-SB" panose="03000509000000000000" charset="-122"/>
+                <a:ea typeface="DFKai-SB" panose="03000509000000000000" charset="-122"/>
+              </a:rPr>
+              <a:t>+</a:t>
+            </a:r>
+            <a:r>
+              <a:rPr lang="zh-CN" altLang="zh-CN" sz="1700" b="0" dirty="0">
+                <a:solidFill>
+                  <a:srgbClr val="000066"/>
+                </a:solidFill>
+                <a:latin typeface="DFKai-SB" panose="03000509000000000000" charset="-122"/>
+                <a:ea typeface="DFKai-SB" panose="03000509000000000000" charset="-122"/>
+              </a:rPr>
+              <a:t>班別 顯示員工加班資料</a:t>
+            </a:r>
+            <a:r>
+              <a:rPr lang="en-US" altLang="zh-CN" sz="1700" b="0" dirty="0">
+                <a:solidFill>
+                  <a:srgbClr val="000066"/>
+                </a:solidFill>
+                <a:latin typeface="DFKai-SB" panose="03000509000000000000" charset="-122"/>
+                <a:ea typeface="DFKai-SB" panose="03000509000000000000" charset="-122"/>
+              </a:rPr>
+              <a:t>(</a:t>
+            </a:r>
+            <a:r>
+              <a:rPr lang="zh-CN" altLang="zh-CN" sz="1700" b="0" dirty="0">
+                <a:solidFill>
+                  <a:srgbClr val="FF0000"/>
+                </a:solidFill>
+                <a:latin typeface="DFKai-SB" panose="03000509000000000000" charset="-122"/>
+                <a:ea typeface="DFKai-SB" panose="03000509000000000000" charset="-122"/>
+              </a:rPr>
+              <a:t>大</a:t>
             </a:r>
             <a:r>
               <a:rPr lang="zh-CN" altLang="en-US" sz="1700" b="0" dirty="0">
                 <a:solidFill>
-                  <a:srgbClr val="000066"/>
-                </a:solidFill>
-                <a:latin typeface="DFKai-SB" panose="03000509000000000000" charset="-122"/>
-                <a:ea typeface="DFKai-SB" panose="03000509000000000000" charset="-122"/>
-              </a:rPr>
-              <a:t> 后查看明細資料</a:t>
-            </a:r>
-            <a:endParaRPr lang="zh-CN" altLang="en-US" sz="1700" b="0" dirty="0">
+                  <a:srgbClr val="FF0000"/>
+                </a:solidFill>
+                <a:latin typeface="DFKai-SB" panose="03000509000000000000" charset="-122"/>
+                <a:ea typeface="DFKai-SB" panose="03000509000000000000" charset="-122"/>
+              </a:rPr>
+              <a:t>范圍</a:t>
+            </a:r>
+            <a:r>
+              <a:rPr lang="en-US" altLang="zh-CN" sz="1700" b="0" dirty="0">
+                <a:solidFill>
+                  <a:srgbClr val="000066"/>
+                </a:solidFill>
+                <a:latin typeface="DFKai-SB" panose="03000509000000000000" charset="-122"/>
+                <a:ea typeface="DFKai-SB" panose="03000509000000000000" charset="-122"/>
+              </a:rPr>
+              <a:t>) </a:t>
+            </a:r>
+            <a:endParaRPr lang="en-US" altLang="zh-CN" sz="1700" b="0" dirty="0">
               <a:solidFill>
                 <a:srgbClr val="000066"/>
               </a:solidFill>
@@ -15766,7 +15735,7 @@
       </p:sp>
       <p:pic>
         <p:nvPicPr>
-          <p:cNvPr id="2" name="图片 1"/>
+          <p:cNvPr id="3" name="图片 2"/>
           <p:cNvPicPr>
             <a:picLocks noChangeAspect="1"/>
           </p:cNvPicPr>
@@ -15786,8 +15755,8 @@
         </p:blipFill>
         <p:spPr>
           <a:xfrm>
-            <a:off x="0" y="1395413"/>
-            <a:ext cx="9144000" cy="4180549"/>
+            <a:off x="19619" y="1700808"/>
+            <a:ext cx="9104762" cy="4771429"/>
           </a:xfrm>
           <a:prstGeom prst="rect">
             <a:avLst/>
@@ -16180,30 +16149,6 @@
           <a:chExt cx="0" cy="0"/>
         </a:xfrm>
       </p:grpSpPr>
-      <p:pic>
-        <p:nvPicPr>
-          <p:cNvPr id="2" name="图片 1" descr="1111"/>
-          <p:cNvPicPr>
-            <a:picLocks noChangeAspect="1"/>
-          </p:cNvPicPr>
-          <p:nvPr/>
-        </p:nvPicPr>
-        <p:blipFill>
-          <a:blip r:embed="rId1"/>
-          <a:stretch>
-            <a:fillRect/>
-          </a:stretch>
-        </p:blipFill>
-        <p:spPr>
-          <a:xfrm>
-            <a:off x="-1905" y="-8890"/>
-            <a:ext cx="9147810" cy="6875780"/>
-          </a:xfrm>
-          <a:prstGeom prst="rect">
-            <a:avLst/>
-          </a:prstGeom>
-        </p:spPr>
-      </p:pic>
       <p:sp>
         <p:nvSpPr>
           <p:cNvPr id="229378" name="標題 229377"/>
@@ -16229,7 +16174,7 @@
                 <a:ea typeface="+mn-ea"/>
                 <a:sym typeface="+mn-ea"/>
               </a:rPr>
-              <a:t>6.</a:t>
+              <a:t>5.</a:t>
             </a:r>
             <a:r>
               <a:rPr lang="zh-CN" altLang="zh-TW" strike="noStrike" noProof="1">
@@ -16240,7 +16185,7 @@
                 <a:ea typeface="+mn-ea"/>
                 <a:sym typeface="+mn-ea"/>
               </a:rPr>
-              <a:t>加班單異常處理</a:t>
+              <a:t>加班單審核</a:t>
             </a:r>
             <a:r>
               <a:rPr lang="en-US" altLang="zh-CN" strike="noStrike" noProof="1">
@@ -16285,141 +16230,16 @@
       </p:sp>
       <p:sp>
         <p:nvSpPr>
-          <p:cNvPr id="47106" name="文字版面配置區 203786"/>
+          <p:cNvPr id="46082" name="標題 238593"/>
           <p:cNvSpPr>
             <a:spLocks noGrp="1"/>
           </p:cNvSpPr>
-          <p:nvPr>
-            <p:ph idx="1"/>
-          </p:nvPr>
+          <p:nvPr/>
         </p:nvSpPr>
         <p:spPr>
           <a:xfrm>
-            <a:off x="457200" y="1041400"/>
-            <a:ext cx="8229600" cy="1490980"/>
-          </a:xfrm>
-        </p:spPr>
-        <p:txBody>
-          <a:bodyPr anchor="t"/>
-          <a:lstStyle/>
-          <a:p>
-            <a:r>
-              <a:rPr lang="zh-CN" altLang="en-US" sz="2000" b="1" dirty="0">
-                <a:latin typeface="DFKai-SB" panose="03000509000000000000" charset="-122"/>
-              </a:rPr>
-              <a:t>異常情況</a:t>
-            </a:r>
-            <a:endParaRPr lang="zh-CN" altLang="en-US" sz="2000" b="1" dirty="0">
-              <a:latin typeface="DFKai-SB" panose="03000509000000000000" charset="-122"/>
-            </a:endParaRPr>
-          </a:p>
-          <a:p>
-            <a:pPr lvl="1"/>
-            <a:r>
-              <a:rPr lang="en-US" altLang="zh-CN" sz="1800" dirty="0">
-                <a:solidFill>
-                  <a:srgbClr val="000066"/>
-                </a:solidFill>
-                <a:latin typeface="DFKai-SB" panose="03000509000000000000" pitchFamily="65" charset="-120"/>
-                <a:ea typeface="DFKai-SB" panose="03000509000000000000" pitchFamily="65" charset="-120"/>
-                <a:sym typeface="微软雅黑" panose="020B0503020204020204" charset="-122"/>
-              </a:rPr>
-              <a:t>(1)</a:t>
-            </a:r>
-            <a:r>
-              <a:rPr lang="zh-CN" altLang="en-US" sz="1800" dirty="0">
-                <a:solidFill>
-                  <a:srgbClr val="000066"/>
-                </a:solidFill>
-                <a:latin typeface="DFKai-SB" panose="03000509000000000000" pitchFamily="65" charset="-120"/>
-                <a:ea typeface="DFKai-SB" panose="03000509000000000000" pitchFamily="65" charset="-120"/>
-                <a:sym typeface="微软雅黑" panose="020B0503020204020204" charset="-122"/>
-              </a:rPr>
-              <a:t>忘卡異常</a:t>
-            </a:r>
-            <a:r>
-              <a:rPr lang="en-US" altLang="zh-CN" sz="1800" dirty="0">
-                <a:solidFill>
-                  <a:srgbClr val="000066"/>
-                </a:solidFill>
-                <a:latin typeface="DFKai-SB" panose="03000509000000000000" pitchFamily="65" charset="-120"/>
-                <a:ea typeface="DFKai-SB" panose="03000509000000000000" pitchFamily="65" charset="-120"/>
-                <a:sym typeface="微软雅黑" panose="020B0503020204020204" charset="-122"/>
-              </a:rPr>
-              <a:t>(</a:t>
-            </a:r>
-            <a:r>
-              <a:rPr lang="zh-CN" altLang="en-US" sz="1800" dirty="0">
-                <a:solidFill>
-                  <a:srgbClr val="000066"/>
-                </a:solidFill>
-                <a:latin typeface="DFKai-SB" panose="03000509000000000000" pitchFamily="65" charset="-120"/>
-                <a:ea typeface="DFKai-SB" panose="03000509000000000000" pitchFamily="65" charset="-120"/>
-                <a:sym typeface="微软雅黑" panose="020B0503020204020204" charset="-122"/>
-              </a:rPr>
-              <a:t>員工刷卡上班刷卡或下班刷卡沒刷</a:t>
-            </a:r>
-            <a:r>
-              <a:rPr lang="en-US" altLang="zh-CN" sz="1800" dirty="0">
-                <a:solidFill>
-                  <a:srgbClr val="000066"/>
-                </a:solidFill>
-                <a:latin typeface="DFKai-SB" panose="03000509000000000000" pitchFamily="65" charset="-120"/>
-                <a:ea typeface="DFKai-SB" panose="03000509000000000000" pitchFamily="65" charset="-120"/>
-                <a:sym typeface="微软雅黑" panose="020B0503020204020204" charset="-122"/>
-              </a:rPr>
-              <a:t>)</a:t>
-            </a:r>
-            <a:endParaRPr lang="en-US" altLang="zh-CN" sz="1800" dirty="0">
-              <a:solidFill>
-                <a:srgbClr val="000066"/>
-              </a:solidFill>
-              <a:latin typeface="DFKai-SB" panose="03000509000000000000" pitchFamily="65" charset="-120"/>
-              <a:ea typeface="DFKai-SB" panose="03000509000000000000" pitchFamily="65" charset="-120"/>
-              <a:sym typeface="微软雅黑" panose="020B0503020204020204" charset="-122"/>
-            </a:endParaRPr>
-          </a:p>
-          <a:p>
-            <a:pPr lvl="1"/>
-            <a:endParaRPr lang="en-US" altLang="zh-CN" sz="1800" b="1" dirty="0">
-              <a:solidFill>
-                <a:srgbClr val="000066"/>
-              </a:solidFill>
-              <a:latin typeface="DFKai-SB" panose="03000509000000000000" pitchFamily="65" charset="-120"/>
-              <a:ea typeface="DFKai-SB" panose="03000509000000000000" pitchFamily="65" charset="-120"/>
-              <a:sym typeface="微软雅黑" panose="020B0503020204020204" charset="-122"/>
-            </a:endParaRPr>
-          </a:p>
-          <a:p>
-            <a:pPr lvl="1"/>
-            <a:endParaRPr lang="en-US" altLang="zh-CN" sz="2000" b="1" dirty="0">
-              <a:solidFill>
-                <a:srgbClr val="000066"/>
-              </a:solidFill>
-              <a:latin typeface="DFKai-SB" panose="03000509000000000000" charset="-122"/>
-              <a:sym typeface="微软雅黑" panose="020B0503020204020204" charset="-122"/>
-            </a:endParaRPr>
-          </a:p>
-        </p:txBody>
-      </p:sp>
-      <p:pic>
-        <p:nvPicPr>
-          <p:cNvPr id="4" name="内容占位符 3"/>
-          <p:cNvPicPr>
-            <a:picLocks noChangeAspect="1"/>
-          </p:cNvPicPr>
-          <p:nvPr/>
-        </p:nvPicPr>
-        <p:blipFill>
-          <a:blip r:embed="rId2"/>
-          <a:stretch>
-            <a:fillRect/>
-          </a:stretch>
-        </p:blipFill>
-        <p:spPr>
-          <a:xfrm>
-            <a:off x="457200" y="2461895"/>
-            <a:ext cx="8229600" cy="3736340"/>
+            <a:off x="512763" y="892175"/>
+            <a:ext cx="8229600" cy="503238"/>
           </a:xfrm>
           <a:prstGeom prst="rect">
             <a:avLst/>
@@ -16428,6 +16248,103 @@
           <a:ln w="9525">
             <a:noFill/>
           </a:ln>
+        </p:spPr>
+        <p:txBody>
+          <a:bodyPr anchor="ctr"/>
+          <a:lstStyle/>
+          <a:p>
+            <a:pPr lvl="0" indent="0">
+              <a:buClrTx/>
+            </a:pPr>
+            <a:r>
+              <a:rPr lang="zh-CN" altLang="en-US" sz="1700" b="0" dirty="0">
+                <a:solidFill>
+                  <a:srgbClr val="000066"/>
+                </a:solidFill>
+                <a:latin typeface="DFKai-SB" panose="03000509000000000000" charset="-122"/>
+                <a:ea typeface="DFKai-SB" panose="03000509000000000000" charset="-122"/>
+              </a:rPr>
+              <a:t>已審核查詢 </a:t>
+            </a:r>
+            <a:r>
+              <a:rPr lang="en-US" altLang="zh-CN" sz="1700" b="0" dirty="0">
+                <a:solidFill>
+                  <a:srgbClr val="000066"/>
+                </a:solidFill>
+                <a:latin typeface="DFKai-SB" panose="03000509000000000000" charset="-122"/>
+                <a:ea typeface="DFKai-SB" panose="03000509000000000000" charset="-122"/>
+              </a:rPr>
+              <a:t>-&gt; </a:t>
+            </a:r>
+            <a:r>
+              <a:rPr lang="zh-CN" altLang="zh-CN" sz="1700" b="0" dirty="0">
+                <a:solidFill>
+                  <a:srgbClr val="000066"/>
+                </a:solidFill>
+                <a:latin typeface="DFKai-SB" panose="03000509000000000000" charset="-122"/>
+                <a:ea typeface="DFKai-SB" panose="03000509000000000000" charset="-122"/>
+              </a:rPr>
+              <a:t>點 </a:t>
+            </a:r>
+            <a:r>
+              <a:rPr lang="zh-CN" altLang="en-US" sz="1700" dirty="0">
+                <a:solidFill>
+                  <a:srgbClr val="000066"/>
+                </a:solidFill>
+                <a:latin typeface="DFKai-SB" panose="03000509000000000000" charset="-122"/>
+                <a:ea typeface="DFKai-SB" panose="03000509000000000000" charset="-122"/>
+              </a:rPr>
+              <a:t>詳情按鈕</a:t>
+            </a:r>
+            <a:r>
+              <a:rPr lang="zh-CN" altLang="en-US" sz="1700" b="0" dirty="0">
+                <a:solidFill>
+                  <a:srgbClr val="000066"/>
+                </a:solidFill>
+                <a:latin typeface="DFKai-SB" panose="03000509000000000000" charset="-122"/>
+                <a:ea typeface="DFKai-SB" panose="03000509000000000000" charset="-122"/>
+              </a:rPr>
+              <a:t> 后查看明細資料</a:t>
+            </a:r>
+            <a:endParaRPr lang="zh-CN" altLang="en-US" sz="1700" b="0" dirty="0">
+              <a:solidFill>
+                <a:srgbClr val="000066"/>
+              </a:solidFill>
+              <a:latin typeface="DFKai-SB" panose="03000509000000000000" charset="-122"/>
+              <a:ea typeface="DFKai-SB" panose="03000509000000000000" charset="-122"/>
+              <a:sym typeface="宋体" panose="02010600030101010101" pitchFamily="2" charset="-122"/>
+            </a:endParaRPr>
+          </a:p>
+        </p:txBody>
+      </p:sp>
+      <p:pic>
+        <p:nvPicPr>
+          <p:cNvPr id="2" name="图片 1"/>
+          <p:cNvPicPr>
+            <a:picLocks noChangeAspect="1"/>
+          </p:cNvPicPr>
+          <p:nvPr/>
+        </p:nvPicPr>
+        <p:blipFill>
+          <a:blip r:embed="rId1">
+            <a:extLst>
+              <a:ext uri="{28A0092B-C50C-407E-A947-70E740481C1C}">
+                <a14:useLocalDpi xmlns:a14="http://schemas.microsoft.com/office/drawing/2010/main" val="0"/>
+              </a:ext>
+            </a:extLst>
+          </a:blip>
+          <a:stretch>
+            <a:fillRect/>
+          </a:stretch>
+        </p:blipFill>
+        <p:spPr>
+          <a:xfrm>
+            <a:off x="0" y="1395413"/>
+            <a:ext cx="9144000" cy="4180549"/>
+          </a:xfrm>
+          <a:prstGeom prst="rect">
+            <a:avLst/>
+          </a:prstGeom>
         </p:spPr>
       </p:pic>
     </p:spTree>
@@ -16599,7 +16516,7 @@
                 <a:ea typeface="DFKai-SB" panose="03000509000000000000" pitchFamily="65" charset="-120"/>
                 <a:sym typeface="微软雅黑" panose="020B0503020204020204" charset="-122"/>
               </a:rPr>
-              <a:t>(2)</a:t>
+              <a:t>(1)</a:t>
             </a:r>
             <a:r>
               <a:rPr lang="zh-CN" altLang="en-US" sz="1800" dirty="0">
@@ -16610,7 +16527,7 @@
                 <a:ea typeface="DFKai-SB" panose="03000509000000000000" pitchFamily="65" charset="-120"/>
                 <a:sym typeface="微软雅黑" panose="020B0503020204020204" charset="-122"/>
               </a:rPr>
-              <a:t>超時異常</a:t>
+              <a:t>忘卡異常</a:t>
             </a:r>
             <a:r>
               <a:rPr lang="en-US" altLang="zh-CN" sz="1800" dirty="0">
@@ -16632,7 +16549,7 @@
                 <a:ea typeface="DFKai-SB" panose="03000509000000000000" pitchFamily="65" charset="-120"/>
                 <a:sym typeface="微软雅黑" panose="020B0503020204020204" charset="-122"/>
               </a:rPr>
-              <a:t>員工正常加班時長超過兩小時</a:t>
+              <a:t>員工刷卡上班刷卡或下班刷卡沒刷</a:t>
             </a:r>
             <a:r>
               <a:rPr lang="en-US" altLang="zh-CN" sz="1800" dirty="0">
@@ -16679,7 +16596,7 @@
       </p:sp>
       <p:pic>
         <p:nvPicPr>
-          <p:cNvPr id="5" name="图片 4"/>
+          <p:cNvPr id="4" name="内容占位符 3"/>
           <p:cNvPicPr>
             <a:picLocks noChangeAspect="1"/>
           </p:cNvPicPr>
@@ -16693,12 +16610,16 @@
         </p:blipFill>
         <p:spPr>
           <a:xfrm>
-            <a:off x="629285" y="2129155"/>
-            <a:ext cx="8178800" cy="3718560"/>
+            <a:off x="457200" y="2461895"/>
+            <a:ext cx="8229600" cy="3736340"/>
           </a:xfrm>
           <a:prstGeom prst="rect">
             <a:avLst/>
           </a:prstGeom>
+          <a:noFill/>
+          <a:ln w="9525">
+            <a:noFill/>
+          </a:ln>
         </p:spPr>
       </p:pic>
     </p:spTree>
@@ -16903,6 +16824,277 @@
                 <a:ea typeface="DFKai-SB" panose="03000509000000000000" pitchFamily="65" charset="-120"/>
                 <a:sym typeface="微软雅黑" panose="020B0503020204020204" charset="-122"/>
               </a:rPr>
+              <a:t>員工正常加班時長超過兩小時</a:t>
+            </a:r>
+            <a:r>
+              <a:rPr lang="en-US" altLang="zh-CN" sz="1800" dirty="0">
+                <a:solidFill>
+                  <a:srgbClr val="000066"/>
+                </a:solidFill>
+                <a:latin typeface="DFKai-SB" panose="03000509000000000000" pitchFamily="65" charset="-120"/>
+                <a:ea typeface="DFKai-SB" panose="03000509000000000000" pitchFamily="65" charset="-120"/>
+                <a:sym typeface="微软雅黑" panose="020B0503020204020204" charset="-122"/>
+              </a:rPr>
+              <a:t>)</a:t>
+            </a:r>
+            <a:endParaRPr lang="en-US" altLang="zh-CN" sz="1800" dirty="0">
+              <a:solidFill>
+                <a:srgbClr val="000066"/>
+              </a:solidFill>
+              <a:latin typeface="DFKai-SB" panose="03000509000000000000" pitchFamily="65" charset="-120"/>
+              <a:ea typeface="DFKai-SB" panose="03000509000000000000" pitchFamily="65" charset="-120"/>
+              <a:sym typeface="微软雅黑" panose="020B0503020204020204" charset="-122"/>
+            </a:endParaRPr>
+          </a:p>
+          <a:p>
+            <a:pPr lvl="1"/>
+            <a:endParaRPr lang="en-US" altLang="zh-CN" sz="1800" b="1" dirty="0">
+              <a:solidFill>
+                <a:srgbClr val="000066"/>
+              </a:solidFill>
+              <a:latin typeface="DFKai-SB" panose="03000509000000000000" pitchFamily="65" charset="-120"/>
+              <a:ea typeface="DFKai-SB" panose="03000509000000000000" pitchFamily="65" charset="-120"/>
+              <a:sym typeface="微软雅黑" panose="020B0503020204020204" charset="-122"/>
+            </a:endParaRPr>
+          </a:p>
+          <a:p>
+            <a:pPr lvl="1"/>
+            <a:endParaRPr lang="en-US" altLang="zh-CN" sz="2000" b="1" dirty="0">
+              <a:solidFill>
+                <a:srgbClr val="000066"/>
+              </a:solidFill>
+              <a:latin typeface="DFKai-SB" panose="03000509000000000000" charset="-122"/>
+              <a:sym typeface="微软雅黑" panose="020B0503020204020204" charset="-122"/>
+            </a:endParaRPr>
+          </a:p>
+        </p:txBody>
+      </p:sp>
+      <p:pic>
+        <p:nvPicPr>
+          <p:cNvPr id="5" name="图片 4"/>
+          <p:cNvPicPr>
+            <a:picLocks noChangeAspect="1"/>
+          </p:cNvPicPr>
+          <p:nvPr/>
+        </p:nvPicPr>
+        <p:blipFill>
+          <a:blip r:embed="rId2"/>
+          <a:stretch>
+            <a:fillRect/>
+          </a:stretch>
+        </p:blipFill>
+        <p:spPr>
+          <a:xfrm>
+            <a:off x="629285" y="2129155"/>
+            <a:ext cx="8178800" cy="3718560"/>
+          </a:xfrm>
+          <a:prstGeom prst="rect">
+            <a:avLst/>
+          </a:prstGeom>
+        </p:spPr>
+      </p:pic>
+    </p:spTree>
+  </p:cSld>
+  <p:clrMapOvr>
+    <a:masterClrMapping/>
+  </p:clrMapOvr>
+</p:sld>
+</file>
+
+<file path=ppt/slides/slide53.xml><?xml version="1.0" encoding="utf-8"?>
+<p:sld xmlns:a="http://schemas.openxmlformats.org/drawingml/2006/main" xmlns:r="http://schemas.openxmlformats.org/officeDocument/2006/relationships" xmlns:p="http://schemas.openxmlformats.org/presentationml/2006/main">
+  <p:cSld>
+    <p:spTree>
+      <p:nvGrpSpPr>
+        <p:cNvPr id="1" name=""/>
+        <p:cNvGrpSpPr/>
+        <p:nvPr/>
+      </p:nvGrpSpPr>
+      <p:grpSpPr>
+        <a:xfrm>
+          <a:off x="0" y="0"/>
+          <a:ext cx="0" cy="0"/>
+          <a:chOff x="0" y="0"/>
+          <a:chExt cx="0" cy="0"/>
+        </a:xfrm>
+      </p:grpSpPr>
+      <p:pic>
+        <p:nvPicPr>
+          <p:cNvPr id="2" name="图片 1" descr="1111"/>
+          <p:cNvPicPr>
+            <a:picLocks noChangeAspect="1"/>
+          </p:cNvPicPr>
+          <p:nvPr/>
+        </p:nvPicPr>
+        <p:blipFill>
+          <a:blip r:embed="rId1"/>
+          <a:stretch>
+            <a:fillRect/>
+          </a:stretch>
+        </p:blipFill>
+        <p:spPr>
+          <a:xfrm>
+            <a:off x="-1905" y="-8890"/>
+            <a:ext cx="9147810" cy="6875780"/>
+          </a:xfrm>
+          <a:prstGeom prst="rect">
+            <a:avLst/>
+          </a:prstGeom>
+        </p:spPr>
+      </p:pic>
+      <p:sp>
+        <p:nvSpPr>
+          <p:cNvPr id="229378" name="標題 229377"/>
+          <p:cNvSpPr>
+            <a:spLocks noGrp="1"/>
+          </p:cNvSpPr>
+          <p:nvPr>
+            <p:ph type="title"/>
+          </p:nvPr>
+        </p:nvSpPr>
+        <p:spPr/>
+        <p:txBody>
+          <a:bodyPr anchor="ctr"/>
+          <a:lstStyle/>
+          <a:p>
+            <a:pPr fontAlgn="base"/>
+            <a:r>
+              <a:rPr lang="en-US" altLang="zh-TW" strike="noStrike" noProof="1">
+                <a:solidFill>
+                  <a:srgbClr val="0000CC"/>
+                </a:solidFill>
+                <a:latin typeface="+mn-ea"/>
+                <a:ea typeface="+mn-ea"/>
+                <a:sym typeface="+mn-ea"/>
+              </a:rPr>
+              <a:t>6.</a:t>
+            </a:r>
+            <a:r>
+              <a:rPr lang="zh-CN" altLang="zh-TW" strike="noStrike" noProof="1">
+                <a:solidFill>
+                  <a:srgbClr val="0000CC"/>
+                </a:solidFill>
+                <a:latin typeface="+mn-ea"/>
+                <a:ea typeface="+mn-ea"/>
+                <a:sym typeface="+mn-ea"/>
+              </a:rPr>
+              <a:t>加班單異常處理</a:t>
+            </a:r>
+            <a:r>
+              <a:rPr lang="en-US" altLang="zh-CN" strike="noStrike" noProof="1">
+                <a:solidFill>
+                  <a:srgbClr val="0000CC"/>
+                </a:solidFill>
+                <a:latin typeface="+mn-ea"/>
+                <a:ea typeface="+mn-ea"/>
+                <a:sym typeface="+mn-ea"/>
+              </a:rPr>
+              <a:t>(</a:t>
+            </a:r>
+            <a:r>
+              <a:rPr lang="zh-CN" altLang="zh-CN" strike="noStrike" noProof="1">
+                <a:solidFill>
+                  <a:srgbClr val="0000CC"/>
+                </a:solidFill>
+                <a:latin typeface="+mn-ea"/>
+                <a:ea typeface="+mn-ea"/>
+                <a:sym typeface="+mn-ea"/>
+              </a:rPr>
+              <a:t>加班提報</a:t>
+            </a:r>
+            <a:r>
+              <a:rPr lang="en-US" altLang="zh-CN" strike="noStrike" noProof="1">
+                <a:solidFill>
+                  <a:srgbClr val="0000CC"/>
+                </a:solidFill>
+                <a:latin typeface="+mn-ea"/>
+                <a:ea typeface="+mn-ea"/>
+                <a:sym typeface="+mn-ea"/>
+              </a:rPr>
+              <a:t>)</a:t>
+            </a:r>
+            <a:endParaRPr lang="zh-TW" altLang="en-US" strike="noStrike" noProof="1">
+              <a:solidFill>
+                <a:srgbClr val="0000CC"/>
+              </a:solidFill>
+            </a:endParaRPr>
+          </a:p>
+        </p:txBody>
+      </p:sp>
+      <p:sp>
+        <p:nvSpPr>
+          <p:cNvPr id="47106" name="文字版面配置區 203786"/>
+          <p:cNvSpPr>
+            <a:spLocks noGrp="1"/>
+          </p:cNvSpPr>
+          <p:nvPr>
+            <p:ph idx="1"/>
+          </p:nvPr>
+        </p:nvSpPr>
+        <p:spPr>
+          <a:xfrm>
+            <a:off x="457200" y="1041400"/>
+            <a:ext cx="8229600" cy="1490980"/>
+          </a:xfrm>
+        </p:spPr>
+        <p:txBody>
+          <a:bodyPr anchor="t"/>
+          <a:lstStyle/>
+          <a:p>
+            <a:r>
+              <a:rPr lang="zh-CN" altLang="en-US" sz="2000" b="1" dirty="0">
+                <a:latin typeface="DFKai-SB" panose="03000509000000000000" charset="-122"/>
+              </a:rPr>
+              <a:t>異常情況</a:t>
+            </a:r>
+            <a:endParaRPr lang="zh-CN" altLang="en-US" sz="2000" b="1" dirty="0">
+              <a:latin typeface="DFKai-SB" panose="03000509000000000000" charset="-122"/>
+            </a:endParaRPr>
+          </a:p>
+          <a:p>
+            <a:pPr lvl="1"/>
+            <a:r>
+              <a:rPr lang="en-US" altLang="zh-CN" sz="1800" dirty="0">
+                <a:solidFill>
+                  <a:srgbClr val="000066"/>
+                </a:solidFill>
+                <a:latin typeface="DFKai-SB" panose="03000509000000000000" pitchFamily="65" charset="-120"/>
+                <a:ea typeface="DFKai-SB" panose="03000509000000000000" pitchFamily="65" charset="-120"/>
+                <a:sym typeface="微软雅黑" panose="020B0503020204020204" charset="-122"/>
+              </a:rPr>
+              <a:t>(2)</a:t>
+            </a:r>
+            <a:r>
+              <a:rPr lang="zh-CN" altLang="en-US" sz="1800" dirty="0">
+                <a:solidFill>
+                  <a:srgbClr val="000066"/>
+                </a:solidFill>
+                <a:latin typeface="DFKai-SB" panose="03000509000000000000" pitchFamily="65" charset="-120"/>
+                <a:ea typeface="DFKai-SB" panose="03000509000000000000" pitchFamily="65" charset="-120"/>
+                <a:sym typeface="微软雅黑" panose="020B0503020204020204" charset="-122"/>
+              </a:rPr>
+              <a:t>超時異常</a:t>
+            </a:r>
+            <a:r>
+              <a:rPr lang="en-US" altLang="zh-CN" sz="1800" dirty="0">
+                <a:solidFill>
+                  <a:srgbClr val="000066"/>
+                </a:solidFill>
+                <a:latin typeface="DFKai-SB" panose="03000509000000000000" pitchFamily="65" charset="-120"/>
+                <a:ea typeface="DFKai-SB" panose="03000509000000000000" pitchFamily="65" charset="-120"/>
+                <a:sym typeface="微软雅黑" panose="020B0503020204020204" charset="-122"/>
+              </a:rPr>
+              <a:t>(</a:t>
+            </a:r>
+            <a:r>
+              <a:rPr lang="zh-CN" altLang="en-US" sz="1800" dirty="0">
+                <a:solidFill>
+                  <a:srgbClr val="000066"/>
+                </a:solidFill>
+                <a:latin typeface="DFKai-SB" panose="03000509000000000000" pitchFamily="65" charset="-120"/>
+                <a:ea typeface="DFKai-SB" panose="03000509000000000000" pitchFamily="65" charset="-120"/>
+                <a:sym typeface="微软雅黑" panose="020B0503020204020204" charset="-122"/>
+              </a:rPr>
               <a:t>假日加班超過十小時</a:t>
             </a:r>
             <a:r>
@@ -16980,7 +17172,7 @@
 </p:sld>
 </file>
 
-<file path=ppt/slides/slide53.xml><?xml version="1.0" encoding="utf-8"?>
+<file path=ppt/slides/slide54.xml><?xml version="1.0" encoding="utf-8"?>
 <p:sld xmlns:a="http://schemas.openxmlformats.org/drawingml/2006/main" xmlns:r="http://schemas.openxmlformats.org/officeDocument/2006/relationships" xmlns:p="http://schemas.openxmlformats.org/presentationml/2006/main">
   <p:cSld>
     <p:spTree>
@@ -17317,7 +17509,7 @@
 </p:sld>
 </file>
 
-<file path=ppt/slides/slide54.xml><?xml version="1.0" encoding="utf-8"?>
+<file path=ppt/slides/slide55.xml><?xml version="1.0" encoding="utf-8"?>
 <p:sld xmlns:a="http://schemas.openxmlformats.org/drawingml/2006/main" xmlns:r="http://schemas.openxmlformats.org/officeDocument/2006/relationships" xmlns:p="http://schemas.openxmlformats.org/presentationml/2006/main">
   <p:cSld>
     <p:spTree>
@@ -17666,7 +17858,7 @@
 </p:sld>
 </file>
 
-<file path=ppt/slides/slide55.xml><?xml version="1.0" encoding="utf-8"?>
+<file path=ppt/slides/slide56.xml><?xml version="1.0" encoding="utf-8"?>
 <p:sld xmlns:a="http://schemas.openxmlformats.org/drawingml/2006/main" xmlns:r="http://schemas.openxmlformats.org/officeDocument/2006/relationships" xmlns:p="http://schemas.openxmlformats.org/presentationml/2006/main">
   <p:cSld>
     <p:spTree>
@@ -18018,7 +18210,7 @@
 </p:sld>
 </file>
 
-<file path=ppt/slides/slide56.xml><?xml version="1.0" encoding="utf-8"?>
+<file path=ppt/slides/slide57.xml><?xml version="1.0" encoding="utf-8"?>
 <p:sld xmlns:a="http://schemas.openxmlformats.org/drawingml/2006/main" xmlns:r="http://schemas.openxmlformats.org/officeDocument/2006/relationships" xmlns:p="http://schemas.openxmlformats.org/presentationml/2006/main">
   <p:cSld>
     <p:spTree>
@@ -18146,7 +18338,7 @@
 </p:sld>
 </file>
 
-<file path=ppt/slides/slide57.xml><?xml version="1.0" encoding="utf-8"?>
+<file path=ppt/slides/slide58.xml><?xml version="1.0" encoding="utf-8"?>
 <p:sld xmlns:a="http://schemas.openxmlformats.org/drawingml/2006/main" xmlns:r="http://schemas.openxmlformats.org/officeDocument/2006/relationships" xmlns:p="http://schemas.openxmlformats.org/presentationml/2006/main">
   <p:cSld>
     <p:spTree>
@@ -18274,7 +18466,7 @@
 </p:sld>
 </file>
 
-<file path=ppt/slides/slide58.xml><?xml version="1.0" encoding="utf-8"?>
+<file path=ppt/slides/slide59.xml><?xml version="1.0" encoding="utf-8"?>
 <p:sld xmlns:a="http://schemas.openxmlformats.org/drawingml/2006/main" xmlns:r="http://schemas.openxmlformats.org/officeDocument/2006/relationships" xmlns:p="http://schemas.openxmlformats.org/presentationml/2006/main">
   <p:cSld>
     <p:spTree>
@@ -18621,7 +18813,358 @@
 </p:sld>
 </file>
 
-<file path=ppt/slides/slide59.xml><?xml version="1.0" encoding="utf-8"?>
+<file path=ppt/slides/slide6.xml><?xml version="1.0" encoding="utf-8"?>
+<p:sld xmlns:a="http://schemas.openxmlformats.org/drawingml/2006/main" xmlns:r="http://schemas.openxmlformats.org/officeDocument/2006/relationships" xmlns:p="http://schemas.openxmlformats.org/presentationml/2006/main">
+  <p:cSld>
+    <p:spTree>
+      <p:nvGrpSpPr>
+        <p:cNvPr id="1" name=""/>
+        <p:cNvGrpSpPr/>
+        <p:nvPr/>
+      </p:nvGrpSpPr>
+      <p:grpSpPr>
+        <a:xfrm>
+          <a:off x="0" y="0"/>
+          <a:ext cx="0" cy="0"/>
+          <a:chOff x="0" y="0"/>
+          <a:chExt cx="0" cy="0"/>
+        </a:xfrm>
+      </p:grpSpPr>
+      <p:pic>
+        <p:nvPicPr>
+          <p:cNvPr id="3" name="图片 2" descr="1111"/>
+          <p:cNvPicPr>
+            <a:picLocks noChangeAspect="1"/>
+          </p:cNvPicPr>
+          <p:nvPr/>
+        </p:nvPicPr>
+        <p:blipFill>
+          <a:blip r:embed="rId1"/>
+          <a:stretch>
+            <a:fillRect/>
+          </a:stretch>
+        </p:blipFill>
+        <p:spPr>
+          <a:xfrm>
+            <a:off x="-59690" y="-57150"/>
+            <a:ext cx="9201150" cy="6918325"/>
+          </a:xfrm>
+          <a:prstGeom prst="rect">
+            <a:avLst/>
+          </a:prstGeom>
+        </p:spPr>
+      </p:pic>
+      <p:sp>
+        <p:nvSpPr>
+          <p:cNvPr id="238594" name="標題 238593"/>
+          <p:cNvSpPr>
+            <a:spLocks noGrp="1"/>
+          </p:cNvSpPr>
+          <p:nvPr>
+            <p:ph type="title"/>
+          </p:nvPr>
+        </p:nvSpPr>
+        <p:spPr/>
+        <p:txBody>
+          <a:bodyPr anchor="ctr"/>
+          <a:lstStyle/>
+          <a:p>
+            <a:pPr fontAlgn="base"/>
+            <a:r>
+              <a:rPr lang="en-US" altLang="zh-TW" strike="noStrike" noProof="1">
+                <a:solidFill>
+                  <a:srgbClr val="0000CC"/>
+                </a:solidFill>
+              </a:rPr>
+              <a:t>3. </a:t>
+            </a:r>
+            <a:r>
+              <a:rPr lang="zh-CN" altLang="zh-TW" strike="noStrike" noProof="1">
+                <a:solidFill>
+                  <a:srgbClr val="0000CC"/>
+                </a:solidFill>
+                <a:latin typeface="+mn-ea"/>
+                <a:ea typeface="+mn-ea"/>
+              </a:rPr>
+              <a:t>刷卡模式設定</a:t>
+            </a:r>
+            <a:endParaRPr lang="zh-CN" altLang="zh-TW" strike="noStrike" noProof="1">
+              <a:solidFill>
+                <a:srgbClr val="0000CC"/>
+              </a:solidFill>
+              <a:latin typeface="+mn-ea"/>
+              <a:ea typeface="+mn-ea"/>
+            </a:endParaRPr>
+          </a:p>
+        </p:txBody>
+      </p:sp>
+      <p:sp>
+        <p:nvSpPr>
+          <p:cNvPr id="10242" name="標題 238593"/>
+          <p:cNvSpPr>
+            <a:spLocks noGrp="1"/>
+          </p:cNvSpPr>
+          <p:nvPr/>
+        </p:nvSpPr>
+        <p:spPr>
+          <a:xfrm>
+            <a:off x="441325" y="892175"/>
+            <a:ext cx="8229600" cy="523875"/>
+          </a:xfrm>
+          <a:prstGeom prst="rect">
+            <a:avLst/>
+          </a:prstGeom>
+          <a:noFill/>
+          <a:ln w="9525">
+            <a:noFill/>
+          </a:ln>
+        </p:spPr>
+        <p:txBody>
+          <a:bodyPr anchor="ctr"/>
+          <a:lstStyle/>
+          <a:p>
+            <a:pPr lvl="0" indent="0">
+              <a:buClrTx/>
+            </a:pPr>
+            <a:r>
+              <a:rPr lang="zh-CN" altLang="zh-CN" b="0" dirty="0">
+                <a:solidFill>
+                  <a:srgbClr val="000066"/>
+                </a:solidFill>
+                <a:latin typeface="DFKai-SB" panose="03000509000000000000" charset="-122"/>
+                <a:ea typeface="DFKai-SB" panose="03000509000000000000" charset="-122"/>
+                <a:sym typeface="宋体" panose="02010600030101010101" pitchFamily="2" charset="-122"/>
+              </a:rPr>
+              <a:t>車間門口電腦： 桌面 </a:t>
+            </a:r>
+            <a:r>
+              <a:rPr lang="en-US" altLang="zh-CN" b="0" dirty="0">
+                <a:solidFill>
+                  <a:srgbClr val="000066"/>
+                </a:solidFill>
+                <a:latin typeface="DFKai-SB" panose="03000509000000000000" charset="-122"/>
+                <a:ea typeface="DFKai-SB" panose="03000509000000000000" charset="-122"/>
+                <a:sym typeface="宋体" panose="02010600030101010101" pitchFamily="2" charset="-122"/>
+              </a:rPr>
+              <a:t>-&gt; </a:t>
+            </a:r>
+            <a:r>
+              <a:rPr lang="zh-CN" altLang="zh-CN" b="0" dirty="0">
+                <a:solidFill>
+                  <a:srgbClr val="000066"/>
+                </a:solidFill>
+                <a:latin typeface="DFKai-SB" panose="03000509000000000000" charset="-122"/>
+                <a:ea typeface="DFKai-SB" panose="03000509000000000000" charset="-122"/>
+                <a:sym typeface="宋体" panose="02010600030101010101" pitchFamily="2" charset="-122"/>
+              </a:rPr>
+              <a:t>鼠標雙擊</a:t>
+            </a:r>
+            <a:r>
+              <a:rPr lang="en-US" altLang="zh-CN" dirty="0">
+                <a:solidFill>
+                  <a:srgbClr val="FF0000"/>
+                </a:solidFill>
+                <a:latin typeface="DFKai-SB" panose="03000509000000000000" charset="-122"/>
+                <a:ea typeface="DFKai-SB" panose="03000509000000000000" charset="-122"/>
+                <a:sym typeface="宋体" panose="02010600030101010101" pitchFamily="2" charset="-122"/>
+              </a:rPr>
+              <a:t>SYSTEM</a:t>
+            </a:r>
+            <a:r>
+              <a:rPr lang="zh-CN" altLang="zh-CN" b="0" dirty="0">
+                <a:solidFill>
+                  <a:srgbClr val="000066"/>
+                </a:solidFill>
+                <a:latin typeface="DFKai-SB" panose="03000509000000000000" charset="-122"/>
+                <a:ea typeface="DFKai-SB" panose="03000509000000000000" charset="-122"/>
+                <a:sym typeface="宋体" panose="02010600030101010101" pitchFamily="2" charset="-122"/>
+              </a:rPr>
+              <a:t>圖標 </a:t>
+            </a:r>
+            <a:r>
+              <a:rPr lang="en-US" altLang="zh-CN" b="0" dirty="0">
+                <a:solidFill>
+                  <a:srgbClr val="000066"/>
+                </a:solidFill>
+                <a:latin typeface="DFKai-SB" panose="03000509000000000000" charset="-122"/>
+                <a:ea typeface="DFKai-SB" panose="03000509000000000000" charset="-122"/>
+                <a:sym typeface="宋体" panose="02010600030101010101" pitchFamily="2" charset="-122"/>
+              </a:rPr>
+              <a:t>-&gt; </a:t>
+            </a:r>
+            <a:r>
+              <a:rPr lang="zh-CN" altLang="en-US" b="0" dirty="0">
+                <a:solidFill>
+                  <a:srgbClr val="000066"/>
+                </a:solidFill>
+                <a:latin typeface="DFKai-SB" panose="03000509000000000000" charset="-122"/>
+                <a:ea typeface="DFKai-SB" panose="03000509000000000000" charset="-122"/>
+                <a:sym typeface="宋体" panose="02010600030101010101" pitchFamily="2" charset="-122"/>
+              </a:rPr>
+              <a:t>啟用程式</a:t>
+            </a:r>
+            <a:endParaRPr lang="en-US" altLang="zh-CN" b="0" dirty="0">
+              <a:solidFill>
+                <a:srgbClr val="000066"/>
+              </a:solidFill>
+              <a:latin typeface="DFKai-SB" panose="03000509000000000000" charset="-122"/>
+              <a:ea typeface="DFKai-SB" panose="03000509000000000000" charset="-122"/>
+              <a:sym typeface="宋体" panose="02010600030101010101" pitchFamily="2" charset="-122"/>
+            </a:endParaRPr>
+          </a:p>
+        </p:txBody>
+      </p:sp>
+      <p:sp>
+        <p:nvSpPr>
+          <p:cNvPr id="10245" name="矩形圖說文字 226308"/>
+          <p:cNvSpPr/>
+          <p:nvPr/>
+        </p:nvSpPr>
+        <p:spPr>
+          <a:xfrm>
+            <a:off x="5414963" y="115888"/>
+            <a:ext cx="3028950" cy="649287"/>
+          </a:xfrm>
+          <a:prstGeom prst="wedgeRectCallout">
+            <a:avLst>
+              <a:gd name="adj1" fmla="val -20037"/>
+              <a:gd name="adj2" fmla="val -45116"/>
+            </a:avLst>
+          </a:prstGeom>
+          <a:gradFill rotWithShape="1">
+            <a:gsLst>
+              <a:gs pos="0">
+                <a:srgbClr val="FCFDFE">
+                  <a:alpha val="100000"/>
+                </a:srgbClr>
+              </a:gs>
+              <a:gs pos="74001">
+                <a:srgbClr val="E0F1F2">
+                  <a:alpha val="100000"/>
+                </a:srgbClr>
+              </a:gs>
+              <a:gs pos="83000">
+                <a:srgbClr val="E0F1F2">
+                  <a:alpha val="100000"/>
+                </a:srgbClr>
+              </a:gs>
+              <a:gs pos="100000">
+                <a:srgbClr val="EBF6F7">
+                  <a:alpha val="100000"/>
+                </a:srgbClr>
+              </a:gs>
+            </a:gsLst>
+            <a:lin ang="5400000"/>
+            <a:tileRect/>
+          </a:gradFill>
+          <a:ln w="6350" cap="flat" cmpd="sng">
+            <a:solidFill>
+              <a:srgbClr val="800080"/>
+            </a:solidFill>
+            <a:prstDash val="solid"/>
+            <a:miter/>
+            <a:headEnd type="none" w="med" len="med"/>
+            <a:tailEnd type="none" w="med" len="med"/>
+          </a:ln>
+        </p:spPr>
+        <p:txBody>
+          <a:bodyPr anchor="t"/>
+          <a:lstStyle/>
+          <a:p>
+            <a:pPr lvl="0" indent="0"/>
+            <a:r>
+              <a:rPr lang="zh-CN" altLang="en-US" sz="2000" err="1">
+                <a:solidFill>
+                  <a:srgbClr val="6600CC"/>
+                </a:solidFill>
+                <a:latin typeface="DFKai-SB" panose="03000509000000000000" charset="-122"/>
+                <a:ea typeface="DFKai-SB" panose="03000509000000000000" charset="-122"/>
+              </a:rPr>
+              <a:t>對象</a:t>
+            </a:r>
+            <a:r>
+              <a:rPr lang="en-US" altLang="zh-CN" sz="2000" err="1">
+                <a:solidFill>
+                  <a:srgbClr val="6600CC"/>
+                </a:solidFill>
+                <a:latin typeface="DFKai-SB" panose="03000509000000000000" charset="-122"/>
+                <a:ea typeface="DFKai-SB" panose="03000509000000000000" charset="-122"/>
+              </a:rPr>
+              <a:t>:</a:t>
+            </a:r>
+            <a:endParaRPr lang="en-US" altLang="zh-CN" sz="2000" err="1">
+              <a:solidFill>
+                <a:srgbClr val="6600CC"/>
+              </a:solidFill>
+              <a:latin typeface="DFKai-SB" panose="03000509000000000000" charset="-122"/>
+              <a:ea typeface="DFKai-SB" panose="03000509000000000000" charset="-122"/>
+            </a:endParaRPr>
+          </a:p>
+          <a:p>
+            <a:pPr lvl="0" indent="0"/>
+            <a:r>
+              <a:rPr lang="zh-CN" altLang="zh-CN" sz="2000" err="1">
+                <a:solidFill>
+                  <a:srgbClr val="FF0000"/>
+                </a:solidFill>
+                <a:latin typeface="DFKai-SB" panose="03000509000000000000" charset="-122"/>
+                <a:ea typeface="DFKai-SB" panose="03000509000000000000" charset="-122"/>
+              </a:rPr>
+              <a:t>車間管理人員或責任窗口</a:t>
+            </a:r>
+            <a:r>
+              <a:rPr lang="zh-CN" altLang="zh-CN" sz="1400" err="1">
+                <a:solidFill>
+                  <a:srgbClr val="6600CC"/>
+                </a:solidFill>
+                <a:latin typeface="DFKai-SB" panose="03000509000000000000" charset="-122"/>
+                <a:ea typeface="DFKai-SB" panose="03000509000000000000" charset="-122"/>
+              </a:rPr>
+              <a:t> </a:t>
+            </a:r>
+            <a:endParaRPr lang="zh-CN" altLang="zh-CN" sz="1400" err="1">
+              <a:solidFill>
+                <a:srgbClr val="6600CC"/>
+              </a:solidFill>
+              <a:latin typeface="DFKai-SB" panose="03000509000000000000" charset="-122"/>
+              <a:ea typeface="DFKai-SB" panose="03000509000000000000" charset="-122"/>
+            </a:endParaRPr>
+          </a:p>
+        </p:txBody>
+      </p:sp>
+      <p:pic>
+        <p:nvPicPr>
+          <p:cNvPr id="2" name="图片 1"/>
+          <p:cNvPicPr>
+            <a:picLocks noChangeAspect="1"/>
+          </p:cNvPicPr>
+          <p:nvPr/>
+        </p:nvPicPr>
+        <p:blipFill>
+          <a:blip r:embed="rId2"/>
+          <a:stretch>
+            <a:fillRect/>
+          </a:stretch>
+        </p:blipFill>
+        <p:spPr>
+          <a:xfrm>
+            <a:off x="685800" y="1416050"/>
+            <a:ext cx="7020560" cy="4618990"/>
+          </a:xfrm>
+          <a:prstGeom prst="rect">
+            <a:avLst/>
+          </a:prstGeom>
+        </p:spPr>
+      </p:pic>
+    </p:spTree>
+  </p:cSld>
+  <p:clrMapOvr>
+    <a:masterClrMapping/>
+  </p:clrMapOvr>
+</p:sld>
+</file>
+
+<file path=ppt/slides/slide60.xml><?xml version="1.0" encoding="utf-8"?>
 <p:sld xmlns:a="http://schemas.openxmlformats.org/drawingml/2006/main" xmlns:r="http://schemas.openxmlformats.org/officeDocument/2006/relationships" xmlns:p="http://schemas.openxmlformats.org/presentationml/2006/main">
   <p:cSld>
     <p:spTree>
@@ -18968,567 +19511,6 @@
 </p:sld>
 </file>
 
-<file path=ppt/slides/slide6.xml><?xml version="1.0" encoding="utf-8"?>
-<p:sld xmlns:a="http://schemas.openxmlformats.org/drawingml/2006/main" xmlns:r="http://schemas.openxmlformats.org/officeDocument/2006/relationships" xmlns:p="http://schemas.openxmlformats.org/presentationml/2006/main">
-  <p:cSld>
-    <p:spTree>
-      <p:nvGrpSpPr>
-        <p:cNvPr id="1" name=""/>
-        <p:cNvGrpSpPr/>
-        <p:nvPr/>
-      </p:nvGrpSpPr>
-      <p:grpSpPr>
-        <a:xfrm>
-          <a:off x="0" y="0"/>
-          <a:ext cx="0" cy="0"/>
-          <a:chOff x="0" y="0"/>
-          <a:chExt cx="0" cy="0"/>
-        </a:xfrm>
-      </p:grpSpPr>
-      <p:pic>
-        <p:nvPicPr>
-          <p:cNvPr id="3" name="图片 2" descr="1111"/>
-          <p:cNvPicPr>
-            <a:picLocks noChangeAspect="1"/>
-          </p:cNvPicPr>
-          <p:nvPr/>
-        </p:nvPicPr>
-        <p:blipFill>
-          <a:blip r:embed="rId1"/>
-          <a:stretch>
-            <a:fillRect/>
-          </a:stretch>
-        </p:blipFill>
-        <p:spPr>
-          <a:xfrm>
-            <a:off x="-59690" y="-57150"/>
-            <a:ext cx="9201150" cy="6918325"/>
-          </a:xfrm>
-          <a:prstGeom prst="rect">
-            <a:avLst/>
-          </a:prstGeom>
-        </p:spPr>
-      </p:pic>
-      <p:sp>
-        <p:nvSpPr>
-          <p:cNvPr id="238594" name="標題 238593"/>
-          <p:cNvSpPr>
-            <a:spLocks noGrp="1"/>
-          </p:cNvSpPr>
-          <p:nvPr>
-            <p:ph type="title"/>
-          </p:nvPr>
-        </p:nvSpPr>
-        <p:spPr/>
-        <p:txBody>
-          <a:bodyPr anchor="ctr"/>
-          <a:lstStyle/>
-          <a:p>
-            <a:pPr fontAlgn="base"/>
-            <a:r>
-              <a:rPr lang="en-US" altLang="zh-TW" strike="noStrike" noProof="1">
-                <a:solidFill>
-                  <a:srgbClr val="0000CC"/>
-                </a:solidFill>
-              </a:rPr>
-              <a:t>3. </a:t>
-            </a:r>
-            <a:r>
-              <a:rPr lang="zh-CN" altLang="zh-TW" strike="noStrike" noProof="1">
-                <a:solidFill>
-                  <a:srgbClr val="0000CC"/>
-                </a:solidFill>
-                <a:latin typeface="+mn-ea"/>
-                <a:ea typeface="+mn-ea"/>
-              </a:rPr>
-              <a:t>刷卡模式設定</a:t>
-            </a:r>
-            <a:endParaRPr lang="zh-CN" altLang="zh-TW" strike="noStrike" noProof="1">
-              <a:solidFill>
-                <a:srgbClr val="0000CC"/>
-              </a:solidFill>
-              <a:latin typeface="+mn-ea"/>
-              <a:ea typeface="+mn-ea"/>
-            </a:endParaRPr>
-          </a:p>
-        </p:txBody>
-      </p:sp>
-      <p:sp>
-        <p:nvSpPr>
-          <p:cNvPr id="10242" name="標題 238593"/>
-          <p:cNvSpPr>
-            <a:spLocks noGrp="1"/>
-          </p:cNvSpPr>
-          <p:nvPr/>
-        </p:nvSpPr>
-        <p:spPr>
-          <a:xfrm>
-            <a:off x="441325" y="892175"/>
-            <a:ext cx="8229600" cy="523875"/>
-          </a:xfrm>
-          <a:prstGeom prst="rect">
-            <a:avLst/>
-          </a:prstGeom>
-          <a:noFill/>
-          <a:ln w="9525">
-            <a:noFill/>
-          </a:ln>
-        </p:spPr>
-        <p:txBody>
-          <a:bodyPr anchor="ctr"/>
-          <a:lstStyle/>
-          <a:p>
-            <a:pPr lvl="0" indent="0">
-              <a:buClrTx/>
-            </a:pPr>
-            <a:r>
-              <a:rPr lang="zh-CN" altLang="zh-CN" b="0" dirty="0">
-                <a:solidFill>
-                  <a:srgbClr val="000066"/>
-                </a:solidFill>
-                <a:latin typeface="DFKai-SB" panose="03000509000000000000" charset="-122"/>
-                <a:ea typeface="DFKai-SB" panose="03000509000000000000" charset="-122"/>
-                <a:sym typeface="宋体" panose="02010600030101010101" pitchFamily="2" charset="-122"/>
-              </a:rPr>
-              <a:t>車間門口電腦： 桌面 </a:t>
-            </a:r>
-            <a:r>
-              <a:rPr lang="en-US" altLang="zh-CN" b="0" dirty="0">
-                <a:solidFill>
-                  <a:srgbClr val="000066"/>
-                </a:solidFill>
-                <a:latin typeface="DFKai-SB" panose="03000509000000000000" charset="-122"/>
-                <a:ea typeface="DFKai-SB" panose="03000509000000000000" charset="-122"/>
-                <a:sym typeface="宋体" panose="02010600030101010101" pitchFamily="2" charset="-122"/>
-              </a:rPr>
-              <a:t>-&gt; </a:t>
-            </a:r>
-            <a:r>
-              <a:rPr lang="zh-CN" altLang="zh-CN" b="0" dirty="0">
-                <a:solidFill>
-                  <a:srgbClr val="000066"/>
-                </a:solidFill>
-                <a:latin typeface="DFKai-SB" panose="03000509000000000000" charset="-122"/>
-                <a:ea typeface="DFKai-SB" panose="03000509000000000000" charset="-122"/>
-                <a:sym typeface="宋体" panose="02010600030101010101" pitchFamily="2" charset="-122"/>
-              </a:rPr>
-              <a:t>鼠標雙擊</a:t>
-            </a:r>
-            <a:r>
-              <a:rPr lang="en-US" altLang="zh-CN" dirty="0">
-                <a:solidFill>
-                  <a:srgbClr val="FF0000"/>
-                </a:solidFill>
-                <a:latin typeface="DFKai-SB" panose="03000509000000000000" charset="-122"/>
-                <a:ea typeface="DFKai-SB" panose="03000509000000000000" charset="-122"/>
-                <a:sym typeface="宋体" panose="02010600030101010101" pitchFamily="2" charset="-122"/>
-              </a:rPr>
-              <a:t>SYSTEM</a:t>
-            </a:r>
-            <a:r>
-              <a:rPr lang="zh-CN" altLang="zh-CN" b="0" dirty="0">
-                <a:solidFill>
-                  <a:srgbClr val="000066"/>
-                </a:solidFill>
-                <a:latin typeface="DFKai-SB" panose="03000509000000000000" charset="-122"/>
-                <a:ea typeface="DFKai-SB" panose="03000509000000000000" charset="-122"/>
-                <a:sym typeface="宋体" panose="02010600030101010101" pitchFamily="2" charset="-122"/>
-              </a:rPr>
-              <a:t>圖標 </a:t>
-            </a:r>
-            <a:r>
-              <a:rPr lang="en-US" altLang="zh-CN" b="0" dirty="0">
-                <a:solidFill>
-                  <a:srgbClr val="000066"/>
-                </a:solidFill>
-                <a:latin typeface="DFKai-SB" panose="03000509000000000000" charset="-122"/>
-                <a:ea typeface="DFKai-SB" panose="03000509000000000000" charset="-122"/>
-                <a:sym typeface="宋体" panose="02010600030101010101" pitchFamily="2" charset="-122"/>
-              </a:rPr>
-              <a:t>-&gt; </a:t>
-            </a:r>
-            <a:r>
-              <a:rPr lang="zh-CN" altLang="en-US" b="0" dirty="0">
-                <a:solidFill>
-                  <a:srgbClr val="000066"/>
-                </a:solidFill>
-                <a:latin typeface="DFKai-SB" panose="03000509000000000000" charset="-122"/>
-                <a:ea typeface="DFKai-SB" panose="03000509000000000000" charset="-122"/>
-                <a:sym typeface="宋体" panose="02010600030101010101" pitchFamily="2" charset="-122"/>
-              </a:rPr>
-              <a:t>啟用程式</a:t>
-            </a:r>
-            <a:endParaRPr lang="en-US" altLang="zh-CN" b="0" dirty="0">
-              <a:solidFill>
-                <a:srgbClr val="000066"/>
-              </a:solidFill>
-              <a:latin typeface="DFKai-SB" panose="03000509000000000000" charset="-122"/>
-              <a:ea typeface="DFKai-SB" panose="03000509000000000000" charset="-122"/>
-              <a:sym typeface="宋体" panose="02010600030101010101" pitchFamily="2" charset="-122"/>
-            </a:endParaRPr>
-          </a:p>
-        </p:txBody>
-      </p:sp>
-      <p:sp>
-        <p:nvSpPr>
-          <p:cNvPr id="10245" name="矩形圖說文字 226308"/>
-          <p:cNvSpPr/>
-          <p:nvPr/>
-        </p:nvSpPr>
-        <p:spPr>
-          <a:xfrm>
-            <a:off x="5414963" y="115888"/>
-            <a:ext cx="3028950" cy="649287"/>
-          </a:xfrm>
-          <a:prstGeom prst="wedgeRectCallout">
-            <a:avLst>
-              <a:gd name="adj1" fmla="val -20037"/>
-              <a:gd name="adj2" fmla="val -45116"/>
-            </a:avLst>
-          </a:prstGeom>
-          <a:gradFill rotWithShape="1">
-            <a:gsLst>
-              <a:gs pos="0">
-                <a:srgbClr val="FCFDFE">
-                  <a:alpha val="100000"/>
-                </a:srgbClr>
-              </a:gs>
-              <a:gs pos="74001">
-                <a:srgbClr val="E0F1F2">
-                  <a:alpha val="100000"/>
-                </a:srgbClr>
-              </a:gs>
-              <a:gs pos="83000">
-                <a:srgbClr val="E0F1F2">
-                  <a:alpha val="100000"/>
-                </a:srgbClr>
-              </a:gs>
-              <a:gs pos="100000">
-                <a:srgbClr val="EBF6F7">
-                  <a:alpha val="100000"/>
-                </a:srgbClr>
-              </a:gs>
-            </a:gsLst>
-            <a:lin ang="5400000"/>
-            <a:tileRect/>
-          </a:gradFill>
-          <a:ln w="6350" cap="flat" cmpd="sng">
-            <a:solidFill>
-              <a:srgbClr val="800080"/>
-            </a:solidFill>
-            <a:prstDash val="solid"/>
-            <a:miter/>
-            <a:headEnd type="none" w="med" len="med"/>
-            <a:tailEnd type="none" w="med" len="med"/>
-          </a:ln>
-        </p:spPr>
-        <p:txBody>
-          <a:bodyPr anchor="t"/>
-          <a:lstStyle/>
-          <a:p>
-            <a:pPr lvl="0" indent="0"/>
-            <a:r>
-              <a:rPr lang="zh-CN" altLang="en-US" sz="2000" err="1">
-                <a:solidFill>
-                  <a:srgbClr val="6600CC"/>
-                </a:solidFill>
-                <a:latin typeface="DFKai-SB" panose="03000509000000000000" charset="-122"/>
-                <a:ea typeface="DFKai-SB" panose="03000509000000000000" charset="-122"/>
-              </a:rPr>
-              <a:t>對象</a:t>
-            </a:r>
-            <a:r>
-              <a:rPr lang="en-US" altLang="zh-CN" sz="2000" err="1">
-                <a:solidFill>
-                  <a:srgbClr val="6600CC"/>
-                </a:solidFill>
-                <a:latin typeface="DFKai-SB" panose="03000509000000000000" charset="-122"/>
-                <a:ea typeface="DFKai-SB" panose="03000509000000000000" charset="-122"/>
-              </a:rPr>
-              <a:t>:</a:t>
-            </a:r>
-            <a:endParaRPr lang="en-US" altLang="zh-CN" sz="2000" err="1">
-              <a:solidFill>
-                <a:srgbClr val="6600CC"/>
-              </a:solidFill>
-              <a:latin typeface="DFKai-SB" panose="03000509000000000000" charset="-122"/>
-              <a:ea typeface="DFKai-SB" panose="03000509000000000000" charset="-122"/>
-            </a:endParaRPr>
-          </a:p>
-          <a:p>
-            <a:pPr lvl="0" indent="0"/>
-            <a:r>
-              <a:rPr lang="zh-CN" altLang="zh-CN" sz="2000" err="1">
-                <a:solidFill>
-                  <a:srgbClr val="FF0000"/>
-                </a:solidFill>
-                <a:latin typeface="DFKai-SB" panose="03000509000000000000" charset="-122"/>
-                <a:ea typeface="DFKai-SB" panose="03000509000000000000" charset="-122"/>
-              </a:rPr>
-              <a:t>車間管理人員或責任窗口</a:t>
-            </a:r>
-            <a:r>
-              <a:rPr lang="zh-CN" altLang="zh-CN" sz="1400" err="1">
-                <a:solidFill>
-                  <a:srgbClr val="6600CC"/>
-                </a:solidFill>
-                <a:latin typeface="DFKai-SB" panose="03000509000000000000" charset="-122"/>
-                <a:ea typeface="DFKai-SB" panose="03000509000000000000" charset="-122"/>
-              </a:rPr>
-              <a:t> </a:t>
-            </a:r>
-            <a:endParaRPr lang="zh-CN" altLang="zh-CN" sz="1400" err="1">
-              <a:solidFill>
-                <a:srgbClr val="6600CC"/>
-              </a:solidFill>
-              <a:latin typeface="DFKai-SB" panose="03000509000000000000" charset="-122"/>
-              <a:ea typeface="DFKai-SB" panose="03000509000000000000" charset="-122"/>
-            </a:endParaRPr>
-          </a:p>
-        </p:txBody>
-      </p:sp>
-      <p:pic>
-        <p:nvPicPr>
-          <p:cNvPr id="2" name="图片 1"/>
-          <p:cNvPicPr>
-            <a:picLocks noChangeAspect="1"/>
-          </p:cNvPicPr>
-          <p:nvPr/>
-        </p:nvPicPr>
-        <p:blipFill>
-          <a:blip r:embed="rId2"/>
-          <a:stretch>
-            <a:fillRect/>
-          </a:stretch>
-        </p:blipFill>
-        <p:spPr>
-          <a:xfrm>
-            <a:off x="685800" y="1416050"/>
-            <a:ext cx="7020560" cy="4618990"/>
-          </a:xfrm>
-          <a:prstGeom prst="rect">
-            <a:avLst/>
-          </a:prstGeom>
-        </p:spPr>
-      </p:pic>
-    </p:spTree>
-  </p:cSld>
-  <p:clrMapOvr>
-    <a:masterClrMapping/>
-  </p:clrMapOvr>
-</p:sld>
-</file>
-
-<file path=ppt/slides/slide60.xml><?xml version="1.0" encoding="utf-8"?>
-<p:sld xmlns:a="http://schemas.openxmlformats.org/drawingml/2006/main" xmlns:r="http://schemas.openxmlformats.org/officeDocument/2006/relationships" xmlns:p="http://schemas.openxmlformats.org/presentationml/2006/main">
-  <p:cSld>
-    <p:spTree>
-      <p:nvGrpSpPr>
-        <p:cNvPr id="1" name=""/>
-        <p:cNvGrpSpPr/>
-        <p:nvPr/>
-      </p:nvGrpSpPr>
-      <p:grpSpPr>
-        <a:xfrm>
-          <a:off x="0" y="0"/>
-          <a:ext cx="0" cy="0"/>
-          <a:chOff x="0" y="0"/>
-          <a:chExt cx="0" cy="0"/>
-        </a:xfrm>
-      </p:grpSpPr>
-      <p:sp>
-        <p:nvSpPr>
-          <p:cNvPr id="2" name="标题 1"/>
-          <p:cNvSpPr>
-            <a:spLocks noGrp="1"/>
-          </p:cNvSpPr>
-          <p:nvPr>
-            <p:ph type="title"/>
-          </p:nvPr>
-        </p:nvSpPr>
-        <p:spPr/>
-        <p:txBody>
-          <a:bodyPr/>
-          <a:lstStyle/>
-          <a:p>
-            <a:r>
-              <a:rPr lang="en-US" altLang="zh-TW" noProof="1">
-                <a:solidFill>
-                  <a:srgbClr val="0000CC"/>
-                </a:solidFill>
-                <a:latin typeface="+mn-ea"/>
-                <a:sym typeface="+mn-ea"/>
-              </a:rPr>
-              <a:t>7.</a:t>
-            </a:r>
-            <a:r>
-              <a:rPr lang="zh-CN" altLang="en-US" noProof="1">
-                <a:solidFill>
-                  <a:srgbClr val="0000CC"/>
-                </a:solidFill>
-                <a:latin typeface="+mn-ea"/>
-                <a:sym typeface="+mn-ea"/>
-              </a:rPr>
-              <a:t>網頁實時工時查詢使用</a:t>
-            </a:r>
-            <a:endParaRPr lang="zh-CN" altLang="en-US" dirty="0"/>
-          </a:p>
-        </p:txBody>
-      </p:sp>
-      <p:sp>
-        <p:nvSpPr>
-          <p:cNvPr id="3" name="内容占位符 2"/>
-          <p:cNvSpPr>
-            <a:spLocks noGrp="1"/>
-          </p:cNvSpPr>
-          <p:nvPr>
-            <p:ph idx="1"/>
-          </p:nvPr>
-        </p:nvSpPr>
-        <p:spPr/>
-        <p:txBody>
-          <a:bodyPr/>
-          <a:lstStyle/>
-          <a:p>
-            <a:pPr marL="0" indent="0">
-              <a:buNone/>
-            </a:pPr>
-            <a:r>
-              <a:rPr lang="zh-CN" altLang="en-US" sz="1600" dirty="0" smtClean="0">
-                <a:solidFill>
-                  <a:schemeClr val="tx1"/>
-                </a:solidFill>
-              </a:rPr>
-              <a:t>導入外部員工</a:t>
-            </a:r>
-            <a:r>
-              <a:rPr lang="en-US" altLang="zh-CN" sz="1600" dirty="0" smtClean="0">
-                <a:solidFill>
-                  <a:schemeClr val="tx1"/>
-                </a:solidFill>
-              </a:rPr>
-              <a:t>id</a:t>
-            </a:r>
-            <a:r>
-              <a:rPr lang="zh-CN" altLang="en-US" sz="1600" dirty="0" smtClean="0">
-                <a:solidFill>
-                  <a:schemeClr val="tx1"/>
-                </a:solidFill>
-              </a:rPr>
-              <a:t>號等操作</a:t>
-            </a:r>
-            <a:endParaRPr lang="en-US" altLang="zh-CN" sz="1600" dirty="0" smtClean="0">
-              <a:solidFill>
-                <a:schemeClr val="tx1"/>
-              </a:solidFill>
-            </a:endParaRPr>
-          </a:p>
-          <a:p>
-            <a:pPr marL="0" indent="0">
-              <a:buNone/>
-            </a:pPr>
-            <a:r>
-              <a:rPr lang="zh-CN" altLang="en-US" sz="1600" dirty="0" smtClean="0">
-                <a:solidFill>
-                  <a:schemeClr val="tx1"/>
-                </a:solidFill>
-              </a:rPr>
-              <a:t>①點擊需要導入的類型</a:t>
-            </a:r>
-            <a:endParaRPr lang="en-US" altLang="zh-CN" sz="1600" dirty="0" smtClean="0">
-              <a:solidFill>
-                <a:schemeClr val="tx1"/>
-              </a:solidFill>
-            </a:endParaRPr>
-          </a:p>
-          <a:p>
-            <a:pPr marL="0" indent="0">
-              <a:buNone/>
-            </a:pPr>
-            <a:r>
-              <a:rPr lang="zh-CN" altLang="en-US" sz="1600" dirty="0">
-                <a:solidFill>
-                  <a:schemeClr val="tx1"/>
-                </a:solidFill>
-              </a:rPr>
-              <a:t>②點擊查詢框</a:t>
-            </a:r>
-            <a:endParaRPr lang="zh-CN" altLang="en-US" sz="1600" dirty="0">
-              <a:solidFill>
-                <a:schemeClr val="tx1"/>
-              </a:solidFill>
-            </a:endParaRPr>
-          </a:p>
-          <a:p>
-            <a:pPr marL="0" indent="0">
-              <a:buNone/>
-            </a:pPr>
-            <a:endParaRPr lang="en-US" altLang="zh-CN" sz="1600" dirty="0" smtClean="0">
-              <a:solidFill>
-                <a:schemeClr val="tx1"/>
-              </a:solidFill>
-            </a:endParaRPr>
-          </a:p>
-          <a:p>
-            <a:pPr marL="0" indent="0">
-              <a:buNone/>
-            </a:pPr>
-            <a:endParaRPr lang="en-US" altLang="zh-CN" sz="1600" dirty="0" smtClean="0">
-              <a:solidFill>
-                <a:schemeClr val="tx1"/>
-              </a:solidFill>
-            </a:endParaRPr>
-          </a:p>
-          <a:p>
-            <a:pPr marL="0" indent="0">
-              <a:buNone/>
-            </a:pPr>
-            <a:endParaRPr lang="zh-CN" altLang="en-US" sz="1600" dirty="0">
-              <a:solidFill>
-                <a:schemeClr val="tx1"/>
-              </a:solidFill>
-            </a:endParaRPr>
-          </a:p>
-        </p:txBody>
-      </p:sp>
-      <p:pic>
-        <p:nvPicPr>
-          <p:cNvPr id="5" name="图片 4"/>
-          <p:cNvPicPr>
-            <a:picLocks noChangeAspect="1"/>
-          </p:cNvPicPr>
-          <p:nvPr/>
-        </p:nvPicPr>
-        <p:blipFill>
-          <a:blip r:embed="rId1">
-            <a:extLst>
-              <a:ext uri="{28A0092B-C50C-407E-A947-70E740481C1C}">
-                <a14:useLocalDpi xmlns:a14="http://schemas.microsoft.com/office/drawing/2010/main" val="0"/>
-              </a:ext>
-            </a:extLst>
-          </a:blip>
-          <a:stretch>
-            <a:fillRect/>
-          </a:stretch>
-        </p:blipFill>
-        <p:spPr>
-          <a:xfrm>
-            <a:off x="1095809" y="2132856"/>
-            <a:ext cx="6952381" cy="2780952"/>
-          </a:xfrm>
-          <a:prstGeom prst="rect">
-            <a:avLst/>
-          </a:prstGeom>
-        </p:spPr>
-      </p:pic>
-    </p:spTree>
-  </p:cSld>
-  <p:clrMapOvr>
-    <a:masterClrMapping/>
-  </p:clrMapOvr>
-</p:sld>
-</file>
-
 <file path=ppt/slides/slide61.xml><?xml version="1.0" encoding="utf-8"?>
 <p:sld xmlns:a="http://schemas.openxmlformats.org/drawingml/2006/main" xmlns:r="http://schemas.openxmlformats.org/officeDocument/2006/relationships" xmlns:p="http://schemas.openxmlformats.org/presentationml/2006/main">
   <p:cSld>
@@ -19604,7 +19586,7 @@
               <a:buNone/>
             </a:pPr>
             <a:r>
-              <a:rPr lang="zh-CN" altLang="en-US" sz="1600" dirty="0">
+              <a:rPr lang="zh-CN" altLang="en-US" sz="1600" dirty="0" smtClean="0">
                 <a:solidFill>
                   <a:schemeClr val="tx1"/>
                 </a:solidFill>
@@ -19612,7 +19594,7 @@
               <a:t>導入外部員工</a:t>
             </a:r>
             <a:r>
-              <a:rPr lang="en-US" altLang="zh-CN" sz="1600" dirty="0">
+              <a:rPr lang="en-US" altLang="zh-CN" sz="1600" dirty="0" smtClean="0">
                 <a:solidFill>
                   <a:schemeClr val="tx1"/>
                 </a:solidFill>
@@ -19620,14 +19602,14 @@
               <a:t>id</a:t>
             </a:r>
             <a:r>
-              <a:rPr lang="zh-CN" altLang="en-US" sz="1600" dirty="0">
+              <a:rPr lang="zh-CN" altLang="en-US" sz="1600" dirty="0" smtClean="0">
                 <a:solidFill>
                   <a:schemeClr val="tx1"/>
                 </a:solidFill>
               </a:rPr>
               <a:t>號等操作</a:t>
             </a:r>
-            <a:endParaRPr lang="en-US" altLang="zh-CN" sz="1600" dirty="0">
+            <a:endParaRPr lang="en-US" altLang="zh-CN" sz="1600" dirty="0" smtClean="0">
               <a:solidFill>
                 <a:schemeClr val="tx1"/>
               </a:solidFill>
@@ -19643,7 +19625,25 @@
                   <a:schemeClr val="tx1"/>
                 </a:solidFill>
               </a:rPr>
-              <a:t>③選擇需要導入的文件</a:t>
+              <a:t>①點擊需要導入的類型</a:t>
+            </a:r>
+            <a:endParaRPr lang="en-US" altLang="zh-CN" sz="1600" dirty="0" smtClean="0">
+              <a:solidFill>
+                <a:schemeClr val="tx1"/>
+              </a:solidFill>
+            </a:endParaRPr>
+          </a:p>
+          <a:p>
+            <a:pPr marL="0" indent="0">
+              <a:buNone/>
+            </a:pPr>
+            <a:r>
+              <a:rPr lang="zh-CN" altLang="en-US" sz="1600" dirty="0">
+                <a:solidFill>
+                  <a:schemeClr val="tx1"/>
+                </a:solidFill>
+              </a:rPr>
+              <a:t>②點擊查詢框</a:t>
             </a:r>
             <a:endParaRPr lang="zh-CN" altLang="en-US" sz="1600" dirty="0">
               <a:solidFill>
@@ -19651,11 +19651,41 @@
               </a:solidFill>
             </a:endParaRPr>
           </a:p>
+          <a:p>
+            <a:pPr marL="0" indent="0">
+              <a:buNone/>
+            </a:pPr>
+            <a:endParaRPr lang="en-US" altLang="zh-CN" sz="1600" dirty="0" smtClean="0">
+              <a:solidFill>
+                <a:schemeClr val="tx1"/>
+              </a:solidFill>
+            </a:endParaRPr>
+          </a:p>
+          <a:p>
+            <a:pPr marL="0" indent="0">
+              <a:buNone/>
+            </a:pPr>
+            <a:endParaRPr lang="en-US" altLang="zh-CN" sz="1600" dirty="0" smtClean="0">
+              <a:solidFill>
+                <a:schemeClr val="tx1"/>
+              </a:solidFill>
+            </a:endParaRPr>
+          </a:p>
+          <a:p>
+            <a:pPr marL="0" indent="0">
+              <a:buNone/>
+            </a:pPr>
+            <a:endParaRPr lang="zh-CN" altLang="en-US" sz="1600" dirty="0">
+              <a:solidFill>
+                <a:schemeClr val="tx1"/>
+              </a:solidFill>
+            </a:endParaRPr>
+          </a:p>
         </p:txBody>
       </p:sp>
       <p:pic>
         <p:nvPicPr>
-          <p:cNvPr id="4" name="图片 3"/>
+          <p:cNvPr id="5" name="图片 4"/>
           <p:cNvPicPr>
             <a:picLocks noChangeAspect="1"/>
           </p:cNvPicPr>
@@ -19675,8 +19705,8 @@
         </p:blipFill>
         <p:spPr>
           <a:xfrm>
-            <a:off x="662476" y="1988840"/>
-            <a:ext cx="7819048" cy="4209524"/>
+            <a:off x="1095809" y="2132856"/>
+            <a:ext cx="6952381" cy="2780952"/>
           </a:xfrm>
           <a:prstGeom prst="rect">
             <a:avLst/>
@@ -19805,18 +19835,8 @@
                   <a:schemeClr val="tx1"/>
                 </a:solidFill>
               </a:rPr>
-              <a:t>④導入成功</a:t>
-            </a:r>
-            <a:endParaRPr lang="en-US" altLang="zh-CN" sz="1600" dirty="0" smtClean="0">
-              <a:solidFill>
-                <a:schemeClr val="tx1"/>
-              </a:solidFill>
-            </a:endParaRPr>
-          </a:p>
-          <a:p>
-            <a:pPr marL="0" indent="0">
-              <a:buNone/>
-            </a:pPr>
+              <a:t>③選擇需要導入的文件</a:t>
+            </a:r>
             <a:endParaRPr lang="zh-CN" altLang="en-US" sz="1600" dirty="0">
               <a:solidFill>
                 <a:schemeClr val="tx1"/>
@@ -19834,15 +19854,21 @@
           <p:nvPr/>
         </p:nvPicPr>
         <p:blipFill>
-          <a:blip r:embed="rId1"/>
+          <a:blip r:embed="rId1">
+            <a:extLst>
+              <a:ext uri="{28A0092B-C50C-407E-A947-70E740481C1C}">
+                <a14:useLocalDpi xmlns:a14="http://schemas.microsoft.com/office/drawing/2010/main" val="0"/>
+              </a:ext>
+            </a:extLst>
+          </a:blip>
           <a:stretch>
             <a:fillRect/>
           </a:stretch>
         </p:blipFill>
         <p:spPr>
           <a:xfrm>
-            <a:off x="1129143" y="2233762"/>
-            <a:ext cx="6885714" cy="2390476"/>
+            <a:off x="662476" y="1988840"/>
+            <a:ext cx="7819048" cy="4209524"/>
           </a:xfrm>
           <a:prstGeom prst="rect">
             <a:avLst/>
@@ -19953,6 +19979,172 @@
                   <a:schemeClr val="tx1"/>
                 </a:solidFill>
               </a:rPr>
+              <a:t>號等操作</a:t>
+            </a:r>
+            <a:endParaRPr lang="en-US" altLang="zh-CN" sz="1600" dirty="0">
+              <a:solidFill>
+                <a:schemeClr val="tx1"/>
+              </a:solidFill>
+            </a:endParaRPr>
+          </a:p>
+          <a:p>
+            <a:pPr marL="0" indent="0">
+              <a:buNone/>
+            </a:pPr>
+            <a:r>
+              <a:rPr lang="zh-CN" altLang="en-US" sz="1600" dirty="0" smtClean="0">
+                <a:solidFill>
+                  <a:schemeClr val="tx1"/>
+                </a:solidFill>
+              </a:rPr>
+              <a:t>④導入成功</a:t>
+            </a:r>
+            <a:endParaRPr lang="en-US" altLang="zh-CN" sz="1600" dirty="0" smtClean="0">
+              <a:solidFill>
+                <a:schemeClr val="tx1"/>
+              </a:solidFill>
+            </a:endParaRPr>
+          </a:p>
+          <a:p>
+            <a:pPr marL="0" indent="0">
+              <a:buNone/>
+            </a:pPr>
+            <a:endParaRPr lang="zh-CN" altLang="en-US" sz="1600" dirty="0">
+              <a:solidFill>
+                <a:schemeClr val="tx1"/>
+              </a:solidFill>
+            </a:endParaRPr>
+          </a:p>
+        </p:txBody>
+      </p:sp>
+      <p:pic>
+        <p:nvPicPr>
+          <p:cNvPr id="4" name="图片 3"/>
+          <p:cNvPicPr>
+            <a:picLocks noChangeAspect="1"/>
+          </p:cNvPicPr>
+          <p:nvPr/>
+        </p:nvPicPr>
+        <p:blipFill>
+          <a:blip r:embed="rId1"/>
+          <a:stretch>
+            <a:fillRect/>
+          </a:stretch>
+        </p:blipFill>
+        <p:spPr>
+          <a:xfrm>
+            <a:off x="1129143" y="2233762"/>
+            <a:ext cx="6885714" cy="2390476"/>
+          </a:xfrm>
+          <a:prstGeom prst="rect">
+            <a:avLst/>
+          </a:prstGeom>
+        </p:spPr>
+      </p:pic>
+    </p:spTree>
+  </p:cSld>
+  <p:clrMapOvr>
+    <a:masterClrMapping/>
+  </p:clrMapOvr>
+</p:sld>
+</file>
+
+<file path=ppt/slides/slide64.xml><?xml version="1.0" encoding="utf-8"?>
+<p:sld xmlns:a="http://schemas.openxmlformats.org/drawingml/2006/main" xmlns:r="http://schemas.openxmlformats.org/officeDocument/2006/relationships" xmlns:p="http://schemas.openxmlformats.org/presentationml/2006/main">
+  <p:cSld>
+    <p:spTree>
+      <p:nvGrpSpPr>
+        <p:cNvPr id="1" name=""/>
+        <p:cNvGrpSpPr/>
+        <p:nvPr/>
+      </p:nvGrpSpPr>
+      <p:grpSpPr>
+        <a:xfrm>
+          <a:off x="0" y="0"/>
+          <a:ext cx="0" cy="0"/>
+          <a:chOff x="0" y="0"/>
+          <a:chExt cx="0" cy="0"/>
+        </a:xfrm>
+      </p:grpSpPr>
+      <p:sp>
+        <p:nvSpPr>
+          <p:cNvPr id="2" name="标题 1"/>
+          <p:cNvSpPr>
+            <a:spLocks noGrp="1"/>
+          </p:cNvSpPr>
+          <p:nvPr>
+            <p:ph type="title"/>
+          </p:nvPr>
+        </p:nvSpPr>
+        <p:spPr/>
+        <p:txBody>
+          <a:bodyPr/>
+          <a:lstStyle/>
+          <a:p>
+            <a:r>
+              <a:rPr lang="en-US" altLang="zh-TW" noProof="1">
+                <a:solidFill>
+                  <a:srgbClr val="0000CC"/>
+                </a:solidFill>
+                <a:latin typeface="+mn-ea"/>
+                <a:sym typeface="+mn-ea"/>
+              </a:rPr>
+              <a:t>7.</a:t>
+            </a:r>
+            <a:r>
+              <a:rPr lang="zh-CN" altLang="en-US" noProof="1">
+                <a:solidFill>
+                  <a:srgbClr val="0000CC"/>
+                </a:solidFill>
+                <a:latin typeface="+mn-ea"/>
+                <a:sym typeface="+mn-ea"/>
+              </a:rPr>
+              <a:t>網頁實時工時查詢使用</a:t>
+            </a:r>
+            <a:endParaRPr lang="zh-CN" altLang="en-US" dirty="0"/>
+          </a:p>
+        </p:txBody>
+      </p:sp>
+      <p:sp>
+        <p:nvSpPr>
+          <p:cNvPr id="3" name="内容占位符 2"/>
+          <p:cNvSpPr>
+            <a:spLocks noGrp="1"/>
+          </p:cNvSpPr>
+          <p:nvPr>
+            <p:ph idx="1"/>
+          </p:nvPr>
+        </p:nvSpPr>
+        <p:spPr/>
+        <p:txBody>
+          <a:bodyPr/>
+          <a:lstStyle/>
+          <a:p>
+            <a:pPr marL="0" indent="0">
+              <a:buNone/>
+            </a:pPr>
+            <a:r>
+              <a:rPr lang="zh-CN" altLang="en-US" sz="1600" dirty="0">
+                <a:solidFill>
+                  <a:schemeClr val="tx1"/>
+                </a:solidFill>
+              </a:rPr>
+              <a:t>導入外部員工</a:t>
+            </a:r>
+            <a:r>
+              <a:rPr lang="en-US" altLang="zh-CN" sz="1600" dirty="0">
+                <a:solidFill>
+                  <a:schemeClr val="tx1"/>
+                </a:solidFill>
+              </a:rPr>
+              <a:t>id</a:t>
+            </a:r>
+            <a:r>
+              <a:rPr lang="zh-CN" altLang="en-US" sz="1600" dirty="0">
+                <a:solidFill>
+                  <a:schemeClr val="tx1"/>
+                </a:solidFill>
+              </a:rPr>
               <a:t>號等</a:t>
             </a:r>
             <a:r>
@@ -20071,7 +20263,7 @@
 </p:sld>
 </file>
 
-<file path=ppt/slides/slide64.xml><?xml version="1.0" encoding="utf-8"?>
+<file path=ppt/slides/slide65.xml><?xml version="1.0" encoding="utf-8"?>
 <p:sld xmlns:a="http://schemas.openxmlformats.org/drawingml/2006/main" xmlns:r="http://schemas.openxmlformats.org/officeDocument/2006/relationships" xmlns:p="http://schemas.openxmlformats.org/presentationml/2006/main">
   <p:cSld>
     <p:spTree>
@@ -20797,7 +20989,7 @@
 </p:sld>
 </file>
 
-<file path=ppt/slides/slide65.xml><?xml version="1.0" encoding="utf-8"?>
+<file path=ppt/slides/slide66.xml><?xml version="1.0" encoding="utf-8"?>
 <p:sld xmlns:a="http://schemas.openxmlformats.org/drawingml/2006/main" xmlns:r="http://schemas.openxmlformats.org/officeDocument/2006/relationships" xmlns:p="http://schemas.openxmlformats.org/presentationml/2006/main">
   <p:cSld>
     <p:spTree>
